--- a/For The People.pptx
+++ b/For The People.pptx
@@ -16255,23 +16255,7 @@
                   <a:schemeClr val="bg1"/>
                 </a:solidFill>
               </a:rPr>
-              <a:t>The services which are provided by the government with and </a:t>
-            </a:r>
-            <a:r>
-              <a:rPr lang="en-IN" sz="2400" dirty="0" err="1">
-                <a:solidFill>
-                  <a:schemeClr val="bg1"/>
-                </a:solidFill>
-              </a:rPr>
-              <a:t>assurace</a:t>
-            </a:r>
-            <a:r>
-              <a:rPr lang="en-IN" sz="2400" dirty="0">
-                <a:solidFill>
-                  <a:schemeClr val="bg1"/>
-                </a:solidFill>
-              </a:rPr>
-              <a:t> “For the People” are built and never looked upon unless there is wreckage in their daily functioning. Since we live in a democracy, it becomes our right to enjoy every service in its best possible way. Hence we aim to solve this problem by creating online platforms immersed with data analytics.</a:t>
+              <a:t>The services which are provided by the government with an assurance “For the People” are built and never looked upon unless there is wreckage in their daily functioning. Since we live in a democracy, it becomes our right to enjoy every service in its best possible way. Hence we aim to solve this problem by creating online platforms immersed with data analytics.</a:t>
             </a:r>
           </a:p>
         </p:txBody>

--- a/For The People.pptx
+++ b/For The People.pptx
@@ -2923,6 +2923,13 @@
         </dgm:presLayoutVars>
       </dgm:prSet>
       <dgm:spPr/>
+      <dgm:t>
+        <a:bodyPr/>
+        <a:lstStyle/>
+        <a:p>
+          <a:endParaRPr lang="en-US"/>
+        </a:p>
+      </dgm:t>
     </dgm:pt>
     <dgm:pt modelId="{0BB38692-9BB3-4B7A-9101-9F4FCEFEE705}" type="pres">
       <dgm:prSet presAssocID="{FBDB8E5A-6B79-4104-AAD5-EB3BBA90228B}" presName="compNode" presStyleCnt="0"/>
@@ -2936,13 +2943,13 @@
       <dgm:prSet presAssocID="{FBDB8E5A-6B79-4104-AAD5-EB3BBA90228B}" presName="iconRect" presStyleLbl="node1" presStyleIdx="0" presStyleCnt="4"/>
       <dgm:spPr>
         <a:blipFill>
-          <a:blip xmlns:r="http://schemas.openxmlformats.org/officeDocument/2006/relationships" r:embed="rId1">
+          <a:blip xmlns:r="http://schemas.openxmlformats.org/officeDocument/2006/relationships" r:embed="rId1" cstate="hqprint">
             <a:extLst>
               <a:ext uri="{28A0092B-C50C-407E-A947-70E740481C1C}">
                 <a14:useLocalDpi xmlns:a14="http://schemas.microsoft.com/office/drawing/2010/main" val="0"/>
               </a:ext>
               <a:ext uri="{96DAC541-7B7A-43D3-8B79-37D633B846F1}">
-                <asvg:svgBlip xmlns:asvg="http://schemas.microsoft.com/office/drawing/2016/SVG/main" r:embed="rId2"/>
+                <asvg:svgBlip xmlns:asvg="http://schemas.microsoft.com/office/drawing/2016/SVG/main" xmlns="" r:embed="rId2"/>
               </a:ext>
             </a:extLst>
           </a:blip>
@@ -2954,6 +2961,13 @@
           <a:noFill/>
         </a:ln>
       </dgm:spPr>
+      <dgm:t>
+        <a:bodyPr/>
+        <a:lstStyle/>
+        <a:p>
+          <a:endParaRPr lang="en-US"/>
+        </a:p>
+      </dgm:t>
       <dgm:extLst>
         <a:ext uri="{E40237B7-FDA0-4F09-8148-C483321AD2D9}">
           <dgm14:cNvPr xmlns:dgm14="http://schemas.microsoft.com/office/drawing/2010/diagram" id="0" name="" descr="Bank"/>
@@ -2972,6 +2986,13 @@
         </dgm:presLayoutVars>
       </dgm:prSet>
       <dgm:spPr/>
+      <dgm:t>
+        <a:bodyPr/>
+        <a:lstStyle/>
+        <a:p>
+          <a:endParaRPr lang="en-US"/>
+        </a:p>
+      </dgm:t>
     </dgm:pt>
     <dgm:pt modelId="{47A350AB-EA40-4C43-B3AF-7483811361AC}" type="pres">
       <dgm:prSet presAssocID="{465A43F9-0105-40BA-B316-1B1DA9C31692}" presName="sibTrans" presStyleCnt="0"/>
@@ -2992,7 +3013,7 @@
           <a:blip xmlns:r="http://schemas.openxmlformats.org/officeDocument/2006/relationships" r:embed="rId3">
             <a:extLst>
               <a:ext uri="{96DAC541-7B7A-43D3-8B79-37D633B846F1}">
-                <asvg:svgBlip xmlns:asvg="http://schemas.microsoft.com/office/drawing/2016/SVG/main" r:embed="rId4"/>
+                <asvg:svgBlip xmlns:asvg="http://schemas.microsoft.com/office/drawing/2016/SVG/main" xmlns="" r:embed="rId4"/>
               </a:ext>
             </a:extLst>
           </a:blip>
@@ -3023,6 +3044,13 @@
         </dgm:presLayoutVars>
       </dgm:prSet>
       <dgm:spPr/>
+      <dgm:t>
+        <a:bodyPr/>
+        <a:lstStyle/>
+        <a:p>
+          <a:endParaRPr lang="en-US"/>
+        </a:p>
+      </dgm:t>
     </dgm:pt>
     <dgm:pt modelId="{71AB5F94-DECF-42C4-9C0C-44B9A3803D80}" type="pres">
       <dgm:prSet presAssocID="{4A5F6843-2768-45BA-8C18-766CE84F30AF}" presName="sibTrans" presStyleCnt="0"/>
@@ -3046,7 +3074,7 @@
                 <a14:useLocalDpi xmlns:a14="http://schemas.microsoft.com/office/drawing/2010/main" val="0"/>
               </a:ext>
               <a:ext uri="{96DAC541-7B7A-43D3-8B79-37D633B846F1}">
-                <asvg:svgBlip xmlns:asvg="http://schemas.microsoft.com/office/drawing/2016/SVG/main" r:embed="rId6"/>
+                <asvg:svgBlip xmlns:asvg="http://schemas.microsoft.com/office/drawing/2016/SVG/main" xmlns="" r:embed="rId6"/>
               </a:ext>
             </a:extLst>
           </a:blip>
@@ -3058,6 +3086,13 @@
           <a:noFill/>
         </a:ln>
       </dgm:spPr>
+      <dgm:t>
+        <a:bodyPr/>
+        <a:lstStyle/>
+        <a:p>
+          <a:endParaRPr lang="en-US"/>
+        </a:p>
+      </dgm:t>
       <dgm:extLst>
         <a:ext uri="{E40237B7-FDA0-4F09-8148-C483321AD2D9}">
           <dgm14:cNvPr xmlns:dgm14="http://schemas.microsoft.com/office/drawing/2010/diagram" id="0" name="" descr="Irritant"/>
@@ -3076,6 +3111,13 @@
         </dgm:presLayoutVars>
       </dgm:prSet>
       <dgm:spPr/>
+      <dgm:t>
+        <a:bodyPr/>
+        <a:lstStyle/>
+        <a:p>
+          <a:endParaRPr lang="en-US"/>
+        </a:p>
+      </dgm:t>
     </dgm:pt>
     <dgm:pt modelId="{A8A9143A-30E2-41AE-8CFD-BC309B0AE1F2}" type="pres">
       <dgm:prSet presAssocID="{01254501-00FB-482E-ACFC-A615B89288F8}" presName="sibTrans" presStyleCnt="0"/>
@@ -3093,13 +3135,13 @@
       <dgm:prSet presAssocID="{BCD5D33F-E166-4010-B600-368FDE53C1AD}" presName="iconRect" presStyleLbl="node1" presStyleIdx="3" presStyleCnt="4"/>
       <dgm:spPr>
         <a:blipFill>
-          <a:blip xmlns:r="http://schemas.openxmlformats.org/officeDocument/2006/relationships" r:embed="rId7">
+          <a:blip xmlns:r="http://schemas.openxmlformats.org/officeDocument/2006/relationships" r:embed="rId7" cstate="hqprint">
             <a:extLst>
               <a:ext uri="{28A0092B-C50C-407E-A947-70E740481C1C}">
                 <a14:useLocalDpi xmlns:a14="http://schemas.microsoft.com/office/drawing/2010/main" val="0"/>
               </a:ext>
               <a:ext uri="{96DAC541-7B7A-43D3-8B79-37D633B846F1}">
-                <asvg:svgBlip xmlns:asvg="http://schemas.microsoft.com/office/drawing/2016/SVG/main" r:embed="rId8"/>
+                <asvg:svgBlip xmlns:asvg="http://schemas.microsoft.com/office/drawing/2016/SVG/main" xmlns="" r:embed="rId8"/>
               </a:ext>
             </a:extLst>
           </a:blip>
@@ -3111,6 +3153,13 @@
           <a:noFill/>
         </a:ln>
       </dgm:spPr>
+      <dgm:t>
+        <a:bodyPr/>
+        <a:lstStyle/>
+        <a:p>
+          <a:endParaRPr lang="en-US"/>
+        </a:p>
+      </dgm:t>
       <dgm:extLst>
         <a:ext uri="{E40237B7-FDA0-4F09-8148-C483321AD2D9}">
           <dgm14:cNvPr xmlns:dgm14="http://schemas.microsoft.com/office/drawing/2010/diagram" id="0" name="" descr="Hierarchy"/>
@@ -3129,18 +3178,25 @@
         </dgm:presLayoutVars>
       </dgm:prSet>
       <dgm:spPr/>
+      <dgm:t>
+        <a:bodyPr/>
+        <a:lstStyle/>
+        <a:p>
+          <a:endParaRPr lang="en-US"/>
+        </a:p>
+      </dgm:t>
     </dgm:pt>
   </dgm:ptLst>
   <dgm:cxnLst>
-    <dgm:cxn modelId="{024C7B00-BA00-4B8D-9099-702B11EF51C6}" type="presOf" srcId="{FBDB8E5A-6B79-4104-AAD5-EB3BBA90228B}" destId="{BB2EC050-8E84-4D10-A1DD-2091EA3D2B6B}" srcOrd="0" destOrd="0" presId="urn:microsoft.com/office/officeart/2018/2/layout/IconVerticalSolidList"/>
-    <dgm:cxn modelId="{8202DB36-8C82-4EA0-9CE3-0799D5C49F6D}" srcId="{F76F940F-F895-44DA-951E-14D9A993DCBA}" destId="{FBDB8E5A-6B79-4104-AAD5-EB3BBA90228B}" srcOrd="0" destOrd="0" parTransId="{7447C59D-C6BC-46E7-9EB5-97602B6E595E}" sibTransId="{465A43F9-0105-40BA-B316-1B1DA9C31692}"/>
-    <dgm:cxn modelId="{D5A7EA3C-F156-454A-B3DE-F85C365A54D7}" type="presOf" srcId="{F76F940F-F895-44DA-951E-14D9A993DCBA}" destId="{E5591803-A045-4169-8AF3-FB5FD1D3D14F}" srcOrd="0" destOrd="0" presId="urn:microsoft.com/office/officeart/2018/2/layout/IconVerticalSolidList"/>
-    <dgm:cxn modelId="{07E3FC69-259B-4747-9C3E-845733E6483B}" type="presOf" srcId="{FFF2DACB-53BB-4886-A838-3BCBCAFCA929}" destId="{C13F362E-49DE-46E1-B544-83C347FBF430}" srcOrd="0" destOrd="0" presId="urn:microsoft.com/office/officeart/2018/2/layout/IconVerticalSolidList"/>
+    <dgm:cxn modelId="{F653A48E-83D0-4CB9-8A7D-7538FED454D4}" srcId="{F76F940F-F895-44DA-951E-14D9A993DCBA}" destId="{BCD5D33F-E166-4010-B600-368FDE53C1AD}" srcOrd="3" destOrd="0" parTransId="{4964348D-CDAF-40F9-A1A6-C3B2FEE1F0B6}" sibTransId="{04DFB68A-C472-40AA-AAC0-C2C8BFF373E6}"/>
+    <dgm:cxn modelId="{01E95EC4-95A0-46C9-AA85-5AC4D3D0F835}" srcId="{F76F940F-F895-44DA-951E-14D9A993DCBA}" destId="{22FA6D63-6CF6-430A-9760-1A97D3B800A8}" srcOrd="2" destOrd="0" parTransId="{301F3651-758E-41DC-B7AD-9C736B34FDB2}" sibTransId="{01254501-00FB-482E-ACFC-A615B89288F8}"/>
     <dgm:cxn modelId="{C7F90486-3A4B-41A0-BD2F-069BFE21B59B}" type="presOf" srcId="{22FA6D63-6CF6-430A-9760-1A97D3B800A8}" destId="{CC08BE6B-1BFF-4035-A8EE-E8D317A8DCFC}" srcOrd="0" destOrd="0" presId="urn:microsoft.com/office/officeart/2018/2/layout/IconVerticalSolidList"/>
     <dgm:cxn modelId="{F112708C-2E59-45AD-BC48-AB932F1F1408}" type="presOf" srcId="{BCD5D33F-E166-4010-B600-368FDE53C1AD}" destId="{4266E932-68B6-4A51-97E6-C1BDC2B0596A}" srcOrd="0" destOrd="0" presId="urn:microsoft.com/office/officeart/2018/2/layout/IconVerticalSolidList"/>
-    <dgm:cxn modelId="{F653A48E-83D0-4CB9-8A7D-7538FED454D4}" srcId="{F76F940F-F895-44DA-951E-14D9A993DCBA}" destId="{BCD5D33F-E166-4010-B600-368FDE53C1AD}" srcOrd="3" destOrd="0" parTransId="{4964348D-CDAF-40F9-A1A6-C3B2FEE1F0B6}" sibTransId="{04DFB68A-C472-40AA-AAC0-C2C8BFF373E6}"/>
-    <dgm:cxn modelId="{01E95EC4-95A0-46C9-AA85-5AC4D3D0F835}" srcId="{F76F940F-F895-44DA-951E-14D9A993DCBA}" destId="{22FA6D63-6CF6-430A-9760-1A97D3B800A8}" srcOrd="2" destOrd="0" parTransId="{301F3651-758E-41DC-B7AD-9C736B34FDB2}" sibTransId="{01254501-00FB-482E-ACFC-A615B89288F8}"/>
+    <dgm:cxn modelId="{024C7B00-BA00-4B8D-9099-702B11EF51C6}" type="presOf" srcId="{FBDB8E5A-6B79-4104-AAD5-EB3BBA90228B}" destId="{BB2EC050-8E84-4D10-A1DD-2091EA3D2B6B}" srcOrd="0" destOrd="0" presId="urn:microsoft.com/office/officeart/2018/2/layout/IconVerticalSolidList"/>
     <dgm:cxn modelId="{9C7506FA-CF96-412B-807D-594F4C8AC88F}" srcId="{F76F940F-F895-44DA-951E-14D9A993DCBA}" destId="{FFF2DACB-53BB-4886-A838-3BCBCAFCA929}" srcOrd="1" destOrd="0" parTransId="{2A81F17F-35D4-47B6-99F0-512936CDA5E6}" sibTransId="{4A5F6843-2768-45BA-8C18-766CE84F30AF}"/>
+    <dgm:cxn modelId="{8202DB36-8C82-4EA0-9CE3-0799D5C49F6D}" srcId="{F76F940F-F895-44DA-951E-14D9A993DCBA}" destId="{FBDB8E5A-6B79-4104-AAD5-EB3BBA90228B}" srcOrd="0" destOrd="0" parTransId="{7447C59D-C6BC-46E7-9EB5-97602B6E595E}" sibTransId="{465A43F9-0105-40BA-B316-1B1DA9C31692}"/>
+    <dgm:cxn modelId="{07E3FC69-259B-4747-9C3E-845733E6483B}" type="presOf" srcId="{FFF2DACB-53BB-4886-A838-3BCBCAFCA929}" destId="{C13F362E-49DE-46E1-B544-83C347FBF430}" srcOrd="0" destOrd="0" presId="urn:microsoft.com/office/officeart/2018/2/layout/IconVerticalSolidList"/>
+    <dgm:cxn modelId="{D5A7EA3C-F156-454A-B3DE-F85C365A54D7}" type="presOf" srcId="{F76F940F-F895-44DA-951E-14D9A993DCBA}" destId="{E5591803-A045-4169-8AF3-FB5FD1D3D14F}" srcOrd="0" destOrd="0" presId="urn:microsoft.com/office/officeart/2018/2/layout/IconVerticalSolidList"/>
     <dgm:cxn modelId="{6497CD9A-0F30-4AFB-8A93-AF5047FC4E56}" type="presParOf" srcId="{E5591803-A045-4169-8AF3-FB5FD1D3D14F}" destId="{0BB38692-9BB3-4B7A-9101-9F4FCEFEE705}" srcOrd="0" destOrd="0" presId="urn:microsoft.com/office/officeart/2018/2/layout/IconVerticalSolidList"/>
     <dgm:cxn modelId="{F63E839B-8752-4B11-839F-AA39682699F4}" type="presParOf" srcId="{0BB38692-9BB3-4B7A-9101-9F4FCEFEE705}" destId="{EC417224-819E-473A-8746-FC365B694CC4}" srcOrd="0" destOrd="0" presId="urn:microsoft.com/office/officeart/2018/2/layout/IconVerticalSolidList"/>
     <dgm:cxn modelId="{1C9BEAD4-2A51-475C-9AE7-F607AB073B7E}" type="presParOf" srcId="{0BB38692-9BB3-4B7A-9101-9F4FCEFEE705}" destId="{B877E794-C3D9-4324-817C-AB6F74C15D2E}" srcOrd="1" destOrd="0" presId="urn:microsoft.com/office/officeart/2018/2/layout/IconVerticalSolidList"/>
@@ -3288,6 +3344,13 @@
         </dgm:presLayoutVars>
       </dgm:prSet>
       <dgm:spPr/>
+      <dgm:t>
+        <a:bodyPr/>
+        <a:lstStyle/>
+        <a:p>
+          <a:endParaRPr lang="en-US"/>
+        </a:p>
+      </dgm:t>
     </dgm:pt>
     <dgm:pt modelId="{E2E5A35F-ABCC-4327-B6B7-B4B65DDEB5AF}" type="pres">
       <dgm:prSet presAssocID="{FEB0DD10-0CB7-4EF1-98FF-BECEE72F6F54}" presName="compNode" presStyleCnt="0"/>
@@ -3303,7 +3366,7 @@
                 <a14:useLocalDpi xmlns:a14="http://schemas.microsoft.com/office/drawing/2010/main" val="0"/>
               </a:ext>
               <a:ext uri="{96DAC541-7B7A-43D3-8B79-37D633B846F1}">
-                <asvg:svgBlip xmlns:asvg="http://schemas.microsoft.com/office/drawing/2016/SVG/main" r:embed="rId2"/>
+                <asvg:svgBlip xmlns:asvg="http://schemas.microsoft.com/office/drawing/2016/SVG/main" xmlns="" r:embed="rId2"/>
               </a:ext>
             </a:extLst>
           </a:blip>
@@ -3333,6 +3396,13 @@
         </dgm:presLayoutVars>
       </dgm:prSet>
       <dgm:spPr/>
+      <dgm:t>
+        <a:bodyPr/>
+        <a:lstStyle/>
+        <a:p>
+          <a:endParaRPr lang="en-US"/>
+        </a:p>
+      </dgm:t>
     </dgm:pt>
     <dgm:pt modelId="{ED15FC4A-382F-4A9B-A6A2-C27FC02B8553}" type="pres">
       <dgm:prSet presAssocID="{72D1DFBC-74FA-4430-A9AE-247C4458C59A}" presName="sibTrans" presStyleCnt="0"/>
@@ -3352,7 +3422,7 @@
                 <a14:useLocalDpi xmlns:a14="http://schemas.microsoft.com/office/drawing/2010/main" val="0"/>
               </a:ext>
               <a:ext uri="{96DAC541-7B7A-43D3-8B79-37D633B846F1}">
-                <asvg:svgBlip xmlns:asvg="http://schemas.microsoft.com/office/drawing/2016/SVG/main" r:embed="rId4"/>
+                <asvg:svgBlip xmlns:asvg="http://schemas.microsoft.com/office/drawing/2016/SVG/main" xmlns="" r:embed="rId4"/>
               </a:ext>
             </a:extLst>
           </a:blip>
@@ -3382,13 +3452,20 @@
         </dgm:presLayoutVars>
       </dgm:prSet>
       <dgm:spPr/>
+      <dgm:t>
+        <a:bodyPr/>
+        <a:lstStyle/>
+        <a:p>
+          <a:endParaRPr lang="en-US"/>
+        </a:p>
+      </dgm:t>
     </dgm:pt>
   </dgm:ptLst>
   <dgm:cxnLst>
     <dgm:cxn modelId="{2F9F821B-DECF-4611-ACC9-235CE9F18A23}" type="presOf" srcId="{D6C7F1FC-2A64-43E7-8EEC-ED689A0CF602}" destId="{32E8187A-D186-4FD7-8018-6FE93B727C11}" srcOrd="0" destOrd="0" presId="urn:microsoft.com/office/officeart/2018/2/layout/IconLabelList"/>
-    <dgm:cxn modelId="{E311E932-602C-4670-8BCE-F9763D7D96F0}" srcId="{D6C7F1FC-2A64-43E7-8EEC-ED689A0CF602}" destId="{80D8AF68-4906-4B7D-8156-06EE9E598B12}" srcOrd="1" destOrd="0" parTransId="{011FF481-8580-461F-A111-8B3E35918259}" sibTransId="{81B372DD-C221-440F-BC12-1884093DF1FA}"/>
     <dgm:cxn modelId="{48FF0B8A-C4D0-4DEB-90F1-0A6042B35580}" type="presOf" srcId="{FEB0DD10-0CB7-4EF1-98FF-BECEE72F6F54}" destId="{807DB64D-B678-4128-96E5-33A208E4D2FE}" srcOrd="0" destOrd="0" presId="urn:microsoft.com/office/officeart/2018/2/layout/IconLabelList"/>
     <dgm:cxn modelId="{D32804B8-77C5-4557-85FF-C4D05E2D2850}" srcId="{D6C7F1FC-2A64-43E7-8EEC-ED689A0CF602}" destId="{FEB0DD10-0CB7-4EF1-98FF-BECEE72F6F54}" srcOrd="0" destOrd="0" parTransId="{3A2ED443-EE39-4DA4-BF8A-F477A6F8D244}" sibTransId="{72D1DFBC-74FA-4430-A9AE-247C4458C59A}"/>
+    <dgm:cxn modelId="{E311E932-602C-4670-8BCE-F9763D7D96F0}" srcId="{D6C7F1FC-2A64-43E7-8EEC-ED689A0CF602}" destId="{80D8AF68-4906-4B7D-8156-06EE9E598B12}" srcOrd="1" destOrd="0" parTransId="{011FF481-8580-461F-A111-8B3E35918259}" sibTransId="{81B372DD-C221-440F-BC12-1884093DF1FA}"/>
     <dgm:cxn modelId="{D8B974D8-3E1A-4EC9-9AE0-16B0CADE0790}" type="presOf" srcId="{80D8AF68-4906-4B7D-8156-06EE9E598B12}" destId="{DBD8FF35-9492-4234-8DFB-26A89000A191}" srcOrd="0" destOrd="0" presId="urn:microsoft.com/office/officeart/2018/2/layout/IconLabelList"/>
     <dgm:cxn modelId="{A34A3C22-00B9-4AA3-9442-2EC22BF886C6}" type="presParOf" srcId="{32E8187A-D186-4FD7-8018-6FE93B727C11}" destId="{E2E5A35F-ABCC-4327-B6B7-B4B65DDEB5AF}" srcOrd="0" destOrd="0" presId="urn:microsoft.com/office/officeart/2018/2/layout/IconLabelList"/>
     <dgm:cxn modelId="{5A9767BF-AF31-469B-9F2D-F73948264F41}" type="presParOf" srcId="{E2E5A35F-ABCC-4327-B6B7-B4B65DDEB5AF}" destId="{1195040E-2F89-4409-8148-E7E52F01B8D3}" srcOrd="0" destOrd="0" presId="urn:microsoft.com/office/officeart/2018/2/layout/IconLabelList"/>
@@ -3703,6 +3780,13 @@
         </dgm:presLayoutVars>
       </dgm:prSet>
       <dgm:spPr/>
+      <dgm:t>
+        <a:bodyPr/>
+        <a:lstStyle/>
+        <a:p>
+          <a:endParaRPr lang="en-US"/>
+        </a:p>
+      </dgm:t>
     </dgm:pt>
     <dgm:pt modelId="{E386BE08-CCCC-4878-9AF1-013B354970FA}" type="pres">
       <dgm:prSet presAssocID="{8C0DE2D4-DF0C-45ED-B052-61F1656DD1DC}" presName="container" presStyleCnt="0">
@@ -3725,13 +3809,13 @@
       <dgm:prSet presAssocID="{851982B3-E163-4CE7-9ED4-0E51817B1CDE}" presName="iconRect" presStyleLbl="node1" presStyleIdx="0" presStyleCnt="6"/>
       <dgm:spPr>
         <a:blipFill>
-          <a:blip xmlns:r="http://schemas.openxmlformats.org/officeDocument/2006/relationships" r:embed="rId1">
+          <a:blip xmlns:r="http://schemas.openxmlformats.org/officeDocument/2006/relationships" r:embed="rId1" cstate="hqprint">
             <a:extLst>
               <a:ext uri="{28A0092B-C50C-407E-A947-70E740481C1C}">
                 <a14:useLocalDpi xmlns:a14="http://schemas.microsoft.com/office/drawing/2010/main" val="0"/>
               </a:ext>
               <a:ext uri="{96DAC541-7B7A-43D3-8B79-37D633B846F1}">
-                <asvg:svgBlip xmlns:asvg="http://schemas.microsoft.com/office/drawing/2016/SVG/main" r:embed="rId2"/>
+                <asvg:svgBlip xmlns:asvg="http://schemas.microsoft.com/office/drawing/2016/SVG/main" xmlns="" r:embed="rId2"/>
               </a:ext>
             </a:extLst>
           </a:blip>
@@ -3743,6 +3827,13 @@
           <a:noFill/>
         </a:ln>
       </dgm:spPr>
+      <dgm:t>
+        <a:bodyPr/>
+        <a:lstStyle/>
+        <a:p>
+          <a:endParaRPr lang="en-US"/>
+        </a:p>
+      </dgm:t>
       <dgm:extLst>
         <a:ext uri="{E40237B7-FDA0-4F09-8148-C483321AD2D9}">
           <dgm14:cNvPr xmlns:dgm14="http://schemas.microsoft.com/office/drawing/2010/diagram" id="0" name="" descr="Users"/>
@@ -3761,10 +3852,24 @@
         </dgm:presLayoutVars>
       </dgm:prSet>
       <dgm:spPr/>
+      <dgm:t>
+        <a:bodyPr/>
+        <a:lstStyle/>
+        <a:p>
+          <a:endParaRPr lang="en-US"/>
+        </a:p>
+      </dgm:t>
     </dgm:pt>
     <dgm:pt modelId="{DB62F1A8-94D2-4258-946A-CD1CEA212E4D}" type="pres">
       <dgm:prSet presAssocID="{2780A05D-FA41-44F4-8CC9-4064C7980683}" presName="sibTrans" presStyleLbl="sibTrans2D1" presStyleIdx="0" presStyleCnt="0"/>
       <dgm:spPr/>
+      <dgm:t>
+        <a:bodyPr/>
+        <a:lstStyle/>
+        <a:p>
+          <a:endParaRPr lang="en-US"/>
+        </a:p>
+      </dgm:t>
     </dgm:pt>
     <dgm:pt modelId="{97C8A98D-FD35-411D-8EAF-FDAA34B8247E}" type="pres">
       <dgm:prSet presAssocID="{ABB66597-9819-46B1-8C5A-52145C6F19E9}" presName="compNode" presStyleCnt="0"/>
@@ -3778,13 +3883,13 @@
       <dgm:prSet presAssocID="{ABB66597-9819-46B1-8C5A-52145C6F19E9}" presName="iconRect" presStyleLbl="node1" presStyleIdx="1" presStyleCnt="6"/>
       <dgm:spPr>
         <a:blipFill>
-          <a:blip xmlns:r="http://schemas.openxmlformats.org/officeDocument/2006/relationships" r:embed="rId3">
+          <a:blip xmlns:r="http://schemas.openxmlformats.org/officeDocument/2006/relationships" r:embed="rId3" cstate="hqprint">
             <a:extLst>
               <a:ext uri="{28A0092B-C50C-407E-A947-70E740481C1C}">
                 <a14:useLocalDpi xmlns:a14="http://schemas.microsoft.com/office/drawing/2010/main" val="0"/>
               </a:ext>
               <a:ext uri="{96DAC541-7B7A-43D3-8B79-37D633B846F1}">
-                <asvg:svgBlip xmlns:asvg="http://schemas.microsoft.com/office/drawing/2016/SVG/main" r:embed="rId4"/>
+                <asvg:svgBlip xmlns:asvg="http://schemas.microsoft.com/office/drawing/2016/SVG/main" xmlns="" r:embed="rId4"/>
               </a:ext>
             </a:extLst>
           </a:blip>
@@ -3796,6 +3901,13 @@
           <a:noFill/>
         </a:ln>
       </dgm:spPr>
+      <dgm:t>
+        <a:bodyPr/>
+        <a:lstStyle/>
+        <a:p>
+          <a:endParaRPr lang="en-US"/>
+        </a:p>
+      </dgm:t>
       <dgm:extLst>
         <a:ext uri="{E40237B7-FDA0-4F09-8148-C483321AD2D9}">
           <dgm14:cNvPr xmlns:dgm14="http://schemas.microsoft.com/office/drawing/2010/diagram" id="0" name="" descr="Robber"/>
@@ -3814,10 +3926,24 @@
         </dgm:presLayoutVars>
       </dgm:prSet>
       <dgm:spPr/>
+      <dgm:t>
+        <a:bodyPr/>
+        <a:lstStyle/>
+        <a:p>
+          <a:endParaRPr lang="en-US"/>
+        </a:p>
+      </dgm:t>
     </dgm:pt>
     <dgm:pt modelId="{5F920282-177E-4CD1-A163-0973DCC2E482}" type="pres">
       <dgm:prSet presAssocID="{FEA028FC-6003-41CB-AD47-7AF630B65CBB}" presName="sibTrans" presStyleLbl="sibTrans2D1" presStyleIdx="0" presStyleCnt="0"/>
       <dgm:spPr/>
+      <dgm:t>
+        <a:bodyPr/>
+        <a:lstStyle/>
+        <a:p>
+          <a:endParaRPr lang="en-US"/>
+        </a:p>
+      </dgm:t>
     </dgm:pt>
     <dgm:pt modelId="{239F2F92-684A-4397-936E-B7B71F913496}" type="pres">
       <dgm:prSet presAssocID="{7793A892-6499-4888-96C3-EB20DD785DAB}" presName="compNode" presStyleCnt="0"/>
@@ -3831,13 +3957,13 @@
       <dgm:prSet presAssocID="{7793A892-6499-4888-96C3-EB20DD785DAB}" presName="iconRect" presStyleLbl="node1" presStyleIdx="2" presStyleCnt="6"/>
       <dgm:spPr>
         <a:blipFill>
-          <a:blip xmlns:r="http://schemas.openxmlformats.org/officeDocument/2006/relationships" r:embed="rId5">
+          <a:blip xmlns:r="http://schemas.openxmlformats.org/officeDocument/2006/relationships" r:embed="rId5" cstate="hqprint">
             <a:extLst>
               <a:ext uri="{28A0092B-C50C-407E-A947-70E740481C1C}">
                 <a14:useLocalDpi xmlns:a14="http://schemas.microsoft.com/office/drawing/2010/main" val="0"/>
               </a:ext>
               <a:ext uri="{96DAC541-7B7A-43D3-8B79-37D633B846F1}">
-                <asvg:svgBlip xmlns:asvg="http://schemas.microsoft.com/office/drawing/2016/SVG/main" r:embed="rId6"/>
+                <asvg:svgBlip xmlns:asvg="http://schemas.microsoft.com/office/drawing/2016/SVG/main" xmlns="" r:embed="rId6"/>
               </a:ext>
             </a:extLst>
           </a:blip>
@@ -3849,6 +3975,13 @@
           <a:noFill/>
         </a:ln>
       </dgm:spPr>
+      <dgm:t>
+        <a:bodyPr/>
+        <a:lstStyle/>
+        <a:p>
+          <a:endParaRPr lang="en-US"/>
+        </a:p>
+      </dgm:t>
       <dgm:extLst>
         <a:ext uri="{E40237B7-FDA0-4F09-8148-C483321AD2D9}">
           <dgm14:cNvPr xmlns:dgm14="http://schemas.microsoft.com/office/drawing/2010/diagram" id="0" name="" descr="DrawingFigure"/>
@@ -3867,10 +4000,24 @@
         </dgm:presLayoutVars>
       </dgm:prSet>
       <dgm:spPr/>
+      <dgm:t>
+        <a:bodyPr/>
+        <a:lstStyle/>
+        <a:p>
+          <a:endParaRPr lang="en-US"/>
+        </a:p>
+      </dgm:t>
     </dgm:pt>
     <dgm:pt modelId="{B7DAB3AE-E4F3-471B-A60D-33D8FDEE6D49}" type="pres">
       <dgm:prSet presAssocID="{579E226B-1ADC-4034-A480-CFF31C3B9CF0}" presName="sibTrans" presStyleLbl="sibTrans2D1" presStyleIdx="0" presStyleCnt="0"/>
       <dgm:spPr/>
+      <dgm:t>
+        <a:bodyPr/>
+        <a:lstStyle/>
+        <a:p>
+          <a:endParaRPr lang="en-US"/>
+        </a:p>
+      </dgm:t>
     </dgm:pt>
     <dgm:pt modelId="{1B96569D-A57E-4907-8D52-EC8B9AE602C7}" type="pres">
       <dgm:prSet presAssocID="{7C7AC956-ED2D-413F-ADCD-FB92F4870102}" presName="compNode" presStyleCnt="0"/>
@@ -3884,13 +4031,13 @@
       <dgm:prSet presAssocID="{7C7AC956-ED2D-413F-ADCD-FB92F4870102}" presName="iconRect" presStyleLbl="node1" presStyleIdx="3" presStyleCnt="6"/>
       <dgm:spPr>
         <a:blipFill>
-          <a:blip xmlns:r="http://schemas.openxmlformats.org/officeDocument/2006/relationships" r:embed="rId7">
+          <a:blip xmlns:r="http://schemas.openxmlformats.org/officeDocument/2006/relationships" r:embed="rId7" cstate="hqprint">
             <a:extLst>
               <a:ext uri="{28A0092B-C50C-407E-A947-70E740481C1C}">
                 <a14:useLocalDpi xmlns:a14="http://schemas.microsoft.com/office/drawing/2010/main" val="0"/>
               </a:ext>
               <a:ext uri="{96DAC541-7B7A-43D3-8B79-37D633B846F1}">
-                <asvg:svgBlip xmlns:asvg="http://schemas.microsoft.com/office/drawing/2016/SVG/main" r:embed="rId8"/>
+                <asvg:svgBlip xmlns:asvg="http://schemas.microsoft.com/office/drawing/2016/SVG/main" xmlns="" r:embed="rId8"/>
               </a:ext>
             </a:extLst>
           </a:blip>
@@ -3902,6 +4049,13 @@
           <a:noFill/>
         </a:ln>
       </dgm:spPr>
+      <dgm:t>
+        <a:bodyPr/>
+        <a:lstStyle/>
+        <a:p>
+          <a:endParaRPr lang="en-US"/>
+        </a:p>
+      </dgm:t>
       <dgm:extLst>
         <a:ext uri="{E40237B7-FDA0-4F09-8148-C483321AD2D9}">
           <dgm14:cNvPr xmlns:dgm14="http://schemas.microsoft.com/office/drawing/2010/diagram" id="0" name="" descr="Statistics"/>
@@ -3920,10 +4074,24 @@
         </dgm:presLayoutVars>
       </dgm:prSet>
       <dgm:spPr/>
+      <dgm:t>
+        <a:bodyPr/>
+        <a:lstStyle/>
+        <a:p>
+          <a:endParaRPr lang="en-US"/>
+        </a:p>
+      </dgm:t>
     </dgm:pt>
     <dgm:pt modelId="{92CA36F9-E301-4BB3-B7A0-0E984CFABAE9}" type="pres">
       <dgm:prSet presAssocID="{29A29C3E-33E1-4B37-A3F3-CE7775B9F1AE}" presName="sibTrans" presStyleLbl="sibTrans2D1" presStyleIdx="0" presStyleCnt="0"/>
       <dgm:spPr/>
+      <dgm:t>
+        <a:bodyPr/>
+        <a:lstStyle/>
+        <a:p>
+          <a:endParaRPr lang="en-US"/>
+        </a:p>
+      </dgm:t>
     </dgm:pt>
     <dgm:pt modelId="{4B8D6D21-7DBB-4951-B5AD-B7FFF7145F9B}" type="pres">
       <dgm:prSet presAssocID="{472ABD4A-1A7F-4CAA-99B1-5949580F8599}" presName="compNode" presStyleCnt="0"/>
@@ -3937,13 +4105,13 @@
       <dgm:prSet presAssocID="{472ABD4A-1A7F-4CAA-99B1-5949580F8599}" presName="iconRect" presStyleLbl="node1" presStyleIdx="4" presStyleCnt="6"/>
       <dgm:spPr>
         <a:blipFill>
-          <a:blip xmlns:r="http://schemas.openxmlformats.org/officeDocument/2006/relationships" r:embed="rId9">
+          <a:blip xmlns:r="http://schemas.openxmlformats.org/officeDocument/2006/relationships" r:embed="rId9" cstate="hqprint">
             <a:extLst>
               <a:ext uri="{28A0092B-C50C-407E-A947-70E740481C1C}">
                 <a14:useLocalDpi xmlns:a14="http://schemas.microsoft.com/office/drawing/2010/main" val="0"/>
               </a:ext>
               <a:ext uri="{96DAC541-7B7A-43D3-8B79-37D633B846F1}">
-                <asvg:svgBlip xmlns:asvg="http://schemas.microsoft.com/office/drawing/2016/SVG/main" r:embed="rId10"/>
+                <asvg:svgBlip xmlns:asvg="http://schemas.microsoft.com/office/drawing/2016/SVG/main" xmlns="" r:embed="rId10"/>
               </a:ext>
             </a:extLst>
           </a:blip>
@@ -3955,6 +4123,13 @@
           <a:noFill/>
         </a:ln>
       </dgm:spPr>
+      <dgm:t>
+        <a:bodyPr/>
+        <a:lstStyle/>
+        <a:p>
+          <a:endParaRPr lang="en-US"/>
+        </a:p>
+      </dgm:t>
       <dgm:extLst>
         <a:ext uri="{E40237B7-FDA0-4F09-8148-C483321AD2D9}">
           <dgm14:cNvPr xmlns:dgm14="http://schemas.microsoft.com/office/drawing/2010/diagram" id="0" name="" descr="LightsOn"/>
@@ -3973,10 +4148,24 @@
         </dgm:presLayoutVars>
       </dgm:prSet>
       <dgm:spPr/>
+      <dgm:t>
+        <a:bodyPr/>
+        <a:lstStyle/>
+        <a:p>
+          <a:endParaRPr lang="en-US"/>
+        </a:p>
+      </dgm:t>
     </dgm:pt>
     <dgm:pt modelId="{69687CEF-6D39-4C3D-8D77-AD5D7BBEE616}" type="pres">
       <dgm:prSet presAssocID="{A9E6D748-5E9E-46BD-8AEE-B81DB6F68AF4}" presName="sibTrans" presStyleLbl="sibTrans2D1" presStyleIdx="0" presStyleCnt="0"/>
       <dgm:spPr/>
+      <dgm:t>
+        <a:bodyPr/>
+        <a:lstStyle/>
+        <a:p>
+          <a:endParaRPr lang="en-US"/>
+        </a:p>
+      </dgm:t>
     </dgm:pt>
     <dgm:pt modelId="{A1FE709F-21FD-49AE-BF90-1F012FCD7C80}" type="pres">
       <dgm:prSet presAssocID="{E1B85855-8B43-40CC-847F-BFCAA966C9B0}" presName="compNode" presStyleCnt="0"/>
@@ -3990,13 +4179,13 @@
       <dgm:prSet presAssocID="{E1B85855-8B43-40CC-847F-BFCAA966C9B0}" presName="iconRect" presStyleLbl="node1" presStyleIdx="5" presStyleCnt="6"/>
       <dgm:spPr>
         <a:blipFill>
-          <a:blip xmlns:r="http://schemas.openxmlformats.org/officeDocument/2006/relationships" r:embed="rId11">
+          <a:blip xmlns:r="http://schemas.openxmlformats.org/officeDocument/2006/relationships" r:embed="rId11" cstate="hqprint">
             <a:extLst>
               <a:ext uri="{28A0092B-C50C-407E-A947-70E740481C1C}">
                 <a14:useLocalDpi xmlns:a14="http://schemas.microsoft.com/office/drawing/2010/main" val="0"/>
               </a:ext>
               <a:ext uri="{96DAC541-7B7A-43D3-8B79-37D633B846F1}">
-                <asvg:svgBlip xmlns:asvg="http://schemas.microsoft.com/office/drawing/2016/SVG/main" r:embed="rId12"/>
+                <asvg:svgBlip xmlns:asvg="http://schemas.microsoft.com/office/drawing/2016/SVG/main" xmlns="" r:embed="rId12"/>
               </a:ext>
             </a:extLst>
           </a:blip>
@@ -4006,6 +4195,13 @@
           </a:stretch>
         </a:blipFill>
       </dgm:spPr>
+      <dgm:t>
+        <a:bodyPr/>
+        <a:lstStyle/>
+        <a:p>
+          <a:endParaRPr lang="en-US"/>
+        </a:p>
+      </dgm:t>
       <dgm:extLst>
         <a:ext uri="{E40237B7-FDA0-4F09-8148-C483321AD2D9}">
           <dgm14:cNvPr xmlns:dgm14="http://schemas.microsoft.com/office/drawing/2010/diagram" id="0" name="" descr="Bio hazard"/>
@@ -4024,27 +4220,34 @@
         </dgm:presLayoutVars>
       </dgm:prSet>
       <dgm:spPr/>
+      <dgm:t>
+        <a:bodyPr/>
+        <a:lstStyle/>
+        <a:p>
+          <a:endParaRPr lang="en-US"/>
+        </a:p>
+      </dgm:t>
     </dgm:pt>
   </dgm:ptLst>
   <dgm:cxnLst>
+    <dgm:cxn modelId="{8D6D0F9B-4EA8-4DD9-AE58-FD5304214CF0}" type="presOf" srcId="{8C0DE2D4-DF0C-45ED-B052-61F1656DD1DC}" destId="{EEFD7312-10A3-4947-AEC4-DA40405D29D8}" srcOrd="0" destOrd="0" presId="urn:microsoft.com/office/officeart/2018/2/layout/IconCircleList"/>
+    <dgm:cxn modelId="{5E2B815F-F878-43DD-970F-A999CF87B3FA}" type="presOf" srcId="{E1B85855-8B43-40CC-847F-BFCAA966C9B0}" destId="{C49DB5A6-0775-4B3D-8D93-FB7DAC430492}" srcOrd="0" destOrd="0" presId="urn:microsoft.com/office/officeart/2018/2/layout/IconCircleList"/>
+    <dgm:cxn modelId="{C1643F92-D500-4DD3-B469-7898B093A4D7}" type="presOf" srcId="{FEA028FC-6003-41CB-AD47-7AF630B65CBB}" destId="{5F920282-177E-4CD1-A163-0973DCC2E482}" srcOrd="0" destOrd="0" presId="urn:microsoft.com/office/officeart/2018/2/layout/IconCircleList"/>
+    <dgm:cxn modelId="{7664EF40-C84F-4CF6-A3FF-3B157E3B6B3E}" srcId="{8C0DE2D4-DF0C-45ED-B052-61F1656DD1DC}" destId="{851982B3-E163-4CE7-9ED4-0E51817B1CDE}" srcOrd="0" destOrd="0" parTransId="{A8DC28F5-4D84-4480-856D-E28F8BFF12BB}" sibTransId="{2780A05D-FA41-44F4-8CC9-4064C7980683}"/>
+    <dgm:cxn modelId="{F7A2ABDE-693C-46A3-A64C-B3CD6DA6F9F3}" type="presOf" srcId="{7793A892-6499-4888-96C3-EB20DD785DAB}" destId="{579AF82F-1926-4946-B23C-BFCBDD897B66}" srcOrd="0" destOrd="0" presId="urn:microsoft.com/office/officeart/2018/2/layout/IconCircleList"/>
+    <dgm:cxn modelId="{320EDEAD-849B-439E-90DF-CFD2EEEEF5D1}" srcId="{8C0DE2D4-DF0C-45ED-B052-61F1656DD1DC}" destId="{E1B85855-8B43-40CC-847F-BFCAA966C9B0}" srcOrd="5" destOrd="0" parTransId="{8984E53D-74AE-4BBE-B6CE-249E38F7E2F0}" sibTransId="{50DED5B1-F7D7-49A2-B16B-FC2A805EA6B3}"/>
+    <dgm:cxn modelId="{789F2E34-E1B1-403F-9E0E-2F8A5ACE58CF}" srcId="{8C0DE2D4-DF0C-45ED-B052-61F1656DD1DC}" destId="{472ABD4A-1A7F-4CAA-99B1-5949580F8599}" srcOrd="4" destOrd="0" parTransId="{109C6475-B986-4D1D-8443-59F1037920D8}" sibTransId="{A9E6D748-5E9E-46BD-8AEE-B81DB6F68AF4}"/>
+    <dgm:cxn modelId="{53E5C146-8B7A-49FB-9E65-B010F5A68A23}" type="presOf" srcId="{ABB66597-9819-46B1-8C5A-52145C6F19E9}" destId="{1EA410FC-9CC2-4EE2-A6DF-AEF06E00D508}" srcOrd="0" destOrd="0" presId="urn:microsoft.com/office/officeart/2018/2/layout/IconCircleList"/>
+    <dgm:cxn modelId="{398B1AE7-90A4-4406-8D22-5C8AFB5E5A5D}" type="presOf" srcId="{2780A05D-FA41-44F4-8CC9-4064C7980683}" destId="{DB62F1A8-94D2-4258-946A-CD1CEA212E4D}" srcOrd="0" destOrd="0" presId="urn:microsoft.com/office/officeart/2018/2/layout/IconCircleList"/>
+    <dgm:cxn modelId="{74D81925-D2B7-4E32-B1CF-5BA29A874B0C}" srcId="{8C0DE2D4-DF0C-45ED-B052-61F1656DD1DC}" destId="{7C7AC956-ED2D-413F-ADCD-FB92F4870102}" srcOrd="3" destOrd="0" parTransId="{2D374B6C-3003-49D3-8F09-EC1D10AB5E1C}" sibTransId="{29A29C3E-33E1-4B37-A3F3-CE7775B9F1AE}"/>
+    <dgm:cxn modelId="{3EBA24A1-AF88-482C-A853-12DCBE41150F}" srcId="{8C0DE2D4-DF0C-45ED-B052-61F1656DD1DC}" destId="{ABB66597-9819-46B1-8C5A-52145C6F19E9}" srcOrd="1" destOrd="0" parTransId="{9EC1B2C8-F1BD-4DE2-B9E3-0DC517C64E8C}" sibTransId="{FEA028FC-6003-41CB-AD47-7AF630B65CBB}"/>
+    <dgm:cxn modelId="{0F21D92A-D8AE-4E7D-9D81-579F76A6887C}" type="presOf" srcId="{7C7AC956-ED2D-413F-ADCD-FB92F4870102}" destId="{12C03CAD-85A5-456E-9586-290B7652489B}" srcOrd="0" destOrd="0" presId="urn:microsoft.com/office/officeart/2018/2/layout/IconCircleList"/>
+    <dgm:cxn modelId="{ECFA794D-C779-4AC8-9B15-0F133B291F50}" type="presOf" srcId="{29A29C3E-33E1-4B37-A3F3-CE7775B9F1AE}" destId="{92CA36F9-E301-4BB3-B7A0-0E984CFABAE9}" srcOrd="0" destOrd="0" presId="urn:microsoft.com/office/officeart/2018/2/layout/IconCircleList"/>
+    <dgm:cxn modelId="{CB617C38-B5B6-476D-BC03-D961ED6BF872}" type="presOf" srcId="{579E226B-1ADC-4034-A480-CFF31C3B9CF0}" destId="{B7DAB3AE-E4F3-471B-A60D-33D8FDEE6D49}" srcOrd="0" destOrd="0" presId="urn:microsoft.com/office/officeart/2018/2/layout/IconCircleList"/>
+    <dgm:cxn modelId="{C322085B-7C5A-41E6-AF07-FC75791B5C2C}" type="presOf" srcId="{851982B3-E163-4CE7-9ED4-0E51817B1CDE}" destId="{28BD02B3-A570-4562-9337-B99A2DE86C7E}" srcOrd="0" destOrd="0" presId="urn:microsoft.com/office/officeart/2018/2/layout/IconCircleList"/>
+    <dgm:cxn modelId="{8F1769B8-B528-4D11-926A-A725856A2D24}" type="presOf" srcId="{A9E6D748-5E9E-46BD-8AEE-B81DB6F68AF4}" destId="{69687CEF-6D39-4C3D-8D77-AD5D7BBEE616}" srcOrd="0" destOrd="0" presId="urn:microsoft.com/office/officeart/2018/2/layout/IconCircleList"/>
+    <dgm:cxn modelId="{18C8B3B3-78BF-44E4-962D-1FF4A92E9E97}" srcId="{8C0DE2D4-DF0C-45ED-B052-61F1656DD1DC}" destId="{7793A892-6499-4888-96C3-EB20DD785DAB}" srcOrd="2" destOrd="0" parTransId="{6FAB1A1A-5F40-4BFD-8103-614DC9F2839B}" sibTransId="{579E226B-1ADC-4034-A480-CFF31C3B9CF0}"/>
     <dgm:cxn modelId="{9FA4F41C-20C3-4548-8BAD-C23D976F482B}" type="presOf" srcId="{472ABD4A-1A7F-4CAA-99B1-5949580F8599}" destId="{0530B387-2751-4BE8-B85D-DB01FA169824}" srcOrd="0" destOrd="0" presId="urn:microsoft.com/office/officeart/2018/2/layout/IconCircleList"/>
-    <dgm:cxn modelId="{74D81925-D2B7-4E32-B1CF-5BA29A874B0C}" srcId="{8C0DE2D4-DF0C-45ED-B052-61F1656DD1DC}" destId="{7C7AC956-ED2D-413F-ADCD-FB92F4870102}" srcOrd="3" destOrd="0" parTransId="{2D374B6C-3003-49D3-8F09-EC1D10AB5E1C}" sibTransId="{29A29C3E-33E1-4B37-A3F3-CE7775B9F1AE}"/>
-    <dgm:cxn modelId="{0F21D92A-D8AE-4E7D-9D81-579F76A6887C}" type="presOf" srcId="{7C7AC956-ED2D-413F-ADCD-FB92F4870102}" destId="{12C03CAD-85A5-456E-9586-290B7652489B}" srcOrd="0" destOrd="0" presId="urn:microsoft.com/office/officeart/2018/2/layout/IconCircleList"/>
-    <dgm:cxn modelId="{789F2E34-E1B1-403F-9E0E-2F8A5ACE58CF}" srcId="{8C0DE2D4-DF0C-45ED-B052-61F1656DD1DC}" destId="{472ABD4A-1A7F-4CAA-99B1-5949580F8599}" srcOrd="4" destOrd="0" parTransId="{109C6475-B986-4D1D-8443-59F1037920D8}" sibTransId="{A9E6D748-5E9E-46BD-8AEE-B81DB6F68AF4}"/>
-    <dgm:cxn modelId="{CB617C38-B5B6-476D-BC03-D961ED6BF872}" type="presOf" srcId="{579E226B-1ADC-4034-A480-CFF31C3B9CF0}" destId="{B7DAB3AE-E4F3-471B-A60D-33D8FDEE6D49}" srcOrd="0" destOrd="0" presId="urn:microsoft.com/office/officeart/2018/2/layout/IconCircleList"/>
-    <dgm:cxn modelId="{7664EF40-C84F-4CF6-A3FF-3B157E3B6B3E}" srcId="{8C0DE2D4-DF0C-45ED-B052-61F1656DD1DC}" destId="{851982B3-E163-4CE7-9ED4-0E51817B1CDE}" srcOrd="0" destOrd="0" parTransId="{A8DC28F5-4D84-4480-856D-E28F8BFF12BB}" sibTransId="{2780A05D-FA41-44F4-8CC9-4064C7980683}"/>
-    <dgm:cxn modelId="{C322085B-7C5A-41E6-AF07-FC75791B5C2C}" type="presOf" srcId="{851982B3-E163-4CE7-9ED4-0E51817B1CDE}" destId="{28BD02B3-A570-4562-9337-B99A2DE86C7E}" srcOrd="0" destOrd="0" presId="urn:microsoft.com/office/officeart/2018/2/layout/IconCircleList"/>
-    <dgm:cxn modelId="{5E2B815F-F878-43DD-970F-A999CF87B3FA}" type="presOf" srcId="{E1B85855-8B43-40CC-847F-BFCAA966C9B0}" destId="{C49DB5A6-0775-4B3D-8D93-FB7DAC430492}" srcOrd="0" destOrd="0" presId="urn:microsoft.com/office/officeart/2018/2/layout/IconCircleList"/>
-    <dgm:cxn modelId="{53E5C146-8B7A-49FB-9E65-B010F5A68A23}" type="presOf" srcId="{ABB66597-9819-46B1-8C5A-52145C6F19E9}" destId="{1EA410FC-9CC2-4EE2-A6DF-AEF06E00D508}" srcOrd="0" destOrd="0" presId="urn:microsoft.com/office/officeart/2018/2/layout/IconCircleList"/>
-    <dgm:cxn modelId="{ECFA794D-C779-4AC8-9B15-0F133B291F50}" type="presOf" srcId="{29A29C3E-33E1-4B37-A3F3-CE7775B9F1AE}" destId="{92CA36F9-E301-4BB3-B7A0-0E984CFABAE9}" srcOrd="0" destOrd="0" presId="urn:microsoft.com/office/officeart/2018/2/layout/IconCircleList"/>
-    <dgm:cxn modelId="{C1643F92-D500-4DD3-B469-7898B093A4D7}" type="presOf" srcId="{FEA028FC-6003-41CB-AD47-7AF630B65CBB}" destId="{5F920282-177E-4CD1-A163-0973DCC2E482}" srcOrd="0" destOrd="0" presId="urn:microsoft.com/office/officeart/2018/2/layout/IconCircleList"/>
-    <dgm:cxn modelId="{8D6D0F9B-4EA8-4DD9-AE58-FD5304214CF0}" type="presOf" srcId="{8C0DE2D4-DF0C-45ED-B052-61F1656DD1DC}" destId="{EEFD7312-10A3-4947-AEC4-DA40405D29D8}" srcOrd="0" destOrd="0" presId="urn:microsoft.com/office/officeart/2018/2/layout/IconCircleList"/>
-    <dgm:cxn modelId="{3EBA24A1-AF88-482C-A853-12DCBE41150F}" srcId="{8C0DE2D4-DF0C-45ED-B052-61F1656DD1DC}" destId="{ABB66597-9819-46B1-8C5A-52145C6F19E9}" srcOrd="1" destOrd="0" parTransId="{9EC1B2C8-F1BD-4DE2-B9E3-0DC517C64E8C}" sibTransId="{FEA028FC-6003-41CB-AD47-7AF630B65CBB}"/>
-    <dgm:cxn modelId="{320EDEAD-849B-439E-90DF-CFD2EEEEF5D1}" srcId="{8C0DE2D4-DF0C-45ED-B052-61F1656DD1DC}" destId="{E1B85855-8B43-40CC-847F-BFCAA966C9B0}" srcOrd="5" destOrd="0" parTransId="{8984E53D-74AE-4BBE-B6CE-249E38F7E2F0}" sibTransId="{50DED5B1-F7D7-49A2-B16B-FC2A805EA6B3}"/>
-    <dgm:cxn modelId="{18C8B3B3-78BF-44E4-962D-1FF4A92E9E97}" srcId="{8C0DE2D4-DF0C-45ED-B052-61F1656DD1DC}" destId="{7793A892-6499-4888-96C3-EB20DD785DAB}" srcOrd="2" destOrd="0" parTransId="{6FAB1A1A-5F40-4BFD-8103-614DC9F2839B}" sibTransId="{579E226B-1ADC-4034-A480-CFF31C3B9CF0}"/>
-    <dgm:cxn modelId="{8F1769B8-B528-4D11-926A-A725856A2D24}" type="presOf" srcId="{A9E6D748-5E9E-46BD-8AEE-B81DB6F68AF4}" destId="{69687CEF-6D39-4C3D-8D77-AD5D7BBEE616}" srcOrd="0" destOrd="0" presId="urn:microsoft.com/office/officeart/2018/2/layout/IconCircleList"/>
-    <dgm:cxn modelId="{F7A2ABDE-693C-46A3-A64C-B3CD6DA6F9F3}" type="presOf" srcId="{7793A892-6499-4888-96C3-EB20DD785DAB}" destId="{579AF82F-1926-4946-B23C-BFCBDD897B66}" srcOrd="0" destOrd="0" presId="urn:microsoft.com/office/officeart/2018/2/layout/IconCircleList"/>
-    <dgm:cxn modelId="{398B1AE7-90A4-4406-8D22-5C8AFB5E5A5D}" type="presOf" srcId="{2780A05D-FA41-44F4-8CC9-4064C7980683}" destId="{DB62F1A8-94D2-4258-946A-CD1CEA212E4D}" srcOrd="0" destOrd="0" presId="urn:microsoft.com/office/officeart/2018/2/layout/IconCircleList"/>
     <dgm:cxn modelId="{C46A1B00-9737-4519-8CB9-7E614F756B95}" type="presParOf" srcId="{EEFD7312-10A3-4947-AEC4-DA40405D29D8}" destId="{E386BE08-CCCC-4878-9AF1-013B354970FA}" srcOrd="0" destOrd="0" presId="urn:microsoft.com/office/officeart/2018/2/layout/IconCircleList"/>
     <dgm:cxn modelId="{BD2183E1-C9A1-4B5C-AEB3-5A099A1679B8}" type="presParOf" srcId="{E386BE08-CCCC-4878-9AF1-013B354970FA}" destId="{E9CEC37D-1E6D-40F9-AD88-FA146366F120}" srcOrd="0" destOrd="0" presId="urn:microsoft.com/office/officeart/2018/2/layout/IconCircleList"/>
     <dgm:cxn modelId="{63E10643-F39E-46FF-AB4D-43A68FBD1B33}" type="presParOf" srcId="{E9CEC37D-1E6D-40F9-AD88-FA146366F120}" destId="{051C96BD-42F0-488B-8745-035F68F1F4F9}" srcOrd="0" destOrd="0" presId="urn:microsoft.com/office/officeart/2018/2/layout/IconCircleList"/>
@@ -4155,13 +4358,13 @@
           <a:avLst/>
         </a:prstGeom>
         <a:blipFill>
-          <a:blip xmlns:r="http://schemas.openxmlformats.org/officeDocument/2006/relationships" r:embed="rId1">
+          <a:blip xmlns:r="http://schemas.openxmlformats.org/officeDocument/2006/relationships" r:embed="rId1" cstate="hqprint">
             <a:extLst>
               <a:ext uri="{28A0092B-C50C-407E-A947-70E740481C1C}">
                 <a14:useLocalDpi xmlns:a14="http://schemas.microsoft.com/office/drawing/2010/main" val="0"/>
               </a:ext>
               <a:ext uri="{96DAC541-7B7A-43D3-8B79-37D633B846F1}">
-                <asvg:svgBlip xmlns:asvg="http://schemas.microsoft.com/office/drawing/2016/SVG/main" r:embed="rId2"/>
+                <asvg:svgBlip xmlns:asvg="http://schemas.microsoft.com/office/drawing/2016/SVG/main" xmlns="" r:embed="rId2"/>
               </a:ext>
             </a:extLst>
           </a:blip>
@@ -4228,7 +4431,7 @@
         </a:bodyPr>
         <a:lstStyle/>
         <a:p>
-          <a:pPr marL="0" lvl="0" indent="0" algn="just" defTabSz="755650">
+          <a:pPr lvl="0" algn="just" defTabSz="755650">
             <a:lnSpc>
               <a:spcPct val="90000"/>
             </a:lnSpc>
@@ -4238,7 +4441,6 @@
             <a:spcAft>
               <a:spcPct val="35000"/>
             </a:spcAft>
-            <a:buNone/>
           </a:pPr>
           <a:r>
             <a:rPr lang="en-IN" sz="1700" kern="1200" dirty="0"/>
@@ -4310,7 +4512,7 @@
           <a:blip xmlns:r="http://schemas.openxmlformats.org/officeDocument/2006/relationships" r:embed="rId3">
             <a:extLst>
               <a:ext uri="{96DAC541-7B7A-43D3-8B79-37D633B846F1}">
-                <asvg:svgBlip xmlns:asvg="http://schemas.microsoft.com/office/drawing/2016/SVG/main" r:embed="rId4"/>
+                <asvg:svgBlip xmlns:asvg="http://schemas.microsoft.com/office/drawing/2016/SVG/main" xmlns="" r:embed="rId4"/>
               </a:ext>
             </a:extLst>
           </a:blip>
@@ -4378,7 +4580,7 @@
         </a:bodyPr>
         <a:lstStyle/>
         <a:p>
-          <a:pPr marL="0" lvl="0" indent="0" algn="just" defTabSz="755650">
+          <a:pPr lvl="0" algn="just" defTabSz="755650">
             <a:lnSpc>
               <a:spcPct val="90000"/>
             </a:lnSpc>
@@ -4388,7 +4590,6 @@
             <a:spcAft>
               <a:spcPct val="35000"/>
             </a:spcAft>
-            <a:buNone/>
           </a:pPr>
           <a:r>
             <a:rPr lang="en-IN" sz="1700" kern="1200" dirty="0"/>
@@ -4463,7 +4664,7 @@
                 <a14:useLocalDpi xmlns:a14="http://schemas.microsoft.com/office/drawing/2010/main" val="0"/>
               </a:ext>
               <a:ext uri="{96DAC541-7B7A-43D3-8B79-37D633B846F1}">
-                <asvg:svgBlip xmlns:asvg="http://schemas.microsoft.com/office/drawing/2016/SVG/main" r:embed="rId6"/>
+                <asvg:svgBlip xmlns:asvg="http://schemas.microsoft.com/office/drawing/2016/SVG/main" xmlns="" r:embed="rId6"/>
               </a:ext>
             </a:extLst>
           </a:blip>
@@ -4530,7 +4731,7 @@
         </a:bodyPr>
         <a:lstStyle/>
         <a:p>
-          <a:pPr marL="0" lvl="0" indent="0" algn="just" defTabSz="755650">
+          <a:pPr lvl="0" algn="just" defTabSz="755650">
             <a:lnSpc>
               <a:spcPct val="90000"/>
             </a:lnSpc>
@@ -4540,7 +4741,6 @@
             <a:spcAft>
               <a:spcPct val="35000"/>
             </a:spcAft>
-            <a:buNone/>
           </a:pPr>
           <a:r>
             <a:rPr lang="en-IN" sz="1700" kern="1200" dirty="0"/>
@@ -4609,13 +4809,13 @@
           <a:avLst/>
         </a:prstGeom>
         <a:blipFill>
-          <a:blip xmlns:r="http://schemas.openxmlformats.org/officeDocument/2006/relationships" r:embed="rId7">
+          <a:blip xmlns:r="http://schemas.openxmlformats.org/officeDocument/2006/relationships" r:embed="rId7" cstate="hqprint">
             <a:extLst>
               <a:ext uri="{28A0092B-C50C-407E-A947-70E740481C1C}">
                 <a14:useLocalDpi xmlns:a14="http://schemas.microsoft.com/office/drawing/2010/main" val="0"/>
               </a:ext>
               <a:ext uri="{96DAC541-7B7A-43D3-8B79-37D633B846F1}">
-                <asvg:svgBlip xmlns:asvg="http://schemas.microsoft.com/office/drawing/2016/SVG/main" r:embed="rId8"/>
+                <asvg:svgBlip xmlns:asvg="http://schemas.microsoft.com/office/drawing/2016/SVG/main" xmlns="" r:embed="rId8"/>
               </a:ext>
             </a:extLst>
           </a:blip>
@@ -4682,7 +4882,7 @@
         </a:bodyPr>
         <a:lstStyle/>
         <a:p>
-          <a:pPr marL="0" lvl="0" indent="0" algn="just" defTabSz="755650">
+          <a:pPr lvl="0" algn="just" defTabSz="755650">
             <a:lnSpc>
               <a:spcPct val="90000"/>
             </a:lnSpc>
@@ -4692,7 +4892,6 @@
             <a:spcAft>
               <a:spcPct val="35000"/>
             </a:spcAft>
-            <a:buNone/>
           </a:pPr>
           <a:r>
             <a:rPr lang="en-IN" sz="1700" kern="1200" dirty="0"/>
@@ -4738,7 +4937,7 @@
                 <a14:useLocalDpi xmlns:a14="http://schemas.microsoft.com/office/drawing/2010/main" val="0"/>
               </a:ext>
               <a:ext uri="{96DAC541-7B7A-43D3-8B79-37D633B846F1}">
-                <asvg:svgBlip xmlns:asvg="http://schemas.microsoft.com/office/drawing/2016/SVG/main" r:embed="rId2"/>
+                <asvg:svgBlip xmlns:asvg="http://schemas.microsoft.com/office/drawing/2016/SVG/main" xmlns="" r:embed="rId2"/>
               </a:ext>
             </a:extLst>
           </a:blip>
@@ -4805,7 +5004,7 @@
         </a:bodyPr>
         <a:lstStyle/>
         <a:p>
-          <a:pPr marL="0" lvl="0" indent="0" algn="just" defTabSz="488950">
+          <a:pPr lvl="0" algn="just" defTabSz="488950">
             <a:lnSpc>
               <a:spcPct val="90000"/>
             </a:lnSpc>
@@ -4815,7 +5014,6 @@
             <a:spcAft>
               <a:spcPct val="35000"/>
             </a:spcAft>
-            <a:buNone/>
           </a:pPr>
           <a:r>
             <a:rPr lang="en-US" sz="1100" b="1" u="sng" kern="1200" dirty="0" err="1"/>
@@ -4860,7 +5058,7 @@
                 <a14:useLocalDpi xmlns:a14="http://schemas.microsoft.com/office/drawing/2010/main" val="0"/>
               </a:ext>
               <a:ext uri="{96DAC541-7B7A-43D3-8B79-37D633B846F1}">
-                <asvg:svgBlip xmlns:asvg="http://schemas.microsoft.com/office/drawing/2016/SVG/main" r:embed="rId4"/>
+                <asvg:svgBlip xmlns:asvg="http://schemas.microsoft.com/office/drawing/2016/SVG/main" xmlns="" r:embed="rId4"/>
               </a:ext>
             </a:extLst>
           </a:blip>
@@ -4927,7 +5125,7 @@
         </a:bodyPr>
         <a:lstStyle/>
         <a:p>
-          <a:pPr marL="0" lvl="0" indent="0" algn="just" defTabSz="488950">
+          <a:pPr lvl="0" algn="just" defTabSz="488950">
             <a:lnSpc>
               <a:spcPct val="90000"/>
             </a:lnSpc>
@@ -4937,7 +5135,6 @@
             <a:spcAft>
               <a:spcPct val="35000"/>
             </a:spcAft>
-            <a:buNone/>
           </a:pPr>
           <a:r>
             <a:rPr lang="en-IN" sz="1100" b="1" u="sng" kern="1200" dirty="0"/>
@@ -5021,13 +5218,13 @@
           <a:avLst/>
         </a:prstGeom>
         <a:blipFill>
-          <a:blip xmlns:r="http://schemas.openxmlformats.org/officeDocument/2006/relationships" r:embed="rId1">
+          <a:blip xmlns:r="http://schemas.openxmlformats.org/officeDocument/2006/relationships" r:embed="rId1" cstate="hqprint">
             <a:extLst>
               <a:ext uri="{28A0092B-C50C-407E-A947-70E740481C1C}">
                 <a14:useLocalDpi xmlns:a14="http://schemas.microsoft.com/office/drawing/2010/main" val="0"/>
               </a:ext>
               <a:ext uri="{96DAC541-7B7A-43D3-8B79-37D633B846F1}">
-                <asvg:svgBlip xmlns:asvg="http://schemas.microsoft.com/office/drawing/2016/SVG/main" r:embed="rId2"/>
+                <asvg:svgBlip xmlns:asvg="http://schemas.microsoft.com/office/drawing/2016/SVG/main" xmlns="" r:embed="rId2"/>
               </a:ext>
             </a:extLst>
           </a:blip>
@@ -5094,7 +5291,7 @@
         </a:bodyPr>
         <a:lstStyle/>
         <a:p>
-          <a:pPr marL="0" lvl="0" indent="0" algn="just" defTabSz="577850">
+          <a:pPr lvl="0" algn="just" defTabSz="577850">
             <a:lnSpc>
               <a:spcPct val="100000"/>
             </a:lnSpc>
@@ -5104,7 +5301,6 @@
             <a:spcAft>
               <a:spcPct val="35000"/>
             </a:spcAft>
-            <a:buNone/>
           </a:pPr>
           <a:r>
             <a:rPr lang="en-US" sz="1300" kern="1200" dirty="0"/>
@@ -5171,13 +5367,13 @@
           <a:avLst/>
         </a:prstGeom>
         <a:blipFill>
-          <a:blip xmlns:r="http://schemas.openxmlformats.org/officeDocument/2006/relationships" r:embed="rId3">
+          <a:blip xmlns:r="http://schemas.openxmlformats.org/officeDocument/2006/relationships" r:embed="rId3" cstate="hqprint">
             <a:extLst>
               <a:ext uri="{28A0092B-C50C-407E-A947-70E740481C1C}">
                 <a14:useLocalDpi xmlns:a14="http://schemas.microsoft.com/office/drawing/2010/main" val="0"/>
               </a:ext>
               <a:ext uri="{96DAC541-7B7A-43D3-8B79-37D633B846F1}">
-                <asvg:svgBlip xmlns:asvg="http://schemas.microsoft.com/office/drawing/2016/SVG/main" r:embed="rId4"/>
+                <asvg:svgBlip xmlns:asvg="http://schemas.microsoft.com/office/drawing/2016/SVG/main" xmlns="" r:embed="rId4"/>
               </a:ext>
             </a:extLst>
           </a:blip>
@@ -5244,7 +5440,7 @@
         </a:bodyPr>
         <a:lstStyle/>
         <a:p>
-          <a:pPr marL="0" lvl="0" indent="0" algn="just" defTabSz="577850">
+          <a:pPr lvl="0" algn="just" defTabSz="577850">
             <a:lnSpc>
               <a:spcPct val="100000"/>
             </a:lnSpc>
@@ -5254,7 +5450,6 @@
             <a:spcAft>
               <a:spcPct val="35000"/>
             </a:spcAft>
-            <a:buNone/>
           </a:pPr>
           <a:r>
             <a:rPr lang="en-US" sz="1300" kern="1200" dirty="0"/>
@@ -5321,13 +5516,13 @@
           <a:avLst/>
         </a:prstGeom>
         <a:blipFill>
-          <a:blip xmlns:r="http://schemas.openxmlformats.org/officeDocument/2006/relationships" r:embed="rId5">
+          <a:blip xmlns:r="http://schemas.openxmlformats.org/officeDocument/2006/relationships" r:embed="rId5" cstate="hqprint">
             <a:extLst>
               <a:ext uri="{28A0092B-C50C-407E-A947-70E740481C1C}">
                 <a14:useLocalDpi xmlns:a14="http://schemas.microsoft.com/office/drawing/2010/main" val="0"/>
               </a:ext>
               <a:ext uri="{96DAC541-7B7A-43D3-8B79-37D633B846F1}">
-                <asvg:svgBlip xmlns:asvg="http://schemas.microsoft.com/office/drawing/2016/SVG/main" r:embed="rId6"/>
+                <asvg:svgBlip xmlns:asvg="http://schemas.microsoft.com/office/drawing/2016/SVG/main" xmlns="" r:embed="rId6"/>
               </a:ext>
             </a:extLst>
           </a:blip>
@@ -5394,7 +5589,7 @@
         </a:bodyPr>
         <a:lstStyle/>
         <a:p>
-          <a:pPr marL="0" lvl="0" indent="0" algn="just" defTabSz="577850">
+          <a:pPr lvl="0" algn="just" defTabSz="577850">
             <a:lnSpc>
               <a:spcPct val="100000"/>
             </a:lnSpc>
@@ -5404,7 +5599,6 @@
             <a:spcAft>
               <a:spcPct val="35000"/>
             </a:spcAft>
-            <a:buNone/>
           </a:pPr>
           <a:r>
             <a:rPr lang="en-US" sz="1300" kern="1200" dirty="0"/>
@@ -5471,13 +5665,13 @@
           <a:avLst/>
         </a:prstGeom>
         <a:blipFill>
-          <a:blip xmlns:r="http://schemas.openxmlformats.org/officeDocument/2006/relationships" r:embed="rId7">
+          <a:blip xmlns:r="http://schemas.openxmlformats.org/officeDocument/2006/relationships" r:embed="rId7" cstate="hqprint">
             <a:extLst>
               <a:ext uri="{28A0092B-C50C-407E-A947-70E740481C1C}">
                 <a14:useLocalDpi xmlns:a14="http://schemas.microsoft.com/office/drawing/2010/main" val="0"/>
               </a:ext>
               <a:ext uri="{96DAC541-7B7A-43D3-8B79-37D633B846F1}">
-                <asvg:svgBlip xmlns:asvg="http://schemas.microsoft.com/office/drawing/2016/SVG/main" r:embed="rId8"/>
+                <asvg:svgBlip xmlns:asvg="http://schemas.microsoft.com/office/drawing/2016/SVG/main" xmlns="" r:embed="rId8"/>
               </a:ext>
             </a:extLst>
           </a:blip>
@@ -5544,7 +5738,7 @@
         </a:bodyPr>
         <a:lstStyle/>
         <a:p>
-          <a:pPr marL="0" lvl="0" indent="0" algn="just" defTabSz="577850">
+          <a:pPr lvl="0" algn="just" defTabSz="577850">
             <a:lnSpc>
               <a:spcPct val="100000"/>
             </a:lnSpc>
@@ -5554,7 +5748,6 @@
             <a:spcAft>
               <a:spcPct val="35000"/>
             </a:spcAft>
-            <a:buNone/>
           </a:pPr>
           <a:r>
             <a:rPr lang="en-US" sz="1300" kern="1200" dirty="0"/>
@@ -5621,13 +5814,13 @@
           <a:avLst/>
         </a:prstGeom>
         <a:blipFill>
-          <a:blip xmlns:r="http://schemas.openxmlformats.org/officeDocument/2006/relationships" r:embed="rId9">
+          <a:blip xmlns:r="http://schemas.openxmlformats.org/officeDocument/2006/relationships" r:embed="rId9" cstate="hqprint">
             <a:extLst>
               <a:ext uri="{28A0092B-C50C-407E-A947-70E740481C1C}">
                 <a14:useLocalDpi xmlns:a14="http://schemas.microsoft.com/office/drawing/2010/main" val="0"/>
               </a:ext>
               <a:ext uri="{96DAC541-7B7A-43D3-8B79-37D633B846F1}">
-                <asvg:svgBlip xmlns:asvg="http://schemas.microsoft.com/office/drawing/2016/SVG/main" r:embed="rId10"/>
+                <asvg:svgBlip xmlns:asvg="http://schemas.microsoft.com/office/drawing/2016/SVG/main" xmlns="" r:embed="rId10"/>
               </a:ext>
             </a:extLst>
           </a:blip>
@@ -5694,7 +5887,7 @@
         </a:bodyPr>
         <a:lstStyle/>
         <a:p>
-          <a:pPr marL="0" lvl="0" indent="0" algn="just" defTabSz="577850">
+          <a:pPr lvl="0" algn="just" defTabSz="577850">
             <a:lnSpc>
               <a:spcPct val="100000"/>
             </a:lnSpc>
@@ -5704,7 +5897,6 @@
             <a:spcAft>
               <a:spcPct val="35000"/>
             </a:spcAft>
-            <a:buNone/>
           </a:pPr>
           <a:r>
             <a:rPr lang="en-US" sz="1300" kern="1200" dirty="0"/>
@@ -5771,13 +5963,13 @@
           <a:avLst/>
         </a:prstGeom>
         <a:blipFill>
-          <a:blip xmlns:r="http://schemas.openxmlformats.org/officeDocument/2006/relationships" r:embed="rId11">
+          <a:blip xmlns:r="http://schemas.openxmlformats.org/officeDocument/2006/relationships" r:embed="rId11" cstate="hqprint">
             <a:extLst>
               <a:ext uri="{28A0092B-C50C-407E-A947-70E740481C1C}">
                 <a14:useLocalDpi xmlns:a14="http://schemas.microsoft.com/office/drawing/2010/main" val="0"/>
               </a:ext>
               <a:ext uri="{96DAC541-7B7A-43D3-8B79-37D633B846F1}">
-                <asvg:svgBlip xmlns:asvg="http://schemas.microsoft.com/office/drawing/2016/SVG/main" r:embed="rId12"/>
+                <asvg:svgBlip xmlns:asvg="http://schemas.microsoft.com/office/drawing/2016/SVG/main" xmlns="" r:embed="rId12"/>
               </a:ext>
             </a:extLst>
           </a:blip>
@@ -5853,7 +6045,7 @@
         </a:bodyPr>
         <a:lstStyle/>
         <a:p>
-          <a:pPr marL="0" lvl="0" indent="0" algn="just" defTabSz="577850">
+          <a:pPr lvl="0" algn="just" defTabSz="577850">
             <a:lnSpc>
               <a:spcPct val="100000"/>
             </a:lnSpc>
@@ -5863,7 +6055,6 @@
             <a:spcAft>
               <a:spcPct val="35000"/>
             </a:spcAft>
-            <a:buNone/>
           </a:pPr>
           <a:r>
             <a:rPr lang="en-US" sz="1300" kern="1200" dirty="0"/>
@@ -6157,7 +6348,7 @@
   </dgm:layoutNode>
   <dgm:extLst>
     <a:ext uri="{68A01E43-0DF5-4B5B-8FA6-DAF915123BFB}">
-      <dgm1612:lstStyle xmlns:dgm1612="http://schemas.microsoft.com/office/drawing/2016/12/diagram">
+      <dgm1612:lstStyle xmlns:dgm1612="http://schemas.microsoft.com/office/drawing/2016/12/diagram" xmlns="">
         <a:lvl1pPr>
           <a:lnSpc>
             <a:spcPct val="100000"/>
@@ -6352,7 +6543,7 @@
   </dgm:layoutNode>
   <dgm:extLst>
     <a:ext uri="{68A01E43-0DF5-4B5B-8FA6-DAF915123BFB}">
-      <dgm1612:lstStyle xmlns:dgm1612="http://schemas.microsoft.com/office/drawing/2016/12/diagram">
+      <dgm1612:lstStyle xmlns:dgm1612="http://schemas.microsoft.com/office/drawing/2016/12/diagram" xmlns="">
         <a:lvl1pPr>
           <a:lnSpc>
             <a:spcPct val="100000"/>
@@ -6564,7 +6755,7 @@
   </dgm:layoutNode>
   <dgm:extLst>
     <a:ext uri="{68A01E43-0DF5-4B5B-8FA6-DAF915123BFB}">
-      <dgm1612:lstStyle xmlns:dgm1612="http://schemas.microsoft.com/office/drawing/2016/12/diagram">
+      <dgm1612:lstStyle xmlns:dgm1612="http://schemas.microsoft.com/office/drawing/2016/12/diagram" xmlns="">
         <a:lvl1pPr>
           <a:lnSpc>
             <a:spcPct val="100000"/>
@@ -9825,7 +10016,7 @@
           <a:p>
             <a:fld id="{87C83D96-EC60-44E9-8CB1-309D5567D819}" type="datetimeFigureOut">
               <a:rPr lang="en-US" smtClean="0"/>
-              <a:t>1/3/2020</a:t>
+              <a:t>2/27/2020</a:t>
             </a:fld>
             <a:endParaRPr lang="en-US"/>
           </a:p>
@@ -10023,7 +10214,7 @@
           <a:p>
             <a:fld id="{87C83D96-EC60-44E9-8CB1-309D5567D819}" type="datetimeFigureOut">
               <a:rPr lang="en-US" smtClean="0"/>
-              <a:t>1/3/2020</a:t>
+              <a:t>2/27/2020</a:t>
             </a:fld>
             <a:endParaRPr lang="en-US"/>
           </a:p>
@@ -10231,7 +10422,7 @@
           <a:p>
             <a:fld id="{87C83D96-EC60-44E9-8CB1-309D5567D819}" type="datetimeFigureOut">
               <a:rPr lang="en-US" smtClean="0"/>
-              <a:t>1/3/2020</a:t>
+              <a:t>2/27/2020</a:t>
             </a:fld>
             <a:endParaRPr lang="en-US"/>
           </a:p>
@@ -10429,7 +10620,7 @@
           <a:p>
             <a:fld id="{87C83D96-EC60-44E9-8CB1-309D5567D819}" type="datetimeFigureOut">
               <a:rPr lang="en-US" smtClean="0"/>
-              <a:t>1/3/2020</a:t>
+              <a:t>2/27/2020</a:t>
             </a:fld>
             <a:endParaRPr lang="en-US"/>
           </a:p>
@@ -10704,7 +10895,7 @@
           <a:p>
             <a:fld id="{87C83D96-EC60-44E9-8CB1-309D5567D819}" type="datetimeFigureOut">
               <a:rPr lang="en-US" smtClean="0"/>
-              <a:t>1/3/2020</a:t>
+              <a:t>2/27/2020</a:t>
             </a:fld>
             <a:endParaRPr lang="en-US"/>
           </a:p>
@@ -10969,7 +11160,7 @@
           <a:p>
             <a:fld id="{87C83D96-EC60-44E9-8CB1-309D5567D819}" type="datetimeFigureOut">
               <a:rPr lang="en-US" smtClean="0"/>
-              <a:t>1/3/2020</a:t>
+              <a:t>2/27/2020</a:t>
             </a:fld>
             <a:endParaRPr lang="en-US"/>
           </a:p>
@@ -11381,7 +11572,7 @@
           <a:p>
             <a:fld id="{87C83D96-EC60-44E9-8CB1-309D5567D819}" type="datetimeFigureOut">
               <a:rPr lang="en-US" smtClean="0"/>
-              <a:t>1/3/2020</a:t>
+              <a:t>2/27/2020</a:t>
             </a:fld>
             <a:endParaRPr lang="en-US"/>
           </a:p>
@@ -11522,7 +11713,7 @@
           <a:p>
             <a:fld id="{87C83D96-EC60-44E9-8CB1-309D5567D819}" type="datetimeFigureOut">
               <a:rPr lang="en-US" smtClean="0"/>
-              <a:t>1/3/2020</a:t>
+              <a:t>2/27/2020</a:t>
             </a:fld>
             <a:endParaRPr lang="en-US"/>
           </a:p>
@@ -11635,7 +11826,7 @@
           <a:p>
             <a:fld id="{87C83D96-EC60-44E9-8CB1-309D5567D819}" type="datetimeFigureOut">
               <a:rPr lang="en-US" smtClean="0"/>
-              <a:t>1/3/2020</a:t>
+              <a:t>2/27/2020</a:t>
             </a:fld>
             <a:endParaRPr lang="en-US"/>
           </a:p>
@@ -11946,7 +12137,7 @@
           <a:p>
             <a:fld id="{87C83D96-EC60-44E9-8CB1-309D5567D819}" type="datetimeFigureOut">
               <a:rPr lang="en-US" smtClean="0"/>
-              <a:t>1/3/2020</a:t>
+              <a:t>2/27/2020</a:t>
             </a:fld>
             <a:endParaRPr lang="en-US"/>
           </a:p>
@@ -12234,7 +12425,7 @@
           <a:p>
             <a:fld id="{87C83D96-EC60-44E9-8CB1-309D5567D819}" type="datetimeFigureOut">
               <a:rPr lang="en-US" smtClean="0"/>
-              <a:t>1/3/2020</a:t>
+              <a:t>2/27/2020</a:t>
             </a:fld>
             <a:endParaRPr lang="en-US"/>
           </a:p>
@@ -12475,7 +12666,7 @@
           <a:p>
             <a:fld id="{87C83D96-EC60-44E9-8CB1-309D5567D819}" type="datetimeFigureOut">
               <a:rPr lang="en-US" smtClean="0"/>
-              <a:t>1/3/2020</a:t>
+              <a:t>2/27/2020</a:t>
             </a:fld>
             <a:endParaRPr lang="en-US"/>
           </a:p>
@@ -12980,24 +13171,9 @@
             <a:br>
               <a:rPr lang="en-US" dirty="0"/>
             </a:br>
-            <a:br>
-              <a:rPr lang="en-US" dirty="0"/>
-            </a:br>
-            <a:r>
-              <a:rPr lang="en-US" sz="2200" dirty="0" err="1"/>
-              <a:t>Lav</a:t>
-            </a:r>
             <a:r>
               <a:rPr lang="en-US" sz="2200" dirty="0"/>
-              <a:t> </a:t>
-            </a:r>
-            <a:r>
-              <a:rPr lang="en-US" sz="2200" dirty="0" err="1"/>
-              <a:t>Hinsu</a:t>
-            </a:r>
-            <a:r>
-              <a:rPr lang="en-US" sz="2200" dirty="0"/>
-              <a:t> -16ET408</a:t>
+              <a:t/>
             </a:r>
             <a:br>
               <a:rPr lang="en-US" sz="2200" dirty="0"/>
@@ -13025,7 +13201,7 @@
                 <a16:creationId xmlns:a16="http://schemas.microsoft.com/office/drawing/2014/main" id="{1DB7C82F-AB7E-4F0C-B829-FA1B9C415180}"/>
               </a:ext>
               <a:ext uri="{C183D7F6-B498-43B3-948B-1728B52AA6E4}">
-                <adec:decorative xmlns:adec="http://schemas.microsoft.com/office/drawing/2017/decorative" val="1"/>
+                <adec:decorative xmlns:adec="http://schemas.microsoft.com/office/drawing/2017/decorative" xmlns="" val="1"/>
               </a:ext>
             </a:extLst>
           </p:cNvPr>
@@ -13330,7 +13506,7 @@
                 <a16:creationId xmlns:a16="http://schemas.microsoft.com/office/drawing/2014/main" id="{B547373F-AF2E-4907-B442-9F902B387FD0}"/>
               </a:ext>
               <a:ext uri="{C183D7F6-B498-43B3-948B-1728B52AA6E4}">
-                <adec:decorative xmlns:adec="http://schemas.microsoft.com/office/drawing/2017/decorative" val="1"/>
+                <adec:decorative xmlns:adec="http://schemas.microsoft.com/office/drawing/2017/decorative" xmlns="" val="1"/>
               </a:ext>
             </a:extLst>
           </p:cNvPr>
@@ -14493,7 +14669,7 @@
                 <a16:creationId xmlns:a16="http://schemas.microsoft.com/office/drawing/2014/main" id="{823AC064-BC96-4F32-8AE1-B2FD38754823}"/>
               </a:ext>
               <a:ext uri="{C183D7F6-B498-43B3-948B-1728B52AA6E4}">
-                <adec:decorative xmlns:adec="http://schemas.microsoft.com/office/drawing/2017/decorative" val="1"/>
+                <adec:decorative xmlns:adec="http://schemas.microsoft.com/office/drawing/2017/decorative" xmlns="" val="1"/>
               </a:ext>
             </a:extLst>
           </p:cNvPr>
@@ -14630,7 +14806,7 @@
                 <a16:creationId xmlns:a16="http://schemas.microsoft.com/office/drawing/2014/main" id="{7E7C77BC-7138-40B1-A15B-20F57A494629}"/>
               </a:ext>
               <a:ext uri="{C183D7F6-B498-43B3-948B-1728B52AA6E4}">
-                <adec:decorative xmlns:adec="http://schemas.microsoft.com/office/drawing/2017/decorative" val="1"/>
+                <adec:decorative xmlns:adec="http://schemas.microsoft.com/office/drawing/2017/decorative" xmlns="" val="1"/>
               </a:ext>
             </a:extLst>
           </p:cNvPr>
@@ -14690,7 +14866,7 @@
             <p:ph idx="1"/>
             <p:extLst>
               <p:ext uri="{D42A27DB-BD31-4B8C-83A1-F6EECF244321}">
-                <p14:modId xmlns:p14="http://schemas.microsoft.com/office/powerpoint/2010/main" val="651238635"/>
+                <p14:modId xmlns:p14="http://schemas.microsoft.com/office/powerpoint/2010/main" val="3612207187"/>
               </p:ext>
             </p:extLst>
           </p:nvPr>
@@ -14824,8 +15000,49 @@
                             </a:schemeClr>
                           </a:solidFill>
                         </a:rPr>
-                        <a:t>NLP engine</a:t>
+                        <a:t>NLP </a:t>
                       </a:r>
+                      <a:r>
+                        <a:rPr lang="en-US" sz="1700" dirty="0" smtClean="0">
+                          <a:solidFill>
+                            <a:schemeClr val="tx1">
+                              <a:lumMod val="75000"/>
+                              <a:lumOff val="25000"/>
+                            </a:schemeClr>
+                          </a:solidFill>
+                        </a:rPr>
+                        <a:t>engine(Done,</a:t>
+                      </a:r>
+                      <a:r>
+                        <a:rPr lang="en-US" sz="1700" baseline="0" dirty="0" smtClean="0">
+                          <a:solidFill>
+                            <a:schemeClr val="tx1">
+                              <a:lumMod val="75000"/>
+                              <a:lumOff val="25000"/>
+                            </a:schemeClr>
+                          </a:solidFill>
+                        </a:rPr>
+                        <a:t> improvements to continue overtime</a:t>
+                      </a:r>
+                      <a:r>
+                        <a:rPr lang="en-US" sz="1700" dirty="0" smtClean="0">
+                          <a:solidFill>
+                            <a:schemeClr val="tx1">
+                              <a:lumMod val="75000"/>
+                              <a:lumOff val="25000"/>
+                            </a:schemeClr>
+                          </a:solidFill>
+                        </a:rPr>
+                        <a:t>)</a:t>
+                      </a:r>
+                      <a:endParaRPr lang="en-US" sz="1700" dirty="0">
+                        <a:solidFill>
+                          <a:schemeClr val="tx1">
+                            <a:lumMod val="75000"/>
+                            <a:lumOff val="25000"/>
+                          </a:schemeClr>
+                        </a:solidFill>
+                      </a:endParaRPr>
                     </a:p>
                   </a:txBody>
                   <a:tcPr marL="243758" marR="182819" marT="121879" marB="121879">
@@ -14915,8 +15132,27 @@
                             </a:schemeClr>
                           </a:solidFill>
                         </a:rPr>
-                        <a:t>NLP Feedback  System</a:t>
+                        <a:t>NLP Feedback  </a:t>
                       </a:r>
+                      <a:r>
+                        <a:rPr lang="en-US" sz="1700" dirty="0" smtClean="0">
+                          <a:solidFill>
+                            <a:schemeClr val="tx1">
+                              <a:lumMod val="75000"/>
+                              <a:lumOff val="25000"/>
+                            </a:schemeClr>
+                          </a:solidFill>
+                        </a:rPr>
+                        <a:t>System(backend built)</a:t>
+                      </a:r>
+                      <a:endParaRPr lang="en-US" sz="1700" dirty="0">
+                        <a:solidFill>
+                          <a:schemeClr val="tx1">
+                            <a:lumMod val="75000"/>
+                            <a:lumOff val="25000"/>
+                          </a:schemeClr>
+                        </a:solidFill>
+                      </a:endParaRPr>
                     </a:p>
                   </a:txBody>
                   <a:tcPr marL="243758" marR="182819" marT="121879" marB="121879">
@@ -15180,7 +15416,7 @@
                     <a:lstStyle/>
                     <a:p>
                       <a:r>
-                        <a:rPr lang="en-US" sz="1700">
+                        <a:rPr lang="en-US" sz="1700" dirty="0">
                           <a:solidFill>
                             <a:schemeClr val="tx1">
                               <a:lumMod val="75000"/>
@@ -15188,8 +15424,27 @@
                             </a:schemeClr>
                           </a:solidFill>
                         </a:rPr>
-                        <a:t>Social Media bots</a:t>
+                        <a:t>Social Media </a:t>
                       </a:r>
+                      <a:r>
+                        <a:rPr lang="en-US" sz="1700" dirty="0" smtClean="0">
+                          <a:solidFill>
+                            <a:schemeClr val="tx1">
+                              <a:lumMod val="75000"/>
+                              <a:lumOff val="25000"/>
+                            </a:schemeClr>
+                          </a:solidFill>
+                        </a:rPr>
+                        <a:t>bots(Twitter done)</a:t>
+                      </a:r>
+                      <a:endParaRPr lang="en-US" sz="1700" dirty="0">
+                        <a:solidFill>
+                          <a:schemeClr val="tx1">
+                            <a:lumMod val="75000"/>
+                            <a:lumOff val="25000"/>
+                          </a:schemeClr>
+                        </a:solidFill>
+                      </a:endParaRPr>
                     </a:p>
                   </a:txBody>
                   <a:tcPr marL="243758" marR="182819" marT="121879" marB="121879">
@@ -15619,7 +15874,7 @@
                 <a14:useLocalDpi xmlns:a14="http://schemas.microsoft.com/office/drawing/2010/main" val="0"/>
               </a:ext>
               <a:ext uri="{96DAC541-7B7A-43D3-8B79-37D633B846F1}">
-                <asvg:svgBlip xmlns:asvg="http://schemas.microsoft.com/office/drawing/2016/SVG/main" r:embed="rId3"/>
+                <asvg:svgBlip xmlns:asvg="http://schemas.microsoft.com/office/drawing/2016/SVG/main" xmlns="" r:embed="rId3"/>
               </a:ext>
             </a:extLst>
           </a:blip>
@@ -15780,7 +16035,7 @@
                 <a16:creationId xmlns:a16="http://schemas.microsoft.com/office/drawing/2014/main" id="{E4A809D5-3600-46D4-A466-67F2349A54FB}"/>
               </a:ext>
               <a:ext uri="{C183D7F6-B498-43B3-948B-1728B52AA6E4}">
-                <adec:decorative xmlns:adec="http://schemas.microsoft.com/office/drawing/2017/decorative" val="1"/>
+                <adec:decorative xmlns:adec="http://schemas.microsoft.com/office/drawing/2017/decorative" xmlns="" val="1"/>
               </a:ext>
             </a:extLst>
           </p:cNvPr>
@@ -16012,7 +16267,7 @@
                 <a16:creationId xmlns:a16="http://schemas.microsoft.com/office/drawing/2014/main" id="{87A57295-2710-4920-B99A-4D1FA03A62BD}"/>
               </a:ext>
               <a:ext uri="{C183D7F6-B498-43B3-948B-1728B52AA6E4}">
-                <adec:decorative xmlns:adec="http://schemas.microsoft.com/office/drawing/2017/decorative" val="1"/>
+                <adec:decorative xmlns:adec="http://schemas.microsoft.com/office/drawing/2017/decorative" xmlns="" val="1"/>
               </a:ext>
             </a:extLst>
           </p:cNvPr>
@@ -16072,7 +16327,7 @@
                 <a16:creationId xmlns:a16="http://schemas.microsoft.com/office/drawing/2014/main" id="{78067929-4D33-4306-9E2F-67C49CDDB5DE}"/>
               </a:ext>
               <a:ext uri="{C183D7F6-B498-43B3-948B-1728B52AA6E4}">
-                <adec:decorative xmlns:adec="http://schemas.microsoft.com/office/drawing/2017/decorative" val="1"/>
+                <adec:decorative xmlns:adec="http://schemas.microsoft.com/office/drawing/2017/decorative" xmlns="" val="1"/>
               </a:ext>
             </a:extLst>
           </p:cNvPr>
@@ -16174,7 +16429,7 @@
                 <a16:creationId xmlns:a16="http://schemas.microsoft.com/office/drawing/2014/main" id="{2D72A2C9-F3CA-4216-8BAD-FA4C970C3C4E}"/>
               </a:ext>
               <a:ext uri="{C183D7F6-B498-43B3-948B-1728B52AA6E4}">
-                <adec:decorative xmlns:adec="http://schemas.microsoft.com/office/drawing/2017/decorative" val="1"/>
+                <adec:decorative xmlns:adec="http://schemas.microsoft.com/office/drawing/2017/decorative" xmlns="" val="1"/>
               </a:ext>
             </a:extLst>
           </p:cNvPr>
@@ -16306,7 +16561,7 @@
                 <a16:creationId xmlns:a16="http://schemas.microsoft.com/office/drawing/2014/main" id="{46C2E80F-49A6-4372-B103-219D417A55ED}"/>
               </a:ext>
               <a:ext uri="{C183D7F6-B498-43B3-948B-1728B52AA6E4}">
-                <adec:decorative xmlns:adec="http://schemas.microsoft.com/office/drawing/2017/decorative" val="1"/>
+                <adec:decorative xmlns:adec="http://schemas.microsoft.com/office/drawing/2017/decorative" xmlns="" val="1"/>
               </a:ext>
             </a:extLst>
           </p:cNvPr>
@@ -16895,7 +17150,7 @@
                 <a16:creationId xmlns:a16="http://schemas.microsoft.com/office/drawing/2014/main" id="{46C2E80F-49A6-4372-B103-219D417A55ED}"/>
               </a:ext>
               <a:ext uri="{C183D7F6-B498-43B3-948B-1728B52AA6E4}">
-                <adec:decorative xmlns:adec="http://schemas.microsoft.com/office/drawing/2017/decorative" val="1"/>
+                <adec:decorative xmlns:adec="http://schemas.microsoft.com/office/drawing/2017/decorative" xmlns="" val="1"/>
               </a:ext>
             </a:extLst>
           </p:cNvPr>
@@ -17484,7 +17739,7 @@
                 <a16:creationId xmlns:a16="http://schemas.microsoft.com/office/drawing/2014/main" id="{46C2E80F-49A6-4372-B103-219D417A55ED}"/>
               </a:ext>
               <a:ext uri="{C183D7F6-B498-43B3-948B-1728B52AA6E4}">
-                <adec:decorative xmlns:adec="http://schemas.microsoft.com/office/drawing/2017/decorative" val="1"/>
+                <adec:decorative xmlns:adec="http://schemas.microsoft.com/office/drawing/2017/decorative" xmlns="" val="1"/>
               </a:ext>
             </a:extLst>
           </p:cNvPr>
@@ -18073,7 +18328,7 @@
                 <a16:creationId xmlns:a16="http://schemas.microsoft.com/office/drawing/2014/main" id="{B547373F-AF2E-4907-B442-9F902B387FD0}"/>
               </a:ext>
               <a:ext uri="{C183D7F6-B498-43B3-948B-1728B52AA6E4}">
-                <adec:decorative xmlns:adec="http://schemas.microsoft.com/office/drawing/2017/decorative" val="1"/>
+                <adec:decorative xmlns:adec="http://schemas.microsoft.com/office/drawing/2017/decorative" xmlns="" val="1"/>
               </a:ext>
             </a:extLst>
           </p:cNvPr>
@@ -19490,7 +19745,7 @@
                 <a16:creationId xmlns:a16="http://schemas.microsoft.com/office/drawing/2014/main" id="{B547373F-AF2E-4907-B442-9F902B387FD0}"/>
               </a:ext>
               <a:ext uri="{C183D7F6-B498-43B3-948B-1728B52AA6E4}">
-                <adec:decorative xmlns:adec="http://schemas.microsoft.com/office/drawing/2017/decorative" val="1"/>
+                <adec:decorative xmlns:adec="http://schemas.microsoft.com/office/drawing/2017/decorative" xmlns="" val="1"/>
               </a:ext>
             </a:extLst>
           </p:cNvPr>
@@ -20595,7 +20850,7 @@
                 <a16:creationId xmlns:a16="http://schemas.microsoft.com/office/drawing/2014/main" id="{B547373F-AF2E-4907-B442-9F902B387FD0}"/>
               </a:ext>
               <a:ext uri="{C183D7F6-B498-43B3-948B-1728B52AA6E4}">
-                <adec:decorative xmlns:adec="http://schemas.microsoft.com/office/drawing/2017/decorative" val="1"/>
+                <adec:decorative xmlns:adec="http://schemas.microsoft.com/office/drawing/2017/decorative" xmlns="" val="1"/>
               </a:ext>
             </a:extLst>
           </p:cNvPr>

--- a/For The People.pptx
+++ b/For The People.pptx
@@ -2949,7 +2949,7 @@
                 <a14:useLocalDpi xmlns:a14="http://schemas.microsoft.com/office/drawing/2010/main" val="0"/>
               </a:ext>
               <a:ext uri="{96DAC541-7B7A-43D3-8B79-37D633B846F1}">
-                <asvg:svgBlip xmlns:asvg="http://schemas.microsoft.com/office/drawing/2016/SVG/main" xmlns="" r:embed="rId2"/>
+                <asvg:svgBlip xmlns="" xmlns:asvg="http://schemas.microsoft.com/office/drawing/2016/SVG/main" r:embed="rId2"/>
               </a:ext>
             </a:extLst>
           </a:blip>
@@ -3013,7 +3013,7 @@
           <a:blip xmlns:r="http://schemas.openxmlformats.org/officeDocument/2006/relationships" r:embed="rId3">
             <a:extLst>
               <a:ext uri="{96DAC541-7B7A-43D3-8B79-37D633B846F1}">
-                <asvg:svgBlip xmlns:asvg="http://schemas.microsoft.com/office/drawing/2016/SVG/main" xmlns="" r:embed="rId4"/>
+                <asvg:svgBlip xmlns="" xmlns:asvg="http://schemas.microsoft.com/office/drawing/2016/SVG/main" r:embed="rId4"/>
               </a:ext>
             </a:extLst>
           </a:blip>
@@ -3074,7 +3074,7 @@
                 <a14:useLocalDpi xmlns:a14="http://schemas.microsoft.com/office/drawing/2010/main" val="0"/>
               </a:ext>
               <a:ext uri="{96DAC541-7B7A-43D3-8B79-37D633B846F1}">
-                <asvg:svgBlip xmlns:asvg="http://schemas.microsoft.com/office/drawing/2016/SVG/main" xmlns="" r:embed="rId6"/>
+                <asvg:svgBlip xmlns="" xmlns:asvg="http://schemas.microsoft.com/office/drawing/2016/SVG/main" r:embed="rId6"/>
               </a:ext>
             </a:extLst>
           </a:blip>
@@ -3141,7 +3141,7 @@
                 <a14:useLocalDpi xmlns:a14="http://schemas.microsoft.com/office/drawing/2010/main" val="0"/>
               </a:ext>
               <a:ext uri="{96DAC541-7B7A-43D3-8B79-37D633B846F1}">
-                <asvg:svgBlip xmlns:asvg="http://schemas.microsoft.com/office/drawing/2016/SVG/main" xmlns="" r:embed="rId8"/>
+                <asvg:svgBlip xmlns="" xmlns:asvg="http://schemas.microsoft.com/office/drawing/2016/SVG/main" r:embed="rId8"/>
               </a:ext>
             </a:extLst>
           </a:blip>
@@ -3366,7 +3366,7 @@
                 <a14:useLocalDpi xmlns:a14="http://schemas.microsoft.com/office/drawing/2010/main" val="0"/>
               </a:ext>
               <a:ext uri="{96DAC541-7B7A-43D3-8B79-37D633B846F1}">
-                <asvg:svgBlip xmlns:asvg="http://schemas.microsoft.com/office/drawing/2016/SVG/main" xmlns="" r:embed="rId2"/>
+                <asvg:svgBlip xmlns="" xmlns:asvg="http://schemas.microsoft.com/office/drawing/2016/SVG/main" r:embed="rId2"/>
               </a:ext>
             </a:extLst>
           </a:blip>
@@ -3422,7 +3422,7 @@
                 <a14:useLocalDpi xmlns:a14="http://schemas.microsoft.com/office/drawing/2010/main" val="0"/>
               </a:ext>
               <a:ext uri="{96DAC541-7B7A-43D3-8B79-37D633B846F1}">
-                <asvg:svgBlip xmlns:asvg="http://schemas.microsoft.com/office/drawing/2016/SVG/main" xmlns="" r:embed="rId4"/>
+                <asvg:svgBlip xmlns="" xmlns:asvg="http://schemas.microsoft.com/office/drawing/2016/SVG/main" r:embed="rId4"/>
               </a:ext>
             </a:extLst>
           </a:blip>
@@ -3815,7 +3815,7 @@
                 <a14:useLocalDpi xmlns:a14="http://schemas.microsoft.com/office/drawing/2010/main" val="0"/>
               </a:ext>
               <a:ext uri="{96DAC541-7B7A-43D3-8B79-37D633B846F1}">
-                <asvg:svgBlip xmlns:asvg="http://schemas.microsoft.com/office/drawing/2016/SVG/main" xmlns="" r:embed="rId2"/>
+                <asvg:svgBlip xmlns="" xmlns:asvg="http://schemas.microsoft.com/office/drawing/2016/SVG/main" r:embed="rId2"/>
               </a:ext>
             </a:extLst>
           </a:blip>
@@ -3889,7 +3889,7 @@
                 <a14:useLocalDpi xmlns:a14="http://schemas.microsoft.com/office/drawing/2010/main" val="0"/>
               </a:ext>
               <a:ext uri="{96DAC541-7B7A-43D3-8B79-37D633B846F1}">
-                <asvg:svgBlip xmlns:asvg="http://schemas.microsoft.com/office/drawing/2016/SVG/main" xmlns="" r:embed="rId4"/>
+                <asvg:svgBlip xmlns="" xmlns:asvg="http://schemas.microsoft.com/office/drawing/2016/SVG/main" r:embed="rId4"/>
               </a:ext>
             </a:extLst>
           </a:blip>
@@ -3963,7 +3963,7 @@
                 <a14:useLocalDpi xmlns:a14="http://schemas.microsoft.com/office/drawing/2010/main" val="0"/>
               </a:ext>
               <a:ext uri="{96DAC541-7B7A-43D3-8B79-37D633B846F1}">
-                <asvg:svgBlip xmlns:asvg="http://schemas.microsoft.com/office/drawing/2016/SVG/main" xmlns="" r:embed="rId6"/>
+                <asvg:svgBlip xmlns="" xmlns:asvg="http://schemas.microsoft.com/office/drawing/2016/SVG/main" r:embed="rId6"/>
               </a:ext>
             </a:extLst>
           </a:blip>
@@ -4037,7 +4037,7 @@
                 <a14:useLocalDpi xmlns:a14="http://schemas.microsoft.com/office/drawing/2010/main" val="0"/>
               </a:ext>
               <a:ext uri="{96DAC541-7B7A-43D3-8B79-37D633B846F1}">
-                <asvg:svgBlip xmlns:asvg="http://schemas.microsoft.com/office/drawing/2016/SVG/main" xmlns="" r:embed="rId8"/>
+                <asvg:svgBlip xmlns="" xmlns:asvg="http://schemas.microsoft.com/office/drawing/2016/SVG/main" r:embed="rId8"/>
               </a:ext>
             </a:extLst>
           </a:blip>
@@ -4111,7 +4111,7 @@
                 <a14:useLocalDpi xmlns:a14="http://schemas.microsoft.com/office/drawing/2010/main" val="0"/>
               </a:ext>
               <a:ext uri="{96DAC541-7B7A-43D3-8B79-37D633B846F1}">
-                <asvg:svgBlip xmlns:asvg="http://schemas.microsoft.com/office/drawing/2016/SVG/main" xmlns="" r:embed="rId10"/>
+                <asvg:svgBlip xmlns="" xmlns:asvg="http://schemas.microsoft.com/office/drawing/2016/SVG/main" r:embed="rId10"/>
               </a:ext>
             </a:extLst>
           </a:blip>
@@ -4185,7 +4185,7 @@
                 <a14:useLocalDpi xmlns:a14="http://schemas.microsoft.com/office/drawing/2010/main" val="0"/>
               </a:ext>
               <a:ext uri="{96DAC541-7B7A-43D3-8B79-37D633B846F1}">
-                <asvg:svgBlip xmlns:asvg="http://schemas.microsoft.com/office/drawing/2016/SVG/main" xmlns="" r:embed="rId12"/>
+                <asvg:svgBlip xmlns="" xmlns:asvg="http://schemas.microsoft.com/office/drawing/2016/SVG/main" r:embed="rId12"/>
               </a:ext>
             </a:extLst>
           </a:blip>
@@ -4364,7 +4364,7 @@
                 <a14:useLocalDpi xmlns:a14="http://schemas.microsoft.com/office/drawing/2010/main" val="0"/>
               </a:ext>
               <a:ext uri="{96DAC541-7B7A-43D3-8B79-37D633B846F1}">
-                <asvg:svgBlip xmlns:asvg="http://schemas.microsoft.com/office/drawing/2016/SVG/main" xmlns="" r:embed="rId2"/>
+                <asvg:svgBlip xmlns="" xmlns:asvg="http://schemas.microsoft.com/office/drawing/2016/SVG/main" r:embed="rId2"/>
               </a:ext>
             </a:extLst>
           </a:blip>
@@ -4512,7 +4512,7 @@
           <a:blip xmlns:r="http://schemas.openxmlformats.org/officeDocument/2006/relationships" r:embed="rId3">
             <a:extLst>
               <a:ext uri="{96DAC541-7B7A-43D3-8B79-37D633B846F1}">
-                <asvg:svgBlip xmlns:asvg="http://schemas.microsoft.com/office/drawing/2016/SVG/main" xmlns="" r:embed="rId4"/>
+                <asvg:svgBlip xmlns="" xmlns:asvg="http://schemas.microsoft.com/office/drawing/2016/SVG/main" r:embed="rId4"/>
               </a:ext>
             </a:extLst>
           </a:blip>
@@ -4664,7 +4664,7 @@
                 <a14:useLocalDpi xmlns:a14="http://schemas.microsoft.com/office/drawing/2010/main" val="0"/>
               </a:ext>
               <a:ext uri="{96DAC541-7B7A-43D3-8B79-37D633B846F1}">
-                <asvg:svgBlip xmlns:asvg="http://schemas.microsoft.com/office/drawing/2016/SVG/main" xmlns="" r:embed="rId6"/>
+                <asvg:svgBlip xmlns="" xmlns:asvg="http://schemas.microsoft.com/office/drawing/2016/SVG/main" r:embed="rId6"/>
               </a:ext>
             </a:extLst>
           </a:blip>
@@ -4815,7 +4815,7 @@
                 <a14:useLocalDpi xmlns:a14="http://schemas.microsoft.com/office/drawing/2010/main" val="0"/>
               </a:ext>
               <a:ext uri="{96DAC541-7B7A-43D3-8B79-37D633B846F1}">
-                <asvg:svgBlip xmlns:asvg="http://schemas.microsoft.com/office/drawing/2016/SVG/main" xmlns="" r:embed="rId8"/>
+                <asvg:svgBlip xmlns="" xmlns:asvg="http://schemas.microsoft.com/office/drawing/2016/SVG/main" r:embed="rId8"/>
               </a:ext>
             </a:extLst>
           </a:blip>
@@ -4937,7 +4937,7 @@
                 <a14:useLocalDpi xmlns:a14="http://schemas.microsoft.com/office/drawing/2010/main" val="0"/>
               </a:ext>
               <a:ext uri="{96DAC541-7B7A-43D3-8B79-37D633B846F1}">
-                <asvg:svgBlip xmlns:asvg="http://schemas.microsoft.com/office/drawing/2016/SVG/main" xmlns="" r:embed="rId2"/>
+                <asvg:svgBlip xmlns="" xmlns:asvg="http://schemas.microsoft.com/office/drawing/2016/SVG/main" r:embed="rId2"/>
               </a:ext>
             </a:extLst>
           </a:blip>
@@ -5058,7 +5058,7 @@
                 <a14:useLocalDpi xmlns:a14="http://schemas.microsoft.com/office/drawing/2010/main" val="0"/>
               </a:ext>
               <a:ext uri="{96DAC541-7B7A-43D3-8B79-37D633B846F1}">
-                <asvg:svgBlip xmlns:asvg="http://schemas.microsoft.com/office/drawing/2016/SVG/main" xmlns="" r:embed="rId4"/>
+                <asvg:svgBlip xmlns="" xmlns:asvg="http://schemas.microsoft.com/office/drawing/2016/SVG/main" r:embed="rId4"/>
               </a:ext>
             </a:extLst>
           </a:blip>
@@ -5224,7 +5224,7 @@
                 <a14:useLocalDpi xmlns:a14="http://schemas.microsoft.com/office/drawing/2010/main" val="0"/>
               </a:ext>
               <a:ext uri="{96DAC541-7B7A-43D3-8B79-37D633B846F1}">
-                <asvg:svgBlip xmlns:asvg="http://schemas.microsoft.com/office/drawing/2016/SVG/main" xmlns="" r:embed="rId2"/>
+                <asvg:svgBlip xmlns="" xmlns:asvg="http://schemas.microsoft.com/office/drawing/2016/SVG/main" r:embed="rId2"/>
               </a:ext>
             </a:extLst>
           </a:blip>
@@ -5373,7 +5373,7 @@
                 <a14:useLocalDpi xmlns:a14="http://schemas.microsoft.com/office/drawing/2010/main" val="0"/>
               </a:ext>
               <a:ext uri="{96DAC541-7B7A-43D3-8B79-37D633B846F1}">
-                <asvg:svgBlip xmlns:asvg="http://schemas.microsoft.com/office/drawing/2016/SVG/main" xmlns="" r:embed="rId4"/>
+                <asvg:svgBlip xmlns="" xmlns:asvg="http://schemas.microsoft.com/office/drawing/2016/SVG/main" r:embed="rId4"/>
               </a:ext>
             </a:extLst>
           </a:blip>
@@ -5522,7 +5522,7 @@
                 <a14:useLocalDpi xmlns:a14="http://schemas.microsoft.com/office/drawing/2010/main" val="0"/>
               </a:ext>
               <a:ext uri="{96DAC541-7B7A-43D3-8B79-37D633B846F1}">
-                <asvg:svgBlip xmlns:asvg="http://schemas.microsoft.com/office/drawing/2016/SVG/main" xmlns="" r:embed="rId6"/>
+                <asvg:svgBlip xmlns="" xmlns:asvg="http://schemas.microsoft.com/office/drawing/2016/SVG/main" r:embed="rId6"/>
               </a:ext>
             </a:extLst>
           </a:blip>
@@ -5671,7 +5671,7 @@
                 <a14:useLocalDpi xmlns:a14="http://schemas.microsoft.com/office/drawing/2010/main" val="0"/>
               </a:ext>
               <a:ext uri="{96DAC541-7B7A-43D3-8B79-37D633B846F1}">
-                <asvg:svgBlip xmlns:asvg="http://schemas.microsoft.com/office/drawing/2016/SVG/main" xmlns="" r:embed="rId8"/>
+                <asvg:svgBlip xmlns="" xmlns:asvg="http://schemas.microsoft.com/office/drawing/2016/SVG/main" r:embed="rId8"/>
               </a:ext>
             </a:extLst>
           </a:blip>
@@ -5820,7 +5820,7 @@
                 <a14:useLocalDpi xmlns:a14="http://schemas.microsoft.com/office/drawing/2010/main" val="0"/>
               </a:ext>
               <a:ext uri="{96DAC541-7B7A-43D3-8B79-37D633B846F1}">
-                <asvg:svgBlip xmlns:asvg="http://schemas.microsoft.com/office/drawing/2016/SVG/main" xmlns="" r:embed="rId10"/>
+                <asvg:svgBlip xmlns="" xmlns:asvg="http://schemas.microsoft.com/office/drawing/2016/SVG/main" r:embed="rId10"/>
               </a:ext>
             </a:extLst>
           </a:blip>
@@ -5969,7 +5969,7 @@
                 <a14:useLocalDpi xmlns:a14="http://schemas.microsoft.com/office/drawing/2010/main" val="0"/>
               </a:ext>
               <a:ext uri="{96DAC541-7B7A-43D3-8B79-37D633B846F1}">
-                <asvg:svgBlip xmlns:asvg="http://schemas.microsoft.com/office/drawing/2016/SVG/main" xmlns="" r:embed="rId12"/>
+                <asvg:svgBlip xmlns="" xmlns:asvg="http://schemas.microsoft.com/office/drawing/2016/SVG/main" r:embed="rId12"/>
               </a:ext>
             </a:extLst>
           </a:blip>
@@ -6348,7 +6348,7 @@
   </dgm:layoutNode>
   <dgm:extLst>
     <a:ext uri="{68A01E43-0DF5-4B5B-8FA6-DAF915123BFB}">
-      <dgm1612:lstStyle xmlns:dgm1612="http://schemas.microsoft.com/office/drawing/2016/12/diagram" xmlns="">
+      <dgm1612:lstStyle xmlns="" xmlns:dgm1612="http://schemas.microsoft.com/office/drawing/2016/12/diagram">
         <a:lvl1pPr>
           <a:lnSpc>
             <a:spcPct val="100000"/>
@@ -6543,7 +6543,7 @@
   </dgm:layoutNode>
   <dgm:extLst>
     <a:ext uri="{68A01E43-0DF5-4B5B-8FA6-DAF915123BFB}">
-      <dgm1612:lstStyle xmlns:dgm1612="http://schemas.microsoft.com/office/drawing/2016/12/diagram" xmlns="">
+      <dgm1612:lstStyle xmlns="" xmlns:dgm1612="http://schemas.microsoft.com/office/drawing/2016/12/diagram">
         <a:lvl1pPr>
           <a:lnSpc>
             <a:spcPct val="100000"/>
@@ -6755,7 +6755,7 @@
   </dgm:layoutNode>
   <dgm:extLst>
     <a:ext uri="{68A01E43-0DF5-4B5B-8FA6-DAF915123BFB}">
-      <dgm1612:lstStyle xmlns:dgm1612="http://schemas.microsoft.com/office/drawing/2016/12/diagram" xmlns="">
+      <dgm1612:lstStyle xmlns="" xmlns:dgm1612="http://schemas.microsoft.com/office/drawing/2016/12/diagram">
         <a:lvl1pPr>
           <a:lnSpc>
             <a:spcPct val="100000"/>
@@ -13157,7 +13157,7 @@
               <a:rPr lang="en-US" dirty="0"/>
             </a:br>
             <a:r>
-              <a:rPr lang="en-US" b="1" dirty="0">
+              <a:rPr lang="en-US" b="1" dirty="0" smtClean="0">
                 <a:solidFill>
                   <a:schemeClr val="accent6"/>
                 </a:solidFill>
@@ -13165,12 +13165,9 @@
               <a:t>P</a:t>
             </a:r>
             <a:r>
-              <a:rPr lang="en-US" dirty="0"/>
+              <a:rPr lang="en-US" dirty="0" smtClean="0"/>
               <a:t>eople</a:t>
             </a:r>
-            <a:br>
-              <a:rPr lang="en-US" dirty="0"/>
-            </a:br>
             <a:r>
               <a:rPr lang="en-US" sz="2200" dirty="0"/>
               <a:t/>
@@ -13179,8 +13176,26 @@
               <a:rPr lang="en-US" sz="2200" dirty="0"/>
             </a:br>
             <a:r>
+              <a:rPr lang="en-US" sz="2200" b="1" u="sng" dirty="0" smtClean="0"/>
+              <a:t>Public Grievance System</a:t>
+            </a:r>
+            <a:br>
+              <a:rPr lang="en-US" sz="2200" b="1" u="sng" dirty="0" smtClean="0"/>
+            </a:br>
+            <a:r>
+              <a:rPr lang="en-US" sz="2200" dirty="0" smtClean="0"/>
+              <a:t/>
+            </a:r>
+            <a:br>
+              <a:rPr lang="en-US" sz="2200" dirty="0" smtClean="0"/>
+            </a:br>
+            <a:r>
+              <a:rPr lang="en-US" sz="2200" dirty="0" smtClean="0"/>
+              <a:t>Shikhar </a:t>
+            </a:r>
+            <a:r>
               <a:rPr lang="en-US" sz="2200" dirty="0"/>
-              <a:t>Shikhar Maheshwari – 16ET415</a:t>
+              <a:t>Maheshwari – 16ET415</a:t>
             </a:r>
             <a:br>
               <a:rPr lang="en-US" sz="2200" dirty="0"/>
@@ -13201,7 +13216,7 @@
                 <a16:creationId xmlns:a16="http://schemas.microsoft.com/office/drawing/2014/main" id="{1DB7C82F-AB7E-4F0C-B829-FA1B9C415180}"/>
               </a:ext>
               <a:ext uri="{C183D7F6-B498-43B3-948B-1728B52AA6E4}">
-                <adec:decorative xmlns:adec="http://schemas.microsoft.com/office/drawing/2017/decorative" xmlns="" val="1"/>
+                <adec:decorative xmlns="" xmlns:adec="http://schemas.microsoft.com/office/drawing/2017/decorative" val="1"/>
               </a:ext>
             </a:extLst>
           </p:cNvPr>
@@ -13506,7 +13521,7 @@
                 <a16:creationId xmlns:a16="http://schemas.microsoft.com/office/drawing/2014/main" id="{B547373F-AF2E-4907-B442-9F902B387FD0}"/>
               </a:ext>
               <a:ext uri="{C183D7F6-B498-43B3-948B-1728B52AA6E4}">
-                <adec:decorative xmlns:adec="http://schemas.microsoft.com/office/drawing/2017/decorative" xmlns="" val="1"/>
+                <adec:decorative xmlns="" xmlns:adec="http://schemas.microsoft.com/office/drawing/2017/decorative" val="1"/>
               </a:ext>
             </a:extLst>
           </p:cNvPr>
@@ -14669,7 +14684,7 @@
                 <a16:creationId xmlns:a16="http://schemas.microsoft.com/office/drawing/2014/main" id="{823AC064-BC96-4F32-8AE1-B2FD38754823}"/>
               </a:ext>
               <a:ext uri="{C183D7F6-B498-43B3-948B-1728B52AA6E4}">
-                <adec:decorative xmlns:adec="http://schemas.microsoft.com/office/drawing/2017/decorative" xmlns="" val="1"/>
+                <adec:decorative xmlns="" xmlns:adec="http://schemas.microsoft.com/office/drawing/2017/decorative" val="1"/>
               </a:ext>
             </a:extLst>
           </p:cNvPr>
@@ -14806,7 +14821,7 @@
                 <a16:creationId xmlns:a16="http://schemas.microsoft.com/office/drawing/2014/main" id="{7E7C77BC-7138-40B1-A15B-20F57A494629}"/>
               </a:ext>
               <a:ext uri="{C183D7F6-B498-43B3-948B-1728B52AA6E4}">
-                <adec:decorative xmlns:adec="http://schemas.microsoft.com/office/drawing/2017/decorative" xmlns="" val="1"/>
+                <adec:decorative xmlns="" xmlns:adec="http://schemas.microsoft.com/office/drawing/2017/decorative" val="1"/>
               </a:ext>
             </a:extLst>
           </p:cNvPr>
@@ -15874,7 +15889,7 @@
                 <a14:useLocalDpi xmlns:a14="http://schemas.microsoft.com/office/drawing/2010/main" val="0"/>
               </a:ext>
               <a:ext uri="{96DAC541-7B7A-43D3-8B79-37D633B846F1}">
-                <asvg:svgBlip xmlns:asvg="http://schemas.microsoft.com/office/drawing/2016/SVG/main" xmlns="" r:embed="rId3"/>
+                <asvg:svgBlip xmlns="" xmlns:asvg="http://schemas.microsoft.com/office/drawing/2016/SVG/main" r:embed="rId3"/>
               </a:ext>
             </a:extLst>
           </a:blip>
@@ -16035,7 +16050,7 @@
                 <a16:creationId xmlns:a16="http://schemas.microsoft.com/office/drawing/2014/main" id="{E4A809D5-3600-46D4-A466-67F2349A54FB}"/>
               </a:ext>
               <a:ext uri="{C183D7F6-B498-43B3-948B-1728B52AA6E4}">
-                <adec:decorative xmlns:adec="http://schemas.microsoft.com/office/drawing/2017/decorative" xmlns="" val="1"/>
+                <adec:decorative xmlns="" xmlns:adec="http://schemas.microsoft.com/office/drawing/2017/decorative" val="1"/>
               </a:ext>
             </a:extLst>
           </p:cNvPr>
@@ -16267,7 +16282,7 @@
                 <a16:creationId xmlns:a16="http://schemas.microsoft.com/office/drawing/2014/main" id="{87A57295-2710-4920-B99A-4D1FA03A62BD}"/>
               </a:ext>
               <a:ext uri="{C183D7F6-B498-43B3-948B-1728B52AA6E4}">
-                <adec:decorative xmlns:adec="http://schemas.microsoft.com/office/drawing/2017/decorative" xmlns="" val="1"/>
+                <adec:decorative xmlns="" xmlns:adec="http://schemas.microsoft.com/office/drawing/2017/decorative" val="1"/>
               </a:ext>
             </a:extLst>
           </p:cNvPr>
@@ -16327,7 +16342,7 @@
                 <a16:creationId xmlns:a16="http://schemas.microsoft.com/office/drawing/2014/main" id="{78067929-4D33-4306-9E2F-67C49CDDB5DE}"/>
               </a:ext>
               <a:ext uri="{C183D7F6-B498-43B3-948B-1728B52AA6E4}">
-                <adec:decorative xmlns:adec="http://schemas.microsoft.com/office/drawing/2017/decorative" xmlns="" val="1"/>
+                <adec:decorative xmlns="" xmlns:adec="http://schemas.microsoft.com/office/drawing/2017/decorative" val="1"/>
               </a:ext>
             </a:extLst>
           </p:cNvPr>
@@ -16429,7 +16444,7 @@
                 <a16:creationId xmlns:a16="http://schemas.microsoft.com/office/drawing/2014/main" id="{2D72A2C9-F3CA-4216-8BAD-FA4C970C3C4E}"/>
               </a:ext>
               <a:ext uri="{C183D7F6-B498-43B3-948B-1728B52AA6E4}">
-                <adec:decorative xmlns:adec="http://schemas.microsoft.com/office/drawing/2017/decorative" xmlns="" val="1"/>
+                <adec:decorative xmlns="" xmlns:adec="http://schemas.microsoft.com/office/drawing/2017/decorative" val="1"/>
               </a:ext>
             </a:extLst>
           </p:cNvPr>
@@ -16561,7 +16576,7 @@
                 <a16:creationId xmlns:a16="http://schemas.microsoft.com/office/drawing/2014/main" id="{46C2E80F-49A6-4372-B103-219D417A55ED}"/>
               </a:ext>
               <a:ext uri="{C183D7F6-B498-43B3-948B-1728B52AA6E4}">
-                <adec:decorative xmlns:adec="http://schemas.microsoft.com/office/drawing/2017/decorative" xmlns="" val="1"/>
+                <adec:decorative xmlns="" xmlns:adec="http://schemas.microsoft.com/office/drawing/2017/decorative" val="1"/>
               </a:ext>
             </a:extLst>
           </p:cNvPr>
@@ -17150,7 +17165,7 @@
                 <a16:creationId xmlns:a16="http://schemas.microsoft.com/office/drawing/2014/main" id="{46C2E80F-49A6-4372-B103-219D417A55ED}"/>
               </a:ext>
               <a:ext uri="{C183D7F6-B498-43B3-948B-1728B52AA6E4}">
-                <adec:decorative xmlns:adec="http://schemas.microsoft.com/office/drawing/2017/decorative" xmlns="" val="1"/>
+                <adec:decorative xmlns="" xmlns:adec="http://schemas.microsoft.com/office/drawing/2017/decorative" val="1"/>
               </a:ext>
             </a:extLst>
           </p:cNvPr>
@@ -17739,7 +17754,7 @@
                 <a16:creationId xmlns:a16="http://schemas.microsoft.com/office/drawing/2014/main" id="{46C2E80F-49A6-4372-B103-219D417A55ED}"/>
               </a:ext>
               <a:ext uri="{C183D7F6-B498-43B3-948B-1728B52AA6E4}">
-                <adec:decorative xmlns:adec="http://schemas.microsoft.com/office/drawing/2017/decorative" xmlns="" val="1"/>
+                <adec:decorative xmlns="" xmlns:adec="http://schemas.microsoft.com/office/drawing/2017/decorative" val="1"/>
               </a:ext>
             </a:extLst>
           </p:cNvPr>
@@ -18328,7 +18343,7 @@
                 <a16:creationId xmlns:a16="http://schemas.microsoft.com/office/drawing/2014/main" id="{B547373F-AF2E-4907-B442-9F902B387FD0}"/>
               </a:ext>
               <a:ext uri="{C183D7F6-B498-43B3-948B-1728B52AA6E4}">
-                <adec:decorative xmlns:adec="http://schemas.microsoft.com/office/drawing/2017/decorative" xmlns="" val="1"/>
+                <adec:decorative xmlns="" xmlns:adec="http://schemas.microsoft.com/office/drawing/2017/decorative" val="1"/>
               </a:ext>
             </a:extLst>
           </p:cNvPr>
@@ -19745,7 +19760,7 @@
                 <a16:creationId xmlns:a16="http://schemas.microsoft.com/office/drawing/2014/main" id="{B547373F-AF2E-4907-B442-9F902B387FD0}"/>
               </a:ext>
               <a:ext uri="{C183D7F6-B498-43B3-948B-1728B52AA6E4}">
-                <adec:decorative xmlns:adec="http://schemas.microsoft.com/office/drawing/2017/decorative" xmlns="" val="1"/>
+                <adec:decorative xmlns="" xmlns:adec="http://schemas.microsoft.com/office/drawing/2017/decorative" val="1"/>
               </a:ext>
             </a:extLst>
           </p:cNvPr>
@@ -20850,7 +20865,7 @@
                 <a16:creationId xmlns:a16="http://schemas.microsoft.com/office/drawing/2014/main" id="{B547373F-AF2E-4907-B442-9F902B387FD0}"/>
               </a:ext>
               <a:ext uri="{C183D7F6-B498-43B3-948B-1728B52AA6E4}">
-                <adec:decorative xmlns:adec="http://schemas.microsoft.com/office/drawing/2017/decorative" xmlns="" val="1"/>
+                <adec:decorative xmlns="" xmlns:adec="http://schemas.microsoft.com/office/drawing/2017/decorative" val="1"/>
               </a:ext>
             </a:extLst>
           </p:cNvPr>

--- a/For The People.pptx
+++ b/For The People.pptx
@@ -15,8 +15,9 @@
     <p:sldId id="259" r:id="rId9"/>
     <p:sldId id="261" r:id="rId10"/>
     <p:sldId id="264" r:id="rId11"/>
-    <p:sldId id="262" r:id="rId12"/>
-    <p:sldId id="263" r:id="rId13"/>
+    <p:sldId id="269" r:id="rId12"/>
+    <p:sldId id="270" r:id="rId13"/>
+    <p:sldId id="263" r:id="rId14"/>
   </p:sldIdLst>
   <p:sldSz cx="12192000" cy="6858000"/>
   <p:notesSz cx="6858000" cy="9144000"/>
@@ -2923,13 +2924,6 @@
         </dgm:presLayoutVars>
       </dgm:prSet>
       <dgm:spPr/>
-      <dgm:t>
-        <a:bodyPr/>
-        <a:lstStyle/>
-        <a:p>
-          <a:endParaRPr lang="en-US"/>
-        </a:p>
-      </dgm:t>
     </dgm:pt>
     <dgm:pt modelId="{0BB38692-9BB3-4B7A-9101-9F4FCEFEE705}" type="pres">
       <dgm:prSet presAssocID="{FBDB8E5A-6B79-4104-AAD5-EB3BBA90228B}" presName="compNode" presStyleCnt="0"/>
@@ -2949,7 +2943,7 @@
                 <a14:useLocalDpi xmlns:a14="http://schemas.microsoft.com/office/drawing/2010/main" val="0"/>
               </a:ext>
               <a:ext uri="{96DAC541-7B7A-43D3-8B79-37D633B846F1}">
-                <asvg:svgBlip xmlns="" xmlns:asvg="http://schemas.microsoft.com/office/drawing/2016/SVG/main" r:embed="rId2"/>
+                <asvg:svgBlip xmlns:asvg="http://schemas.microsoft.com/office/drawing/2016/SVG/main" r:embed="rId2"/>
               </a:ext>
             </a:extLst>
           </a:blip>
@@ -2961,13 +2955,6 @@
           <a:noFill/>
         </a:ln>
       </dgm:spPr>
-      <dgm:t>
-        <a:bodyPr/>
-        <a:lstStyle/>
-        <a:p>
-          <a:endParaRPr lang="en-US"/>
-        </a:p>
-      </dgm:t>
       <dgm:extLst>
         <a:ext uri="{E40237B7-FDA0-4F09-8148-C483321AD2D9}">
           <dgm14:cNvPr xmlns:dgm14="http://schemas.microsoft.com/office/drawing/2010/diagram" id="0" name="" descr="Bank"/>
@@ -2986,13 +2973,6 @@
         </dgm:presLayoutVars>
       </dgm:prSet>
       <dgm:spPr/>
-      <dgm:t>
-        <a:bodyPr/>
-        <a:lstStyle/>
-        <a:p>
-          <a:endParaRPr lang="en-US"/>
-        </a:p>
-      </dgm:t>
     </dgm:pt>
     <dgm:pt modelId="{47A350AB-EA40-4C43-B3AF-7483811361AC}" type="pres">
       <dgm:prSet presAssocID="{465A43F9-0105-40BA-B316-1B1DA9C31692}" presName="sibTrans" presStyleCnt="0"/>
@@ -3013,7 +2993,7 @@
           <a:blip xmlns:r="http://schemas.openxmlformats.org/officeDocument/2006/relationships" r:embed="rId3">
             <a:extLst>
               <a:ext uri="{96DAC541-7B7A-43D3-8B79-37D633B846F1}">
-                <asvg:svgBlip xmlns="" xmlns:asvg="http://schemas.microsoft.com/office/drawing/2016/SVG/main" r:embed="rId4"/>
+                <asvg:svgBlip xmlns:asvg="http://schemas.microsoft.com/office/drawing/2016/SVG/main" r:embed="rId4"/>
               </a:ext>
             </a:extLst>
           </a:blip>
@@ -3044,13 +3024,6 @@
         </dgm:presLayoutVars>
       </dgm:prSet>
       <dgm:spPr/>
-      <dgm:t>
-        <a:bodyPr/>
-        <a:lstStyle/>
-        <a:p>
-          <a:endParaRPr lang="en-US"/>
-        </a:p>
-      </dgm:t>
     </dgm:pt>
     <dgm:pt modelId="{71AB5F94-DECF-42C4-9C0C-44B9A3803D80}" type="pres">
       <dgm:prSet presAssocID="{4A5F6843-2768-45BA-8C18-766CE84F30AF}" presName="sibTrans" presStyleCnt="0"/>
@@ -3074,7 +3047,7 @@
                 <a14:useLocalDpi xmlns:a14="http://schemas.microsoft.com/office/drawing/2010/main" val="0"/>
               </a:ext>
               <a:ext uri="{96DAC541-7B7A-43D3-8B79-37D633B846F1}">
-                <asvg:svgBlip xmlns="" xmlns:asvg="http://schemas.microsoft.com/office/drawing/2016/SVG/main" r:embed="rId6"/>
+                <asvg:svgBlip xmlns:asvg="http://schemas.microsoft.com/office/drawing/2016/SVG/main" r:embed="rId6"/>
               </a:ext>
             </a:extLst>
           </a:blip>
@@ -3086,13 +3059,6 @@
           <a:noFill/>
         </a:ln>
       </dgm:spPr>
-      <dgm:t>
-        <a:bodyPr/>
-        <a:lstStyle/>
-        <a:p>
-          <a:endParaRPr lang="en-US"/>
-        </a:p>
-      </dgm:t>
       <dgm:extLst>
         <a:ext uri="{E40237B7-FDA0-4F09-8148-C483321AD2D9}">
           <dgm14:cNvPr xmlns:dgm14="http://schemas.microsoft.com/office/drawing/2010/diagram" id="0" name="" descr="Irritant"/>
@@ -3111,13 +3077,6 @@
         </dgm:presLayoutVars>
       </dgm:prSet>
       <dgm:spPr/>
-      <dgm:t>
-        <a:bodyPr/>
-        <a:lstStyle/>
-        <a:p>
-          <a:endParaRPr lang="en-US"/>
-        </a:p>
-      </dgm:t>
     </dgm:pt>
     <dgm:pt modelId="{A8A9143A-30E2-41AE-8CFD-BC309B0AE1F2}" type="pres">
       <dgm:prSet presAssocID="{01254501-00FB-482E-ACFC-A615B89288F8}" presName="sibTrans" presStyleCnt="0"/>
@@ -3141,7 +3100,7 @@
                 <a14:useLocalDpi xmlns:a14="http://schemas.microsoft.com/office/drawing/2010/main" val="0"/>
               </a:ext>
               <a:ext uri="{96DAC541-7B7A-43D3-8B79-37D633B846F1}">
-                <asvg:svgBlip xmlns="" xmlns:asvg="http://schemas.microsoft.com/office/drawing/2016/SVG/main" r:embed="rId8"/>
+                <asvg:svgBlip xmlns:asvg="http://schemas.microsoft.com/office/drawing/2016/SVG/main" r:embed="rId8"/>
               </a:ext>
             </a:extLst>
           </a:blip>
@@ -3153,13 +3112,6 @@
           <a:noFill/>
         </a:ln>
       </dgm:spPr>
-      <dgm:t>
-        <a:bodyPr/>
-        <a:lstStyle/>
-        <a:p>
-          <a:endParaRPr lang="en-US"/>
-        </a:p>
-      </dgm:t>
       <dgm:extLst>
         <a:ext uri="{E40237B7-FDA0-4F09-8148-C483321AD2D9}">
           <dgm14:cNvPr xmlns:dgm14="http://schemas.microsoft.com/office/drawing/2010/diagram" id="0" name="" descr="Hierarchy"/>
@@ -3178,25 +3130,18 @@
         </dgm:presLayoutVars>
       </dgm:prSet>
       <dgm:spPr/>
-      <dgm:t>
-        <a:bodyPr/>
-        <a:lstStyle/>
-        <a:p>
-          <a:endParaRPr lang="en-US"/>
-        </a:p>
-      </dgm:t>
     </dgm:pt>
   </dgm:ptLst>
   <dgm:cxnLst>
+    <dgm:cxn modelId="{024C7B00-BA00-4B8D-9099-702B11EF51C6}" type="presOf" srcId="{FBDB8E5A-6B79-4104-AAD5-EB3BBA90228B}" destId="{BB2EC050-8E84-4D10-A1DD-2091EA3D2B6B}" srcOrd="0" destOrd="0" presId="urn:microsoft.com/office/officeart/2018/2/layout/IconVerticalSolidList"/>
+    <dgm:cxn modelId="{8202DB36-8C82-4EA0-9CE3-0799D5C49F6D}" srcId="{F76F940F-F895-44DA-951E-14D9A993DCBA}" destId="{FBDB8E5A-6B79-4104-AAD5-EB3BBA90228B}" srcOrd="0" destOrd="0" parTransId="{7447C59D-C6BC-46E7-9EB5-97602B6E595E}" sibTransId="{465A43F9-0105-40BA-B316-1B1DA9C31692}"/>
+    <dgm:cxn modelId="{D5A7EA3C-F156-454A-B3DE-F85C365A54D7}" type="presOf" srcId="{F76F940F-F895-44DA-951E-14D9A993DCBA}" destId="{E5591803-A045-4169-8AF3-FB5FD1D3D14F}" srcOrd="0" destOrd="0" presId="urn:microsoft.com/office/officeart/2018/2/layout/IconVerticalSolidList"/>
+    <dgm:cxn modelId="{07E3FC69-259B-4747-9C3E-845733E6483B}" type="presOf" srcId="{FFF2DACB-53BB-4886-A838-3BCBCAFCA929}" destId="{C13F362E-49DE-46E1-B544-83C347FBF430}" srcOrd="0" destOrd="0" presId="urn:microsoft.com/office/officeart/2018/2/layout/IconVerticalSolidList"/>
+    <dgm:cxn modelId="{C7F90486-3A4B-41A0-BD2F-069BFE21B59B}" type="presOf" srcId="{22FA6D63-6CF6-430A-9760-1A97D3B800A8}" destId="{CC08BE6B-1BFF-4035-A8EE-E8D317A8DCFC}" srcOrd="0" destOrd="0" presId="urn:microsoft.com/office/officeart/2018/2/layout/IconVerticalSolidList"/>
+    <dgm:cxn modelId="{F112708C-2E59-45AD-BC48-AB932F1F1408}" type="presOf" srcId="{BCD5D33F-E166-4010-B600-368FDE53C1AD}" destId="{4266E932-68B6-4A51-97E6-C1BDC2B0596A}" srcOrd="0" destOrd="0" presId="urn:microsoft.com/office/officeart/2018/2/layout/IconVerticalSolidList"/>
     <dgm:cxn modelId="{F653A48E-83D0-4CB9-8A7D-7538FED454D4}" srcId="{F76F940F-F895-44DA-951E-14D9A993DCBA}" destId="{BCD5D33F-E166-4010-B600-368FDE53C1AD}" srcOrd="3" destOrd="0" parTransId="{4964348D-CDAF-40F9-A1A6-C3B2FEE1F0B6}" sibTransId="{04DFB68A-C472-40AA-AAC0-C2C8BFF373E6}"/>
     <dgm:cxn modelId="{01E95EC4-95A0-46C9-AA85-5AC4D3D0F835}" srcId="{F76F940F-F895-44DA-951E-14D9A993DCBA}" destId="{22FA6D63-6CF6-430A-9760-1A97D3B800A8}" srcOrd="2" destOrd="0" parTransId="{301F3651-758E-41DC-B7AD-9C736B34FDB2}" sibTransId="{01254501-00FB-482E-ACFC-A615B89288F8}"/>
-    <dgm:cxn modelId="{C7F90486-3A4B-41A0-BD2F-069BFE21B59B}" type="presOf" srcId="{22FA6D63-6CF6-430A-9760-1A97D3B800A8}" destId="{CC08BE6B-1BFF-4035-A8EE-E8D317A8DCFC}" srcOrd="0" destOrd="0" presId="urn:microsoft.com/office/officeart/2018/2/layout/IconVerticalSolidList"/>
-    <dgm:cxn modelId="{F112708C-2E59-45AD-BC48-AB932F1F1408}" type="presOf" srcId="{BCD5D33F-E166-4010-B600-368FDE53C1AD}" destId="{4266E932-68B6-4A51-97E6-C1BDC2B0596A}" srcOrd="0" destOrd="0" presId="urn:microsoft.com/office/officeart/2018/2/layout/IconVerticalSolidList"/>
-    <dgm:cxn modelId="{024C7B00-BA00-4B8D-9099-702B11EF51C6}" type="presOf" srcId="{FBDB8E5A-6B79-4104-AAD5-EB3BBA90228B}" destId="{BB2EC050-8E84-4D10-A1DD-2091EA3D2B6B}" srcOrd="0" destOrd="0" presId="urn:microsoft.com/office/officeart/2018/2/layout/IconVerticalSolidList"/>
     <dgm:cxn modelId="{9C7506FA-CF96-412B-807D-594F4C8AC88F}" srcId="{F76F940F-F895-44DA-951E-14D9A993DCBA}" destId="{FFF2DACB-53BB-4886-A838-3BCBCAFCA929}" srcOrd="1" destOrd="0" parTransId="{2A81F17F-35D4-47B6-99F0-512936CDA5E6}" sibTransId="{4A5F6843-2768-45BA-8C18-766CE84F30AF}"/>
-    <dgm:cxn modelId="{8202DB36-8C82-4EA0-9CE3-0799D5C49F6D}" srcId="{F76F940F-F895-44DA-951E-14D9A993DCBA}" destId="{FBDB8E5A-6B79-4104-AAD5-EB3BBA90228B}" srcOrd="0" destOrd="0" parTransId="{7447C59D-C6BC-46E7-9EB5-97602B6E595E}" sibTransId="{465A43F9-0105-40BA-B316-1B1DA9C31692}"/>
-    <dgm:cxn modelId="{07E3FC69-259B-4747-9C3E-845733E6483B}" type="presOf" srcId="{FFF2DACB-53BB-4886-A838-3BCBCAFCA929}" destId="{C13F362E-49DE-46E1-B544-83C347FBF430}" srcOrd="0" destOrd="0" presId="urn:microsoft.com/office/officeart/2018/2/layout/IconVerticalSolidList"/>
-    <dgm:cxn modelId="{D5A7EA3C-F156-454A-B3DE-F85C365A54D7}" type="presOf" srcId="{F76F940F-F895-44DA-951E-14D9A993DCBA}" destId="{E5591803-A045-4169-8AF3-FB5FD1D3D14F}" srcOrd="0" destOrd="0" presId="urn:microsoft.com/office/officeart/2018/2/layout/IconVerticalSolidList"/>
     <dgm:cxn modelId="{6497CD9A-0F30-4AFB-8A93-AF5047FC4E56}" type="presParOf" srcId="{E5591803-A045-4169-8AF3-FB5FD1D3D14F}" destId="{0BB38692-9BB3-4B7A-9101-9F4FCEFEE705}" srcOrd="0" destOrd="0" presId="urn:microsoft.com/office/officeart/2018/2/layout/IconVerticalSolidList"/>
     <dgm:cxn modelId="{F63E839B-8752-4B11-839F-AA39682699F4}" type="presParOf" srcId="{0BB38692-9BB3-4B7A-9101-9F4FCEFEE705}" destId="{EC417224-819E-473A-8746-FC365B694CC4}" srcOrd="0" destOrd="0" presId="urn:microsoft.com/office/officeart/2018/2/layout/IconVerticalSolidList"/>
     <dgm:cxn modelId="{1C9BEAD4-2A51-475C-9AE7-F607AB073B7E}" type="presParOf" srcId="{0BB38692-9BB3-4B7A-9101-9F4FCEFEE705}" destId="{B877E794-C3D9-4324-817C-AB6F74C15D2E}" srcOrd="1" destOrd="0" presId="urn:microsoft.com/office/officeart/2018/2/layout/IconVerticalSolidList"/>
@@ -3344,13 +3289,6 @@
         </dgm:presLayoutVars>
       </dgm:prSet>
       <dgm:spPr/>
-      <dgm:t>
-        <a:bodyPr/>
-        <a:lstStyle/>
-        <a:p>
-          <a:endParaRPr lang="en-US"/>
-        </a:p>
-      </dgm:t>
     </dgm:pt>
     <dgm:pt modelId="{E2E5A35F-ABCC-4327-B6B7-B4B65DDEB5AF}" type="pres">
       <dgm:prSet presAssocID="{FEB0DD10-0CB7-4EF1-98FF-BECEE72F6F54}" presName="compNode" presStyleCnt="0"/>
@@ -3366,7 +3304,7 @@
                 <a14:useLocalDpi xmlns:a14="http://schemas.microsoft.com/office/drawing/2010/main" val="0"/>
               </a:ext>
               <a:ext uri="{96DAC541-7B7A-43D3-8B79-37D633B846F1}">
-                <asvg:svgBlip xmlns="" xmlns:asvg="http://schemas.microsoft.com/office/drawing/2016/SVG/main" r:embed="rId2"/>
+                <asvg:svgBlip xmlns:asvg="http://schemas.microsoft.com/office/drawing/2016/SVG/main" r:embed="rId2"/>
               </a:ext>
             </a:extLst>
           </a:blip>
@@ -3396,13 +3334,6 @@
         </dgm:presLayoutVars>
       </dgm:prSet>
       <dgm:spPr/>
-      <dgm:t>
-        <a:bodyPr/>
-        <a:lstStyle/>
-        <a:p>
-          <a:endParaRPr lang="en-US"/>
-        </a:p>
-      </dgm:t>
     </dgm:pt>
     <dgm:pt modelId="{ED15FC4A-382F-4A9B-A6A2-C27FC02B8553}" type="pres">
       <dgm:prSet presAssocID="{72D1DFBC-74FA-4430-A9AE-247C4458C59A}" presName="sibTrans" presStyleCnt="0"/>
@@ -3422,7 +3353,7 @@
                 <a14:useLocalDpi xmlns:a14="http://schemas.microsoft.com/office/drawing/2010/main" val="0"/>
               </a:ext>
               <a:ext uri="{96DAC541-7B7A-43D3-8B79-37D633B846F1}">
-                <asvg:svgBlip xmlns="" xmlns:asvg="http://schemas.microsoft.com/office/drawing/2016/SVG/main" r:embed="rId4"/>
+                <asvg:svgBlip xmlns:asvg="http://schemas.microsoft.com/office/drawing/2016/SVG/main" r:embed="rId4"/>
               </a:ext>
             </a:extLst>
           </a:blip>
@@ -3452,20 +3383,13 @@
         </dgm:presLayoutVars>
       </dgm:prSet>
       <dgm:spPr/>
-      <dgm:t>
-        <a:bodyPr/>
-        <a:lstStyle/>
-        <a:p>
-          <a:endParaRPr lang="en-US"/>
-        </a:p>
-      </dgm:t>
     </dgm:pt>
   </dgm:ptLst>
   <dgm:cxnLst>
     <dgm:cxn modelId="{2F9F821B-DECF-4611-ACC9-235CE9F18A23}" type="presOf" srcId="{D6C7F1FC-2A64-43E7-8EEC-ED689A0CF602}" destId="{32E8187A-D186-4FD7-8018-6FE93B727C11}" srcOrd="0" destOrd="0" presId="urn:microsoft.com/office/officeart/2018/2/layout/IconLabelList"/>
+    <dgm:cxn modelId="{E311E932-602C-4670-8BCE-F9763D7D96F0}" srcId="{D6C7F1FC-2A64-43E7-8EEC-ED689A0CF602}" destId="{80D8AF68-4906-4B7D-8156-06EE9E598B12}" srcOrd="1" destOrd="0" parTransId="{011FF481-8580-461F-A111-8B3E35918259}" sibTransId="{81B372DD-C221-440F-BC12-1884093DF1FA}"/>
     <dgm:cxn modelId="{48FF0B8A-C4D0-4DEB-90F1-0A6042B35580}" type="presOf" srcId="{FEB0DD10-0CB7-4EF1-98FF-BECEE72F6F54}" destId="{807DB64D-B678-4128-96E5-33A208E4D2FE}" srcOrd="0" destOrd="0" presId="urn:microsoft.com/office/officeart/2018/2/layout/IconLabelList"/>
     <dgm:cxn modelId="{D32804B8-77C5-4557-85FF-C4D05E2D2850}" srcId="{D6C7F1FC-2A64-43E7-8EEC-ED689A0CF602}" destId="{FEB0DD10-0CB7-4EF1-98FF-BECEE72F6F54}" srcOrd="0" destOrd="0" parTransId="{3A2ED443-EE39-4DA4-BF8A-F477A6F8D244}" sibTransId="{72D1DFBC-74FA-4430-A9AE-247C4458C59A}"/>
-    <dgm:cxn modelId="{E311E932-602C-4670-8BCE-F9763D7D96F0}" srcId="{D6C7F1FC-2A64-43E7-8EEC-ED689A0CF602}" destId="{80D8AF68-4906-4B7D-8156-06EE9E598B12}" srcOrd="1" destOrd="0" parTransId="{011FF481-8580-461F-A111-8B3E35918259}" sibTransId="{81B372DD-C221-440F-BC12-1884093DF1FA}"/>
     <dgm:cxn modelId="{D8B974D8-3E1A-4EC9-9AE0-16B0CADE0790}" type="presOf" srcId="{80D8AF68-4906-4B7D-8156-06EE9E598B12}" destId="{DBD8FF35-9492-4234-8DFB-26A89000A191}" srcOrd="0" destOrd="0" presId="urn:microsoft.com/office/officeart/2018/2/layout/IconLabelList"/>
     <dgm:cxn modelId="{A34A3C22-00B9-4AA3-9442-2EC22BF886C6}" type="presParOf" srcId="{32E8187A-D186-4FD7-8018-6FE93B727C11}" destId="{E2E5A35F-ABCC-4327-B6B7-B4B65DDEB5AF}" srcOrd="0" destOrd="0" presId="urn:microsoft.com/office/officeart/2018/2/layout/IconLabelList"/>
     <dgm:cxn modelId="{5A9767BF-AF31-469B-9F2D-F73948264F41}" type="presParOf" srcId="{E2E5A35F-ABCC-4327-B6B7-B4B65DDEB5AF}" destId="{1195040E-2F89-4409-8148-E7E52F01B8D3}" srcOrd="0" destOrd="0" presId="urn:microsoft.com/office/officeart/2018/2/layout/IconLabelList"/>
@@ -3780,13 +3704,6 @@
         </dgm:presLayoutVars>
       </dgm:prSet>
       <dgm:spPr/>
-      <dgm:t>
-        <a:bodyPr/>
-        <a:lstStyle/>
-        <a:p>
-          <a:endParaRPr lang="en-US"/>
-        </a:p>
-      </dgm:t>
     </dgm:pt>
     <dgm:pt modelId="{E386BE08-CCCC-4878-9AF1-013B354970FA}" type="pres">
       <dgm:prSet presAssocID="{8C0DE2D4-DF0C-45ED-B052-61F1656DD1DC}" presName="container" presStyleCnt="0">
@@ -3815,7 +3732,7 @@
                 <a14:useLocalDpi xmlns:a14="http://schemas.microsoft.com/office/drawing/2010/main" val="0"/>
               </a:ext>
               <a:ext uri="{96DAC541-7B7A-43D3-8B79-37D633B846F1}">
-                <asvg:svgBlip xmlns="" xmlns:asvg="http://schemas.microsoft.com/office/drawing/2016/SVG/main" r:embed="rId2"/>
+                <asvg:svgBlip xmlns:asvg="http://schemas.microsoft.com/office/drawing/2016/SVG/main" r:embed="rId2"/>
               </a:ext>
             </a:extLst>
           </a:blip>
@@ -3827,13 +3744,6 @@
           <a:noFill/>
         </a:ln>
       </dgm:spPr>
-      <dgm:t>
-        <a:bodyPr/>
-        <a:lstStyle/>
-        <a:p>
-          <a:endParaRPr lang="en-US"/>
-        </a:p>
-      </dgm:t>
       <dgm:extLst>
         <a:ext uri="{E40237B7-FDA0-4F09-8148-C483321AD2D9}">
           <dgm14:cNvPr xmlns:dgm14="http://schemas.microsoft.com/office/drawing/2010/diagram" id="0" name="" descr="Users"/>
@@ -3852,24 +3762,10 @@
         </dgm:presLayoutVars>
       </dgm:prSet>
       <dgm:spPr/>
-      <dgm:t>
-        <a:bodyPr/>
-        <a:lstStyle/>
-        <a:p>
-          <a:endParaRPr lang="en-US"/>
-        </a:p>
-      </dgm:t>
     </dgm:pt>
     <dgm:pt modelId="{DB62F1A8-94D2-4258-946A-CD1CEA212E4D}" type="pres">
       <dgm:prSet presAssocID="{2780A05D-FA41-44F4-8CC9-4064C7980683}" presName="sibTrans" presStyleLbl="sibTrans2D1" presStyleIdx="0" presStyleCnt="0"/>
       <dgm:spPr/>
-      <dgm:t>
-        <a:bodyPr/>
-        <a:lstStyle/>
-        <a:p>
-          <a:endParaRPr lang="en-US"/>
-        </a:p>
-      </dgm:t>
     </dgm:pt>
     <dgm:pt modelId="{97C8A98D-FD35-411D-8EAF-FDAA34B8247E}" type="pres">
       <dgm:prSet presAssocID="{ABB66597-9819-46B1-8C5A-52145C6F19E9}" presName="compNode" presStyleCnt="0"/>
@@ -3889,7 +3785,7 @@
                 <a14:useLocalDpi xmlns:a14="http://schemas.microsoft.com/office/drawing/2010/main" val="0"/>
               </a:ext>
               <a:ext uri="{96DAC541-7B7A-43D3-8B79-37D633B846F1}">
-                <asvg:svgBlip xmlns="" xmlns:asvg="http://schemas.microsoft.com/office/drawing/2016/SVG/main" r:embed="rId4"/>
+                <asvg:svgBlip xmlns:asvg="http://schemas.microsoft.com/office/drawing/2016/SVG/main" r:embed="rId4"/>
               </a:ext>
             </a:extLst>
           </a:blip>
@@ -3901,13 +3797,6 @@
           <a:noFill/>
         </a:ln>
       </dgm:spPr>
-      <dgm:t>
-        <a:bodyPr/>
-        <a:lstStyle/>
-        <a:p>
-          <a:endParaRPr lang="en-US"/>
-        </a:p>
-      </dgm:t>
       <dgm:extLst>
         <a:ext uri="{E40237B7-FDA0-4F09-8148-C483321AD2D9}">
           <dgm14:cNvPr xmlns:dgm14="http://schemas.microsoft.com/office/drawing/2010/diagram" id="0" name="" descr="Robber"/>
@@ -3926,24 +3815,10 @@
         </dgm:presLayoutVars>
       </dgm:prSet>
       <dgm:spPr/>
-      <dgm:t>
-        <a:bodyPr/>
-        <a:lstStyle/>
-        <a:p>
-          <a:endParaRPr lang="en-US"/>
-        </a:p>
-      </dgm:t>
     </dgm:pt>
     <dgm:pt modelId="{5F920282-177E-4CD1-A163-0973DCC2E482}" type="pres">
       <dgm:prSet presAssocID="{FEA028FC-6003-41CB-AD47-7AF630B65CBB}" presName="sibTrans" presStyleLbl="sibTrans2D1" presStyleIdx="0" presStyleCnt="0"/>
       <dgm:spPr/>
-      <dgm:t>
-        <a:bodyPr/>
-        <a:lstStyle/>
-        <a:p>
-          <a:endParaRPr lang="en-US"/>
-        </a:p>
-      </dgm:t>
     </dgm:pt>
     <dgm:pt modelId="{239F2F92-684A-4397-936E-B7B71F913496}" type="pres">
       <dgm:prSet presAssocID="{7793A892-6499-4888-96C3-EB20DD785DAB}" presName="compNode" presStyleCnt="0"/>
@@ -3963,7 +3838,7 @@
                 <a14:useLocalDpi xmlns:a14="http://schemas.microsoft.com/office/drawing/2010/main" val="0"/>
               </a:ext>
               <a:ext uri="{96DAC541-7B7A-43D3-8B79-37D633B846F1}">
-                <asvg:svgBlip xmlns="" xmlns:asvg="http://schemas.microsoft.com/office/drawing/2016/SVG/main" r:embed="rId6"/>
+                <asvg:svgBlip xmlns:asvg="http://schemas.microsoft.com/office/drawing/2016/SVG/main" r:embed="rId6"/>
               </a:ext>
             </a:extLst>
           </a:blip>
@@ -3975,13 +3850,6 @@
           <a:noFill/>
         </a:ln>
       </dgm:spPr>
-      <dgm:t>
-        <a:bodyPr/>
-        <a:lstStyle/>
-        <a:p>
-          <a:endParaRPr lang="en-US"/>
-        </a:p>
-      </dgm:t>
       <dgm:extLst>
         <a:ext uri="{E40237B7-FDA0-4F09-8148-C483321AD2D9}">
           <dgm14:cNvPr xmlns:dgm14="http://schemas.microsoft.com/office/drawing/2010/diagram" id="0" name="" descr="DrawingFigure"/>
@@ -4000,24 +3868,10 @@
         </dgm:presLayoutVars>
       </dgm:prSet>
       <dgm:spPr/>
-      <dgm:t>
-        <a:bodyPr/>
-        <a:lstStyle/>
-        <a:p>
-          <a:endParaRPr lang="en-US"/>
-        </a:p>
-      </dgm:t>
     </dgm:pt>
     <dgm:pt modelId="{B7DAB3AE-E4F3-471B-A60D-33D8FDEE6D49}" type="pres">
       <dgm:prSet presAssocID="{579E226B-1ADC-4034-A480-CFF31C3B9CF0}" presName="sibTrans" presStyleLbl="sibTrans2D1" presStyleIdx="0" presStyleCnt="0"/>
       <dgm:spPr/>
-      <dgm:t>
-        <a:bodyPr/>
-        <a:lstStyle/>
-        <a:p>
-          <a:endParaRPr lang="en-US"/>
-        </a:p>
-      </dgm:t>
     </dgm:pt>
     <dgm:pt modelId="{1B96569D-A57E-4907-8D52-EC8B9AE602C7}" type="pres">
       <dgm:prSet presAssocID="{7C7AC956-ED2D-413F-ADCD-FB92F4870102}" presName="compNode" presStyleCnt="0"/>
@@ -4037,7 +3891,7 @@
                 <a14:useLocalDpi xmlns:a14="http://schemas.microsoft.com/office/drawing/2010/main" val="0"/>
               </a:ext>
               <a:ext uri="{96DAC541-7B7A-43D3-8B79-37D633B846F1}">
-                <asvg:svgBlip xmlns="" xmlns:asvg="http://schemas.microsoft.com/office/drawing/2016/SVG/main" r:embed="rId8"/>
+                <asvg:svgBlip xmlns:asvg="http://schemas.microsoft.com/office/drawing/2016/SVG/main" r:embed="rId8"/>
               </a:ext>
             </a:extLst>
           </a:blip>
@@ -4049,13 +3903,6 @@
           <a:noFill/>
         </a:ln>
       </dgm:spPr>
-      <dgm:t>
-        <a:bodyPr/>
-        <a:lstStyle/>
-        <a:p>
-          <a:endParaRPr lang="en-US"/>
-        </a:p>
-      </dgm:t>
       <dgm:extLst>
         <a:ext uri="{E40237B7-FDA0-4F09-8148-C483321AD2D9}">
           <dgm14:cNvPr xmlns:dgm14="http://schemas.microsoft.com/office/drawing/2010/diagram" id="0" name="" descr="Statistics"/>
@@ -4074,24 +3921,10 @@
         </dgm:presLayoutVars>
       </dgm:prSet>
       <dgm:spPr/>
-      <dgm:t>
-        <a:bodyPr/>
-        <a:lstStyle/>
-        <a:p>
-          <a:endParaRPr lang="en-US"/>
-        </a:p>
-      </dgm:t>
     </dgm:pt>
     <dgm:pt modelId="{92CA36F9-E301-4BB3-B7A0-0E984CFABAE9}" type="pres">
       <dgm:prSet presAssocID="{29A29C3E-33E1-4B37-A3F3-CE7775B9F1AE}" presName="sibTrans" presStyleLbl="sibTrans2D1" presStyleIdx="0" presStyleCnt="0"/>
       <dgm:spPr/>
-      <dgm:t>
-        <a:bodyPr/>
-        <a:lstStyle/>
-        <a:p>
-          <a:endParaRPr lang="en-US"/>
-        </a:p>
-      </dgm:t>
     </dgm:pt>
     <dgm:pt modelId="{4B8D6D21-7DBB-4951-B5AD-B7FFF7145F9B}" type="pres">
       <dgm:prSet presAssocID="{472ABD4A-1A7F-4CAA-99B1-5949580F8599}" presName="compNode" presStyleCnt="0"/>
@@ -4111,7 +3944,7 @@
                 <a14:useLocalDpi xmlns:a14="http://schemas.microsoft.com/office/drawing/2010/main" val="0"/>
               </a:ext>
               <a:ext uri="{96DAC541-7B7A-43D3-8B79-37D633B846F1}">
-                <asvg:svgBlip xmlns="" xmlns:asvg="http://schemas.microsoft.com/office/drawing/2016/SVG/main" r:embed="rId10"/>
+                <asvg:svgBlip xmlns:asvg="http://schemas.microsoft.com/office/drawing/2016/SVG/main" r:embed="rId10"/>
               </a:ext>
             </a:extLst>
           </a:blip>
@@ -4123,13 +3956,6 @@
           <a:noFill/>
         </a:ln>
       </dgm:spPr>
-      <dgm:t>
-        <a:bodyPr/>
-        <a:lstStyle/>
-        <a:p>
-          <a:endParaRPr lang="en-US"/>
-        </a:p>
-      </dgm:t>
       <dgm:extLst>
         <a:ext uri="{E40237B7-FDA0-4F09-8148-C483321AD2D9}">
           <dgm14:cNvPr xmlns:dgm14="http://schemas.microsoft.com/office/drawing/2010/diagram" id="0" name="" descr="LightsOn"/>
@@ -4148,24 +3974,10 @@
         </dgm:presLayoutVars>
       </dgm:prSet>
       <dgm:spPr/>
-      <dgm:t>
-        <a:bodyPr/>
-        <a:lstStyle/>
-        <a:p>
-          <a:endParaRPr lang="en-US"/>
-        </a:p>
-      </dgm:t>
     </dgm:pt>
     <dgm:pt modelId="{69687CEF-6D39-4C3D-8D77-AD5D7BBEE616}" type="pres">
       <dgm:prSet presAssocID="{A9E6D748-5E9E-46BD-8AEE-B81DB6F68AF4}" presName="sibTrans" presStyleLbl="sibTrans2D1" presStyleIdx="0" presStyleCnt="0"/>
       <dgm:spPr/>
-      <dgm:t>
-        <a:bodyPr/>
-        <a:lstStyle/>
-        <a:p>
-          <a:endParaRPr lang="en-US"/>
-        </a:p>
-      </dgm:t>
     </dgm:pt>
     <dgm:pt modelId="{A1FE709F-21FD-49AE-BF90-1F012FCD7C80}" type="pres">
       <dgm:prSet presAssocID="{E1B85855-8B43-40CC-847F-BFCAA966C9B0}" presName="compNode" presStyleCnt="0"/>
@@ -4185,7 +3997,7 @@
                 <a14:useLocalDpi xmlns:a14="http://schemas.microsoft.com/office/drawing/2010/main" val="0"/>
               </a:ext>
               <a:ext uri="{96DAC541-7B7A-43D3-8B79-37D633B846F1}">
-                <asvg:svgBlip xmlns="" xmlns:asvg="http://schemas.microsoft.com/office/drawing/2016/SVG/main" r:embed="rId12"/>
+                <asvg:svgBlip xmlns:asvg="http://schemas.microsoft.com/office/drawing/2016/SVG/main" r:embed="rId12"/>
               </a:ext>
             </a:extLst>
           </a:blip>
@@ -4195,13 +4007,6 @@
           </a:stretch>
         </a:blipFill>
       </dgm:spPr>
-      <dgm:t>
-        <a:bodyPr/>
-        <a:lstStyle/>
-        <a:p>
-          <a:endParaRPr lang="en-US"/>
-        </a:p>
-      </dgm:t>
       <dgm:extLst>
         <a:ext uri="{E40237B7-FDA0-4F09-8148-C483321AD2D9}">
           <dgm14:cNvPr xmlns:dgm14="http://schemas.microsoft.com/office/drawing/2010/diagram" id="0" name="" descr="Bio hazard"/>
@@ -4220,34 +4025,27 @@
         </dgm:presLayoutVars>
       </dgm:prSet>
       <dgm:spPr/>
-      <dgm:t>
-        <a:bodyPr/>
-        <a:lstStyle/>
-        <a:p>
-          <a:endParaRPr lang="en-US"/>
-        </a:p>
-      </dgm:t>
     </dgm:pt>
   </dgm:ptLst>
   <dgm:cxnLst>
+    <dgm:cxn modelId="{9FA4F41C-20C3-4548-8BAD-C23D976F482B}" type="presOf" srcId="{472ABD4A-1A7F-4CAA-99B1-5949580F8599}" destId="{0530B387-2751-4BE8-B85D-DB01FA169824}" srcOrd="0" destOrd="0" presId="urn:microsoft.com/office/officeart/2018/2/layout/IconCircleList"/>
+    <dgm:cxn modelId="{74D81925-D2B7-4E32-B1CF-5BA29A874B0C}" srcId="{8C0DE2D4-DF0C-45ED-B052-61F1656DD1DC}" destId="{7C7AC956-ED2D-413F-ADCD-FB92F4870102}" srcOrd="3" destOrd="0" parTransId="{2D374B6C-3003-49D3-8F09-EC1D10AB5E1C}" sibTransId="{29A29C3E-33E1-4B37-A3F3-CE7775B9F1AE}"/>
+    <dgm:cxn modelId="{0F21D92A-D8AE-4E7D-9D81-579F76A6887C}" type="presOf" srcId="{7C7AC956-ED2D-413F-ADCD-FB92F4870102}" destId="{12C03CAD-85A5-456E-9586-290B7652489B}" srcOrd="0" destOrd="0" presId="urn:microsoft.com/office/officeart/2018/2/layout/IconCircleList"/>
+    <dgm:cxn modelId="{789F2E34-E1B1-403F-9E0E-2F8A5ACE58CF}" srcId="{8C0DE2D4-DF0C-45ED-B052-61F1656DD1DC}" destId="{472ABD4A-1A7F-4CAA-99B1-5949580F8599}" srcOrd="4" destOrd="0" parTransId="{109C6475-B986-4D1D-8443-59F1037920D8}" sibTransId="{A9E6D748-5E9E-46BD-8AEE-B81DB6F68AF4}"/>
+    <dgm:cxn modelId="{CB617C38-B5B6-476D-BC03-D961ED6BF872}" type="presOf" srcId="{579E226B-1ADC-4034-A480-CFF31C3B9CF0}" destId="{B7DAB3AE-E4F3-471B-A60D-33D8FDEE6D49}" srcOrd="0" destOrd="0" presId="urn:microsoft.com/office/officeart/2018/2/layout/IconCircleList"/>
+    <dgm:cxn modelId="{7664EF40-C84F-4CF6-A3FF-3B157E3B6B3E}" srcId="{8C0DE2D4-DF0C-45ED-B052-61F1656DD1DC}" destId="{851982B3-E163-4CE7-9ED4-0E51817B1CDE}" srcOrd="0" destOrd="0" parTransId="{A8DC28F5-4D84-4480-856D-E28F8BFF12BB}" sibTransId="{2780A05D-FA41-44F4-8CC9-4064C7980683}"/>
+    <dgm:cxn modelId="{C322085B-7C5A-41E6-AF07-FC75791B5C2C}" type="presOf" srcId="{851982B3-E163-4CE7-9ED4-0E51817B1CDE}" destId="{28BD02B3-A570-4562-9337-B99A2DE86C7E}" srcOrd="0" destOrd="0" presId="urn:microsoft.com/office/officeart/2018/2/layout/IconCircleList"/>
+    <dgm:cxn modelId="{5E2B815F-F878-43DD-970F-A999CF87B3FA}" type="presOf" srcId="{E1B85855-8B43-40CC-847F-BFCAA966C9B0}" destId="{C49DB5A6-0775-4B3D-8D93-FB7DAC430492}" srcOrd="0" destOrd="0" presId="urn:microsoft.com/office/officeart/2018/2/layout/IconCircleList"/>
+    <dgm:cxn modelId="{53E5C146-8B7A-49FB-9E65-B010F5A68A23}" type="presOf" srcId="{ABB66597-9819-46B1-8C5A-52145C6F19E9}" destId="{1EA410FC-9CC2-4EE2-A6DF-AEF06E00D508}" srcOrd="0" destOrd="0" presId="urn:microsoft.com/office/officeart/2018/2/layout/IconCircleList"/>
+    <dgm:cxn modelId="{ECFA794D-C779-4AC8-9B15-0F133B291F50}" type="presOf" srcId="{29A29C3E-33E1-4B37-A3F3-CE7775B9F1AE}" destId="{92CA36F9-E301-4BB3-B7A0-0E984CFABAE9}" srcOrd="0" destOrd="0" presId="urn:microsoft.com/office/officeart/2018/2/layout/IconCircleList"/>
+    <dgm:cxn modelId="{C1643F92-D500-4DD3-B469-7898B093A4D7}" type="presOf" srcId="{FEA028FC-6003-41CB-AD47-7AF630B65CBB}" destId="{5F920282-177E-4CD1-A163-0973DCC2E482}" srcOrd="0" destOrd="0" presId="urn:microsoft.com/office/officeart/2018/2/layout/IconCircleList"/>
     <dgm:cxn modelId="{8D6D0F9B-4EA8-4DD9-AE58-FD5304214CF0}" type="presOf" srcId="{8C0DE2D4-DF0C-45ED-B052-61F1656DD1DC}" destId="{EEFD7312-10A3-4947-AEC4-DA40405D29D8}" srcOrd="0" destOrd="0" presId="urn:microsoft.com/office/officeart/2018/2/layout/IconCircleList"/>
-    <dgm:cxn modelId="{5E2B815F-F878-43DD-970F-A999CF87B3FA}" type="presOf" srcId="{E1B85855-8B43-40CC-847F-BFCAA966C9B0}" destId="{C49DB5A6-0775-4B3D-8D93-FB7DAC430492}" srcOrd="0" destOrd="0" presId="urn:microsoft.com/office/officeart/2018/2/layout/IconCircleList"/>
-    <dgm:cxn modelId="{C1643F92-D500-4DD3-B469-7898B093A4D7}" type="presOf" srcId="{FEA028FC-6003-41CB-AD47-7AF630B65CBB}" destId="{5F920282-177E-4CD1-A163-0973DCC2E482}" srcOrd="0" destOrd="0" presId="urn:microsoft.com/office/officeart/2018/2/layout/IconCircleList"/>
-    <dgm:cxn modelId="{7664EF40-C84F-4CF6-A3FF-3B157E3B6B3E}" srcId="{8C0DE2D4-DF0C-45ED-B052-61F1656DD1DC}" destId="{851982B3-E163-4CE7-9ED4-0E51817B1CDE}" srcOrd="0" destOrd="0" parTransId="{A8DC28F5-4D84-4480-856D-E28F8BFF12BB}" sibTransId="{2780A05D-FA41-44F4-8CC9-4064C7980683}"/>
+    <dgm:cxn modelId="{3EBA24A1-AF88-482C-A853-12DCBE41150F}" srcId="{8C0DE2D4-DF0C-45ED-B052-61F1656DD1DC}" destId="{ABB66597-9819-46B1-8C5A-52145C6F19E9}" srcOrd="1" destOrd="0" parTransId="{9EC1B2C8-F1BD-4DE2-B9E3-0DC517C64E8C}" sibTransId="{FEA028FC-6003-41CB-AD47-7AF630B65CBB}"/>
+    <dgm:cxn modelId="{320EDEAD-849B-439E-90DF-CFD2EEEEF5D1}" srcId="{8C0DE2D4-DF0C-45ED-B052-61F1656DD1DC}" destId="{E1B85855-8B43-40CC-847F-BFCAA966C9B0}" srcOrd="5" destOrd="0" parTransId="{8984E53D-74AE-4BBE-B6CE-249E38F7E2F0}" sibTransId="{50DED5B1-F7D7-49A2-B16B-FC2A805EA6B3}"/>
+    <dgm:cxn modelId="{18C8B3B3-78BF-44E4-962D-1FF4A92E9E97}" srcId="{8C0DE2D4-DF0C-45ED-B052-61F1656DD1DC}" destId="{7793A892-6499-4888-96C3-EB20DD785DAB}" srcOrd="2" destOrd="0" parTransId="{6FAB1A1A-5F40-4BFD-8103-614DC9F2839B}" sibTransId="{579E226B-1ADC-4034-A480-CFF31C3B9CF0}"/>
+    <dgm:cxn modelId="{8F1769B8-B528-4D11-926A-A725856A2D24}" type="presOf" srcId="{A9E6D748-5E9E-46BD-8AEE-B81DB6F68AF4}" destId="{69687CEF-6D39-4C3D-8D77-AD5D7BBEE616}" srcOrd="0" destOrd="0" presId="urn:microsoft.com/office/officeart/2018/2/layout/IconCircleList"/>
     <dgm:cxn modelId="{F7A2ABDE-693C-46A3-A64C-B3CD6DA6F9F3}" type="presOf" srcId="{7793A892-6499-4888-96C3-EB20DD785DAB}" destId="{579AF82F-1926-4946-B23C-BFCBDD897B66}" srcOrd="0" destOrd="0" presId="urn:microsoft.com/office/officeart/2018/2/layout/IconCircleList"/>
-    <dgm:cxn modelId="{320EDEAD-849B-439E-90DF-CFD2EEEEF5D1}" srcId="{8C0DE2D4-DF0C-45ED-B052-61F1656DD1DC}" destId="{E1B85855-8B43-40CC-847F-BFCAA966C9B0}" srcOrd="5" destOrd="0" parTransId="{8984E53D-74AE-4BBE-B6CE-249E38F7E2F0}" sibTransId="{50DED5B1-F7D7-49A2-B16B-FC2A805EA6B3}"/>
-    <dgm:cxn modelId="{789F2E34-E1B1-403F-9E0E-2F8A5ACE58CF}" srcId="{8C0DE2D4-DF0C-45ED-B052-61F1656DD1DC}" destId="{472ABD4A-1A7F-4CAA-99B1-5949580F8599}" srcOrd="4" destOrd="0" parTransId="{109C6475-B986-4D1D-8443-59F1037920D8}" sibTransId="{A9E6D748-5E9E-46BD-8AEE-B81DB6F68AF4}"/>
-    <dgm:cxn modelId="{53E5C146-8B7A-49FB-9E65-B010F5A68A23}" type="presOf" srcId="{ABB66597-9819-46B1-8C5A-52145C6F19E9}" destId="{1EA410FC-9CC2-4EE2-A6DF-AEF06E00D508}" srcOrd="0" destOrd="0" presId="urn:microsoft.com/office/officeart/2018/2/layout/IconCircleList"/>
     <dgm:cxn modelId="{398B1AE7-90A4-4406-8D22-5C8AFB5E5A5D}" type="presOf" srcId="{2780A05D-FA41-44F4-8CC9-4064C7980683}" destId="{DB62F1A8-94D2-4258-946A-CD1CEA212E4D}" srcOrd="0" destOrd="0" presId="urn:microsoft.com/office/officeart/2018/2/layout/IconCircleList"/>
-    <dgm:cxn modelId="{74D81925-D2B7-4E32-B1CF-5BA29A874B0C}" srcId="{8C0DE2D4-DF0C-45ED-B052-61F1656DD1DC}" destId="{7C7AC956-ED2D-413F-ADCD-FB92F4870102}" srcOrd="3" destOrd="0" parTransId="{2D374B6C-3003-49D3-8F09-EC1D10AB5E1C}" sibTransId="{29A29C3E-33E1-4B37-A3F3-CE7775B9F1AE}"/>
-    <dgm:cxn modelId="{3EBA24A1-AF88-482C-A853-12DCBE41150F}" srcId="{8C0DE2D4-DF0C-45ED-B052-61F1656DD1DC}" destId="{ABB66597-9819-46B1-8C5A-52145C6F19E9}" srcOrd="1" destOrd="0" parTransId="{9EC1B2C8-F1BD-4DE2-B9E3-0DC517C64E8C}" sibTransId="{FEA028FC-6003-41CB-AD47-7AF630B65CBB}"/>
-    <dgm:cxn modelId="{0F21D92A-D8AE-4E7D-9D81-579F76A6887C}" type="presOf" srcId="{7C7AC956-ED2D-413F-ADCD-FB92F4870102}" destId="{12C03CAD-85A5-456E-9586-290B7652489B}" srcOrd="0" destOrd="0" presId="urn:microsoft.com/office/officeart/2018/2/layout/IconCircleList"/>
-    <dgm:cxn modelId="{ECFA794D-C779-4AC8-9B15-0F133B291F50}" type="presOf" srcId="{29A29C3E-33E1-4B37-A3F3-CE7775B9F1AE}" destId="{92CA36F9-E301-4BB3-B7A0-0E984CFABAE9}" srcOrd="0" destOrd="0" presId="urn:microsoft.com/office/officeart/2018/2/layout/IconCircleList"/>
-    <dgm:cxn modelId="{CB617C38-B5B6-476D-BC03-D961ED6BF872}" type="presOf" srcId="{579E226B-1ADC-4034-A480-CFF31C3B9CF0}" destId="{B7DAB3AE-E4F3-471B-A60D-33D8FDEE6D49}" srcOrd="0" destOrd="0" presId="urn:microsoft.com/office/officeart/2018/2/layout/IconCircleList"/>
-    <dgm:cxn modelId="{C322085B-7C5A-41E6-AF07-FC75791B5C2C}" type="presOf" srcId="{851982B3-E163-4CE7-9ED4-0E51817B1CDE}" destId="{28BD02B3-A570-4562-9337-B99A2DE86C7E}" srcOrd="0" destOrd="0" presId="urn:microsoft.com/office/officeart/2018/2/layout/IconCircleList"/>
-    <dgm:cxn modelId="{8F1769B8-B528-4D11-926A-A725856A2D24}" type="presOf" srcId="{A9E6D748-5E9E-46BD-8AEE-B81DB6F68AF4}" destId="{69687CEF-6D39-4C3D-8D77-AD5D7BBEE616}" srcOrd="0" destOrd="0" presId="urn:microsoft.com/office/officeart/2018/2/layout/IconCircleList"/>
-    <dgm:cxn modelId="{18C8B3B3-78BF-44E4-962D-1FF4A92E9E97}" srcId="{8C0DE2D4-DF0C-45ED-B052-61F1656DD1DC}" destId="{7793A892-6499-4888-96C3-EB20DD785DAB}" srcOrd="2" destOrd="0" parTransId="{6FAB1A1A-5F40-4BFD-8103-614DC9F2839B}" sibTransId="{579E226B-1ADC-4034-A480-CFF31C3B9CF0}"/>
-    <dgm:cxn modelId="{9FA4F41C-20C3-4548-8BAD-C23D976F482B}" type="presOf" srcId="{472ABD4A-1A7F-4CAA-99B1-5949580F8599}" destId="{0530B387-2751-4BE8-B85D-DB01FA169824}" srcOrd="0" destOrd="0" presId="urn:microsoft.com/office/officeart/2018/2/layout/IconCircleList"/>
     <dgm:cxn modelId="{C46A1B00-9737-4519-8CB9-7E614F756B95}" type="presParOf" srcId="{EEFD7312-10A3-4947-AEC4-DA40405D29D8}" destId="{E386BE08-CCCC-4878-9AF1-013B354970FA}" srcOrd="0" destOrd="0" presId="urn:microsoft.com/office/officeart/2018/2/layout/IconCircleList"/>
     <dgm:cxn modelId="{BD2183E1-C9A1-4B5C-AEB3-5A099A1679B8}" type="presParOf" srcId="{E386BE08-CCCC-4878-9AF1-013B354970FA}" destId="{E9CEC37D-1E6D-40F9-AD88-FA146366F120}" srcOrd="0" destOrd="0" presId="urn:microsoft.com/office/officeart/2018/2/layout/IconCircleList"/>
     <dgm:cxn modelId="{63E10643-F39E-46FF-AB4D-43A68FBD1B33}" type="presParOf" srcId="{E9CEC37D-1E6D-40F9-AD88-FA146366F120}" destId="{051C96BD-42F0-488B-8745-035F68F1F4F9}" srcOrd="0" destOrd="0" presId="urn:microsoft.com/office/officeart/2018/2/layout/IconCircleList"/>
@@ -4364,7 +4162,7 @@
                 <a14:useLocalDpi xmlns:a14="http://schemas.microsoft.com/office/drawing/2010/main" val="0"/>
               </a:ext>
               <a:ext uri="{96DAC541-7B7A-43D3-8B79-37D633B846F1}">
-                <asvg:svgBlip xmlns="" xmlns:asvg="http://schemas.microsoft.com/office/drawing/2016/SVG/main" r:embed="rId2"/>
+                <asvg:svgBlip xmlns:asvg="http://schemas.microsoft.com/office/drawing/2016/SVG/main" r:embed="rId2"/>
               </a:ext>
             </a:extLst>
           </a:blip>
@@ -4431,7 +4229,7 @@
         </a:bodyPr>
         <a:lstStyle/>
         <a:p>
-          <a:pPr lvl="0" algn="just" defTabSz="755650">
+          <a:pPr marL="0" lvl="0" indent="0" algn="just" defTabSz="755650">
             <a:lnSpc>
               <a:spcPct val="90000"/>
             </a:lnSpc>
@@ -4441,6 +4239,7 @@
             <a:spcAft>
               <a:spcPct val="35000"/>
             </a:spcAft>
+            <a:buNone/>
           </a:pPr>
           <a:r>
             <a:rPr lang="en-IN" sz="1700" kern="1200" dirty="0"/>
@@ -4512,7 +4311,7 @@
           <a:blip xmlns:r="http://schemas.openxmlformats.org/officeDocument/2006/relationships" r:embed="rId3">
             <a:extLst>
               <a:ext uri="{96DAC541-7B7A-43D3-8B79-37D633B846F1}">
-                <asvg:svgBlip xmlns="" xmlns:asvg="http://schemas.microsoft.com/office/drawing/2016/SVG/main" r:embed="rId4"/>
+                <asvg:svgBlip xmlns:asvg="http://schemas.microsoft.com/office/drawing/2016/SVG/main" r:embed="rId4"/>
               </a:ext>
             </a:extLst>
           </a:blip>
@@ -4580,7 +4379,7 @@
         </a:bodyPr>
         <a:lstStyle/>
         <a:p>
-          <a:pPr lvl="0" algn="just" defTabSz="755650">
+          <a:pPr marL="0" lvl="0" indent="0" algn="just" defTabSz="755650">
             <a:lnSpc>
               <a:spcPct val="90000"/>
             </a:lnSpc>
@@ -4590,6 +4389,7 @@
             <a:spcAft>
               <a:spcPct val="35000"/>
             </a:spcAft>
+            <a:buNone/>
           </a:pPr>
           <a:r>
             <a:rPr lang="en-IN" sz="1700" kern="1200" dirty="0"/>
@@ -4664,7 +4464,7 @@
                 <a14:useLocalDpi xmlns:a14="http://schemas.microsoft.com/office/drawing/2010/main" val="0"/>
               </a:ext>
               <a:ext uri="{96DAC541-7B7A-43D3-8B79-37D633B846F1}">
-                <asvg:svgBlip xmlns="" xmlns:asvg="http://schemas.microsoft.com/office/drawing/2016/SVG/main" r:embed="rId6"/>
+                <asvg:svgBlip xmlns:asvg="http://schemas.microsoft.com/office/drawing/2016/SVG/main" r:embed="rId6"/>
               </a:ext>
             </a:extLst>
           </a:blip>
@@ -4731,7 +4531,7 @@
         </a:bodyPr>
         <a:lstStyle/>
         <a:p>
-          <a:pPr lvl="0" algn="just" defTabSz="755650">
+          <a:pPr marL="0" lvl="0" indent="0" algn="just" defTabSz="755650">
             <a:lnSpc>
               <a:spcPct val="90000"/>
             </a:lnSpc>
@@ -4741,6 +4541,7 @@
             <a:spcAft>
               <a:spcPct val="35000"/>
             </a:spcAft>
+            <a:buNone/>
           </a:pPr>
           <a:r>
             <a:rPr lang="en-IN" sz="1700" kern="1200" dirty="0"/>
@@ -4815,7 +4616,7 @@
                 <a14:useLocalDpi xmlns:a14="http://schemas.microsoft.com/office/drawing/2010/main" val="0"/>
               </a:ext>
               <a:ext uri="{96DAC541-7B7A-43D3-8B79-37D633B846F1}">
-                <asvg:svgBlip xmlns="" xmlns:asvg="http://schemas.microsoft.com/office/drawing/2016/SVG/main" r:embed="rId8"/>
+                <asvg:svgBlip xmlns:asvg="http://schemas.microsoft.com/office/drawing/2016/SVG/main" r:embed="rId8"/>
               </a:ext>
             </a:extLst>
           </a:blip>
@@ -4882,7 +4683,7 @@
         </a:bodyPr>
         <a:lstStyle/>
         <a:p>
-          <a:pPr lvl="0" algn="just" defTabSz="755650">
+          <a:pPr marL="0" lvl="0" indent="0" algn="just" defTabSz="755650">
             <a:lnSpc>
               <a:spcPct val="90000"/>
             </a:lnSpc>
@@ -4892,6 +4693,7 @@
             <a:spcAft>
               <a:spcPct val="35000"/>
             </a:spcAft>
+            <a:buNone/>
           </a:pPr>
           <a:r>
             <a:rPr lang="en-IN" sz="1700" kern="1200" dirty="0"/>
@@ -4937,7 +4739,7 @@
                 <a14:useLocalDpi xmlns:a14="http://schemas.microsoft.com/office/drawing/2010/main" val="0"/>
               </a:ext>
               <a:ext uri="{96DAC541-7B7A-43D3-8B79-37D633B846F1}">
-                <asvg:svgBlip xmlns="" xmlns:asvg="http://schemas.microsoft.com/office/drawing/2016/SVG/main" r:embed="rId2"/>
+                <asvg:svgBlip xmlns:asvg="http://schemas.microsoft.com/office/drawing/2016/SVG/main" r:embed="rId2"/>
               </a:ext>
             </a:extLst>
           </a:blip>
@@ -5004,7 +4806,7 @@
         </a:bodyPr>
         <a:lstStyle/>
         <a:p>
-          <a:pPr lvl="0" algn="just" defTabSz="488950">
+          <a:pPr marL="0" lvl="0" indent="0" algn="just" defTabSz="488950">
             <a:lnSpc>
               <a:spcPct val="90000"/>
             </a:lnSpc>
@@ -5014,6 +4816,7 @@
             <a:spcAft>
               <a:spcPct val="35000"/>
             </a:spcAft>
+            <a:buNone/>
           </a:pPr>
           <a:r>
             <a:rPr lang="en-US" sz="1100" b="1" u="sng" kern="1200" dirty="0" err="1"/>
@@ -5058,7 +4861,7 @@
                 <a14:useLocalDpi xmlns:a14="http://schemas.microsoft.com/office/drawing/2010/main" val="0"/>
               </a:ext>
               <a:ext uri="{96DAC541-7B7A-43D3-8B79-37D633B846F1}">
-                <asvg:svgBlip xmlns="" xmlns:asvg="http://schemas.microsoft.com/office/drawing/2016/SVG/main" r:embed="rId4"/>
+                <asvg:svgBlip xmlns:asvg="http://schemas.microsoft.com/office/drawing/2016/SVG/main" r:embed="rId4"/>
               </a:ext>
             </a:extLst>
           </a:blip>
@@ -5125,7 +4928,7 @@
         </a:bodyPr>
         <a:lstStyle/>
         <a:p>
-          <a:pPr lvl="0" algn="just" defTabSz="488950">
+          <a:pPr marL="0" lvl="0" indent="0" algn="just" defTabSz="488950">
             <a:lnSpc>
               <a:spcPct val="90000"/>
             </a:lnSpc>
@@ -5135,6 +4938,7 @@
             <a:spcAft>
               <a:spcPct val="35000"/>
             </a:spcAft>
+            <a:buNone/>
           </a:pPr>
           <a:r>
             <a:rPr lang="en-IN" sz="1100" b="1" u="sng" kern="1200" dirty="0"/>
@@ -5224,7 +5028,7 @@
                 <a14:useLocalDpi xmlns:a14="http://schemas.microsoft.com/office/drawing/2010/main" val="0"/>
               </a:ext>
               <a:ext uri="{96DAC541-7B7A-43D3-8B79-37D633B846F1}">
-                <asvg:svgBlip xmlns="" xmlns:asvg="http://schemas.microsoft.com/office/drawing/2016/SVG/main" r:embed="rId2"/>
+                <asvg:svgBlip xmlns:asvg="http://schemas.microsoft.com/office/drawing/2016/SVG/main" r:embed="rId2"/>
               </a:ext>
             </a:extLst>
           </a:blip>
@@ -5291,7 +5095,7 @@
         </a:bodyPr>
         <a:lstStyle/>
         <a:p>
-          <a:pPr lvl="0" algn="just" defTabSz="577850">
+          <a:pPr marL="0" lvl="0" indent="0" algn="just" defTabSz="577850">
             <a:lnSpc>
               <a:spcPct val="100000"/>
             </a:lnSpc>
@@ -5301,6 +5105,7 @@
             <a:spcAft>
               <a:spcPct val="35000"/>
             </a:spcAft>
+            <a:buNone/>
           </a:pPr>
           <a:r>
             <a:rPr lang="en-US" sz="1300" kern="1200" dirty="0"/>
@@ -5373,7 +5178,7 @@
                 <a14:useLocalDpi xmlns:a14="http://schemas.microsoft.com/office/drawing/2010/main" val="0"/>
               </a:ext>
               <a:ext uri="{96DAC541-7B7A-43D3-8B79-37D633B846F1}">
-                <asvg:svgBlip xmlns="" xmlns:asvg="http://schemas.microsoft.com/office/drawing/2016/SVG/main" r:embed="rId4"/>
+                <asvg:svgBlip xmlns:asvg="http://schemas.microsoft.com/office/drawing/2016/SVG/main" r:embed="rId4"/>
               </a:ext>
             </a:extLst>
           </a:blip>
@@ -5440,7 +5245,7 @@
         </a:bodyPr>
         <a:lstStyle/>
         <a:p>
-          <a:pPr lvl="0" algn="just" defTabSz="577850">
+          <a:pPr marL="0" lvl="0" indent="0" algn="just" defTabSz="577850">
             <a:lnSpc>
               <a:spcPct val="100000"/>
             </a:lnSpc>
@@ -5450,6 +5255,7 @@
             <a:spcAft>
               <a:spcPct val="35000"/>
             </a:spcAft>
+            <a:buNone/>
           </a:pPr>
           <a:r>
             <a:rPr lang="en-US" sz="1300" kern="1200" dirty="0"/>
@@ -5522,7 +5328,7 @@
                 <a14:useLocalDpi xmlns:a14="http://schemas.microsoft.com/office/drawing/2010/main" val="0"/>
               </a:ext>
               <a:ext uri="{96DAC541-7B7A-43D3-8B79-37D633B846F1}">
-                <asvg:svgBlip xmlns="" xmlns:asvg="http://schemas.microsoft.com/office/drawing/2016/SVG/main" r:embed="rId6"/>
+                <asvg:svgBlip xmlns:asvg="http://schemas.microsoft.com/office/drawing/2016/SVG/main" r:embed="rId6"/>
               </a:ext>
             </a:extLst>
           </a:blip>
@@ -5589,7 +5395,7 @@
         </a:bodyPr>
         <a:lstStyle/>
         <a:p>
-          <a:pPr lvl="0" algn="just" defTabSz="577850">
+          <a:pPr marL="0" lvl="0" indent="0" algn="just" defTabSz="577850">
             <a:lnSpc>
               <a:spcPct val="100000"/>
             </a:lnSpc>
@@ -5599,6 +5405,7 @@
             <a:spcAft>
               <a:spcPct val="35000"/>
             </a:spcAft>
+            <a:buNone/>
           </a:pPr>
           <a:r>
             <a:rPr lang="en-US" sz="1300" kern="1200" dirty="0"/>
@@ -5671,7 +5478,7 @@
                 <a14:useLocalDpi xmlns:a14="http://schemas.microsoft.com/office/drawing/2010/main" val="0"/>
               </a:ext>
               <a:ext uri="{96DAC541-7B7A-43D3-8B79-37D633B846F1}">
-                <asvg:svgBlip xmlns="" xmlns:asvg="http://schemas.microsoft.com/office/drawing/2016/SVG/main" r:embed="rId8"/>
+                <asvg:svgBlip xmlns:asvg="http://schemas.microsoft.com/office/drawing/2016/SVG/main" r:embed="rId8"/>
               </a:ext>
             </a:extLst>
           </a:blip>
@@ -5738,7 +5545,7 @@
         </a:bodyPr>
         <a:lstStyle/>
         <a:p>
-          <a:pPr lvl="0" algn="just" defTabSz="577850">
+          <a:pPr marL="0" lvl="0" indent="0" algn="just" defTabSz="577850">
             <a:lnSpc>
               <a:spcPct val="100000"/>
             </a:lnSpc>
@@ -5748,6 +5555,7 @@
             <a:spcAft>
               <a:spcPct val="35000"/>
             </a:spcAft>
+            <a:buNone/>
           </a:pPr>
           <a:r>
             <a:rPr lang="en-US" sz="1300" kern="1200" dirty="0"/>
@@ -5820,7 +5628,7 @@
                 <a14:useLocalDpi xmlns:a14="http://schemas.microsoft.com/office/drawing/2010/main" val="0"/>
               </a:ext>
               <a:ext uri="{96DAC541-7B7A-43D3-8B79-37D633B846F1}">
-                <asvg:svgBlip xmlns="" xmlns:asvg="http://schemas.microsoft.com/office/drawing/2016/SVG/main" r:embed="rId10"/>
+                <asvg:svgBlip xmlns:asvg="http://schemas.microsoft.com/office/drawing/2016/SVG/main" r:embed="rId10"/>
               </a:ext>
             </a:extLst>
           </a:blip>
@@ -5887,7 +5695,7 @@
         </a:bodyPr>
         <a:lstStyle/>
         <a:p>
-          <a:pPr lvl="0" algn="just" defTabSz="577850">
+          <a:pPr marL="0" lvl="0" indent="0" algn="just" defTabSz="577850">
             <a:lnSpc>
               <a:spcPct val="100000"/>
             </a:lnSpc>
@@ -5897,6 +5705,7 @@
             <a:spcAft>
               <a:spcPct val="35000"/>
             </a:spcAft>
+            <a:buNone/>
           </a:pPr>
           <a:r>
             <a:rPr lang="en-US" sz="1300" kern="1200" dirty="0"/>
@@ -5969,7 +5778,7 @@
                 <a14:useLocalDpi xmlns:a14="http://schemas.microsoft.com/office/drawing/2010/main" val="0"/>
               </a:ext>
               <a:ext uri="{96DAC541-7B7A-43D3-8B79-37D633B846F1}">
-                <asvg:svgBlip xmlns="" xmlns:asvg="http://schemas.microsoft.com/office/drawing/2016/SVG/main" r:embed="rId12"/>
+                <asvg:svgBlip xmlns:asvg="http://schemas.microsoft.com/office/drawing/2016/SVG/main" r:embed="rId12"/>
               </a:ext>
             </a:extLst>
           </a:blip>
@@ -6045,7 +5854,7 @@
         </a:bodyPr>
         <a:lstStyle/>
         <a:p>
-          <a:pPr lvl="0" algn="just" defTabSz="577850">
+          <a:pPr marL="0" lvl="0" indent="0" algn="just" defTabSz="577850">
             <a:lnSpc>
               <a:spcPct val="100000"/>
             </a:lnSpc>
@@ -6055,6 +5864,7 @@
             <a:spcAft>
               <a:spcPct val="35000"/>
             </a:spcAft>
+            <a:buNone/>
           </a:pPr>
           <a:r>
             <a:rPr lang="en-US" sz="1300" kern="1200" dirty="0"/>
@@ -6348,7 +6158,7 @@
   </dgm:layoutNode>
   <dgm:extLst>
     <a:ext uri="{68A01E43-0DF5-4B5B-8FA6-DAF915123BFB}">
-      <dgm1612:lstStyle xmlns="" xmlns:dgm1612="http://schemas.microsoft.com/office/drawing/2016/12/diagram">
+      <dgm1612:lstStyle xmlns:dgm1612="http://schemas.microsoft.com/office/drawing/2016/12/diagram">
         <a:lvl1pPr>
           <a:lnSpc>
             <a:spcPct val="100000"/>
@@ -6543,7 +6353,7 @@
   </dgm:layoutNode>
   <dgm:extLst>
     <a:ext uri="{68A01E43-0DF5-4B5B-8FA6-DAF915123BFB}">
-      <dgm1612:lstStyle xmlns="" xmlns:dgm1612="http://schemas.microsoft.com/office/drawing/2016/12/diagram">
+      <dgm1612:lstStyle xmlns:dgm1612="http://schemas.microsoft.com/office/drawing/2016/12/diagram">
         <a:lvl1pPr>
           <a:lnSpc>
             <a:spcPct val="100000"/>
@@ -6755,7 +6565,7 @@
   </dgm:layoutNode>
   <dgm:extLst>
     <a:ext uri="{68A01E43-0DF5-4B5B-8FA6-DAF915123BFB}">
-      <dgm1612:lstStyle xmlns="" xmlns:dgm1612="http://schemas.microsoft.com/office/drawing/2016/12/diagram">
+      <dgm1612:lstStyle xmlns:dgm1612="http://schemas.microsoft.com/office/drawing/2016/12/diagram">
         <a:lvl1pPr>
           <a:lnSpc>
             <a:spcPct val="100000"/>
@@ -10016,7 +9826,7 @@
           <a:p>
             <a:fld id="{87C83D96-EC60-44E9-8CB1-309D5567D819}" type="datetimeFigureOut">
               <a:rPr lang="en-US" smtClean="0"/>
-              <a:t>2/27/2020</a:t>
+              <a:t>6/2/2020</a:t>
             </a:fld>
             <a:endParaRPr lang="en-US"/>
           </a:p>
@@ -10214,7 +10024,7 @@
           <a:p>
             <a:fld id="{87C83D96-EC60-44E9-8CB1-309D5567D819}" type="datetimeFigureOut">
               <a:rPr lang="en-US" smtClean="0"/>
-              <a:t>2/27/2020</a:t>
+              <a:t>6/2/2020</a:t>
             </a:fld>
             <a:endParaRPr lang="en-US"/>
           </a:p>
@@ -10422,7 +10232,7 @@
           <a:p>
             <a:fld id="{87C83D96-EC60-44E9-8CB1-309D5567D819}" type="datetimeFigureOut">
               <a:rPr lang="en-US" smtClean="0"/>
-              <a:t>2/27/2020</a:t>
+              <a:t>6/2/2020</a:t>
             </a:fld>
             <a:endParaRPr lang="en-US"/>
           </a:p>
@@ -10620,7 +10430,7 @@
           <a:p>
             <a:fld id="{87C83D96-EC60-44E9-8CB1-309D5567D819}" type="datetimeFigureOut">
               <a:rPr lang="en-US" smtClean="0"/>
-              <a:t>2/27/2020</a:t>
+              <a:t>6/2/2020</a:t>
             </a:fld>
             <a:endParaRPr lang="en-US"/>
           </a:p>
@@ -10895,7 +10705,7 @@
           <a:p>
             <a:fld id="{87C83D96-EC60-44E9-8CB1-309D5567D819}" type="datetimeFigureOut">
               <a:rPr lang="en-US" smtClean="0"/>
-              <a:t>2/27/2020</a:t>
+              <a:t>6/2/2020</a:t>
             </a:fld>
             <a:endParaRPr lang="en-US"/>
           </a:p>
@@ -11160,7 +10970,7 @@
           <a:p>
             <a:fld id="{87C83D96-EC60-44E9-8CB1-309D5567D819}" type="datetimeFigureOut">
               <a:rPr lang="en-US" smtClean="0"/>
-              <a:t>2/27/2020</a:t>
+              <a:t>6/2/2020</a:t>
             </a:fld>
             <a:endParaRPr lang="en-US"/>
           </a:p>
@@ -11572,7 +11382,7 @@
           <a:p>
             <a:fld id="{87C83D96-EC60-44E9-8CB1-309D5567D819}" type="datetimeFigureOut">
               <a:rPr lang="en-US" smtClean="0"/>
-              <a:t>2/27/2020</a:t>
+              <a:t>6/2/2020</a:t>
             </a:fld>
             <a:endParaRPr lang="en-US"/>
           </a:p>
@@ -11713,7 +11523,7 @@
           <a:p>
             <a:fld id="{87C83D96-EC60-44E9-8CB1-309D5567D819}" type="datetimeFigureOut">
               <a:rPr lang="en-US" smtClean="0"/>
-              <a:t>2/27/2020</a:t>
+              <a:t>6/2/2020</a:t>
             </a:fld>
             <a:endParaRPr lang="en-US"/>
           </a:p>
@@ -11826,7 +11636,7 @@
           <a:p>
             <a:fld id="{87C83D96-EC60-44E9-8CB1-309D5567D819}" type="datetimeFigureOut">
               <a:rPr lang="en-US" smtClean="0"/>
-              <a:t>2/27/2020</a:t>
+              <a:t>6/2/2020</a:t>
             </a:fld>
             <a:endParaRPr lang="en-US"/>
           </a:p>
@@ -12137,7 +11947,7 @@
           <a:p>
             <a:fld id="{87C83D96-EC60-44E9-8CB1-309D5567D819}" type="datetimeFigureOut">
               <a:rPr lang="en-US" smtClean="0"/>
-              <a:t>2/27/2020</a:t>
+              <a:t>6/2/2020</a:t>
             </a:fld>
             <a:endParaRPr lang="en-US"/>
           </a:p>
@@ -12425,7 +12235,7 @@
           <a:p>
             <a:fld id="{87C83D96-EC60-44E9-8CB1-309D5567D819}" type="datetimeFigureOut">
               <a:rPr lang="en-US" smtClean="0"/>
-              <a:t>2/27/2020</a:t>
+              <a:t>6/2/2020</a:t>
             </a:fld>
             <a:endParaRPr lang="en-US"/>
           </a:p>
@@ -12666,7 +12476,7 @@
           <a:p>
             <a:fld id="{87C83D96-EC60-44E9-8CB1-309D5567D819}" type="datetimeFigureOut">
               <a:rPr lang="en-US" smtClean="0"/>
-              <a:t>2/27/2020</a:t>
+              <a:t>6/2/2020</a:t>
             </a:fld>
             <a:endParaRPr lang="en-US"/>
           </a:p>
@@ -13157,7 +12967,7 @@
               <a:rPr lang="en-US" dirty="0"/>
             </a:br>
             <a:r>
-              <a:rPr lang="en-US" b="1" dirty="0" smtClean="0">
+              <a:rPr lang="en-US" b="1" dirty="0">
                 <a:solidFill>
                   <a:schemeClr val="accent6"/>
                 </a:solidFill>
@@ -13165,37 +12975,25 @@
               <a:t>P</a:t>
             </a:r>
             <a:r>
-              <a:rPr lang="en-US" dirty="0" smtClean="0"/>
+              <a:rPr lang="en-US" dirty="0"/>
               <a:t>eople</a:t>
-            </a:r>
-            <a:r>
-              <a:rPr lang="en-US" sz="2200" dirty="0"/>
-              <a:t/>
             </a:r>
             <a:br>
               <a:rPr lang="en-US" sz="2200" dirty="0"/>
             </a:br>
             <a:r>
-              <a:rPr lang="en-US" sz="2200" b="1" u="sng" dirty="0" smtClean="0"/>
+              <a:rPr lang="en-US" sz="2200" b="1" u="sng" dirty="0"/>
               <a:t>Public Grievance System</a:t>
             </a:r>
             <a:br>
-              <a:rPr lang="en-US" sz="2200" b="1" u="sng" dirty="0" smtClean="0"/>
+              <a:rPr lang="en-US" sz="2200" b="1" u="sng" dirty="0"/>
+            </a:br>
+            <a:br>
+              <a:rPr lang="en-US" sz="2200" dirty="0"/>
             </a:br>
             <a:r>
-              <a:rPr lang="en-US" sz="2200" dirty="0" smtClean="0"/>
-              <a:t/>
-            </a:r>
-            <a:br>
-              <a:rPr lang="en-US" sz="2200" dirty="0" smtClean="0"/>
-            </a:br>
-            <a:r>
-              <a:rPr lang="en-US" sz="2200" dirty="0" smtClean="0"/>
-              <a:t>Shikhar </a:t>
-            </a:r>
-            <a:r>
               <a:rPr lang="en-US" sz="2200" dirty="0"/>
-              <a:t>Maheshwari – 16ET415</a:t>
+              <a:t>Shikhar Maheshwari – 16ET415</a:t>
             </a:r>
             <a:br>
               <a:rPr lang="en-US" sz="2200" dirty="0"/>
@@ -13216,7 +13014,7 @@
                 <a16:creationId xmlns:a16="http://schemas.microsoft.com/office/drawing/2014/main" id="{1DB7C82F-AB7E-4F0C-B829-FA1B9C415180}"/>
               </a:ext>
               <a:ext uri="{C183D7F6-B498-43B3-948B-1728B52AA6E4}">
-                <adec:decorative xmlns="" xmlns:adec="http://schemas.microsoft.com/office/drawing/2017/decorative" val="1"/>
+                <adec:decorative xmlns:adec="http://schemas.microsoft.com/office/drawing/2017/decorative" val="1"/>
               </a:ext>
             </a:extLst>
           </p:cNvPr>
@@ -13521,7 +13319,7 @@
                 <a16:creationId xmlns:a16="http://schemas.microsoft.com/office/drawing/2014/main" id="{B547373F-AF2E-4907-B442-9F902B387FD0}"/>
               </a:ext>
               <a:ext uri="{C183D7F6-B498-43B3-948B-1728B52AA6E4}">
-                <adec:decorative xmlns="" xmlns:adec="http://schemas.microsoft.com/office/drawing/2017/decorative" val="1"/>
+                <adec:decorative xmlns:adec="http://schemas.microsoft.com/office/drawing/2017/decorative" val="1"/>
               </a:ext>
             </a:extLst>
           </p:cNvPr>
@@ -14045,153 +13843,6 @@
       </p:sp>
       <p:sp>
         <p:nvSpPr>
-          <p:cNvPr id="30" name="Rectangle 29">
-            <a:extLst>
-              <a:ext uri="{FF2B5EF4-FFF2-40B4-BE49-F238E27FC236}">
-                <a16:creationId xmlns:a16="http://schemas.microsoft.com/office/drawing/2014/main" id="{1C0363A4-DBF4-4BA8-8060-296CDDC88F20}"/>
-              </a:ext>
-            </a:extLst>
-          </p:cNvPr>
-          <p:cNvSpPr/>
-          <p:nvPr/>
-        </p:nvSpPr>
-        <p:spPr>
-          <a:xfrm>
-            <a:off x="3805244" y="4305267"/>
-            <a:ext cx="2130822" cy="608349"/>
-          </a:xfrm>
-          <a:prstGeom prst="rect">
-            <a:avLst/>
-          </a:prstGeom>
-        </p:spPr>
-        <p:style>
-          <a:lnRef idx="2">
-            <a:schemeClr val="accent1">
-              <a:shade val="50000"/>
-            </a:schemeClr>
-          </a:lnRef>
-          <a:fillRef idx="1">
-            <a:schemeClr val="accent1"/>
-          </a:fillRef>
-          <a:effectRef idx="0">
-            <a:schemeClr val="accent1"/>
-          </a:effectRef>
-          <a:fontRef idx="minor">
-            <a:schemeClr val="lt1"/>
-          </a:fontRef>
-        </p:style>
-        <p:txBody>
-          <a:bodyPr rtlCol="0" anchor="ctr"/>
-          <a:lstStyle/>
-          <a:p>
-            <a:pPr algn="ctr"/>
-            <a:r>
-              <a:rPr lang="en-US" sz="1400" dirty="0"/>
-              <a:t>Select from Frequent responses</a:t>
-            </a:r>
-          </a:p>
-        </p:txBody>
-      </p:sp>
-      <p:sp>
-        <p:nvSpPr>
-          <p:cNvPr id="48" name="Rectangle 47">
-            <a:extLst>
-              <a:ext uri="{FF2B5EF4-FFF2-40B4-BE49-F238E27FC236}">
-                <a16:creationId xmlns:a16="http://schemas.microsoft.com/office/drawing/2014/main" id="{AC8773F1-2094-4416-A04C-3B91C1D15696}"/>
-              </a:ext>
-            </a:extLst>
-          </p:cNvPr>
-          <p:cNvSpPr/>
-          <p:nvPr/>
-        </p:nvSpPr>
-        <p:spPr>
-          <a:xfrm>
-            <a:off x="7176071" y="4076045"/>
-            <a:ext cx="2130822" cy="608349"/>
-          </a:xfrm>
-          <a:prstGeom prst="rect">
-            <a:avLst/>
-          </a:prstGeom>
-        </p:spPr>
-        <p:style>
-          <a:lnRef idx="2">
-            <a:schemeClr val="accent1">
-              <a:shade val="50000"/>
-            </a:schemeClr>
-          </a:lnRef>
-          <a:fillRef idx="1">
-            <a:schemeClr val="accent1"/>
-          </a:fillRef>
-          <a:effectRef idx="0">
-            <a:schemeClr val="accent1"/>
-          </a:effectRef>
-          <a:fontRef idx="minor">
-            <a:schemeClr val="lt1"/>
-          </a:fontRef>
-        </p:style>
-        <p:txBody>
-          <a:bodyPr rtlCol="0" anchor="ctr"/>
-          <a:lstStyle/>
-          <a:p>
-            <a:pPr algn="ctr"/>
-            <a:r>
-              <a:rPr lang="en-US" sz="1400" dirty="0"/>
-              <a:t>Custom response</a:t>
-            </a:r>
-          </a:p>
-        </p:txBody>
-      </p:sp>
-      <p:sp>
-        <p:nvSpPr>
-          <p:cNvPr id="49" name="Rectangle 48">
-            <a:extLst>
-              <a:ext uri="{FF2B5EF4-FFF2-40B4-BE49-F238E27FC236}">
-                <a16:creationId xmlns:a16="http://schemas.microsoft.com/office/drawing/2014/main" id="{147ED30B-4E22-4620-9F37-9F189443496A}"/>
-              </a:ext>
-            </a:extLst>
-          </p:cNvPr>
-          <p:cNvSpPr/>
-          <p:nvPr/>
-        </p:nvSpPr>
-        <p:spPr>
-          <a:xfrm>
-            <a:off x="7176071" y="4794238"/>
-            <a:ext cx="2130822" cy="608349"/>
-          </a:xfrm>
-          <a:prstGeom prst="rect">
-            <a:avLst/>
-          </a:prstGeom>
-        </p:spPr>
-        <p:style>
-          <a:lnRef idx="2">
-            <a:schemeClr val="accent1">
-              <a:shade val="50000"/>
-            </a:schemeClr>
-          </a:lnRef>
-          <a:fillRef idx="1">
-            <a:schemeClr val="accent1"/>
-          </a:fillRef>
-          <a:effectRef idx="0">
-            <a:schemeClr val="accent1"/>
-          </a:effectRef>
-          <a:fontRef idx="minor">
-            <a:schemeClr val="lt1"/>
-          </a:fontRef>
-        </p:style>
-        <p:txBody>
-          <a:bodyPr rtlCol="0" anchor="ctr"/>
-          <a:lstStyle/>
-          <a:p>
-            <a:pPr algn="ctr"/>
-            <a:r>
-              <a:rPr lang="en-US" sz="1400" dirty="0"/>
-              <a:t>NLP Engine </a:t>
-            </a:r>
-          </a:p>
-        </p:txBody>
-      </p:sp>
-      <p:sp>
-        <p:nvSpPr>
           <p:cNvPr id="51" name="Rectangle 50">
             <a:extLst>
               <a:ext uri="{FF2B5EF4-FFF2-40B4-BE49-F238E27FC236}">
@@ -14204,8 +13855,8 @@
         </p:nvSpPr>
         <p:spPr>
           <a:xfrm>
-            <a:off x="5082234" y="5722587"/>
-            <a:ext cx="2130822" cy="608349"/>
+            <a:off x="5534791" y="4056462"/>
+            <a:ext cx="2378990" cy="608349"/>
           </a:xfrm>
           <a:prstGeom prst="rect">
             <a:avLst/>
@@ -14243,218 +13894,6 @@
           </a:p>
         </p:txBody>
       </p:sp>
-      <p:cxnSp>
-        <p:nvCxnSpPr>
-          <p:cNvPr id="32" name="Straight Arrow Connector 31">
-            <a:extLst>
-              <a:ext uri="{FF2B5EF4-FFF2-40B4-BE49-F238E27FC236}">
-                <a16:creationId xmlns:a16="http://schemas.microsoft.com/office/drawing/2014/main" id="{41545492-2650-4A4A-8237-3A2C52CC1264}"/>
-              </a:ext>
-            </a:extLst>
-          </p:cNvPr>
-          <p:cNvCxnSpPr>
-            <a:stCxn id="47" idx="2"/>
-            <a:endCxn id="48" idx="0"/>
-          </p:cNvCxnSpPr>
-          <p:nvPr/>
-        </p:nvCxnSpPr>
-        <p:spPr>
-          <a:xfrm>
-            <a:off x="6724286" y="3607034"/>
-            <a:ext cx="1517196" cy="469011"/>
-          </a:xfrm>
-          <a:prstGeom prst="straightConnector1">
-            <a:avLst/>
-          </a:prstGeom>
-          <a:ln>
-            <a:tailEnd type="triangle"/>
-          </a:ln>
-        </p:spPr>
-        <p:style>
-          <a:lnRef idx="1">
-            <a:schemeClr val="accent1"/>
-          </a:lnRef>
-          <a:fillRef idx="0">
-            <a:schemeClr val="accent1"/>
-          </a:fillRef>
-          <a:effectRef idx="0">
-            <a:schemeClr val="accent1"/>
-          </a:effectRef>
-          <a:fontRef idx="minor">
-            <a:schemeClr val="tx1"/>
-          </a:fontRef>
-        </p:style>
-      </p:cxnSp>
-      <p:cxnSp>
-        <p:nvCxnSpPr>
-          <p:cNvPr id="34" name="Straight Arrow Connector 33">
-            <a:extLst>
-              <a:ext uri="{FF2B5EF4-FFF2-40B4-BE49-F238E27FC236}">
-                <a16:creationId xmlns:a16="http://schemas.microsoft.com/office/drawing/2014/main" id="{CF208EFF-24A5-490F-A07A-A12BAF9106AF}"/>
-              </a:ext>
-            </a:extLst>
-          </p:cNvPr>
-          <p:cNvCxnSpPr>
-            <a:cxnSpLocks/>
-            <a:stCxn id="47" idx="2"/>
-            <a:endCxn id="30" idx="0"/>
-          </p:cNvCxnSpPr>
-          <p:nvPr/>
-        </p:nvCxnSpPr>
-        <p:spPr>
-          <a:xfrm flipH="1">
-            <a:off x="4870655" y="3607034"/>
-            <a:ext cx="1853631" cy="698233"/>
-          </a:xfrm>
-          <a:prstGeom prst="straightConnector1">
-            <a:avLst/>
-          </a:prstGeom>
-          <a:ln>
-            <a:tailEnd type="triangle"/>
-          </a:ln>
-        </p:spPr>
-        <p:style>
-          <a:lnRef idx="1">
-            <a:schemeClr val="accent1"/>
-          </a:lnRef>
-          <a:fillRef idx="0">
-            <a:schemeClr val="accent1"/>
-          </a:fillRef>
-          <a:effectRef idx="0">
-            <a:schemeClr val="accent1"/>
-          </a:effectRef>
-          <a:fontRef idx="minor">
-            <a:schemeClr val="tx1"/>
-          </a:fontRef>
-        </p:style>
-      </p:cxnSp>
-      <p:cxnSp>
-        <p:nvCxnSpPr>
-          <p:cNvPr id="37" name="Straight Arrow Connector 36">
-            <a:extLst>
-              <a:ext uri="{FF2B5EF4-FFF2-40B4-BE49-F238E27FC236}">
-                <a16:creationId xmlns:a16="http://schemas.microsoft.com/office/drawing/2014/main" id="{6B009969-2743-4B40-8CB7-D1E341238B49}"/>
-              </a:ext>
-            </a:extLst>
-          </p:cNvPr>
-          <p:cNvCxnSpPr>
-            <a:stCxn id="48" idx="2"/>
-            <a:endCxn id="49" idx="0"/>
-          </p:cNvCxnSpPr>
-          <p:nvPr/>
-        </p:nvCxnSpPr>
-        <p:spPr>
-          <a:xfrm>
-            <a:off x="8241482" y="4684394"/>
-            <a:ext cx="0" cy="109844"/>
-          </a:xfrm>
-          <a:prstGeom prst="straightConnector1">
-            <a:avLst/>
-          </a:prstGeom>
-          <a:ln>
-            <a:tailEnd type="triangle"/>
-          </a:ln>
-        </p:spPr>
-        <p:style>
-          <a:lnRef idx="1">
-            <a:schemeClr val="accent1"/>
-          </a:lnRef>
-          <a:fillRef idx="0">
-            <a:schemeClr val="accent1"/>
-          </a:fillRef>
-          <a:effectRef idx="0">
-            <a:schemeClr val="accent1"/>
-          </a:effectRef>
-          <a:fontRef idx="minor">
-            <a:schemeClr val="tx1"/>
-          </a:fontRef>
-        </p:style>
-      </p:cxnSp>
-      <p:cxnSp>
-        <p:nvCxnSpPr>
-          <p:cNvPr id="40" name="Straight Arrow Connector 39">
-            <a:extLst>
-              <a:ext uri="{FF2B5EF4-FFF2-40B4-BE49-F238E27FC236}">
-                <a16:creationId xmlns:a16="http://schemas.microsoft.com/office/drawing/2014/main" id="{2814BDDA-9396-4167-AF95-369C111C5AAB}"/>
-              </a:ext>
-            </a:extLst>
-          </p:cNvPr>
-          <p:cNvCxnSpPr>
-            <a:cxnSpLocks/>
-            <a:stCxn id="49" idx="2"/>
-            <a:endCxn id="51" idx="0"/>
-          </p:cNvCxnSpPr>
-          <p:nvPr/>
-        </p:nvCxnSpPr>
-        <p:spPr>
-          <a:xfrm flipH="1">
-            <a:off x="6147645" y="5402587"/>
-            <a:ext cx="2093837" cy="320000"/>
-          </a:xfrm>
-          <a:prstGeom prst="straightConnector1">
-            <a:avLst/>
-          </a:prstGeom>
-          <a:ln>
-            <a:tailEnd type="triangle"/>
-          </a:ln>
-        </p:spPr>
-        <p:style>
-          <a:lnRef idx="1">
-            <a:schemeClr val="accent1"/>
-          </a:lnRef>
-          <a:fillRef idx="0">
-            <a:schemeClr val="accent1"/>
-          </a:fillRef>
-          <a:effectRef idx="0">
-            <a:schemeClr val="accent1"/>
-          </a:effectRef>
-          <a:fontRef idx="minor">
-            <a:schemeClr val="tx1"/>
-          </a:fontRef>
-        </p:style>
-      </p:cxnSp>
-      <p:cxnSp>
-        <p:nvCxnSpPr>
-          <p:cNvPr id="44" name="Straight Arrow Connector 43">
-            <a:extLst>
-              <a:ext uri="{FF2B5EF4-FFF2-40B4-BE49-F238E27FC236}">
-                <a16:creationId xmlns:a16="http://schemas.microsoft.com/office/drawing/2014/main" id="{68A1B498-3943-41DA-9AFC-F00C1C6E1F1D}"/>
-              </a:ext>
-            </a:extLst>
-          </p:cNvPr>
-          <p:cNvCxnSpPr>
-            <a:stCxn id="30" idx="2"/>
-            <a:endCxn id="51" idx="0"/>
-          </p:cNvCxnSpPr>
-          <p:nvPr/>
-        </p:nvCxnSpPr>
-        <p:spPr>
-          <a:xfrm>
-            <a:off x="4870655" y="4913616"/>
-            <a:ext cx="1276990" cy="808971"/>
-          </a:xfrm>
-          <a:prstGeom prst="straightConnector1">
-            <a:avLst/>
-          </a:prstGeom>
-          <a:ln>
-            <a:tailEnd type="triangle"/>
-          </a:ln>
-        </p:spPr>
-        <p:style>
-          <a:lnRef idx="1">
-            <a:schemeClr val="accent1"/>
-          </a:lnRef>
-          <a:fillRef idx="0">
-            <a:schemeClr val="accent1"/>
-          </a:fillRef>
-          <a:effectRef idx="0">
-            <a:schemeClr val="accent1"/>
-          </a:effectRef>
-          <a:fontRef idx="minor">
-            <a:schemeClr val="tx1"/>
-          </a:fontRef>
-        </p:style>
-      </p:cxnSp>
       <p:sp>
         <p:nvSpPr>
           <p:cNvPr id="64" name="Rectangle 63">
@@ -14469,8 +13908,8 @@
         </p:nvSpPr>
         <p:spPr>
           <a:xfrm>
-            <a:off x="7795411" y="5722589"/>
-            <a:ext cx="2130822" cy="608349"/>
+            <a:off x="5534791" y="5418413"/>
+            <a:ext cx="2378990" cy="608349"/>
           </a:xfrm>
           <a:prstGeom prst="rect">
             <a:avLst/>
@@ -14504,48 +13943,6 @@
           </a:p>
         </p:txBody>
       </p:sp>
-      <p:cxnSp>
-        <p:nvCxnSpPr>
-          <p:cNvPr id="58" name="Straight Arrow Connector 57">
-            <a:extLst>
-              <a:ext uri="{FF2B5EF4-FFF2-40B4-BE49-F238E27FC236}">
-                <a16:creationId xmlns:a16="http://schemas.microsoft.com/office/drawing/2014/main" id="{FECD7B19-C9D7-4CD3-A526-88118EF9768D}"/>
-              </a:ext>
-            </a:extLst>
-          </p:cNvPr>
-          <p:cNvCxnSpPr>
-            <a:stCxn id="51" idx="3"/>
-            <a:endCxn id="64" idx="1"/>
-          </p:cNvCxnSpPr>
-          <p:nvPr/>
-        </p:nvCxnSpPr>
-        <p:spPr>
-          <a:xfrm>
-            <a:off x="7213056" y="6026762"/>
-            <a:ext cx="582355" cy="2"/>
-          </a:xfrm>
-          <a:prstGeom prst="straightConnector1">
-            <a:avLst/>
-          </a:prstGeom>
-          <a:ln>
-            <a:tailEnd type="triangle"/>
-          </a:ln>
-        </p:spPr>
-        <p:style>
-          <a:lnRef idx="1">
-            <a:schemeClr val="accent1"/>
-          </a:lnRef>
-          <a:fillRef idx="0">
-            <a:schemeClr val="accent1"/>
-          </a:fillRef>
-          <a:effectRef idx="0">
-            <a:schemeClr val="accent1"/>
-          </a:effectRef>
-          <a:fontRef idx="minor">
-            <a:schemeClr val="tx1"/>
-          </a:fontRef>
-        </p:style>
-      </p:cxnSp>
       <p:sp>
         <p:nvSpPr>
           <p:cNvPr id="69" name="Oval 68">
@@ -14560,7 +13957,7 @@
         </p:nvSpPr>
         <p:spPr>
           <a:xfrm>
-            <a:off x="10365589" y="5754308"/>
+            <a:off x="8954039" y="5481854"/>
             <a:ext cx="845283" cy="544909"/>
           </a:xfrm>
           <a:prstGeom prst="ellipse">
@@ -14606,15 +14003,99 @@
             </a:extLst>
           </p:cNvPr>
           <p:cNvCxnSpPr>
+            <a:cxnSpLocks/>
             <a:stCxn id="64" idx="3"/>
             <a:endCxn id="69" idx="2"/>
           </p:cNvCxnSpPr>
           <p:nvPr/>
         </p:nvCxnSpPr>
         <p:spPr>
-          <a:xfrm flipV="1">
-            <a:off x="9926233" y="6026763"/>
-            <a:ext cx="439356" cy="1"/>
+          <a:xfrm>
+            <a:off x="7913781" y="5722588"/>
+            <a:ext cx="1040258" cy="31721"/>
+          </a:xfrm>
+          <a:prstGeom prst="straightConnector1">
+            <a:avLst/>
+          </a:prstGeom>
+          <a:ln>
+            <a:tailEnd type="triangle"/>
+          </a:ln>
+        </p:spPr>
+        <p:style>
+          <a:lnRef idx="1">
+            <a:schemeClr val="accent1"/>
+          </a:lnRef>
+          <a:fillRef idx="0">
+            <a:schemeClr val="accent1"/>
+          </a:fillRef>
+          <a:effectRef idx="0">
+            <a:schemeClr val="accent1"/>
+          </a:effectRef>
+          <a:fontRef idx="minor">
+            <a:schemeClr val="tx1"/>
+          </a:fontRef>
+        </p:style>
+      </p:cxnSp>
+      <p:cxnSp>
+        <p:nvCxnSpPr>
+          <p:cNvPr id="31" name="Straight Arrow Connector 30">
+            <a:extLst>
+              <a:ext uri="{FF2B5EF4-FFF2-40B4-BE49-F238E27FC236}">
+                <a16:creationId xmlns:a16="http://schemas.microsoft.com/office/drawing/2014/main" id="{DF815A6E-F266-448F-9756-BF4F20DA5D78}"/>
+              </a:ext>
+            </a:extLst>
+          </p:cNvPr>
+          <p:cNvCxnSpPr>
+            <a:cxnSpLocks/>
+            <a:endCxn id="51" idx="0"/>
+          </p:cNvCxnSpPr>
+          <p:nvPr/>
+        </p:nvCxnSpPr>
+        <p:spPr>
+          <a:xfrm flipH="1">
+            <a:off x="6724286" y="2791649"/>
+            <a:ext cx="5714" cy="1264813"/>
+          </a:xfrm>
+          <a:prstGeom prst="straightConnector1">
+            <a:avLst/>
+          </a:prstGeom>
+          <a:ln>
+            <a:tailEnd type="triangle"/>
+          </a:ln>
+        </p:spPr>
+        <p:style>
+          <a:lnRef idx="1">
+            <a:schemeClr val="accent1"/>
+          </a:lnRef>
+          <a:fillRef idx="0">
+            <a:schemeClr val="accent1"/>
+          </a:fillRef>
+          <a:effectRef idx="0">
+            <a:schemeClr val="accent1"/>
+          </a:effectRef>
+          <a:fontRef idx="minor">
+            <a:schemeClr val="tx1"/>
+          </a:fontRef>
+        </p:style>
+      </p:cxnSp>
+      <p:cxnSp>
+        <p:nvCxnSpPr>
+          <p:cNvPr id="39" name="Straight Arrow Connector 38">
+            <a:extLst>
+              <a:ext uri="{FF2B5EF4-FFF2-40B4-BE49-F238E27FC236}">
+                <a16:creationId xmlns:a16="http://schemas.microsoft.com/office/drawing/2014/main" id="{449CCCEB-80C8-4E67-81E1-E6C0981A31CF}"/>
+              </a:ext>
+            </a:extLst>
+          </p:cNvPr>
+          <p:cNvCxnSpPr>
+            <a:cxnSpLocks/>
+          </p:cNvCxnSpPr>
+          <p:nvPr/>
+        </p:nvCxnSpPr>
+        <p:spPr>
+          <a:xfrm>
+            <a:off x="6724285" y="4664811"/>
+            <a:ext cx="0" cy="759445"/>
           </a:xfrm>
           <a:prstGeom prst="straightConnector1">
             <a:avLst/>
@@ -14678,13 +14159,13 @@
       </p:grpSpPr>
       <p:sp>
         <p:nvSpPr>
-          <p:cNvPr id="9" name="Rectangle 8">
+          <p:cNvPr id="16" name="Down Arrow 7">
             <a:extLst>
               <a:ext uri="{FF2B5EF4-FFF2-40B4-BE49-F238E27FC236}">
-                <a16:creationId xmlns:a16="http://schemas.microsoft.com/office/drawing/2014/main" id="{823AC064-BC96-4F32-8AE1-B2FD38754823}"/>
+                <a16:creationId xmlns:a16="http://schemas.microsoft.com/office/drawing/2014/main" id="{D4771268-CB57-404A-9271-370EB28F6090}"/>
               </a:ext>
               <a:ext uri="{C183D7F6-B498-43B3-948B-1728B52AA6E4}">
-                <adec:decorative xmlns="" xmlns:adec="http://schemas.microsoft.com/office/drawing/2017/decorative" val="1"/>
+                <adec:decorative xmlns:adec="http://schemas.microsoft.com/office/drawing/2017/decorative" val="1"/>
               </a:ext>
             </a:extLst>
           </p:cNvPr>
@@ -14699,21 +14180,22 @@
             </p:extLst>
           </p:nvPr>
         </p:nvSpPr>
-        <p:spPr bwMode="ltGray">
-          <a:xfrm>
-            <a:off x="378068" y="343486"/>
-            <a:ext cx="11438793" cy="1844256"/>
+        <p:spPr>
+          <a:xfrm rot="16200000">
+            <a:off x="800100" y="1491343"/>
+            <a:ext cx="3333749" cy="3499103"/>
           </a:xfrm>
-          <a:prstGeom prst="rect">
-            <a:avLst/>
+          <a:prstGeom prst="downArrow">
+            <a:avLst>
+              <a:gd name="adj1" fmla="val 100000"/>
+              <a:gd name="adj2" fmla="val 15788"/>
+            </a:avLst>
           </a:prstGeom>
           <a:solidFill>
             <a:srgbClr val="404040"/>
           </a:solidFill>
-          <a:ln w="127000" cap="sq" cmpd="thinThick">
-            <a:solidFill>
-              <a:srgbClr val="404040"/>
-            </a:solidFill>
+          <a:ln w="53975">
+            <a:noFill/>
           </a:ln>
         </p:spPr>
         <p:style>
@@ -14736,37 +14218,8 @@
           <a:bodyPr rtlCol="0" anchor="ctr"/>
           <a:lstStyle/>
           <a:p>
-            <a:pPr marL="0" marR="0" lvl="0" indent="0" algn="ctr" defTabSz="914400" rtl="0" eaLnBrk="1" fontAlgn="auto" latinLnBrk="0" hangingPunct="1">
-              <a:lnSpc>
-                <a:spcPct val="100000"/>
-              </a:lnSpc>
-              <a:spcBef>
-                <a:spcPts val="0"/>
-              </a:spcBef>
-              <a:spcAft>
-                <a:spcPts val="0"/>
-              </a:spcAft>
-              <a:buClrTx/>
-              <a:buSzTx/>
-              <a:buFontTx/>
-              <a:buNone/>
-              <a:tabLst/>
-              <a:defRPr/>
-            </a:pPr>
-            <a:endParaRPr kumimoji="0" lang="en-US" sz="1800" b="0" i="0" u="none" strike="noStrike" kern="1200" cap="none" spc="0" normalizeH="0" baseline="0" noProof="0">
-              <a:ln>
-                <a:noFill/>
-              </a:ln>
-              <a:solidFill>
-                <a:prstClr val="white"/>
-              </a:solidFill>
-              <a:effectLst/>
-              <a:uLnTx/>
-              <a:uFillTx/>
-              <a:latin typeface="Calibri" panose="020F0502020204030204"/>
-              <a:ea typeface="+mn-ea"/>
-              <a:cs typeface="+mn-cs"/>
-            </a:endParaRPr>
+            <a:pPr algn="ctr"/>
+            <a:endParaRPr lang="en-US"/>
           </a:p>
         </p:txBody>
       </p:sp>
@@ -14788,19 +14241,20 @@
         </p:nvSpPr>
         <p:spPr>
           <a:xfrm>
-            <a:off x="526073" y="466578"/>
-            <a:ext cx="11139854" cy="930447"/>
+            <a:off x="1028700" y="1967266"/>
+            <a:ext cx="2628900" cy="2547257"/>
           </a:xfrm>
+          <a:noFill/>
         </p:spPr>
         <p:txBody>
-          <a:bodyPr vert="horz" lIns="91440" tIns="45720" rIns="91440" bIns="45720" rtlCol="0" anchor="b">
+          <a:bodyPr vert="horz" lIns="91440" tIns="45720" rIns="91440" bIns="45720" rtlCol="0" anchor="ctr">
             <a:normAutofit/>
           </a:bodyPr>
           <a:lstStyle/>
           <a:p>
             <a:pPr algn="ctr"/>
             <a:r>
-              <a:rPr lang="en-US" sz="5400" kern="1200">
+              <a:rPr lang="en-US" sz="3600" kern="1200">
                 <a:solidFill>
                   <a:srgbClr val="FFFFFF"/>
                 </a:solidFill>
@@ -14808,69 +14262,17 @@
                 <a:ea typeface="+mj-ea"/>
                 <a:cs typeface="+mj-cs"/>
               </a:rPr>
-              <a:t>Work Plan</a:t>
+              <a:t>Work Done</a:t>
             </a:r>
           </a:p>
         </p:txBody>
       </p:sp>
-      <p:cxnSp>
-        <p:nvCxnSpPr>
-          <p:cNvPr id="11" name="Straight Connector 10">
+      <p:graphicFrame>
+        <p:nvGraphicFramePr>
+          <p:cNvPr id="3" name="Table 2">
             <a:extLst>
               <a:ext uri="{FF2B5EF4-FFF2-40B4-BE49-F238E27FC236}">
-                <a16:creationId xmlns:a16="http://schemas.microsoft.com/office/drawing/2014/main" id="{7E7C77BC-7138-40B1-A15B-20F57A494629}"/>
-              </a:ext>
-              <a:ext uri="{C183D7F6-B498-43B3-948B-1728B52AA6E4}">
-                <adec:decorative xmlns="" xmlns:adec="http://schemas.microsoft.com/office/drawing/2017/decorative" val="1"/>
-              </a:ext>
-            </a:extLst>
-          </p:cNvPr>
-          <p:cNvCxnSpPr>
-            <a:cxnSpLocks noGrp="1" noRot="1" noChangeAspect="1" noMove="1" noResize="1" noEditPoints="1" noAdjustHandles="1" noChangeArrowheads="1" noChangeShapeType="1"/>
-          </p:cNvCxnSpPr>
-          <p:nvPr>
-            <p:extLst>
-              <p:ext uri="{386F3935-93C4-4BCD-93E2-E3B085C9AB24}">
-                <p16:designElem xmlns:p16="http://schemas.microsoft.com/office/powerpoint/2015/main" val="1"/>
-              </p:ext>
-            </p:extLst>
-          </p:nvPr>
-        </p:nvCxnSpPr>
-        <p:spPr>
-          <a:xfrm>
-            <a:off x="2209800" y="1448631"/>
-            <a:ext cx="7772400" cy="0"/>
-          </a:xfrm>
-          <a:prstGeom prst="line">
-            <a:avLst/>
-          </a:prstGeom>
-          <a:ln w="22225">
-            <a:solidFill>
-              <a:srgbClr val="D9D9D9"/>
-            </a:solidFill>
-          </a:ln>
-        </p:spPr>
-        <p:style>
-          <a:lnRef idx="1">
-            <a:schemeClr val="accent1"/>
-          </a:lnRef>
-          <a:fillRef idx="0">
-            <a:schemeClr val="accent1"/>
-          </a:fillRef>
-          <a:effectRef idx="0">
-            <a:schemeClr val="accent1"/>
-          </a:effectRef>
-          <a:fontRef idx="minor">
-            <a:schemeClr val="tx1"/>
-          </a:fontRef>
-        </p:style>
-      </p:cxnSp>
-      <p:graphicFrame>
-        <p:nvGraphicFramePr>
-          <p:cNvPr id="4" name="Table 4">
-            <a:extLst>
-              <a:ext uri="{FF2B5EF4-FFF2-40B4-BE49-F238E27FC236}">
-                <a16:creationId xmlns:a16="http://schemas.microsoft.com/office/drawing/2014/main" id="{5B6BF483-AFCB-45EA-9528-0D144F5C0DA7}"/>
+                <a16:creationId xmlns:a16="http://schemas.microsoft.com/office/drawing/2014/main" id="{FF612872-B633-4E2F-AFEA-BEFAA747CB1F}"/>
               </a:ext>
             </a:extLst>
           </p:cNvPr>
@@ -14878,61 +14280,223 @@
             <a:graphicFrameLocks noGrp="1"/>
           </p:cNvGraphicFramePr>
           <p:nvPr>
-            <p:ph idx="1"/>
             <p:extLst>
               <p:ext uri="{D42A27DB-BD31-4B8C-83A1-F6EECF244321}">
-                <p14:modId xmlns:p14="http://schemas.microsoft.com/office/powerpoint/2010/main" val="3612207187"/>
+                <p14:modId xmlns:p14="http://schemas.microsoft.com/office/powerpoint/2010/main" val="3265416903"/>
               </p:ext>
             </p:extLst>
           </p:nvPr>
         </p:nvGraphicFramePr>
         <p:xfrm>
-          <a:off x="945932" y="2509911"/>
-          <a:ext cx="10245039" cy="4348089"/>
+          <a:off x="4777316" y="897391"/>
+          <a:ext cx="6780701" cy="5060890"/>
         </p:xfrm>
         <a:graphic>
           <a:graphicData uri="http://schemas.openxmlformats.org/drawingml/2006/table">
             <a:tbl>
               <a:tblPr firstRow="1" bandRow="1">
                 <a:noFill/>
-                <a:tableStyleId>{5C22544A-7EE6-4342-B048-85BDC9FD1C3A}</a:tableStyleId>
+                <a:tableStyleId>{F5AB1C69-6EDB-4FF4-983F-18BD219EF322}</a:tableStyleId>
               </a:tblPr>
               <a:tblGrid>
-                <a:gridCol w="6371837">
+                <a:gridCol w="3424299">
                   <a:extLst>
                     <a:ext uri="{9D8B030D-6E8A-4147-A177-3AD203B41FA5}">
-                      <a16:colId xmlns:a16="http://schemas.microsoft.com/office/drawing/2014/main" val="1483769162"/>
+                      <a16:colId xmlns:a16="http://schemas.microsoft.com/office/drawing/2014/main" val="3541785003"/>
                     </a:ext>
                   </a:extLst>
                 </a:gridCol>
-                <a:gridCol w="3873202">
+                <a:gridCol w="3356402">
                   <a:extLst>
                     <a:ext uri="{9D8B030D-6E8A-4147-A177-3AD203B41FA5}">
-                      <a16:colId xmlns:a16="http://schemas.microsoft.com/office/drawing/2014/main" val="2479267178"/>
+                      <a16:colId xmlns:a16="http://schemas.microsoft.com/office/drawing/2014/main" val="3523677521"/>
                     </a:ext>
                   </a:extLst>
                 </a:gridCol>
               </a:tblGrid>
-              <a:tr h="628359">
+              <a:tr h="682215">
                 <a:tc>
                   <a:txBody>
                     <a:bodyPr/>
                     <a:lstStyle/>
                     <a:p>
+                      <a:pPr marL="12700" marR="635" indent="-6350" algn="l">
+                        <a:lnSpc>
+                          <a:spcPct val="107000"/>
+                        </a:lnSpc>
+                        <a:spcBef>
+                          <a:spcPts val="0"/>
+                        </a:spcBef>
+                        <a:spcAft>
+                          <a:spcPts val="890"/>
+                        </a:spcAft>
+                      </a:pPr>
                       <a:r>
-                        <a:rPr lang="en-US" sz="2400" b="1">
+                        <a:rPr lang="en-US" sz="2000" b="0" u="none" kern="0" cap="all" spc="150" dirty="0">
                           <a:solidFill>
-                            <a:schemeClr val="tx1">
-                              <a:lumMod val="75000"/>
-                              <a:lumOff val="25000"/>
-                            </a:schemeClr>
+                            <a:schemeClr val="lt1"/>
                           </a:solidFill>
+                          <a:effectLst/>
+                          <a:uFill>
+                            <a:solidFill>
+                              <a:srgbClr val="000000"/>
+                            </a:solidFill>
+                          </a:uFill>
                         </a:rPr>
                         <a:t>Work</a:t>
                       </a:r>
+                      <a:endParaRPr lang="en-US" sz="2000" b="0" u="none" kern="0" cap="all" spc="150" dirty="0">
+                        <a:solidFill>
+                          <a:schemeClr val="lt1"/>
+                        </a:solidFill>
+                        <a:effectLst/>
+                        <a:uFill>
+                          <a:solidFill>
+                            <a:srgbClr val="000000"/>
+                          </a:solidFill>
+                        </a:uFill>
+                        <a:latin typeface="Calibri" panose="020F0502020204030204" pitchFamily="34" charset="0"/>
+                        <a:ea typeface="Times New Roman" panose="02020603050405020304" pitchFamily="18" charset="0"/>
+                        <a:cs typeface="Times New Roman" panose="02020603050405020304" pitchFamily="18" charset="0"/>
+                      </a:endParaRPr>
                     </a:p>
                   </a:txBody>
-                  <a:tcPr marL="243758" marR="182819" marT="121879" marB="121879">
+                  <a:tcPr marL="167510" marR="167510" marT="167510" marB="167510">
+                    <a:lnL w="12700" cmpd="sng">
+                      <a:noFill/>
+                    </a:lnL>
+                    <a:lnR w="12700" cmpd="sng">
+                      <a:noFill/>
+                    </a:lnR>
+                    <a:lnT w="12700" cmpd="sng">
+                      <a:noFill/>
+                    </a:lnT>
+                    <a:lnB w="38100" cmpd="sng">
+                      <a:noFill/>
+                    </a:lnB>
+                    <a:solidFill>
+                      <a:srgbClr val="505356"/>
+                    </a:solidFill>
+                  </a:tcPr>
+                </a:tc>
+                <a:tc>
+                  <a:txBody>
+                    <a:bodyPr/>
+                    <a:lstStyle/>
+                    <a:p>
+                      <a:pPr marL="12700" marR="635" indent="-6350" algn="l">
+                        <a:lnSpc>
+                          <a:spcPct val="107000"/>
+                        </a:lnSpc>
+                        <a:spcBef>
+                          <a:spcPts val="0"/>
+                        </a:spcBef>
+                        <a:spcAft>
+                          <a:spcPts val="890"/>
+                        </a:spcAft>
+                      </a:pPr>
+                      <a:r>
+                        <a:rPr lang="en-US" sz="2000" b="0" u="none" kern="0" cap="all" spc="150" dirty="0">
+                          <a:solidFill>
+                            <a:schemeClr val="lt1"/>
+                          </a:solidFill>
+                          <a:effectLst/>
+                          <a:uFill>
+                            <a:solidFill>
+                              <a:srgbClr val="000000"/>
+                            </a:solidFill>
+                          </a:uFill>
+                        </a:rPr>
+                        <a:t>Status</a:t>
+                      </a:r>
+                      <a:endParaRPr lang="en-US" sz="2000" b="0" u="none" kern="0" cap="all" spc="150" dirty="0">
+                        <a:solidFill>
+                          <a:schemeClr val="lt1"/>
+                        </a:solidFill>
+                        <a:effectLst/>
+                        <a:uFill>
+                          <a:solidFill>
+                            <a:srgbClr val="000000"/>
+                          </a:solidFill>
+                        </a:uFill>
+                        <a:latin typeface="Calibri" panose="020F0502020204030204" pitchFamily="34" charset="0"/>
+                        <a:ea typeface="Times New Roman" panose="02020603050405020304" pitchFamily="18" charset="0"/>
+                        <a:cs typeface="Times New Roman" panose="02020603050405020304" pitchFamily="18" charset="0"/>
+                      </a:endParaRPr>
+                    </a:p>
+                  </a:txBody>
+                  <a:tcPr marL="167510" marR="167510" marT="167510" marB="167510">
+                    <a:lnL w="12700" cmpd="sng">
+                      <a:noFill/>
+                    </a:lnL>
+                    <a:lnR w="12700" cmpd="sng">
+                      <a:noFill/>
+                    </a:lnR>
+                    <a:lnT w="12700" cmpd="sng">
+                      <a:noFill/>
+                    </a:lnT>
+                    <a:lnB w="38100" cmpd="sng">
+                      <a:noFill/>
+                    </a:lnB>
+                    <a:solidFill>
+                      <a:srgbClr val="505356"/>
+                    </a:solidFill>
+                  </a:tcPr>
+                </a:tc>
+                <a:extLst>
+                  <a:ext uri="{0D108BD9-81ED-4DB2-BD59-A6C34878D82A}">
+                    <a16:rowId xmlns:a16="http://schemas.microsoft.com/office/drawing/2014/main" val="3223726851"/>
+                  </a:ext>
+                </a:extLst>
+              </a:tr>
+              <a:tr h="625525">
+                <a:tc>
+                  <a:txBody>
+                    <a:bodyPr/>
+                    <a:lstStyle/>
+                    <a:p>
+                      <a:pPr marL="12700" marR="635" indent="-6350" algn="l">
+                        <a:lnSpc>
+                          <a:spcPct val="107000"/>
+                        </a:lnSpc>
+                        <a:spcBef>
+                          <a:spcPts val="0"/>
+                        </a:spcBef>
+                        <a:spcAft>
+                          <a:spcPts val="890"/>
+                        </a:spcAft>
+                      </a:pPr>
+                      <a:r>
+                        <a:rPr lang="en-US" sz="1600" u="none" strike="noStrike" kern="0" cap="none" spc="0">
+                          <a:solidFill>
+                            <a:schemeClr val="tx1"/>
+                          </a:solidFill>
+                          <a:effectLst/>
+                          <a:uFill>
+                            <a:solidFill>
+                              <a:srgbClr val="000000"/>
+                            </a:solidFill>
+                          </a:uFill>
+                        </a:rPr>
+                        <a:t>NLP engine</a:t>
+                      </a:r>
+                      <a:endParaRPr lang="en-US" sz="1600" b="1" u="sng" kern="0" cap="none" spc="0">
+                        <a:solidFill>
+                          <a:schemeClr val="tx1"/>
+                        </a:solidFill>
+                        <a:effectLst/>
+                        <a:uFill>
+                          <a:solidFill>
+                            <a:srgbClr val="000000"/>
+                          </a:solidFill>
+                        </a:uFill>
+                        <a:latin typeface="Calibri" panose="020F0502020204030204" pitchFamily="34" charset="0"/>
+                        <a:ea typeface="Times New Roman" panose="02020603050405020304" pitchFamily="18" charset="0"/>
+                        <a:cs typeface="Times New Roman" panose="02020603050405020304" pitchFamily="18" charset="0"/>
+                      </a:endParaRPr>
+                    </a:p>
+                  </a:txBody>
+                  <a:tcPr marL="167510" marR="167510" marT="167510" marB="167510">
                     <a:lnL w="12700" cmpd="sng">
                       <a:noFill/>
                       <a:prstDash val="solid"/>
@@ -14941,14 +14505,11 @@
                       <a:noFill/>
                       <a:prstDash val="solid"/>
                     </a:lnR>
-                    <a:lnT w="9525" cap="flat" cmpd="sng" algn="ctr">
+                    <a:lnT w="38100" cmpd="sng">
                       <a:noFill/>
-                      <a:prstDash val="solid"/>
                     </a:lnT>
-                    <a:lnB w="9525" cap="flat" cmpd="sng" algn="ctr">
-                      <a:solidFill>
-                        <a:srgbClr val="C7C6C1"/>
-                      </a:solidFill>
+                    <a:lnB w="12700" cmpd="sng">
+                      <a:noFill/>
                       <a:prstDash val="solid"/>
                     </a:lnB>
                     <a:noFill/>
@@ -14959,20 +14520,48 @@
                     <a:bodyPr/>
                     <a:lstStyle/>
                     <a:p>
+                      <a:pPr marL="12700" marR="635" indent="-6350" algn="l">
+                        <a:lnSpc>
+                          <a:spcPct val="107000"/>
+                        </a:lnSpc>
+                        <a:spcBef>
+                          <a:spcPts val="0"/>
+                        </a:spcBef>
+                        <a:spcAft>
+                          <a:spcPts val="890"/>
+                        </a:spcAft>
+                      </a:pPr>
                       <a:r>
-                        <a:rPr lang="en-US" sz="2400" b="1">
+                        <a:rPr lang="en-US" sz="1600" u="none" strike="noStrike" kern="0" cap="none" spc="0">
                           <a:solidFill>
-                            <a:schemeClr val="tx1">
-                              <a:lumMod val="75000"/>
-                              <a:lumOff val="25000"/>
-                            </a:schemeClr>
+                            <a:schemeClr val="tx1"/>
                           </a:solidFill>
+                          <a:effectLst/>
+                          <a:uFill>
+                            <a:solidFill>
+                              <a:srgbClr val="000000"/>
+                            </a:solidFill>
+                          </a:uFill>
                         </a:rPr>
-                        <a:t>Weeks</a:t>
+                        <a:t>✔</a:t>
                       </a:r>
+                      <a:endParaRPr lang="en-US" sz="1600" b="1" u="sng" kern="0" cap="none" spc="0">
+                        <a:solidFill>
+                          <a:schemeClr val="tx1"/>
+                        </a:solidFill>
+                        <a:effectLst/>
+                        <a:uFill>
+                          <a:solidFill>
+                            <a:srgbClr val="000000"/>
+                          </a:solidFill>
+                        </a:uFill>
+                        <a:latin typeface="Calibri" panose="020F0502020204030204" pitchFamily="34" charset="0"/>
+                        <a:ea typeface="Times New Roman" panose="02020603050405020304" pitchFamily="18" charset="0"/>
+                        <a:cs typeface="Times New Roman" panose="02020603050405020304" pitchFamily="18" charset="0"/>
+                      </a:endParaRPr>
                     </a:p>
                   </a:txBody>
-                  <a:tcPr marL="243758" marR="182819" marT="121879" marB="121879">
+                  <a:tcPr marL="167510" marR="167510" marT="167510" marB="167510">
                     <a:lnL w="12700" cmpd="sng">
                       <a:noFill/>
                       <a:prstDash val="solid"/>
@@ -14981,14 +14570,11 @@
                       <a:noFill/>
                       <a:prstDash val="solid"/>
                     </a:lnR>
-                    <a:lnT w="9525" cap="flat" cmpd="sng" algn="ctr">
+                    <a:lnT w="38100" cmpd="sng">
                       <a:noFill/>
-                      <a:prstDash val="solid"/>
                     </a:lnT>
-                    <a:lnB w="9525" cap="flat" cmpd="sng" algn="ctr">
-                      <a:solidFill>
-                        <a:srgbClr val="C7C6C1"/>
-                      </a:solidFill>
+                    <a:lnB w="12700" cmpd="sng">
+                      <a:noFill/>
                       <a:prstDash val="solid"/>
                     </a:lnB>
                     <a:noFill/>
@@ -14996,71 +14582,58 @@
                 </a:tc>
                 <a:extLst>
                   <a:ext uri="{0D108BD9-81ED-4DB2-BD59-A6C34878D82A}">
-                    <a16:rowId xmlns:a16="http://schemas.microsoft.com/office/drawing/2014/main" val="3173831505"/>
+                    <a16:rowId xmlns:a16="http://schemas.microsoft.com/office/drawing/2014/main" val="3211002844"/>
                   </a:ext>
                 </a:extLst>
               </a:tr>
-              <a:tr h="531390">
+              <a:tr h="625525">
                 <a:tc>
                   <a:txBody>
                     <a:bodyPr/>
                     <a:lstStyle/>
                     <a:p>
+                      <a:pPr marL="12700" marR="635" indent="-6350" algn="l">
+                        <a:lnSpc>
+                          <a:spcPct val="107000"/>
+                        </a:lnSpc>
+                        <a:spcBef>
+                          <a:spcPts val="0"/>
+                        </a:spcBef>
+                        <a:spcAft>
+                          <a:spcPts val="890"/>
+                        </a:spcAft>
+                      </a:pPr>
                       <a:r>
-                        <a:rPr lang="en-US" sz="1700" dirty="0">
+                        <a:rPr lang="en-US" sz="1600" u="none" strike="noStrike" kern="0" cap="none" spc="0">
                           <a:solidFill>
-                            <a:schemeClr val="tx1">
-                              <a:lumMod val="75000"/>
-                              <a:lumOff val="25000"/>
-                            </a:schemeClr>
+                            <a:schemeClr val="tx1"/>
                           </a:solidFill>
+                          <a:effectLst/>
+                          <a:uFill>
+                            <a:solidFill>
+                              <a:srgbClr val="000000"/>
+                            </a:solidFill>
+                          </a:uFill>
                         </a:rPr>
-                        <a:t>NLP </a:t>
+                        <a:t>NLP Feedback System</a:t>
                       </a:r>
-                      <a:r>
-                        <a:rPr lang="en-US" sz="1700" dirty="0" smtClean="0">
+                      <a:endParaRPr lang="en-US" sz="1600" b="1" u="sng" kern="0" cap="none" spc="0">
+                        <a:solidFill>
+                          <a:schemeClr val="tx1"/>
+                        </a:solidFill>
+                        <a:effectLst/>
+                        <a:uFill>
                           <a:solidFill>
-                            <a:schemeClr val="tx1">
-                              <a:lumMod val="75000"/>
-                              <a:lumOff val="25000"/>
-                            </a:schemeClr>
+                            <a:srgbClr val="000000"/>
                           </a:solidFill>
-                        </a:rPr>
-                        <a:t>engine(Done,</a:t>
-                      </a:r>
-                      <a:r>
-                        <a:rPr lang="en-US" sz="1700" baseline="0" dirty="0" smtClean="0">
-                          <a:solidFill>
-                            <a:schemeClr val="tx1">
-                              <a:lumMod val="75000"/>
-                              <a:lumOff val="25000"/>
-                            </a:schemeClr>
-                          </a:solidFill>
-                        </a:rPr>
-                        <a:t> improvements to continue overtime</a:t>
-                      </a:r>
-                      <a:r>
-                        <a:rPr lang="en-US" sz="1700" dirty="0" smtClean="0">
-                          <a:solidFill>
-                            <a:schemeClr val="tx1">
-                              <a:lumMod val="75000"/>
-                              <a:lumOff val="25000"/>
-                            </a:schemeClr>
-                          </a:solidFill>
-                        </a:rPr>
-                        <a:t>)</a:t>
-                      </a:r>
-                      <a:endParaRPr lang="en-US" sz="1700" dirty="0">
-                        <a:solidFill>
-                          <a:schemeClr val="tx1">
-                            <a:lumMod val="75000"/>
-                            <a:lumOff val="25000"/>
-                          </a:schemeClr>
-                        </a:solidFill>
+                        </a:uFill>
+                        <a:latin typeface="Calibri" panose="020F0502020204030204" pitchFamily="34" charset="0"/>
+                        <a:ea typeface="Times New Roman" panose="02020603050405020304" pitchFamily="18" charset="0"/>
+                        <a:cs typeface="Times New Roman" panose="02020603050405020304" pitchFamily="18" charset="0"/>
                       </a:endParaRPr>
                     </a:p>
                   </a:txBody>
-                  <a:tcPr marL="243758" marR="182819" marT="121879" marB="121879">
+                  <a:tcPr marL="167510" marR="167510" marT="167510" marB="167510">
                     <a:lnL w="12700" cmpd="sng">
                       <a:noFill/>
                       <a:prstDash val="solid"/>
@@ -15069,16 +14642,159 @@
                       <a:noFill/>
                       <a:prstDash val="solid"/>
                     </a:lnR>
-                    <a:lnT w="9525" cap="flat" cmpd="sng" algn="ctr">
-                      <a:solidFill>
-                        <a:srgbClr val="C7C6C1"/>
-                      </a:solidFill>
+                    <a:lnT w="12700" cmpd="sng">
+                      <a:noFill/>
                       <a:prstDash val="solid"/>
                     </a:lnT>
-                    <a:lnB w="9525" cap="flat" cmpd="sng" algn="ctr">
-                      <a:solidFill>
-                        <a:srgbClr val="C7C6C1"/>
-                      </a:solidFill>
+                    <a:lnB w="12700" cmpd="sng">
+                      <a:noFill/>
+                      <a:prstDash val="solid"/>
+                    </a:lnB>
+                    <a:solidFill>
+                      <a:srgbClr val="000000">
+                        <a:alpha val="7843"/>
+                      </a:srgbClr>
+                    </a:solidFill>
+                  </a:tcPr>
+                </a:tc>
+                <a:tc>
+                  <a:txBody>
+                    <a:bodyPr/>
+                    <a:lstStyle/>
+                    <a:p>
+                      <a:pPr marL="12700" marR="635" indent="-6350" algn="l">
+                        <a:lnSpc>
+                          <a:spcPct val="107000"/>
+                        </a:lnSpc>
+                        <a:spcBef>
+                          <a:spcPts val="0"/>
+                        </a:spcBef>
+                        <a:spcAft>
+                          <a:spcPts val="890"/>
+                        </a:spcAft>
+                      </a:pPr>
+                      <a:r>
+                        <a:rPr lang="en-US" sz="1600" u="none" strike="noStrike" kern="0" cap="none" spc="0">
+                          <a:solidFill>
+                            <a:schemeClr val="tx1"/>
+                          </a:solidFill>
+                          <a:effectLst/>
+                          <a:uFill>
+                            <a:solidFill>
+                              <a:srgbClr val="000000"/>
+                            </a:solidFill>
+                          </a:uFill>
+                        </a:rPr>
+                        <a:t>✔</a:t>
+                      </a:r>
+                      <a:endParaRPr lang="en-US" sz="1600" b="1" u="sng" kern="0" cap="none" spc="0">
+                        <a:solidFill>
+                          <a:schemeClr val="tx1"/>
+                        </a:solidFill>
+                        <a:effectLst/>
+                        <a:uFill>
+                          <a:solidFill>
+                            <a:srgbClr val="000000"/>
+                          </a:solidFill>
+                        </a:uFill>
+                        <a:latin typeface="Calibri" panose="020F0502020204030204" pitchFamily="34" charset="0"/>
+                        <a:ea typeface="Times New Roman" panose="02020603050405020304" pitchFamily="18" charset="0"/>
+                        <a:cs typeface="Times New Roman" panose="02020603050405020304" pitchFamily="18" charset="0"/>
+                      </a:endParaRPr>
+                    </a:p>
+                  </a:txBody>
+                  <a:tcPr marL="167510" marR="167510" marT="167510" marB="167510">
+                    <a:lnL w="12700" cmpd="sng">
+                      <a:noFill/>
+                      <a:prstDash val="solid"/>
+                    </a:lnL>
+                    <a:lnR w="12700" cmpd="sng">
+                      <a:noFill/>
+                      <a:prstDash val="solid"/>
+                    </a:lnR>
+                    <a:lnT w="12700" cmpd="sng">
+                      <a:noFill/>
+                      <a:prstDash val="solid"/>
+                    </a:lnT>
+                    <a:lnB w="12700" cmpd="sng">
+                      <a:noFill/>
+                      <a:prstDash val="solid"/>
+                    </a:lnB>
+                    <a:solidFill>
+                      <a:srgbClr val="000000">
+                        <a:alpha val="7843"/>
+                      </a:srgbClr>
+                    </a:solidFill>
+                  </a:tcPr>
+                </a:tc>
+                <a:extLst>
+                  <a:ext uri="{0D108BD9-81ED-4DB2-BD59-A6C34878D82A}">
+                    <a16:rowId xmlns:a16="http://schemas.microsoft.com/office/drawing/2014/main" val="2957986143"/>
+                  </a:ext>
+                </a:extLst>
+              </a:tr>
+              <a:tr h="625525">
+                <a:tc>
+                  <a:txBody>
+                    <a:bodyPr/>
+                    <a:lstStyle/>
+                    <a:p>
+                      <a:pPr marL="12700" marR="635" indent="-6350" algn="l">
+                        <a:lnSpc>
+                          <a:spcPct val="107000"/>
+                        </a:lnSpc>
+                        <a:spcBef>
+                          <a:spcPts val="0"/>
+                        </a:spcBef>
+                        <a:spcAft>
+                          <a:spcPts val="890"/>
+                        </a:spcAft>
+                      </a:pPr>
+                      <a:r>
+                        <a:rPr lang="en-US" sz="1600" u="none" strike="noStrike" kern="0" cap="none" spc="0">
+                          <a:solidFill>
+                            <a:schemeClr val="tx1"/>
+                          </a:solidFill>
+                          <a:effectLst/>
+                          <a:uFill>
+                            <a:solidFill>
+                              <a:srgbClr val="000000"/>
+                            </a:solidFill>
+                          </a:uFill>
+                        </a:rPr>
+                        <a:t>Web Panels</a:t>
+                      </a:r>
+                      <a:endParaRPr lang="en-US" sz="1600" b="1" u="sng" kern="0" cap="none" spc="0">
+                        <a:solidFill>
+                          <a:schemeClr val="tx1"/>
+                        </a:solidFill>
+                        <a:effectLst/>
+                        <a:uFill>
+                          <a:solidFill>
+                            <a:srgbClr val="000000"/>
+                          </a:solidFill>
+                        </a:uFill>
+                        <a:latin typeface="Calibri" panose="020F0502020204030204" pitchFamily="34" charset="0"/>
+                        <a:ea typeface="Times New Roman" panose="02020603050405020304" pitchFamily="18" charset="0"/>
+                        <a:cs typeface="Times New Roman" panose="02020603050405020304" pitchFamily="18" charset="0"/>
+                      </a:endParaRPr>
+                    </a:p>
+                  </a:txBody>
+                  <a:tcPr marL="167510" marR="167510" marT="167510" marB="167510">
+                    <a:lnL w="12700" cmpd="sng">
+                      <a:noFill/>
+                      <a:prstDash val="solid"/>
+                    </a:lnL>
+                    <a:lnR w="12700" cmpd="sng">
+                      <a:noFill/>
+                      <a:prstDash val="solid"/>
+                    </a:lnR>
+                    <a:lnT w="12700" cmpd="sng">
+                      <a:noFill/>
+                      <a:prstDash val="solid"/>
+                    </a:lnT>
+                    <a:lnB w="12700" cmpd="sng">
+                      <a:noFill/>
                       <a:prstDash val="solid"/>
                     </a:lnB>
                     <a:noFill/>
@@ -15089,20 +14805,48 @@
                     <a:bodyPr/>
                     <a:lstStyle/>
                     <a:p>
+                      <a:pPr marL="12700" marR="635" indent="-6350" algn="l">
+                        <a:lnSpc>
+                          <a:spcPct val="107000"/>
+                        </a:lnSpc>
+                        <a:spcBef>
+                          <a:spcPts val="0"/>
+                        </a:spcBef>
+                        <a:spcAft>
+                          <a:spcPts val="890"/>
+                        </a:spcAft>
+                      </a:pPr>
                       <a:r>
-                        <a:rPr lang="en-US" sz="1700" dirty="0">
+                        <a:rPr lang="en-US" sz="1600" u="none" strike="noStrike" kern="0" cap="none" spc="0">
                           <a:solidFill>
-                            <a:schemeClr val="tx1">
-                              <a:lumMod val="75000"/>
-                              <a:lumOff val="25000"/>
-                            </a:schemeClr>
+                            <a:schemeClr val="tx1"/>
                           </a:solidFill>
+                          <a:effectLst/>
+                          <a:uFill>
+                            <a:solidFill>
+                              <a:srgbClr val="000000"/>
+                            </a:solidFill>
+                          </a:uFill>
                         </a:rPr>
-                        <a:t>3 Weeks</a:t>
+                        <a:t>✔</a:t>
                       </a:r>
+                      <a:endParaRPr lang="en-US" sz="1600" b="1" u="sng" kern="0" cap="none" spc="0">
+                        <a:solidFill>
+                          <a:schemeClr val="tx1"/>
+                        </a:solidFill>
+                        <a:effectLst/>
+                        <a:uFill>
+                          <a:solidFill>
+                            <a:srgbClr val="000000"/>
+                          </a:solidFill>
+                        </a:uFill>
+                        <a:latin typeface="Calibri" panose="020F0502020204030204" pitchFamily="34" charset="0"/>
+                        <a:ea typeface="Times New Roman" panose="02020603050405020304" pitchFamily="18" charset="0"/>
+                        <a:cs typeface="Times New Roman" panose="02020603050405020304" pitchFamily="18" charset="0"/>
+                      </a:endParaRPr>
                     </a:p>
                   </a:txBody>
-                  <a:tcPr marL="243758" marR="182819" marT="121879" marB="121879">
+                  <a:tcPr marL="167510" marR="167510" marT="167510" marB="167510">
                     <a:lnL w="12700" cmpd="sng">
                       <a:noFill/>
                       <a:prstDash val="solid"/>
@@ -15111,16 +14855,12 @@
                       <a:noFill/>
                       <a:prstDash val="solid"/>
                     </a:lnR>
-                    <a:lnT w="9525" cap="flat" cmpd="sng" algn="ctr">
-                      <a:solidFill>
-                        <a:srgbClr val="C7C6C1"/>
-                      </a:solidFill>
+                    <a:lnT w="12700" cmpd="sng">
+                      <a:noFill/>
                       <a:prstDash val="solid"/>
                     </a:lnT>
-                    <a:lnB w="9525" cap="flat" cmpd="sng" algn="ctr">
-                      <a:solidFill>
-                        <a:srgbClr val="C7C6C1"/>
-                      </a:solidFill>
+                    <a:lnB w="12700" cmpd="sng">
+                      <a:noFill/>
                       <a:prstDash val="solid"/>
                     </a:lnB>
                     <a:noFill/>
@@ -15128,49 +14868,58 @@
                 </a:tc>
                 <a:extLst>
                   <a:ext uri="{0D108BD9-81ED-4DB2-BD59-A6C34878D82A}">
-                    <a16:rowId xmlns:a16="http://schemas.microsoft.com/office/drawing/2014/main" val="1777094567"/>
+                    <a16:rowId xmlns:a16="http://schemas.microsoft.com/office/drawing/2014/main" val="971853667"/>
                   </a:ext>
                 </a:extLst>
               </a:tr>
-              <a:tr h="531390">
+              <a:tr h="625525">
                 <a:tc>
                   <a:txBody>
                     <a:bodyPr/>
                     <a:lstStyle/>
                     <a:p>
+                      <a:pPr marL="12700" marR="635" indent="-6350" algn="l">
+                        <a:lnSpc>
+                          <a:spcPct val="107000"/>
+                        </a:lnSpc>
+                        <a:spcBef>
+                          <a:spcPts val="0"/>
+                        </a:spcBef>
+                        <a:spcAft>
+                          <a:spcPts val="890"/>
+                        </a:spcAft>
+                      </a:pPr>
                       <a:r>
-                        <a:rPr lang="en-US" sz="1700" dirty="0">
+                        <a:rPr lang="en-US" sz="1600" u="none" strike="noStrike" kern="0" cap="none" spc="0">
                           <a:solidFill>
-                            <a:schemeClr val="tx1">
-                              <a:lumMod val="75000"/>
-                              <a:lumOff val="25000"/>
-                            </a:schemeClr>
+                            <a:schemeClr val="tx1"/>
                           </a:solidFill>
+                          <a:effectLst/>
+                          <a:uFill>
+                            <a:solidFill>
+                              <a:srgbClr val="000000"/>
+                            </a:solidFill>
+                          </a:uFill>
                         </a:rPr>
-                        <a:t>NLP Feedback  </a:t>
+                        <a:t>Mobile Applications</a:t>
                       </a:r>
-                      <a:r>
-                        <a:rPr lang="en-US" sz="1700" dirty="0" smtClean="0">
+                      <a:endParaRPr lang="en-US" sz="1600" b="1" u="sng" kern="0" cap="none" spc="0">
+                        <a:solidFill>
+                          <a:schemeClr val="tx1"/>
+                        </a:solidFill>
+                        <a:effectLst/>
+                        <a:uFill>
                           <a:solidFill>
-                            <a:schemeClr val="tx1">
-                              <a:lumMod val="75000"/>
-                              <a:lumOff val="25000"/>
-                            </a:schemeClr>
+                            <a:srgbClr val="000000"/>
                           </a:solidFill>
-                        </a:rPr>
-                        <a:t>System(backend built)</a:t>
-                      </a:r>
-                      <a:endParaRPr lang="en-US" sz="1700" dirty="0">
-                        <a:solidFill>
-                          <a:schemeClr val="tx1">
-                            <a:lumMod val="75000"/>
-                            <a:lumOff val="25000"/>
-                          </a:schemeClr>
-                        </a:solidFill>
+                        </a:uFill>
+                        <a:latin typeface="Calibri" panose="020F0502020204030204" pitchFamily="34" charset="0"/>
+                        <a:ea typeface="Times New Roman" panose="02020603050405020304" pitchFamily="18" charset="0"/>
+                        <a:cs typeface="Times New Roman" panose="02020603050405020304" pitchFamily="18" charset="0"/>
                       </a:endParaRPr>
                     </a:p>
                   </a:txBody>
-                  <a:tcPr marL="243758" marR="182819" marT="121879" marB="121879">
+                  <a:tcPr marL="167510" marR="167510" marT="167510" marB="167510">
                     <a:lnL w="12700" cmpd="sng">
                       <a:noFill/>
                       <a:prstDash val="solid"/>
@@ -15179,16 +14928,159 @@
                       <a:noFill/>
                       <a:prstDash val="solid"/>
                     </a:lnR>
-                    <a:lnT w="9525" cap="flat" cmpd="sng" algn="ctr">
-                      <a:solidFill>
-                        <a:srgbClr val="C7C6C1"/>
-                      </a:solidFill>
+                    <a:lnT w="12700" cmpd="sng">
+                      <a:noFill/>
                       <a:prstDash val="solid"/>
                     </a:lnT>
-                    <a:lnB w="9525" cap="flat" cmpd="sng" algn="ctr">
-                      <a:solidFill>
-                        <a:srgbClr val="C7C6C1"/>
-                      </a:solidFill>
+                    <a:lnB w="12700" cmpd="sng">
+                      <a:noFill/>
+                      <a:prstDash val="solid"/>
+                    </a:lnB>
+                    <a:solidFill>
+                      <a:srgbClr val="000000">
+                        <a:alpha val="7843"/>
+                      </a:srgbClr>
+                    </a:solidFill>
+                  </a:tcPr>
+                </a:tc>
+                <a:tc>
+                  <a:txBody>
+                    <a:bodyPr/>
+                    <a:lstStyle/>
+                    <a:p>
+                      <a:pPr marL="12700" marR="635" indent="-6350" algn="l">
+                        <a:lnSpc>
+                          <a:spcPct val="107000"/>
+                        </a:lnSpc>
+                        <a:spcBef>
+                          <a:spcPts val="0"/>
+                        </a:spcBef>
+                        <a:spcAft>
+                          <a:spcPts val="890"/>
+                        </a:spcAft>
+                      </a:pPr>
+                      <a:r>
+                        <a:rPr lang="en-US" sz="1600" u="none" strike="noStrike" kern="0" cap="none" spc="0">
+                          <a:solidFill>
+                            <a:schemeClr val="tx1"/>
+                          </a:solidFill>
+                          <a:effectLst/>
+                          <a:uFill>
+                            <a:solidFill>
+                              <a:srgbClr val="000000"/>
+                            </a:solidFill>
+                          </a:uFill>
+                        </a:rPr>
+                        <a:t>✔</a:t>
+                      </a:r>
+                      <a:endParaRPr lang="en-US" sz="1600" b="1" u="sng" kern="0" cap="none" spc="0">
+                        <a:solidFill>
+                          <a:schemeClr val="tx1"/>
+                        </a:solidFill>
+                        <a:effectLst/>
+                        <a:uFill>
+                          <a:solidFill>
+                            <a:srgbClr val="000000"/>
+                          </a:solidFill>
+                        </a:uFill>
+                        <a:latin typeface="Calibri" panose="020F0502020204030204" pitchFamily="34" charset="0"/>
+                        <a:ea typeface="Times New Roman" panose="02020603050405020304" pitchFamily="18" charset="0"/>
+                        <a:cs typeface="Times New Roman" panose="02020603050405020304" pitchFamily="18" charset="0"/>
+                      </a:endParaRPr>
+                    </a:p>
+                  </a:txBody>
+                  <a:tcPr marL="167510" marR="167510" marT="167510" marB="167510">
+                    <a:lnL w="12700" cmpd="sng">
+                      <a:noFill/>
+                      <a:prstDash val="solid"/>
+                    </a:lnL>
+                    <a:lnR w="12700" cmpd="sng">
+                      <a:noFill/>
+                      <a:prstDash val="solid"/>
+                    </a:lnR>
+                    <a:lnT w="12700" cmpd="sng">
+                      <a:noFill/>
+                      <a:prstDash val="solid"/>
+                    </a:lnT>
+                    <a:lnB w="12700" cmpd="sng">
+                      <a:noFill/>
+                      <a:prstDash val="solid"/>
+                    </a:lnB>
+                    <a:solidFill>
+                      <a:srgbClr val="000000">
+                        <a:alpha val="7843"/>
+                      </a:srgbClr>
+                    </a:solidFill>
+                  </a:tcPr>
+                </a:tc>
+                <a:extLst>
+                  <a:ext uri="{0D108BD9-81ED-4DB2-BD59-A6C34878D82A}">
+                    <a16:rowId xmlns:a16="http://schemas.microsoft.com/office/drawing/2014/main" val="1051066082"/>
+                  </a:ext>
+                </a:extLst>
+              </a:tr>
+              <a:tr h="625525">
+                <a:tc>
+                  <a:txBody>
+                    <a:bodyPr/>
+                    <a:lstStyle/>
+                    <a:p>
+                      <a:pPr marL="12700" marR="635" indent="-6350" algn="l">
+                        <a:lnSpc>
+                          <a:spcPct val="107000"/>
+                        </a:lnSpc>
+                        <a:spcBef>
+                          <a:spcPts val="0"/>
+                        </a:spcBef>
+                        <a:spcAft>
+                          <a:spcPts val="890"/>
+                        </a:spcAft>
+                      </a:pPr>
+                      <a:r>
+                        <a:rPr lang="en-US" sz="1600" u="none" strike="noStrike" kern="0" cap="none" spc="0">
+                          <a:solidFill>
+                            <a:schemeClr val="tx1"/>
+                          </a:solidFill>
+                          <a:effectLst/>
+                          <a:uFill>
+                            <a:solidFill>
+                              <a:srgbClr val="000000"/>
+                            </a:solidFill>
+                          </a:uFill>
+                        </a:rPr>
+                        <a:t>Social Media bots</a:t>
+                      </a:r>
+                      <a:endParaRPr lang="en-US" sz="1600" b="1" u="sng" kern="0" cap="none" spc="0">
+                        <a:solidFill>
+                          <a:schemeClr val="tx1"/>
+                        </a:solidFill>
+                        <a:effectLst/>
+                        <a:uFill>
+                          <a:solidFill>
+                            <a:srgbClr val="000000"/>
+                          </a:solidFill>
+                        </a:uFill>
+                        <a:latin typeface="Calibri" panose="020F0502020204030204" pitchFamily="34" charset="0"/>
+                        <a:ea typeface="Times New Roman" panose="02020603050405020304" pitchFamily="18" charset="0"/>
+                        <a:cs typeface="Times New Roman" panose="02020603050405020304" pitchFamily="18" charset="0"/>
+                      </a:endParaRPr>
+                    </a:p>
+                  </a:txBody>
+                  <a:tcPr marL="167510" marR="167510" marT="167510" marB="167510">
+                    <a:lnL w="12700" cmpd="sng">
+                      <a:noFill/>
+                      <a:prstDash val="solid"/>
+                    </a:lnL>
+                    <a:lnR w="12700" cmpd="sng">
+                      <a:noFill/>
+                      <a:prstDash val="solid"/>
+                    </a:lnR>
+                    <a:lnT w="12700" cmpd="sng">
+                      <a:noFill/>
+                      <a:prstDash val="solid"/>
+                    </a:lnT>
+                    <a:lnB w="12700" cmpd="sng">
+                      <a:noFill/>
                       <a:prstDash val="solid"/>
                     </a:lnB>
                     <a:noFill/>
@@ -15199,20 +15091,48 @@
                     <a:bodyPr/>
                     <a:lstStyle/>
                     <a:p>
+                      <a:pPr marL="12700" marR="635" indent="-6350" algn="l">
+                        <a:lnSpc>
+                          <a:spcPct val="107000"/>
+                        </a:lnSpc>
+                        <a:spcBef>
+                          <a:spcPts val="0"/>
+                        </a:spcBef>
+                        <a:spcAft>
+                          <a:spcPts val="890"/>
+                        </a:spcAft>
+                      </a:pPr>
                       <a:r>
-                        <a:rPr lang="en-US" sz="1700" dirty="0">
+                        <a:rPr lang="en-US" sz="1600" u="none" strike="noStrike" kern="0" cap="none" spc="0">
                           <a:solidFill>
-                            <a:schemeClr val="tx1">
-                              <a:lumMod val="75000"/>
-                              <a:lumOff val="25000"/>
-                            </a:schemeClr>
+                            <a:schemeClr val="tx1"/>
                           </a:solidFill>
+                          <a:effectLst/>
+                          <a:uFill>
+                            <a:solidFill>
+                              <a:srgbClr val="000000"/>
+                            </a:solidFill>
+                          </a:uFill>
                         </a:rPr>
-                        <a:t>1 Week</a:t>
+                        <a:t>✔</a:t>
                       </a:r>
+                      <a:endParaRPr lang="en-US" sz="1600" b="1" u="sng" kern="0" cap="none" spc="0">
+                        <a:solidFill>
+                          <a:schemeClr val="tx1"/>
+                        </a:solidFill>
+                        <a:effectLst/>
+                        <a:uFill>
+                          <a:solidFill>
+                            <a:srgbClr val="000000"/>
+                          </a:solidFill>
+                        </a:uFill>
+                        <a:latin typeface="Calibri" panose="020F0502020204030204" pitchFamily="34" charset="0"/>
+                        <a:ea typeface="Times New Roman" panose="02020603050405020304" pitchFamily="18" charset="0"/>
+                        <a:cs typeface="Times New Roman" panose="02020603050405020304" pitchFamily="18" charset="0"/>
+                      </a:endParaRPr>
                     </a:p>
                   </a:txBody>
-                  <a:tcPr marL="243758" marR="182819" marT="121879" marB="121879">
+                  <a:tcPr marL="167510" marR="167510" marT="167510" marB="167510">
                     <a:lnL w="12700" cmpd="sng">
                       <a:noFill/>
                       <a:prstDash val="solid"/>
@@ -15221,16 +15141,12 @@
                       <a:noFill/>
                       <a:prstDash val="solid"/>
                     </a:lnR>
-                    <a:lnT w="9525" cap="flat" cmpd="sng" algn="ctr">
-                      <a:solidFill>
-                        <a:srgbClr val="C7C6C1"/>
-                      </a:solidFill>
+                    <a:lnT w="12700" cmpd="sng">
+                      <a:noFill/>
                       <a:prstDash val="solid"/>
                     </a:lnT>
-                    <a:lnB w="9525" cap="flat" cmpd="sng" algn="ctr">
-                      <a:solidFill>
-                        <a:srgbClr val="C7C6C1"/>
-                      </a:solidFill>
+                    <a:lnB w="12700" cmpd="sng">
+                      <a:noFill/>
                       <a:prstDash val="solid"/>
                     </a:lnB>
                     <a:noFill/>
@@ -15238,30 +15154,58 @@
                 </a:tc>
                 <a:extLst>
                   <a:ext uri="{0D108BD9-81ED-4DB2-BD59-A6C34878D82A}">
-                    <a16:rowId xmlns:a16="http://schemas.microsoft.com/office/drawing/2014/main" val="1253450048"/>
+                    <a16:rowId xmlns:a16="http://schemas.microsoft.com/office/drawing/2014/main" val="493948663"/>
                   </a:ext>
                 </a:extLst>
               </a:tr>
-              <a:tr h="531390">
+              <a:tr h="625525">
                 <a:tc>
                   <a:txBody>
                     <a:bodyPr/>
                     <a:lstStyle/>
                     <a:p>
+                      <a:pPr marL="12700" marR="635" indent="-6350" algn="l">
+                        <a:lnSpc>
+                          <a:spcPct val="107000"/>
+                        </a:lnSpc>
+                        <a:spcBef>
+                          <a:spcPts val="0"/>
+                        </a:spcBef>
+                        <a:spcAft>
+                          <a:spcPts val="890"/>
+                        </a:spcAft>
+                      </a:pPr>
                       <a:r>
-                        <a:rPr lang="en-US" sz="1700" dirty="0">
+                        <a:rPr lang="en-US" sz="1600" u="none" strike="noStrike" kern="0" cap="none" spc="0" dirty="0">
                           <a:solidFill>
-                            <a:schemeClr val="tx1">
-                              <a:lumMod val="75000"/>
-                              <a:lumOff val="25000"/>
-                            </a:schemeClr>
+                            <a:schemeClr val="tx1"/>
                           </a:solidFill>
+                          <a:effectLst/>
+                          <a:uFill>
+                            <a:solidFill>
+                              <a:srgbClr val="000000"/>
+                            </a:solidFill>
+                          </a:uFill>
                         </a:rPr>
-                        <a:t>Web Panels</a:t>
+                        <a:t>Macro Analysis Engine</a:t>
                       </a:r>
+                      <a:endParaRPr lang="en-US" sz="1600" b="1" u="sng" kern="0" cap="none" spc="0" dirty="0">
+                        <a:solidFill>
+                          <a:schemeClr val="tx1"/>
+                        </a:solidFill>
+                        <a:effectLst/>
+                        <a:uFill>
+                          <a:solidFill>
+                            <a:srgbClr val="000000"/>
+                          </a:solidFill>
+                        </a:uFill>
+                        <a:latin typeface="Calibri" panose="020F0502020204030204" pitchFamily="34" charset="0"/>
+                        <a:ea typeface="Times New Roman" panose="02020603050405020304" pitchFamily="18" charset="0"/>
+                        <a:cs typeface="Times New Roman" panose="02020603050405020304" pitchFamily="18" charset="0"/>
+                      </a:endParaRPr>
                     </a:p>
                   </a:txBody>
-                  <a:tcPr marL="243758" marR="182819" marT="121879" marB="121879">
+                  <a:tcPr marL="167510" marR="167510" marT="167510" marB="167510">
                     <a:lnL w="12700" cmpd="sng">
                       <a:noFill/>
                       <a:prstDash val="solid"/>
@@ -15270,16 +15214,159 @@
                       <a:noFill/>
                       <a:prstDash val="solid"/>
                     </a:lnR>
-                    <a:lnT w="9525" cap="flat" cmpd="sng" algn="ctr">
-                      <a:solidFill>
-                        <a:srgbClr val="C7C6C1"/>
-                      </a:solidFill>
+                    <a:lnT w="12700" cmpd="sng">
+                      <a:noFill/>
                       <a:prstDash val="solid"/>
                     </a:lnT>
-                    <a:lnB w="9525" cap="flat" cmpd="sng" algn="ctr">
-                      <a:solidFill>
-                        <a:srgbClr val="C7C6C1"/>
-                      </a:solidFill>
+                    <a:lnB w="12700" cmpd="sng">
+                      <a:noFill/>
+                      <a:prstDash val="solid"/>
+                    </a:lnB>
+                    <a:solidFill>
+                      <a:srgbClr val="000000">
+                        <a:alpha val="7843"/>
+                      </a:srgbClr>
+                    </a:solidFill>
+                  </a:tcPr>
+                </a:tc>
+                <a:tc>
+                  <a:txBody>
+                    <a:bodyPr/>
+                    <a:lstStyle/>
+                    <a:p>
+                      <a:pPr marL="12700" marR="635" indent="-6350" algn="l">
+                        <a:lnSpc>
+                          <a:spcPct val="107000"/>
+                        </a:lnSpc>
+                        <a:spcBef>
+                          <a:spcPts val="0"/>
+                        </a:spcBef>
+                        <a:spcAft>
+                          <a:spcPts val="890"/>
+                        </a:spcAft>
+                      </a:pPr>
+                      <a:r>
+                        <a:rPr lang="en-US" sz="1600" u="none" strike="noStrike" kern="0" cap="none" spc="0">
+                          <a:solidFill>
+                            <a:schemeClr val="tx1"/>
+                          </a:solidFill>
+                          <a:effectLst/>
+                          <a:uFill>
+                            <a:solidFill>
+                              <a:srgbClr val="000000"/>
+                            </a:solidFill>
+                          </a:uFill>
+                        </a:rPr>
+                        <a:t>❌</a:t>
+                      </a:r>
+                      <a:endParaRPr lang="en-US" sz="1600" b="1" u="sng" kern="0" cap="none" spc="0">
+                        <a:solidFill>
+                          <a:schemeClr val="tx1"/>
+                        </a:solidFill>
+                        <a:effectLst/>
+                        <a:uFill>
+                          <a:solidFill>
+                            <a:srgbClr val="000000"/>
+                          </a:solidFill>
+                        </a:uFill>
+                        <a:latin typeface="Calibri" panose="020F0502020204030204" pitchFamily="34" charset="0"/>
+                        <a:ea typeface="Times New Roman" panose="02020603050405020304" pitchFamily="18" charset="0"/>
+                        <a:cs typeface="Times New Roman" panose="02020603050405020304" pitchFamily="18" charset="0"/>
+                      </a:endParaRPr>
+                    </a:p>
+                  </a:txBody>
+                  <a:tcPr marL="167510" marR="167510" marT="167510" marB="167510">
+                    <a:lnL w="12700" cmpd="sng">
+                      <a:noFill/>
+                      <a:prstDash val="solid"/>
+                    </a:lnL>
+                    <a:lnR w="12700" cmpd="sng">
+                      <a:noFill/>
+                      <a:prstDash val="solid"/>
+                    </a:lnR>
+                    <a:lnT w="12700" cmpd="sng">
+                      <a:noFill/>
+                      <a:prstDash val="solid"/>
+                    </a:lnT>
+                    <a:lnB w="12700" cmpd="sng">
+                      <a:noFill/>
+                      <a:prstDash val="solid"/>
+                    </a:lnB>
+                    <a:solidFill>
+                      <a:srgbClr val="000000">
+                        <a:alpha val="7843"/>
+                      </a:srgbClr>
+                    </a:solidFill>
+                  </a:tcPr>
+                </a:tc>
+                <a:extLst>
+                  <a:ext uri="{0D108BD9-81ED-4DB2-BD59-A6C34878D82A}">
+                    <a16:rowId xmlns:a16="http://schemas.microsoft.com/office/drawing/2014/main" val="1483217172"/>
+                  </a:ext>
+                </a:extLst>
+              </a:tr>
+              <a:tr h="625525">
+                <a:tc>
+                  <a:txBody>
+                    <a:bodyPr/>
+                    <a:lstStyle/>
+                    <a:p>
+                      <a:pPr marL="12700" marR="635" indent="-6350" algn="l">
+                        <a:lnSpc>
+                          <a:spcPct val="107000"/>
+                        </a:lnSpc>
+                        <a:spcBef>
+                          <a:spcPts val="0"/>
+                        </a:spcBef>
+                        <a:spcAft>
+                          <a:spcPts val="890"/>
+                        </a:spcAft>
+                      </a:pPr>
+                      <a:r>
+                        <a:rPr lang="en-US" sz="1600" u="none" strike="noStrike" kern="0" cap="none" spc="0">
+                          <a:solidFill>
+                            <a:schemeClr val="tx1"/>
+                          </a:solidFill>
+                          <a:effectLst/>
+                          <a:uFill>
+                            <a:solidFill>
+                              <a:srgbClr val="000000"/>
+                            </a:solidFill>
+                          </a:uFill>
+                        </a:rPr>
+                        <a:t>E-Governance</a:t>
+                      </a:r>
+                      <a:endParaRPr lang="en-US" sz="1600" b="1" u="sng" kern="0" cap="none" spc="0">
+                        <a:solidFill>
+                          <a:schemeClr val="tx1"/>
+                        </a:solidFill>
+                        <a:effectLst/>
+                        <a:uFill>
+                          <a:solidFill>
+                            <a:srgbClr val="000000"/>
+                          </a:solidFill>
+                        </a:uFill>
+                        <a:latin typeface="Calibri" panose="020F0502020204030204" pitchFamily="34" charset="0"/>
+                        <a:ea typeface="Times New Roman" panose="02020603050405020304" pitchFamily="18" charset="0"/>
+                        <a:cs typeface="Times New Roman" panose="02020603050405020304" pitchFamily="18" charset="0"/>
+                      </a:endParaRPr>
+                    </a:p>
+                  </a:txBody>
+                  <a:tcPr marL="167510" marR="167510" marT="167510" marB="167510">
+                    <a:lnL w="12700" cmpd="sng">
+                      <a:noFill/>
+                      <a:prstDash val="solid"/>
+                    </a:lnL>
+                    <a:lnR w="12700" cmpd="sng">
+                      <a:noFill/>
+                      <a:prstDash val="solid"/>
+                    </a:lnR>
+                    <a:lnT w="12700" cmpd="sng">
+                      <a:noFill/>
+                      <a:prstDash val="solid"/>
+                    </a:lnT>
+                    <a:lnB w="12700" cmpd="sng">
+                      <a:noFill/>
                       <a:prstDash val="solid"/>
                     </a:lnB>
                     <a:noFill/>
@@ -15290,20 +15377,48 @@
                     <a:bodyPr/>
                     <a:lstStyle/>
                     <a:p>
+                      <a:pPr marL="12700" marR="635" indent="-6350" algn="l">
+                        <a:lnSpc>
+                          <a:spcPct val="107000"/>
+                        </a:lnSpc>
+                        <a:spcBef>
+                          <a:spcPts val="0"/>
+                        </a:spcBef>
+                        <a:spcAft>
+                          <a:spcPts val="890"/>
+                        </a:spcAft>
+                      </a:pPr>
                       <a:r>
-                        <a:rPr lang="en-US" sz="1700" dirty="0">
+                        <a:rPr lang="en-US" sz="1600" u="none" strike="noStrike" kern="0" cap="none" spc="0" dirty="0">
                           <a:solidFill>
-                            <a:schemeClr val="tx1">
-                              <a:lumMod val="75000"/>
-                              <a:lumOff val="25000"/>
-                            </a:schemeClr>
+                            <a:schemeClr val="tx1"/>
                           </a:solidFill>
+                          <a:effectLst/>
+                          <a:uFill>
+                            <a:solidFill>
+                              <a:srgbClr val="000000"/>
+                            </a:solidFill>
+                          </a:uFill>
                         </a:rPr>
-                        <a:t>2 Weeks</a:t>
+                        <a:t>✔</a:t>
                       </a:r>
+                      <a:endParaRPr lang="en-US" sz="1600" b="1" u="sng" kern="0" cap="none" spc="0" dirty="0">
+                        <a:solidFill>
+                          <a:schemeClr val="tx1"/>
+                        </a:solidFill>
+                        <a:effectLst/>
+                        <a:uFill>
+                          <a:solidFill>
+                            <a:srgbClr val="000000"/>
+                          </a:solidFill>
+                        </a:uFill>
+                        <a:latin typeface="Calibri" panose="020F0502020204030204" pitchFamily="34" charset="0"/>
+                        <a:ea typeface="Times New Roman" panose="02020603050405020304" pitchFamily="18" charset="0"/>
+                        <a:cs typeface="Times New Roman" panose="02020603050405020304" pitchFamily="18" charset="0"/>
+                      </a:endParaRPr>
                     </a:p>
                   </a:txBody>
-                  <a:tcPr marL="243758" marR="182819" marT="121879" marB="121879">
+                  <a:tcPr marL="167510" marR="167510" marT="167510" marB="167510">
                     <a:lnL w="12700" cmpd="sng">
                       <a:noFill/>
                       <a:prstDash val="solid"/>
@@ -15312,16 +15427,12 @@
                       <a:noFill/>
                       <a:prstDash val="solid"/>
                     </a:lnR>
-                    <a:lnT w="9525" cap="flat" cmpd="sng" algn="ctr">
-                      <a:solidFill>
-                        <a:srgbClr val="C7C6C1"/>
-                      </a:solidFill>
+                    <a:lnT w="12700" cmpd="sng">
+                      <a:noFill/>
                       <a:prstDash val="solid"/>
                     </a:lnT>
-                    <a:lnB w="9525" cap="flat" cmpd="sng" algn="ctr">
-                      <a:solidFill>
-                        <a:srgbClr val="C7C6C1"/>
-                      </a:solidFill>
+                    <a:lnB w="12700" cmpd="sng">
+                      <a:noFill/>
                       <a:prstDash val="solid"/>
                     </a:lnB>
                     <a:noFill/>
@@ -15329,30 +15440,392 @@
                 </a:tc>
                 <a:extLst>
                   <a:ext uri="{0D108BD9-81ED-4DB2-BD59-A6C34878D82A}">
-                    <a16:rowId xmlns:a16="http://schemas.microsoft.com/office/drawing/2014/main" val="3698727602"/>
+                    <a16:rowId xmlns:a16="http://schemas.microsoft.com/office/drawing/2014/main" val="284125668"/>
                   </a:ext>
                 </a:extLst>
               </a:tr>
-              <a:tr h="531390">
+            </a:tbl>
+          </a:graphicData>
+        </a:graphic>
+      </p:graphicFrame>
+    </p:spTree>
+    <p:extLst>
+      <p:ext uri="{BB962C8B-B14F-4D97-AF65-F5344CB8AC3E}">
+        <p14:creationId xmlns:p14="http://schemas.microsoft.com/office/powerpoint/2010/main" val="1925781366"/>
+      </p:ext>
+    </p:extLst>
+  </p:cSld>
+  <p:clrMapOvr>
+    <a:masterClrMapping/>
+  </p:clrMapOvr>
+</p:sld>
+</file>
+
+<file path=ppt/slides/slide12.xml><?xml version="1.0" encoding="utf-8"?>
+<p:sld xmlns:a="http://schemas.openxmlformats.org/drawingml/2006/main" xmlns:r="http://schemas.openxmlformats.org/officeDocument/2006/relationships" xmlns:p="http://schemas.openxmlformats.org/presentationml/2006/main">
+  <p:cSld>
+    <p:bg>
+      <p:bgPr>
+        <a:solidFill>
+          <a:schemeClr val="bg1"/>
+        </a:solidFill>
+        <a:effectLst/>
+      </p:bgPr>
+    </p:bg>
+    <p:spTree>
+      <p:nvGrpSpPr>
+        <p:cNvPr id="1" name=""/>
+        <p:cNvGrpSpPr/>
+        <p:nvPr/>
+      </p:nvGrpSpPr>
+      <p:grpSpPr>
+        <a:xfrm>
+          <a:off x="0" y="0"/>
+          <a:ext cx="0" cy="0"/>
+          <a:chOff x="0" y="0"/>
+          <a:chExt cx="0" cy="0"/>
+        </a:xfrm>
+      </p:grpSpPr>
+      <p:sp>
+        <p:nvSpPr>
+          <p:cNvPr id="16" name="Down Arrow 7">
+            <a:extLst>
+              <a:ext uri="{FF2B5EF4-FFF2-40B4-BE49-F238E27FC236}">
+                <a16:creationId xmlns:a16="http://schemas.microsoft.com/office/drawing/2014/main" id="{D4771268-CB57-404A-9271-370EB28F6090}"/>
+              </a:ext>
+              <a:ext uri="{C183D7F6-B498-43B3-948B-1728B52AA6E4}">
+                <adec:decorative xmlns:adec="http://schemas.microsoft.com/office/drawing/2017/decorative" val="1"/>
+              </a:ext>
+            </a:extLst>
+          </p:cNvPr>
+          <p:cNvSpPr>
+            <a:spLocks noGrp="1" noRot="1" noChangeAspect="1" noMove="1" noResize="1" noEditPoints="1" noAdjustHandles="1" noChangeArrowheads="1" noChangeShapeType="1" noTextEdit="1"/>
+          </p:cNvSpPr>
+          <p:nvPr>
+            <p:extLst>
+              <p:ext uri="{386F3935-93C4-4BCD-93E2-E3B085C9AB24}">
+                <p16:designElem xmlns:p16="http://schemas.microsoft.com/office/powerpoint/2015/main" val="1"/>
+              </p:ext>
+            </p:extLst>
+          </p:nvPr>
+        </p:nvSpPr>
+        <p:spPr>
+          <a:xfrm rot="16200000">
+            <a:off x="800100" y="1491343"/>
+            <a:ext cx="3333749" cy="3499103"/>
+          </a:xfrm>
+          <a:prstGeom prst="downArrow">
+            <a:avLst>
+              <a:gd name="adj1" fmla="val 100000"/>
+              <a:gd name="adj2" fmla="val 15788"/>
+            </a:avLst>
+          </a:prstGeom>
+          <a:solidFill>
+            <a:srgbClr val="404040"/>
+          </a:solidFill>
+          <a:ln w="53975">
+            <a:noFill/>
+          </a:ln>
+        </p:spPr>
+        <p:style>
+          <a:lnRef idx="2">
+            <a:schemeClr val="accent1">
+              <a:shade val="50000"/>
+            </a:schemeClr>
+          </a:lnRef>
+          <a:fillRef idx="1">
+            <a:schemeClr val="accent1"/>
+          </a:fillRef>
+          <a:effectRef idx="0">
+            <a:schemeClr val="accent1"/>
+          </a:effectRef>
+          <a:fontRef idx="minor">
+            <a:schemeClr val="lt1"/>
+          </a:fontRef>
+        </p:style>
+        <p:txBody>
+          <a:bodyPr rtlCol="0" anchor="ctr"/>
+          <a:lstStyle/>
+          <a:p>
+            <a:pPr algn="ctr"/>
+            <a:endParaRPr lang="en-US"/>
+          </a:p>
+        </p:txBody>
+      </p:sp>
+      <p:sp>
+        <p:nvSpPr>
+          <p:cNvPr id="2" name="Title 1">
+            <a:extLst>
+              <a:ext uri="{FF2B5EF4-FFF2-40B4-BE49-F238E27FC236}">
+                <a16:creationId xmlns:a16="http://schemas.microsoft.com/office/drawing/2014/main" id="{4B25956D-A7DE-4AA2-9F30-C5B34BC999B7}"/>
+              </a:ext>
+            </a:extLst>
+          </p:cNvPr>
+          <p:cNvSpPr>
+            <a:spLocks noGrp="1"/>
+          </p:cNvSpPr>
+          <p:nvPr>
+            <p:ph type="title"/>
+          </p:nvPr>
+        </p:nvSpPr>
+        <p:spPr>
+          <a:xfrm>
+            <a:off x="1028700" y="1967266"/>
+            <a:ext cx="2628900" cy="2547257"/>
+          </a:xfrm>
+          <a:noFill/>
+        </p:spPr>
+        <p:txBody>
+          <a:bodyPr vert="horz" lIns="91440" tIns="45720" rIns="91440" bIns="45720" rtlCol="0" anchor="ctr">
+            <a:normAutofit/>
+          </a:bodyPr>
+          <a:lstStyle/>
+          <a:p>
+            <a:pPr algn="ctr"/>
+            <a:r>
+              <a:rPr lang="en-US" sz="3600" kern="1200">
+                <a:solidFill>
+                  <a:srgbClr val="FFFFFF"/>
+                </a:solidFill>
+                <a:latin typeface="+mj-lt"/>
+                <a:ea typeface="+mj-ea"/>
+                <a:cs typeface="+mj-cs"/>
+              </a:rPr>
+              <a:t>Work Done</a:t>
+            </a:r>
+          </a:p>
+        </p:txBody>
+      </p:sp>
+      <p:graphicFrame>
+        <p:nvGraphicFramePr>
+          <p:cNvPr id="3" name="Table 2">
+            <a:extLst>
+              <a:ext uri="{FF2B5EF4-FFF2-40B4-BE49-F238E27FC236}">
+                <a16:creationId xmlns:a16="http://schemas.microsoft.com/office/drawing/2014/main" id="{FF612872-B633-4E2F-AFEA-BEFAA747CB1F}"/>
+              </a:ext>
+            </a:extLst>
+          </p:cNvPr>
+          <p:cNvGraphicFramePr>
+            <a:graphicFrameLocks noGrp="1"/>
+          </p:cNvGraphicFramePr>
+          <p:nvPr>
+            <p:extLst>
+              <p:ext uri="{D42A27DB-BD31-4B8C-83A1-F6EECF244321}">
+                <p14:modId xmlns:p14="http://schemas.microsoft.com/office/powerpoint/2010/main" val="3369805961"/>
+              </p:ext>
+            </p:extLst>
+          </p:nvPr>
+        </p:nvGraphicFramePr>
+        <p:xfrm>
+          <a:off x="4693877" y="2274261"/>
+          <a:ext cx="6780701" cy="1933265"/>
+        </p:xfrm>
+        <a:graphic>
+          <a:graphicData uri="http://schemas.openxmlformats.org/drawingml/2006/table">
+            <a:tbl>
+              <a:tblPr firstRow="1" bandRow="1">
+                <a:noFill/>
+                <a:tableStyleId>{F5AB1C69-6EDB-4FF4-983F-18BD219EF322}</a:tableStyleId>
+              </a:tblPr>
+              <a:tblGrid>
+                <a:gridCol w="3424299">
+                  <a:extLst>
+                    <a:ext uri="{9D8B030D-6E8A-4147-A177-3AD203B41FA5}">
+                      <a16:colId xmlns:a16="http://schemas.microsoft.com/office/drawing/2014/main" val="3541785003"/>
+                    </a:ext>
+                  </a:extLst>
+                </a:gridCol>
+                <a:gridCol w="3356402">
+                  <a:extLst>
+                    <a:ext uri="{9D8B030D-6E8A-4147-A177-3AD203B41FA5}">
+                      <a16:colId xmlns:a16="http://schemas.microsoft.com/office/drawing/2014/main" val="3523677521"/>
+                    </a:ext>
+                  </a:extLst>
+                </a:gridCol>
+              </a:tblGrid>
+              <a:tr h="682215">
                 <a:tc>
                   <a:txBody>
                     <a:bodyPr/>
                     <a:lstStyle/>
                     <a:p>
+                      <a:pPr marL="12700" marR="635" indent="-6350" algn="l">
+                        <a:lnSpc>
+                          <a:spcPct val="107000"/>
+                        </a:lnSpc>
+                        <a:spcBef>
+                          <a:spcPts val="0"/>
+                        </a:spcBef>
+                        <a:spcAft>
+                          <a:spcPts val="890"/>
+                        </a:spcAft>
+                      </a:pPr>
                       <a:r>
-                        <a:rPr lang="en-US" sz="1700" dirty="0">
+                        <a:rPr lang="en-US" sz="2000" b="0" u="none" kern="0" cap="all" spc="150" dirty="0">
                           <a:solidFill>
-                            <a:schemeClr val="tx1">
-                              <a:lumMod val="75000"/>
-                              <a:lumOff val="25000"/>
-                            </a:schemeClr>
+                            <a:schemeClr val="lt1"/>
                           </a:solidFill>
+                          <a:effectLst/>
+                          <a:uFill>
+                            <a:solidFill>
+                              <a:srgbClr val="000000"/>
+                            </a:solidFill>
+                          </a:uFill>
                         </a:rPr>
-                        <a:t>Mobile Applications</a:t>
+                        <a:t>Work Pending</a:t>
                       </a:r>
+                      <a:endParaRPr lang="en-US" sz="2000" b="0" u="none" kern="0" cap="all" spc="150" dirty="0">
+                        <a:solidFill>
+                          <a:schemeClr val="lt1"/>
+                        </a:solidFill>
+                        <a:effectLst/>
+                        <a:uFill>
+                          <a:solidFill>
+                            <a:srgbClr val="000000"/>
+                          </a:solidFill>
+                        </a:uFill>
+                        <a:latin typeface="Calibri" panose="020F0502020204030204" pitchFamily="34" charset="0"/>
+                        <a:ea typeface="Times New Roman" panose="02020603050405020304" pitchFamily="18" charset="0"/>
+                        <a:cs typeface="Times New Roman" panose="02020603050405020304" pitchFamily="18" charset="0"/>
+                      </a:endParaRPr>
                     </a:p>
                   </a:txBody>
-                  <a:tcPr marL="243758" marR="182819" marT="121879" marB="121879">
+                  <a:tcPr marL="167510" marR="167510" marT="167510" marB="167510">
+                    <a:lnL w="12700" cmpd="sng">
+                      <a:noFill/>
+                    </a:lnL>
+                    <a:lnR w="12700" cmpd="sng">
+                      <a:noFill/>
+                    </a:lnR>
+                    <a:lnT w="12700" cmpd="sng">
+                      <a:noFill/>
+                    </a:lnT>
+                    <a:lnB w="38100" cmpd="sng">
+                      <a:noFill/>
+                    </a:lnB>
+                    <a:solidFill>
+                      <a:srgbClr val="505356"/>
+                    </a:solidFill>
+                  </a:tcPr>
+                </a:tc>
+                <a:tc>
+                  <a:txBody>
+                    <a:bodyPr/>
+                    <a:lstStyle/>
+                    <a:p>
+                      <a:pPr marL="12700" marR="635" indent="-6350" algn="l">
+                        <a:lnSpc>
+                          <a:spcPct val="107000"/>
+                        </a:lnSpc>
+                        <a:spcBef>
+                          <a:spcPts val="0"/>
+                        </a:spcBef>
+                        <a:spcAft>
+                          <a:spcPts val="890"/>
+                        </a:spcAft>
+                      </a:pPr>
+                      <a:r>
+                        <a:rPr lang="en-US" sz="2000" b="0" u="none" kern="0" cap="all" spc="150" dirty="0">
+                          <a:solidFill>
+                            <a:schemeClr val="lt1"/>
+                          </a:solidFill>
+                          <a:effectLst/>
+                          <a:uFill>
+                            <a:solidFill>
+                              <a:srgbClr val="000000"/>
+                            </a:solidFill>
+                          </a:uFill>
+                        </a:rPr>
+                        <a:t>Weeks</a:t>
+                      </a:r>
+                      <a:endParaRPr lang="en-US" sz="2000" b="0" u="none" kern="0" cap="all" spc="150" dirty="0">
+                        <a:solidFill>
+                          <a:schemeClr val="lt1"/>
+                        </a:solidFill>
+                        <a:effectLst/>
+                        <a:uFill>
+                          <a:solidFill>
+                            <a:srgbClr val="000000"/>
+                          </a:solidFill>
+                        </a:uFill>
+                        <a:latin typeface="Calibri" panose="020F0502020204030204" pitchFamily="34" charset="0"/>
+                        <a:ea typeface="Times New Roman" panose="02020603050405020304" pitchFamily="18" charset="0"/>
+                        <a:cs typeface="Times New Roman" panose="02020603050405020304" pitchFamily="18" charset="0"/>
+                      </a:endParaRPr>
+                    </a:p>
+                  </a:txBody>
+                  <a:tcPr marL="167510" marR="167510" marT="167510" marB="167510">
+                    <a:lnL w="12700" cmpd="sng">
+                      <a:noFill/>
+                    </a:lnL>
+                    <a:lnR w="12700" cmpd="sng">
+                      <a:noFill/>
+                    </a:lnR>
+                    <a:lnT w="12700" cmpd="sng">
+                      <a:noFill/>
+                    </a:lnT>
+                    <a:lnB w="38100" cmpd="sng">
+                      <a:noFill/>
+                    </a:lnB>
+                    <a:solidFill>
+                      <a:srgbClr val="505356"/>
+                    </a:solidFill>
+                  </a:tcPr>
+                </a:tc>
+                <a:extLst>
+                  <a:ext uri="{0D108BD9-81ED-4DB2-BD59-A6C34878D82A}">
+                    <a16:rowId xmlns:a16="http://schemas.microsoft.com/office/drawing/2014/main" val="3223726851"/>
+                  </a:ext>
+                </a:extLst>
+              </a:tr>
+              <a:tr h="625525">
+                <a:tc>
+                  <a:txBody>
+                    <a:bodyPr/>
+                    <a:lstStyle/>
+                    <a:p>
+                      <a:pPr marL="12700" marR="635" indent="-6350" algn="l">
+                        <a:lnSpc>
+                          <a:spcPct val="107000"/>
+                        </a:lnSpc>
+                        <a:spcBef>
+                          <a:spcPts val="0"/>
+                        </a:spcBef>
+                        <a:spcAft>
+                          <a:spcPts val="890"/>
+                        </a:spcAft>
+                      </a:pPr>
+                      <a:r>
+                        <a:rPr lang="en-US" sz="1600" u="none" strike="noStrike" kern="0" cap="none" spc="0" dirty="0">
+                          <a:solidFill>
+                            <a:schemeClr val="tx1"/>
+                          </a:solidFill>
+                          <a:effectLst/>
+                          <a:uFill>
+                            <a:solidFill>
+                              <a:srgbClr val="000000"/>
+                            </a:solidFill>
+                          </a:uFill>
+                        </a:rPr>
+                        <a:t>Macro Analysis Engine</a:t>
+                      </a:r>
+                      <a:endParaRPr lang="en-US" sz="1600" b="1" u="sng" kern="0" cap="none" spc="0" dirty="0">
+                        <a:solidFill>
+                          <a:schemeClr val="tx1"/>
+                        </a:solidFill>
+                        <a:effectLst/>
+                        <a:uFill>
+                          <a:solidFill>
+                            <a:srgbClr val="000000"/>
+                          </a:solidFill>
+                        </a:uFill>
+                        <a:latin typeface="Calibri" panose="020F0502020204030204" pitchFamily="34" charset="0"/>
+                        <a:ea typeface="Times New Roman" panose="02020603050405020304" pitchFamily="18" charset="0"/>
+                        <a:cs typeface="Times New Roman" panose="02020603050405020304" pitchFamily="18" charset="0"/>
+                      </a:endParaRPr>
+                    </a:p>
+                  </a:txBody>
+                  <a:tcPr marL="167510" marR="167510" marT="167510" marB="167510">
                     <a:lnL w="12700" cmpd="sng">
                       <a:noFill/>
                       <a:prstDash val="solid"/>
@@ -15361,16 +15834,11 @@
                       <a:noFill/>
                       <a:prstDash val="solid"/>
                     </a:lnR>
-                    <a:lnT w="9525" cap="flat" cmpd="sng" algn="ctr">
-                      <a:solidFill>
-                        <a:srgbClr val="C7C6C1"/>
-                      </a:solidFill>
-                      <a:prstDash val="solid"/>
+                    <a:lnT w="38100" cmpd="sng">
+                      <a:noFill/>
                     </a:lnT>
-                    <a:lnB w="9525" cap="flat" cmpd="sng" algn="ctr">
-                      <a:solidFill>
-                        <a:srgbClr val="C7C6C1"/>
-                      </a:solidFill>
+                    <a:lnB w="12700" cmpd="sng">
+                      <a:noFill/>
                       <a:prstDash val="solid"/>
                     </a:lnB>
                     <a:noFill/>
@@ -15381,20 +15849,48 @@
                     <a:bodyPr/>
                     <a:lstStyle/>
                     <a:p>
+                      <a:pPr marL="12700" marR="635" indent="-6350" algn="l">
+                        <a:lnSpc>
+                          <a:spcPct val="107000"/>
+                        </a:lnSpc>
+                        <a:spcBef>
+                          <a:spcPts val="0"/>
+                        </a:spcBef>
+                        <a:spcAft>
+                          <a:spcPts val="890"/>
+                        </a:spcAft>
+                      </a:pPr>
                       <a:r>
-                        <a:rPr lang="en-US" sz="1700" dirty="0">
+                        <a:rPr lang="en-US" sz="1600" u="none" strike="noStrike" kern="0" cap="none" spc="0" dirty="0">
                           <a:solidFill>
-                            <a:schemeClr val="tx1">
-                              <a:lumMod val="75000"/>
-                              <a:lumOff val="25000"/>
-                            </a:schemeClr>
+                            <a:schemeClr val="tx1"/>
                           </a:solidFill>
+                          <a:effectLst/>
+                          <a:uFill>
+                            <a:solidFill>
+                              <a:srgbClr val="000000"/>
+                            </a:solidFill>
+                          </a:uFill>
                         </a:rPr>
-                        <a:t>2 Weeks</a:t>
+                        <a:t>1.5 weeks</a:t>
                       </a:r>
+                      <a:endParaRPr lang="en-US" sz="1600" b="1" u="sng" kern="0" cap="none" spc="0" dirty="0">
+                        <a:solidFill>
+                          <a:schemeClr val="tx1"/>
+                        </a:solidFill>
+                        <a:effectLst/>
+                        <a:uFill>
+                          <a:solidFill>
+                            <a:srgbClr val="000000"/>
+                          </a:solidFill>
+                        </a:uFill>
+                        <a:latin typeface="Calibri" panose="020F0502020204030204" pitchFamily="34" charset="0"/>
+                        <a:ea typeface="Times New Roman" panose="02020603050405020304" pitchFamily="18" charset="0"/>
+                        <a:cs typeface="Times New Roman" panose="02020603050405020304" pitchFamily="18" charset="0"/>
+                      </a:endParaRPr>
                     </a:p>
                   </a:txBody>
-                  <a:tcPr marL="243758" marR="182819" marT="121879" marB="121879">
+                  <a:tcPr marL="167510" marR="167510" marT="167510" marB="167510">
                     <a:lnL w="12700" cmpd="sng">
                       <a:noFill/>
                       <a:prstDash val="solid"/>
@@ -15403,16 +15899,11 @@
                       <a:noFill/>
                       <a:prstDash val="solid"/>
                     </a:lnR>
-                    <a:lnT w="9525" cap="flat" cmpd="sng" algn="ctr">
-                      <a:solidFill>
-                        <a:srgbClr val="C7C6C1"/>
-                      </a:solidFill>
-                      <a:prstDash val="solid"/>
+                    <a:lnT w="38100" cmpd="sng">
+                      <a:noFill/>
                     </a:lnT>
-                    <a:lnB w="9525" cap="flat" cmpd="sng" algn="ctr">
-                      <a:solidFill>
-                        <a:srgbClr val="C7C6C1"/>
-                      </a:solidFill>
+                    <a:lnB w="12700" cmpd="sng">
+                      <a:noFill/>
                       <a:prstDash val="solid"/>
                     </a:lnB>
                     <a:noFill/>
@@ -15420,49 +15911,47 @@
                 </a:tc>
                 <a:extLst>
                   <a:ext uri="{0D108BD9-81ED-4DB2-BD59-A6C34878D82A}">
-                    <a16:rowId xmlns:a16="http://schemas.microsoft.com/office/drawing/2014/main" val="3722776058"/>
+                    <a16:rowId xmlns:a16="http://schemas.microsoft.com/office/drawing/2014/main" val="3211002844"/>
                   </a:ext>
                 </a:extLst>
               </a:tr>
-              <a:tr h="531390">
+              <a:tr h="625525">
                 <a:tc>
                   <a:txBody>
                     <a:bodyPr/>
                     <a:lstStyle/>
                     <a:p>
+                      <a:pPr marL="12700" marR="635" indent="-6350" algn="l">
+                        <a:lnSpc>
+                          <a:spcPct val="107000"/>
+                        </a:lnSpc>
+                        <a:spcBef>
+                          <a:spcPts val="0"/>
+                        </a:spcBef>
+                        <a:spcAft>
+                          <a:spcPts val="890"/>
+                        </a:spcAft>
+                      </a:pPr>
                       <a:r>
-                        <a:rPr lang="en-US" sz="1700" dirty="0">
+                        <a:rPr lang="en-US" sz="1600" u="none" strike="noStrike" kern="0" cap="none" spc="0" dirty="0">
                           <a:solidFill>
-                            <a:schemeClr val="tx1">
-                              <a:lumMod val="75000"/>
-                              <a:lumOff val="25000"/>
-                            </a:schemeClr>
+                            <a:schemeClr val="tx1"/>
                           </a:solidFill>
+                          <a:effectLst/>
+                          <a:uFill>
+                            <a:solidFill>
+                              <a:srgbClr val="000000"/>
+                            </a:solidFill>
+                          </a:uFill>
+                          <a:latin typeface="+mn-lt"/>
+                          <a:ea typeface="+mn-ea"/>
+                          <a:cs typeface="+mn-cs"/>
                         </a:rPr>
-                        <a:t>Social Media </a:t>
+                        <a:t>Human Classifier</a:t>
                       </a:r>
-                      <a:r>
-                        <a:rPr lang="en-US" sz="1700" dirty="0" smtClean="0">
-                          <a:solidFill>
-                            <a:schemeClr val="tx1">
-                              <a:lumMod val="75000"/>
-                              <a:lumOff val="25000"/>
-                            </a:schemeClr>
-                          </a:solidFill>
-                        </a:rPr>
-                        <a:t>bots(Twitter done)</a:t>
-                      </a:r>
-                      <a:endParaRPr lang="en-US" sz="1700" dirty="0">
-                        <a:solidFill>
-                          <a:schemeClr val="tx1">
-                            <a:lumMod val="75000"/>
-                            <a:lumOff val="25000"/>
-                          </a:schemeClr>
-                        </a:solidFill>
-                      </a:endParaRPr>
                     </a:p>
                   </a:txBody>
-                  <a:tcPr marL="243758" marR="182819" marT="121879" marB="121879">
+                  <a:tcPr marL="167510" marR="167510" marT="167510" marB="167510">
                     <a:lnL w="12700" cmpd="sng">
                       <a:noFill/>
                       <a:prstDash val="solid"/>
@@ -15471,19 +15960,19 @@
                       <a:noFill/>
                       <a:prstDash val="solid"/>
                     </a:lnR>
-                    <a:lnT w="9525" cap="flat" cmpd="sng" algn="ctr">
-                      <a:solidFill>
-                        <a:srgbClr val="C7C6C1"/>
-                      </a:solidFill>
+                    <a:lnT w="12700" cmpd="sng">
+                      <a:noFill/>
                       <a:prstDash val="solid"/>
                     </a:lnT>
-                    <a:lnB w="9525" cap="flat" cmpd="sng" algn="ctr">
-                      <a:solidFill>
-                        <a:srgbClr val="C7C6C1"/>
-                      </a:solidFill>
+                    <a:lnB w="12700" cmpd="sng">
+                      <a:noFill/>
                       <a:prstDash val="solid"/>
                     </a:lnB>
-                    <a:noFill/>
+                    <a:solidFill>
+                      <a:srgbClr val="000000">
+                        <a:alpha val="7843"/>
+                      </a:srgbClr>
+                    </a:solidFill>
                   </a:tcPr>
                 </a:tc>
                 <a:tc>
@@ -15491,20 +15980,48 @@
                     <a:bodyPr/>
                     <a:lstStyle/>
                     <a:p>
+                      <a:pPr marL="12700" marR="635" indent="-6350" algn="l">
+                        <a:lnSpc>
+                          <a:spcPct val="107000"/>
+                        </a:lnSpc>
+                        <a:spcBef>
+                          <a:spcPts val="0"/>
+                        </a:spcBef>
+                        <a:spcAft>
+                          <a:spcPts val="890"/>
+                        </a:spcAft>
+                      </a:pPr>
                       <a:r>
-                        <a:rPr lang="en-US" sz="1700" dirty="0">
+                        <a:rPr lang="en-US" sz="1600" u="none" strike="noStrike" kern="0" cap="none" spc="0" dirty="0">
                           <a:solidFill>
-                            <a:schemeClr val="tx1">
-                              <a:lumMod val="75000"/>
-                              <a:lumOff val="25000"/>
-                            </a:schemeClr>
+                            <a:schemeClr val="tx1"/>
                           </a:solidFill>
+                          <a:effectLst/>
+                          <a:uFill>
+                            <a:solidFill>
+                              <a:srgbClr val="000000"/>
+                            </a:solidFill>
+                          </a:uFill>
                         </a:rPr>
-                        <a:t>2 Weeks</a:t>
+                        <a:t>0.5 weeks</a:t>
                       </a:r>
+                      <a:endParaRPr lang="en-US" sz="1600" b="1" u="sng" kern="0" cap="none" spc="0" dirty="0">
+                        <a:solidFill>
+                          <a:schemeClr val="tx1"/>
+                        </a:solidFill>
+                        <a:effectLst/>
+                        <a:uFill>
+                          <a:solidFill>
+                            <a:srgbClr val="000000"/>
+                          </a:solidFill>
+                        </a:uFill>
+                        <a:latin typeface="Calibri" panose="020F0502020204030204" pitchFamily="34" charset="0"/>
+                        <a:ea typeface="Times New Roman" panose="02020603050405020304" pitchFamily="18" charset="0"/>
+                        <a:cs typeface="Times New Roman" panose="02020603050405020304" pitchFamily="18" charset="0"/>
+                      </a:endParaRPr>
                     </a:p>
                   </a:txBody>
-                  <a:tcPr marL="243758" marR="182819" marT="121879" marB="121879">
+                  <a:tcPr marL="167510" marR="167510" marT="167510" marB="167510">
                     <a:lnL w="12700" cmpd="sng">
                       <a:noFill/>
                       <a:prstDash val="solid"/>
@@ -15513,280 +16030,24 @@
                       <a:noFill/>
                       <a:prstDash val="solid"/>
                     </a:lnR>
-                    <a:lnT w="9525" cap="flat" cmpd="sng" algn="ctr">
-                      <a:solidFill>
-                        <a:srgbClr val="C7C6C1"/>
-                      </a:solidFill>
+                    <a:lnT w="12700" cmpd="sng">
+                      <a:noFill/>
                       <a:prstDash val="solid"/>
                     </a:lnT>
-                    <a:lnB w="9525" cap="flat" cmpd="sng" algn="ctr">
-                      <a:solidFill>
-                        <a:srgbClr val="C7C6C1"/>
-                      </a:solidFill>
+                    <a:lnB w="12700" cmpd="sng">
+                      <a:noFill/>
                       <a:prstDash val="solid"/>
                     </a:lnB>
-                    <a:noFill/>
+                    <a:solidFill>
+                      <a:srgbClr val="000000">
+                        <a:alpha val="7843"/>
+                      </a:srgbClr>
+                    </a:solidFill>
                   </a:tcPr>
                 </a:tc>
                 <a:extLst>
                   <a:ext uri="{0D108BD9-81ED-4DB2-BD59-A6C34878D82A}">
-                    <a16:rowId xmlns:a16="http://schemas.microsoft.com/office/drawing/2014/main" val="714104632"/>
-                  </a:ext>
-                </a:extLst>
-              </a:tr>
-              <a:tr h="531390">
-                <a:tc>
-                  <a:txBody>
-                    <a:bodyPr/>
-                    <a:lstStyle/>
-                    <a:p>
-                      <a:pPr marL="0" marR="0" lvl="0" indent="0" algn="l" defTabSz="914400" rtl="0" eaLnBrk="1" fontAlgn="auto" latinLnBrk="0" hangingPunct="1">
-                        <a:lnSpc>
-                          <a:spcPct val="100000"/>
-                        </a:lnSpc>
-                        <a:spcBef>
-                          <a:spcPts val="0"/>
-                        </a:spcBef>
-                        <a:spcAft>
-                          <a:spcPts val="0"/>
-                        </a:spcAft>
-                        <a:buClrTx/>
-                        <a:buSzTx/>
-                        <a:buFontTx/>
-                        <a:buNone/>
-                        <a:tabLst/>
-                        <a:defRPr/>
-                      </a:pPr>
-                      <a:r>
-                        <a:rPr lang="en-US" sz="1700" dirty="0">
-                          <a:solidFill>
-                            <a:schemeClr val="tx1">
-                              <a:lumMod val="75000"/>
-                              <a:lumOff val="25000"/>
-                            </a:schemeClr>
-                          </a:solidFill>
-                        </a:rPr>
-                        <a:t>Macro Analysis Engine</a:t>
-                      </a:r>
-                    </a:p>
-                  </a:txBody>
-                  <a:tcPr marL="243758" marR="182819" marT="121879" marB="121879">
-                    <a:lnL w="12700" cmpd="sng">
-                      <a:noFill/>
-                      <a:prstDash val="solid"/>
-                    </a:lnL>
-                    <a:lnR w="12700" cmpd="sng">
-                      <a:noFill/>
-                      <a:prstDash val="solid"/>
-                    </a:lnR>
-                    <a:lnT w="9525" cap="flat" cmpd="sng" algn="ctr">
-                      <a:solidFill>
-                        <a:srgbClr val="C7C6C1"/>
-                      </a:solidFill>
-                      <a:prstDash val="solid"/>
-                    </a:lnT>
-                    <a:lnB w="9525" cap="flat" cmpd="sng" algn="ctr">
-                      <a:solidFill>
-                        <a:srgbClr val="C7C6C1"/>
-                      </a:solidFill>
-                      <a:prstDash val="solid"/>
-                      <a:round/>
-                      <a:headEnd type="none" w="med" len="med"/>
-                      <a:tailEnd type="none" w="med" len="med"/>
-                    </a:lnB>
-                    <a:noFill/>
-                  </a:tcPr>
-                </a:tc>
-                <a:tc>
-                  <a:txBody>
-                    <a:bodyPr/>
-                    <a:lstStyle/>
-                    <a:p>
-                      <a:pPr marL="0" marR="0" lvl="0" indent="0" algn="l" defTabSz="914400" rtl="0" eaLnBrk="1" fontAlgn="auto" latinLnBrk="0" hangingPunct="1">
-                        <a:lnSpc>
-                          <a:spcPct val="100000"/>
-                        </a:lnSpc>
-                        <a:spcBef>
-                          <a:spcPts val="0"/>
-                        </a:spcBef>
-                        <a:spcAft>
-                          <a:spcPts val="0"/>
-                        </a:spcAft>
-                        <a:buClrTx/>
-                        <a:buSzTx/>
-                        <a:buFontTx/>
-                        <a:buNone/>
-                        <a:tabLst/>
-                        <a:defRPr/>
-                      </a:pPr>
-                      <a:r>
-                        <a:rPr lang="en-US" sz="1700" dirty="0">
-                          <a:solidFill>
-                            <a:schemeClr val="tx1">
-                              <a:lumMod val="75000"/>
-                              <a:lumOff val="25000"/>
-                            </a:schemeClr>
-                          </a:solidFill>
-                        </a:rPr>
-                        <a:t>1.5 Weeks</a:t>
-                      </a:r>
-                    </a:p>
-                  </a:txBody>
-                  <a:tcPr marL="243758" marR="182819" marT="121879" marB="121879">
-                    <a:lnL w="12700" cmpd="sng">
-                      <a:noFill/>
-                      <a:prstDash val="solid"/>
-                    </a:lnL>
-                    <a:lnR w="12700" cmpd="sng">
-                      <a:noFill/>
-                      <a:prstDash val="solid"/>
-                    </a:lnR>
-                    <a:lnT w="9525" cap="flat" cmpd="sng" algn="ctr">
-                      <a:solidFill>
-                        <a:srgbClr val="C7C6C1"/>
-                      </a:solidFill>
-                      <a:prstDash val="solid"/>
-                    </a:lnT>
-                    <a:lnB w="9525" cap="flat" cmpd="sng" algn="ctr">
-                      <a:solidFill>
-                        <a:srgbClr val="C7C6C1"/>
-                      </a:solidFill>
-                      <a:prstDash val="solid"/>
-                      <a:round/>
-                      <a:headEnd type="none" w="med" len="med"/>
-                      <a:tailEnd type="none" w="med" len="med"/>
-                    </a:lnB>
-                    <a:noFill/>
-                  </a:tcPr>
-                </a:tc>
-                <a:extLst>
-                  <a:ext uri="{0D108BD9-81ED-4DB2-BD59-A6C34878D82A}">
-                    <a16:rowId xmlns:a16="http://schemas.microsoft.com/office/drawing/2014/main" val="3163368236"/>
-                  </a:ext>
-                </a:extLst>
-              </a:tr>
-              <a:tr h="531390">
-                <a:tc>
-                  <a:txBody>
-                    <a:bodyPr/>
-                    <a:lstStyle/>
-                    <a:p>
-                      <a:pPr marL="0" marR="0" lvl="0" indent="0" algn="l" defTabSz="914400" rtl="0" eaLnBrk="1" fontAlgn="auto" latinLnBrk="0" hangingPunct="1">
-                        <a:lnSpc>
-                          <a:spcPct val="100000"/>
-                        </a:lnSpc>
-                        <a:spcBef>
-                          <a:spcPts val="0"/>
-                        </a:spcBef>
-                        <a:spcAft>
-                          <a:spcPts val="0"/>
-                        </a:spcAft>
-                        <a:buClrTx/>
-                        <a:buSzTx/>
-                        <a:buFontTx/>
-                        <a:buNone/>
-                        <a:tabLst/>
-                        <a:defRPr/>
-                      </a:pPr>
-                      <a:r>
-                        <a:rPr lang="en-US" sz="1700" dirty="0">
-                          <a:solidFill>
-                            <a:schemeClr val="tx1">
-                              <a:lumMod val="75000"/>
-                              <a:lumOff val="25000"/>
-                            </a:schemeClr>
-                          </a:solidFill>
-                        </a:rPr>
-                        <a:t>E-Governance</a:t>
-                      </a:r>
-                    </a:p>
-                  </a:txBody>
-                  <a:tcPr marL="243758" marR="182819" marT="121879" marB="121879">
-                    <a:lnL w="12700" cmpd="sng">
-                      <a:noFill/>
-                      <a:prstDash val="solid"/>
-                    </a:lnL>
-                    <a:lnR w="12700" cmpd="sng">
-                      <a:noFill/>
-                      <a:prstDash val="solid"/>
-                    </a:lnR>
-                    <a:lnT w="9525" cap="flat" cmpd="sng" algn="ctr">
-                      <a:solidFill>
-                        <a:srgbClr val="C7C6C1"/>
-                      </a:solidFill>
-                      <a:prstDash val="solid"/>
-                    </a:lnT>
-                    <a:lnB w="9525" cap="flat" cmpd="sng" algn="ctr">
-                      <a:solidFill>
-                        <a:srgbClr val="C7C6C1"/>
-                      </a:solidFill>
-                      <a:prstDash val="solid"/>
-                    </a:lnB>
-                    <a:noFill/>
-                  </a:tcPr>
-                </a:tc>
-                <a:tc>
-                  <a:txBody>
-                    <a:bodyPr/>
-                    <a:lstStyle/>
-                    <a:p>
-                      <a:pPr marL="0" marR="0" lvl="0" indent="0" algn="l" defTabSz="914400" rtl="0" eaLnBrk="1" fontAlgn="auto" latinLnBrk="0" hangingPunct="1">
-                        <a:lnSpc>
-                          <a:spcPct val="100000"/>
-                        </a:lnSpc>
-                        <a:spcBef>
-                          <a:spcPts val="0"/>
-                        </a:spcBef>
-                        <a:spcAft>
-                          <a:spcPts val="0"/>
-                        </a:spcAft>
-                        <a:buClrTx/>
-                        <a:buSzTx/>
-                        <a:buFontTx/>
-                        <a:buNone/>
-                        <a:tabLst/>
-                        <a:defRPr/>
-                      </a:pPr>
-                      <a:r>
-                        <a:rPr lang="en-US" sz="1700" dirty="0">
-                          <a:solidFill>
-                            <a:schemeClr val="tx1">
-                              <a:lumMod val="75000"/>
-                              <a:lumOff val="25000"/>
-                            </a:schemeClr>
-                          </a:solidFill>
-                        </a:rPr>
-                        <a:t>2 Weeks</a:t>
-                      </a:r>
-                    </a:p>
-                  </a:txBody>
-                  <a:tcPr marL="243758" marR="182819" marT="121879" marB="121879">
-                    <a:lnL w="12700" cmpd="sng">
-                      <a:noFill/>
-                      <a:prstDash val="solid"/>
-                    </a:lnL>
-                    <a:lnR w="12700" cmpd="sng">
-                      <a:noFill/>
-                      <a:prstDash val="solid"/>
-                    </a:lnR>
-                    <a:lnT w="9525" cap="flat" cmpd="sng" algn="ctr">
-                      <a:solidFill>
-                        <a:srgbClr val="C7C6C1"/>
-                      </a:solidFill>
-                      <a:prstDash val="solid"/>
-                    </a:lnT>
-                    <a:lnB w="9525" cap="flat" cmpd="sng" algn="ctr">
-                      <a:solidFill>
-                        <a:srgbClr val="C7C6C1"/>
-                      </a:solidFill>
-                      <a:prstDash val="solid"/>
-                    </a:lnB>
-                    <a:noFill/>
-                  </a:tcPr>
-                </a:tc>
-                <a:extLst>
-                  <a:ext uri="{0D108BD9-81ED-4DB2-BD59-A6C34878D82A}">
-                    <a16:rowId xmlns:a16="http://schemas.microsoft.com/office/drawing/2014/main" val="974054246"/>
+                    <a16:rowId xmlns:a16="http://schemas.microsoft.com/office/drawing/2014/main" val="2957986143"/>
                   </a:ext>
                 </a:extLst>
               </a:tr>
@@ -15797,7 +16058,7 @@
     </p:spTree>
     <p:extLst>
       <p:ext uri="{BB962C8B-B14F-4D97-AF65-F5344CB8AC3E}">
-        <p14:creationId xmlns:p14="http://schemas.microsoft.com/office/powerpoint/2010/main" val="4256268908"/>
+        <p14:creationId xmlns:p14="http://schemas.microsoft.com/office/powerpoint/2010/main" val="1811834077"/>
       </p:ext>
     </p:extLst>
   </p:cSld>
@@ -15807,7 +16068,7 @@
 </p:sld>
 </file>
 
-<file path=ppt/slides/slide12.xml><?xml version="1.0" encoding="utf-8"?>
+<file path=ppt/slides/slide13.xml><?xml version="1.0" encoding="utf-8"?>
 <p:sld xmlns:a="http://schemas.openxmlformats.org/drawingml/2006/main" xmlns:r="http://schemas.openxmlformats.org/officeDocument/2006/relationships" xmlns:p="http://schemas.openxmlformats.org/presentationml/2006/main">
   <p:cSld>
     <p:bg>
@@ -15889,7 +16150,7 @@
                 <a14:useLocalDpi xmlns:a14="http://schemas.microsoft.com/office/drawing/2010/main" val="0"/>
               </a:ext>
               <a:ext uri="{96DAC541-7B7A-43D3-8B79-37D633B846F1}">
-                <asvg:svgBlip xmlns="" xmlns:asvg="http://schemas.microsoft.com/office/drawing/2016/SVG/main" r:embed="rId3"/>
+                <asvg:svgBlip xmlns:asvg="http://schemas.microsoft.com/office/drawing/2016/SVG/main" r:embed="rId3"/>
               </a:ext>
             </a:extLst>
           </a:blip>
@@ -16050,7 +16311,7 @@
                 <a16:creationId xmlns:a16="http://schemas.microsoft.com/office/drawing/2014/main" id="{E4A809D5-3600-46D4-A466-67F2349A54FB}"/>
               </a:ext>
               <a:ext uri="{C183D7F6-B498-43B3-948B-1728B52AA6E4}">
-                <adec:decorative xmlns="" xmlns:adec="http://schemas.microsoft.com/office/drawing/2017/decorative" val="1"/>
+                <adec:decorative xmlns:adec="http://schemas.microsoft.com/office/drawing/2017/decorative" val="1"/>
               </a:ext>
             </a:extLst>
           </p:cNvPr>
@@ -16282,7 +16543,7 @@
                 <a16:creationId xmlns:a16="http://schemas.microsoft.com/office/drawing/2014/main" id="{87A57295-2710-4920-B99A-4D1FA03A62BD}"/>
               </a:ext>
               <a:ext uri="{C183D7F6-B498-43B3-948B-1728B52AA6E4}">
-                <adec:decorative xmlns="" xmlns:adec="http://schemas.microsoft.com/office/drawing/2017/decorative" val="1"/>
+                <adec:decorative xmlns:adec="http://schemas.microsoft.com/office/drawing/2017/decorative" val="1"/>
               </a:ext>
             </a:extLst>
           </p:cNvPr>
@@ -16342,7 +16603,7 @@
                 <a16:creationId xmlns:a16="http://schemas.microsoft.com/office/drawing/2014/main" id="{78067929-4D33-4306-9E2F-67C49CDDB5DE}"/>
               </a:ext>
               <a:ext uri="{C183D7F6-B498-43B3-948B-1728B52AA6E4}">
-                <adec:decorative xmlns="" xmlns:adec="http://schemas.microsoft.com/office/drawing/2017/decorative" val="1"/>
+                <adec:decorative xmlns:adec="http://schemas.microsoft.com/office/drawing/2017/decorative" val="1"/>
               </a:ext>
             </a:extLst>
           </p:cNvPr>
@@ -16444,7 +16705,7 @@
                 <a16:creationId xmlns:a16="http://schemas.microsoft.com/office/drawing/2014/main" id="{2D72A2C9-F3CA-4216-8BAD-FA4C970C3C4E}"/>
               </a:ext>
               <a:ext uri="{C183D7F6-B498-43B3-948B-1728B52AA6E4}">
-                <adec:decorative xmlns="" xmlns:adec="http://schemas.microsoft.com/office/drawing/2017/decorative" val="1"/>
+                <adec:decorative xmlns:adec="http://schemas.microsoft.com/office/drawing/2017/decorative" val="1"/>
               </a:ext>
             </a:extLst>
           </p:cNvPr>
@@ -16576,7 +16837,7 @@
                 <a16:creationId xmlns:a16="http://schemas.microsoft.com/office/drawing/2014/main" id="{46C2E80F-49A6-4372-B103-219D417A55ED}"/>
               </a:ext>
               <a:ext uri="{C183D7F6-B498-43B3-948B-1728B52AA6E4}">
-                <adec:decorative xmlns="" xmlns:adec="http://schemas.microsoft.com/office/drawing/2017/decorative" val="1"/>
+                <adec:decorative xmlns:adec="http://schemas.microsoft.com/office/drawing/2017/decorative" val="1"/>
               </a:ext>
             </a:extLst>
           </p:cNvPr>
@@ -17165,7 +17426,7 @@
                 <a16:creationId xmlns:a16="http://schemas.microsoft.com/office/drawing/2014/main" id="{46C2E80F-49A6-4372-B103-219D417A55ED}"/>
               </a:ext>
               <a:ext uri="{C183D7F6-B498-43B3-948B-1728B52AA6E4}">
-                <adec:decorative xmlns="" xmlns:adec="http://schemas.microsoft.com/office/drawing/2017/decorative" val="1"/>
+                <adec:decorative xmlns:adec="http://schemas.microsoft.com/office/drawing/2017/decorative" val="1"/>
               </a:ext>
             </a:extLst>
           </p:cNvPr>
@@ -17754,7 +18015,7 @@
                 <a16:creationId xmlns:a16="http://schemas.microsoft.com/office/drawing/2014/main" id="{46C2E80F-49A6-4372-B103-219D417A55ED}"/>
               </a:ext>
               <a:ext uri="{C183D7F6-B498-43B3-948B-1728B52AA6E4}">
-                <adec:decorative xmlns="" xmlns:adec="http://schemas.microsoft.com/office/drawing/2017/decorative" val="1"/>
+                <adec:decorative xmlns:adec="http://schemas.microsoft.com/office/drawing/2017/decorative" val="1"/>
               </a:ext>
             </a:extLst>
           </p:cNvPr>
@@ -18343,7 +18604,7 @@
                 <a16:creationId xmlns:a16="http://schemas.microsoft.com/office/drawing/2014/main" id="{B547373F-AF2E-4907-B442-9F902B387FD0}"/>
               </a:ext>
               <a:ext uri="{C183D7F6-B498-43B3-948B-1728B52AA6E4}">
-                <adec:decorative xmlns="" xmlns:adec="http://schemas.microsoft.com/office/drawing/2017/decorative" val="1"/>
+                <adec:decorative xmlns:adec="http://schemas.microsoft.com/office/drawing/2017/decorative" val="1"/>
               </a:ext>
             </a:extLst>
           </p:cNvPr>
@@ -19760,7 +20021,7 @@
                 <a16:creationId xmlns:a16="http://schemas.microsoft.com/office/drawing/2014/main" id="{B547373F-AF2E-4907-B442-9F902B387FD0}"/>
               </a:ext>
               <a:ext uri="{C183D7F6-B498-43B3-948B-1728B52AA6E4}">
-                <adec:decorative xmlns="" xmlns:adec="http://schemas.microsoft.com/office/drawing/2017/decorative" val="1"/>
+                <adec:decorative xmlns:adec="http://schemas.microsoft.com/office/drawing/2017/decorative" val="1"/>
               </a:ext>
             </a:extLst>
           </p:cNvPr>
@@ -20865,7 +21126,7 @@
                 <a16:creationId xmlns:a16="http://schemas.microsoft.com/office/drawing/2014/main" id="{B547373F-AF2E-4907-B442-9F902B387FD0}"/>
               </a:ext>
               <a:ext uri="{C183D7F6-B498-43B3-948B-1728B52AA6E4}">
-                <adec:decorative xmlns="" xmlns:adec="http://schemas.microsoft.com/office/drawing/2017/decorative" val="1"/>
+                <adec:decorative xmlns:adec="http://schemas.microsoft.com/office/drawing/2017/decorative" val="1"/>
               </a:ext>
             </a:extLst>
           </p:cNvPr>

--- a/For The People.pptx
+++ b/For The People.pptx
@@ -17,7 +17,8 @@
     <p:sldId id="264" r:id="rId11"/>
     <p:sldId id="269" r:id="rId12"/>
     <p:sldId id="270" r:id="rId13"/>
-    <p:sldId id="263" r:id="rId14"/>
+    <p:sldId id="271" r:id="rId14"/>
+    <p:sldId id="263" r:id="rId15"/>
   </p:sldIdLst>
   <p:sldSz cx="12192000" cy="6858000"/>
   <p:notesSz cx="6858000" cy="9144000"/>
@@ -9826,7 +9827,7 @@
           <a:p>
             <a:fld id="{87C83D96-EC60-44E9-8CB1-309D5567D819}" type="datetimeFigureOut">
               <a:rPr lang="en-US" smtClean="0"/>
-              <a:t>6/2/2020</a:t>
+              <a:t>6/3/2020</a:t>
             </a:fld>
             <a:endParaRPr lang="en-US"/>
           </a:p>
@@ -10024,7 +10025,7 @@
           <a:p>
             <a:fld id="{87C83D96-EC60-44E9-8CB1-309D5567D819}" type="datetimeFigureOut">
               <a:rPr lang="en-US" smtClean="0"/>
-              <a:t>6/2/2020</a:t>
+              <a:t>6/3/2020</a:t>
             </a:fld>
             <a:endParaRPr lang="en-US"/>
           </a:p>
@@ -10232,7 +10233,7 @@
           <a:p>
             <a:fld id="{87C83D96-EC60-44E9-8CB1-309D5567D819}" type="datetimeFigureOut">
               <a:rPr lang="en-US" smtClean="0"/>
-              <a:t>6/2/2020</a:t>
+              <a:t>6/3/2020</a:t>
             </a:fld>
             <a:endParaRPr lang="en-US"/>
           </a:p>
@@ -10430,7 +10431,7 @@
           <a:p>
             <a:fld id="{87C83D96-EC60-44E9-8CB1-309D5567D819}" type="datetimeFigureOut">
               <a:rPr lang="en-US" smtClean="0"/>
-              <a:t>6/2/2020</a:t>
+              <a:t>6/3/2020</a:t>
             </a:fld>
             <a:endParaRPr lang="en-US"/>
           </a:p>
@@ -10705,7 +10706,7 @@
           <a:p>
             <a:fld id="{87C83D96-EC60-44E9-8CB1-309D5567D819}" type="datetimeFigureOut">
               <a:rPr lang="en-US" smtClean="0"/>
-              <a:t>6/2/2020</a:t>
+              <a:t>6/3/2020</a:t>
             </a:fld>
             <a:endParaRPr lang="en-US"/>
           </a:p>
@@ -10970,7 +10971,7 @@
           <a:p>
             <a:fld id="{87C83D96-EC60-44E9-8CB1-309D5567D819}" type="datetimeFigureOut">
               <a:rPr lang="en-US" smtClean="0"/>
-              <a:t>6/2/2020</a:t>
+              <a:t>6/3/2020</a:t>
             </a:fld>
             <a:endParaRPr lang="en-US"/>
           </a:p>
@@ -11382,7 +11383,7 @@
           <a:p>
             <a:fld id="{87C83D96-EC60-44E9-8CB1-309D5567D819}" type="datetimeFigureOut">
               <a:rPr lang="en-US" smtClean="0"/>
-              <a:t>6/2/2020</a:t>
+              <a:t>6/3/2020</a:t>
             </a:fld>
             <a:endParaRPr lang="en-US"/>
           </a:p>
@@ -11523,7 +11524,7 @@
           <a:p>
             <a:fld id="{87C83D96-EC60-44E9-8CB1-309D5567D819}" type="datetimeFigureOut">
               <a:rPr lang="en-US" smtClean="0"/>
-              <a:t>6/2/2020</a:t>
+              <a:t>6/3/2020</a:t>
             </a:fld>
             <a:endParaRPr lang="en-US"/>
           </a:p>
@@ -11636,7 +11637,7 @@
           <a:p>
             <a:fld id="{87C83D96-EC60-44E9-8CB1-309D5567D819}" type="datetimeFigureOut">
               <a:rPr lang="en-US" smtClean="0"/>
-              <a:t>6/2/2020</a:t>
+              <a:t>6/3/2020</a:t>
             </a:fld>
             <a:endParaRPr lang="en-US"/>
           </a:p>
@@ -11947,7 +11948,7 @@
           <a:p>
             <a:fld id="{87C83D96-EC60-44E9-8CB1-309D5567D819}" type="datetimeFigureOut">
               <a:rPr lang="en-US" smtClean="0"/>
-              <a:t>6/2/2020</a:t>
+              <a:t>6/3/2020</a:t>
             </a:fld>
             <a:endParaRPr lang="en-US"/>
           </a:p>
@@ -12235,7 +12236,7 @@
           <a:p>
             <a:fld id="{87C83D96-EC60-44E9-8CB1-309D5567D819}" type="datetimeFigureOut">
               <a:rPr lang="en-US" smtClean="0"/>
-              <a:t>6/2/2020</a:t>
+              <a:t>6/3/2020</a:t>
             </a:fld>
             <a:endParaRPr lang="en-US"/>
           </a:p>
@@ -12476,7 +12477,7 @@
           <a:p>
             <a:fld id="{87C83D96-EC60-44E9-8CB1-309D5567D819}" type="datetimeFigureOut">
               <a:rPr lang="en-US" smtClean="0"/>
-              <a:t>6/2/2020</a:t>
+              <a:t>6/3/2020</a:t>
             </a:fld>
             <a:endParaRPr lang="en-US"/>
           </a:p>
@@ -16069,6 +16070,323 @@
 </file>
 
 <file path=ppt/slides/slide13.xml><?xml version="1.0" encoding="utf-8"?>
+<p:sld xmlns:a="http://schemas.openxmlformats.org/drawingml/2006/main" xmlns:r="http://schemas.openxmlformats.org/officeDocument/2006/relationships" xmlns:p="http://schemas.openxmlformats.org/presentationml/2006/main">
+  <p:cSld>
+    <p:bg>
+      <p:bgPr>
+        <a:solidFill>
+          <a:schemeClr val="bg1"/>
+        </a:solidFill>
+        <a:effectLst/>
+      </p:bgPr>
+    </p:bg>
+    <p:spTree>
+      <p:nvGrpSpPr>
+        <p:cNvPr id="1" name=""/>
+        <p:cNvGrpSpPr/>
+        <p:nvPr/>
+      </p:nvGrpSpPr>
+      <p:grpSpPr>
+        <a:xfrm>
+          <a:off x="0" y="0"/>
+          <a:ext cx="0" cy="0"/>
+          <a:chOff x="0" y="0"/>
+          <a:chExt cx="0" cy="0"/>
+        </a:xfrm>
+      </p:grpSpPr>
+      <p:sp>
+        <p:nvSpPr>
+          <p:cNvPr id="9" name="Down Arrow 7">
+            <a:extLst>
+              <a:ext uri="{FF2B5EF4-FFF2-40B4-BE49-F238E27FC236}">
+                <a16:creationId xmlns:a16="http://schemas.microsoft.com/office/drawing/2014/main" id="{D4771268-CB57-404A-9271-370EB28F6090}"/>
+              </a:ext>
+              <a:ext uri="{C183D7F6-B498-43B3-948B-1728B52AA6E4}">
+                <adec:decorative xmlns:adec="http://schemas.microsoft.com/office/drawing/2017/decorative" val="1"/>
+              </a:ext>
+            </a:extLst>
+          </p:cNvPr>
+          <p:cNvSpPr>
+            <a:spLocks noGrp="1" noRot="1" noChangeAspect="1" noMove="1" noResize="1" noEditPoints="1" noAdjustHandles="1" noChangeArrowheads="1" noChangeShapeType="1" noTextEdit="1"/>
+          </p:cNvSpPr>
+          <p:nvPr>
+            <p:extLst>
+              <p:ext uri="{386F3935-93C4-4BCD-93E2-E3B085C9AB24}">
+                <p16:designElem xmlns:p16="http://schemas.microsoft.com/office/powerpoint/2015/main" val="1"/>
+              </p:ext>
+            </p:extLst>
+          </p:nvPr>
+        </p:nvSpPr>
+        <p:spPr>
+          <a:xfrm rot="16200000">
+            <a:off x="800100" y="1491343"/>
+            <a:ext cx="3333749" cy="3499103"/>
+          </a:xfrm>
+          <a:prstGeom prst="downArrow">
+            <a:avLst>
+              <a:gd name="adj1" fmla="val 100000"/>
+              <a:gd name="adj2" fmla="val 15788"/>
+            </a:avLst>
+          </a:prstGeom>
+          <a:solidFill>
+            <a:srgbClr val="404040"/>
+          </a:solidFill>
+          <a:ln w="53975">
+            <a:noFill/>
+          </a:ln>
+        </p:spPr>
+        <p:style>
+          <a:lnRef idx="2">
+            <a:schemeClr val="accent1">
+              <a:shade val="50000"/>
+            </a:schemeClr>
+          </a:lnRef>
+          <a:fillRef idx="1">
+            <a:schemeClr val="accent1"/>
+          </a:fillRef>
+          <a:effectRef idx="0">
+            <a:schemeClr val="accent1"/>
+          </a:effectRef>
+          <a:fontRef idx="minor">
+            <a:schemeClr val="lt1"/>
+          </a:fontRef>
+        </p:style>
+        <p:txBody>
+          <a:bodyPr rtlCol="0" anchor="ctr"/>
+          <a:lstStyle/>
+          <a:p>
+            <a:pPr algn="ctr"/>
+            <a:endParaRPr lang="en-US"/>
+          </a:p>
+        </p:txBody>
+      </p:sp>
+      <p:sp>
+        <p:nvSpPr>
+          <p:cNvPr id="2" name="Title 1">
+            <a:extLst>
+              <a:ext uri="{FF2B5EF4-FFF2-40B4-BE49-F238E27FC236}">
+                <a16:creationId xmlns:a16="http://schemas.microsoft.com/office/drawing/2014/main" id="{81CDB4EF-67EE-408D-862E-63BD40786A42}"/>
+              </a:ext>
+            </a:extLst>
+          </p:cNvPr>
+          <p:cNvSpPr>
+            <a:spLocks noGrp="1"/>
+          </p:cNvSpPr>
+          <p:nvPr>
+            <p:ph type="title"/>
+          </p:nvPr>
+        </p:nvSpPr>
+        <p:spPr>
+          <a:xfrm>
+            <a:off x="1028700" y="1967266"/>
+            <a:ext cx="2628900" cy="2547257"/>
+          </a:xfrm>
+          <a:noFill/>
+        </p:spPr>
+        <p:txBody>
+          <a:bodyPr vert="horz" lIns="91440" tIns="45720" rIns="91440" bIns="45720" rtlCol="0" anchor="ctr">
+            <a:normAutofit/>
+          </a:bodyPr>
+          <a:lstStyle/>
+          <a:p>
+            <a:pPr algn="ctr"/>
+            <a:r>
+              <a:rPr lang="en-US" sz="3100" kern="1200">
+                <a:solidFill>
+                  <a:srgbClr val="FFFFFF"/>
+                </a:solidFill>
+                <a:latin typeface="+mj-lt"/>
+                <a:ea typeface="+mj-ea"/>
+                <a:cs typeface="+mj-cs"/>
+              </a:rPr>
+              <a:t>Demonstration Video</a:t>
+            </a:r>
+          </a:p>
+        </p:txBody>
+      </p:sp>
+      <p:pic>
+        <p:nvPicPr>
+          <p:cNvPr id="6" name="Online Media 5" title="For The People Project Demo">
+            <a:hlinkClick r:id="" action="ppaction://media"/>
+            <a:extLst>
+              <a:ext uri="{FF2B5EF4-FFF2-40B4-BE49-F238E27FC236}">
+                <a16:creationId xmlns:a16="http://schemas.microsoft.com/office/drawing/2014/main" id="{93EFD779-78BA-43FA-874C-1051F89D6844}"/>
+              </a:ext>
+            </a:extLst>
+          </p:cNvPr>
+          <p:cNvPicPr>
+            <a:picLocks noGrp="1" noRot="1" noChangeAspect="1"/>
+          </p:cNvPicPr>
+          <p:nvPr>
+            <p:ph idx="1"/>
+            <a:videoFile r:link="rId1"/>
+          </p:nvPr>
+        </p:nvPicPr>
+        <p:blipFill>
+          <a:blip r:embed="rId3"/>
+          <a:stretch>
+            <a:fillRect/>
+          </a:stretch>
+        </p:blipFill>
+        <p:spPr>
+          <a:xfrm>
+            <a:off x="4312376" y="1065225"/>
+            <a:ext cx="7735888" cy="4351338"/>
+          </a:xfrm>
+          <a:prstGeom prst="rect">
+            <a:avLst/>
+          </a:prstGeom>
+        </p:spPr>
+      </p:pic>
+    </p:spTree>
+    <p:extLst>
+      <p:ext uri="{BB962C8B-B14F-4D97-AF65-F5344CB8AC3E}">
+        <p14:creationId xmlns:p14="http://schemas.microsoft.com/office/powerpoint/2010/main" val="1675671169"/>
+      </p:ext>
+    </p:extLst>
+  </p:cSld>
+  <p:clrMapOvr>
+    <a:masterClrMapping/>
+  </p:clrMapOvr>
+  <p:timing>
+    <p:tnLst>
+      <p:par>
+        <p:cTn id="1" dur="indefinite" restart="never" nodeType="tmRoot">
+          <p:childTnLst>
+            <p:seq concurrent="1" nextAc="seek">
+              <p:cTn id="2" dur="indefinite" nodeType="mainSeq">
+                <p:childTnLst>
+                  <p:par>
+                    <p:cTn id="3" fill="hold">
+                      <p:stCondLst>
+                        <p:cond delay="indefinite"/>
+                      </p:stCondLst>
+                      <p:childTnLst>
+                        <p:par>
+                          <p:cTn id="4" fill="hold">
+                            <p:stCondLst>
+                              <p:cond delay="0"/>
+                            </p:stCondLst>
+                            <p:childTnLst>
+                              <p:par>
+                                <p:cTn id="5" presetID="1" presetClass="mediacall" presetSubtype="0" fill="hold" nodeType="clickEffect">
+                                  <p:stCondLst>
+                                    <p:cond delay="0"/>
+                                  </p:stCondLst>
+                                  <p:childTnLst>
+                                    <p:cmd type="call" cmd="playFrom(0.0)">
+                                      <p:cBhvr>
+                                        <p:cTn id="6" dur="1" fill="hold"/>
+                                        <p:tgtEl>
+                                          <p:spTgt spid="6"/>
+                                        </p:tgtEl>
+                                      </p:cBhvr>
+                                    </p:cmd>
+                                  </p:childTnLst>
+                                </p:cTn>
+                              </p:par>
+                            </p:childTnLst>
+                          </p:cTn>
+                        </p:par>
+                      </p:childTnLst>
+                    </p:cTn>
+                  </p:par>
+                </p:childTnLst>
+              </p:cTn>
+              <p:prevCondLst>
+                <p:cond evt="onPrev" delay="0">
+                  <p:tgtEl>
+                    <p:sldTgt/>
+                  </p:tgtEl>
+                </p:cond>
+              </p:prevCondLst>
+              <p:nextCondLst>
+                <p:cond evt="onNext" delay="0">
+                  <p:tgtEl>
+                    <p:sldTgt/>
+                  </p:tgtEl>
+                </p:cond>
+              </p:nextCondLst>
+            </p:seq>
+            <p:video>
+              <p:cMediaNode vol="80000">
+                <p:cTn id="7" fill="hold" display="0">
+                  <p:stCondLst>
+                    <p:cond delay="indefinite"/>
+                  </p:stCondLst>
+                </p:cTn>
+                <p:tgtEl>
+                  <p:spTgt spid="6"/>
+                </p:tgtEl>
+              </p:cMediaNode>
+            </p:video>
+            <p:seq concurrent="1" nextAc="seek">
+              <p:cTn id="8" restart="whenNotActive" fill="hold" evtFilter="cancelBubble" nodeType="interactiveSeq">
+                <p:stCondLst>
+                  <p:cond evt="onClick" delay="0">
+                    <p:tgtEl>
+                      <p:spTgt spid="6"/>
+                    </p:tgtEl>
+                  </p:cond>
+                </p:stCondLst>
+                <p:endSync evt="end" delay="0">
+                  <p:rtn val="all"/>
+                </p:endSync>
+                <p:childTnLst>
+                  <p:par>
+                    <p:cTn id="9" fill="hold">
+                      <p:stCondLst>
+                        <p:cond delay="0"/>
+                      </p:stCondLst>
+                      <p:childTnLst>
+                        <p:par>
+                          <p:cTn id="10" fill="hold">
+                            <p:stCondLst>
+                              <p:cond delay="0"/>
+                            </p:stCondLst>
+                            <p:childTnLst>
+                              <p:par>
+                                <p:cTn id="11" presetID="2" presetClass="mediacall" presetSubtype="0" fill="hold" nodeType="clickEffect">
+                                  <p:stCondLst>
+                                    <p:cond delay="0"/>
+                                  </p:stCondLst>
+                                  <p:childTnLst>
+                                    <p:cmd type="call" cmd="togglePause">
+                                      <p:cBhvr>
+                                        <p:cTn id="12" dur="1" fill="hold"/>
+                                        <p:tgtEl>
+                                          <p:spTgt spid="6"/>
+                                        </p:tgtEl>
+                                      </p:cBhvr>
+                                    </p:cmd>
+                                  </p:childTnLst>
+                                </p:cTn>
+                              </p:par>
+                            </p:childTnLst>
+                          </p:cTn>
+                        </p:par>
+                      </p:childTnLst>
+                    </p:cTn>
+                  </p:par>
+                </p:childTnLst>
+              </p:cTn>
+              <p:nextCondLst>
+                <p:cond evt="onClick" delay="0">
+                  <p:tgtEl>
+                    <p:spTgt spid="6"/>
+                  </p:tgtEl>
+                </p:cond>
+              </p:nextCondLst>
+            </p:seq>
+          </p:childTnLst>
+        </p:cTn>
+      </p:par>
+    </p:tnLst>
+  </p:timing>
+</p:sld>
+</file>
+
+<file path=ppt/slides/slide14.xml><?xml version="1.0" encoding="utf-8"?>
 <p:sld xmlns:a="http://schemas.openxmlformats.org/drawingml/2006/main" xmlns:r="http://schemas.openxmlformats.org/officeDocument/2006/relationships" xmlns:p="http://schemas.openxmlformats.org/presentationml/2006/main">
   <p:cSld>
     <p:bg>

--- a/For The People.pptx
+++ b/For The People.pptx
@@ -9827,7 +9827,7 @@
           <a:p>
             <a:fld id="{87C83D96-EC60-44E9-8CB1-309D5567D819}" type="datetimeFigureOut">
               <a:rPr lang="en-US" smtClean="0"/>
-              <a:t>6/3/2020</a:t>
+              <a:t>7/12/2020</a:t>
             </a:fld>
             <a:endParaRPr lang="en-US"/>
           </a:p>
@@ -10025,7 +10025,7 @@
           <a:p>
             <a:fld id="{87C83D96-EC60-44E9-8CB1-309D5567D819}" type="datetimeFigureOut">
               <a:rPr lang="en-US" smtClean="0"/>
-              <a:t>6/3/2020</a:t>
+              <a:t>7/12/2020</a:t>
             </a:fld>
             <a:endParaRPr lang="en-US"/>
           </a:p>
@@ -10233,7 +10233,7 @@
           <a:p>
             <a:fld id="{87C83D96-EC60-44E9-8CB1-309D5567D819}" type="datetimeFigureOut">
               <a:rPr lang="en-US" smtClean="0"/>
-              <a:t>6/3/2020</a:t>
+              <a:t>7/12/2020</a:t>
             </a:fld>
             <a:endParaRPr lang="en-US"/>
           </a:p>
@@ -10431,7 +10431,7 @@
           <a:p>
             <a:fld id="{87C83D96-EC60-44E9-8CB1-309D5567D819}" type="datetimeFigureOut">
               <a:rPr lang="en-US" smtClean="0"/>
-              <a:t>6/3/2020</a:t>
+              <a:t>7/12/2020</a:t>
             </a:fld>
             <a:endParaRPr lang="en-US"/>
           </a:p>
@@ -10706,7 +10706,7 @@
           <a:p>
             <a:fld id="{87C83D96-EC60-44E9-8CB1-309D5567D819}" type="datetimeFigureOut">
               <a:rPr lang="en-US" smtClean="0"/>
-              <a:t>6/3/2020</a:t>
+              <a:t>7/12/2020</a:t>
             </a:fld>
             <a:endParaRPr lang="en-US"/>
           </a:p>
@@ -10971,7 +10971,7 @@
           <a:p>
             <a:fld id="{87C83D96-EC60-44E9-8CB1-309D5567D819}" type="datetimeFigureOut">
               <a:rPr lang="en-US" smtClean="0"/>
-              <a:t>6/3/2020</a:t>
+              <a:t>7/12/2020</a:t>
             </a:fld>
             <a:endParaRPr lang="en-US"/>
           </a:p>
@@ -11383,7 +11383,7 @@
           <a:p>
             <a:fld id="{87C83D96-EC60-44E9-8CB1-309D5567D819}" type="datetimeFigureOut">
               <a:rPr lang="en-US" smtClean="0"/>
-              <a:t>6/3/2020</a:t>
+              <a:t>7/12/2020</a:t>
             </a:fld>
             <a:endParaRPr lang="en-US"/>
           </a:p>
@@ -11524,7 +11524,7 @@
           <a:p>
             <a:fld id="{87C83D96-EC60-44E9-8CB1-309D5567D819}" type="datetimeFigureOut">
               <a:rPr lang="en-US" smtClean="0"/>
-              <a:t>6/3/2020</a:t>
+              <a:t>7/12/2020</a:t>
             </a:fld>
             <a:endParaRPr lang="en-US"/>
           </a:p>
@@ -11637,7 +11637,7 @@
           <a:p>
             <a:fld id="{87C83D96-EC60-44E9-8CB1-309D5567D819}" type="datetimeFigureOut">
               <a:rPr lang="en-US" smtClean="0"/>
-              <a:t>6/3/2020</a:t>
+              <a:t>7/12/2020</a:t>
             </a:fld>
             <a:endParaRPr lang="en-US"/>
           </a:p>
@@ -11948,7 +11948,7 @@
           <a:p>
             <a:fld id="{87C83D96-EC60-44E9-8CB1-309D5567D819}" type="datetimeFigureOut">
               <a:rPr lang="en-US" smtClean="0"/>
-              <a:t>6/3/2020</a:t>
+              <a:t>7/12/2020</a:t>
             </a:fld>
             <a:endParaRPr lang="en-US"/>
           </a:p>
@@ -12236,7 +12236,7 @@
           <a:p>
             <a:fld id="{87C83D96-EC60-44E9-8CB1-309D5567D819}" type="datetimeFigureOut">
               <a:rPr lang="en-US" smtClean="0"/>
-              <a:t>6/3/2020</a:t>
+              <a:t>7/12/2020</a:t>
             </a:fld>
             <a:endParaRPr lang="en-US"/>
           </a:p>
@@ -12477,7 +12477,7 @@
           <a:p>
             <a:fld id="{87C83D96-EC60-44E9-8CB1-309D5567D819}" type="datetimeFigureOut">
               <a:rPr lang="en-US" smtClean="0"/>
-              <a:t>6/3/2020</a:t>
+              <a:t>7/12/2020</a:t>
             </a:fld>
             <a:endParaRPr lang="en-US"/>
           </a:p>
@@ -16206,19 +16206,18 @@
       </p:sp>
       <p:pic>
         <p:nvPicPr>
-          <p:cNvPr id="6" name="Online Media 5" title="For The People Project Demo">
+          <p:cNvPr id="5" name="Online Media 4" title="For the people System presentation">
             <a:hlinkClick r:id="" action="ppaction://media"/>
             <a:extLst>
               <a:ext uri="{FF2B5EF4-FFF2-40B4-BE49-F238E27FC236}">
-                <a16:creationId xmlns:a16="http://schemas.microsoft.com/office/drawing/2014/main" id="{93EFD779-78BA-43FA-874C-1051F89D6844}"/>
+                <a16:creationId xmlns:a16="http://schemas.microsoft.com/office/drawing/2014/main" id="{5C80C2AF-9A69-427B-9ED1-29421662E326}"/>
               </a:ext>
             </a:extLst>
           </p:cNvPr>
           <p:cNvPicPr>
-            <a:picLocks noGrp="1" noRot="1" noChangeAspect="1"/>
+            <a:picLocks noRot="1" noChangeAspect="1"/>
           </p:cNvPicPr>
           <p:nvPr>
-            <p:ph idx="1"/>
             <a:videoFile r:link="rId1"/>
           </p:nvPr>
         </p:nvPicPr>
@@ -16230,8 +16229,8 @@
         </p:blipFill>
         <p:spPr>
           <a:xfrm>
-            <a:off x="4312376" y="1065225"/>
-            <a:ext cx="7735888" cy="4351338"/>
+            <a:off x="4463505" y="1357353"/>
+            <a:ext cx="7365855" cy="4143294"/>
           </a:xfrm>
           <a:prstGeom prst="rect">
             <a:avLst/>
@@ -16278,7 +16277,7 @@
                                       <p:cBhvr>
                                         <p:cTn id="6" dur="1" fill="hold"/>
                                         <p:tgtEl>
-                                          <p:spTgt spid="6"/>
+                                          <p:spTgt spid="5"/>
                                         </p:tgtEl>
                                       </p:cBhvr>
                                     </p:cmd>
@@ -16316,7 +16315,7 @@
                   </p:stCondLst>
                 </p:cTn>
                 <p:tgtEl>
-                  <p:spTgt spid="6"/>
+                  <p:spTgt spid="5"/>
                 </p:tgtEl>
               </p:cMediaNode>
             </p:video>
@@ -16325,7 +16324,7 @@
                 <p:stCondLst>
                   <p:cond evt="onClick" delay="0">
                     <p:tgtEl>
-                      <p:spTgt spid="6"/>
+                      <p:spTgt spid="5"/>
                     </p:tgtEl>
                   </p:cond>
                 </p:stCondLst>
@@ -16355,7 +16354,7 @@
                                       <p:cBhvr>
                                         <p:cTn id="12" dur="1" fill="hold"/>
                                         <p:tgtEl>
-                                          <p:spTgt spid="6"/>
+                                          <p:spTgt spid="5"/>
                                         </p:tgtEl>
                                       </p:cBhvr>
                                     </p:cmd>
@@ -16373,7 +16372,7 @@
               <p:nextCondLst>
                 <p:cond evt="onClick" delay="0">
                   <p:tgtEl>
-                    <p:spTgt spid="6"/>
+                    <p:spTgt spid="5"/>
                   </p:tgtEl>
                 </p:cond>
               </p:nextCondLst>

--- a/For The People.pptx
+++ b/For The People.pptx
@@ -15,10 +15,8 @@
     <p:sldId id="259" r:id="rId9"/>
     <p:sldId id="261" r:id="rId10"/>
     <p:sldId id="264" r:id="rId11"/>
-    <p:sldId id="269" r:id="rId12"/>
-    <p:sldId id="270" r:id="rId13"/>
-    <p:sldId id="271" r:id="rId14"/>
-    <p:sldId id="263" r:id="rId15"/>
+    <p:sldId id="271" r:id="rId12"/>
+    <p:sldId id="263" r:id="rId13"/>
   </p:sldIdLst>
   <p:sldSz cx="12192000" cy="6858000"/>
   <p:notesSz cx="6858000" cy="9144000"/>
@@ -9827,7 +9825,7 @@
           <a:p>
             <a:fld id="{87C83D96-EC60-44E9-8CB1-309D5567D819}" type="datetimeFigureOut">
               <a:rPr lang="en-US" smtClean="0"/>
-              <a:t>7/12/2020</a:t>
+              <a:t>7/13/2020</a:t>
             </a:fld>
             <a:endParaRPr lang="en-US"/>
           </a:p>
@@ -10025,7 +10023,7 @@
           <a:p>
             <a:fld id="{87C83D96-EC60-44E9-8CB1-309D5567D819}" type="datetimeFigureOut">
               <a:rPr lang="en-US" smtClean="0"/>
-              <a:t>7/12/2020</a:t>
+              <a:t>7/13/2020</a:t>
             </a:fld>
             <a:endParaRPr lang="en-US"/>
           </a:p>
@@ -10233,7 +10231,7 @@
           <a:p>
             <a:fld id="{87C83D96-EC60-44E9-8CB1-309D5567D819}" type="datetimeFigureOut">
               <a:rPr lang="en-US" smtClean="0"/>
-              <a:t>7/12/2020</a:t>
+              <a:t>7/13/2020</a:t>
             </a:fld>
             <a:endParaRPr lang="en-US"/>
           </a:p>
@@ -10431,7 +10429,7 @@
           <a:p>
             <a:fld id="{87C83D96-EC60-44E9-8CB1-309D5567D819}" type="datetimeFigureOut">
               <a:rPr lang="en-US" smtClean="0"/>
-              <a:t>7/12/2020</a:t>
+              <a:t>7/13/2020</a:t>
             </a:fld>
             <a:endParaRPr lang="en-US"/>
           </a:p>
@@ -10706,7 +10704,7 @@
           <a:p>
             <a:fld id="{87C83D96-EC60-44E9-8CB1-309D5567D819}" type="datetimeFigureOut">
               <a:rPr lang="en-US" smtClean="0"/>
-              <a:t>7/12/2020</a:t>
+              <a:t>7/13/2020</a:t>
             </a:fld>
             <a:endParaRPr lang="en-US"/>
           </a:p>
@@ -10971,7 +10969,7 @@
           <a:p>
             <a:fld id="{87C83D96-EC60-44E9-8CB1-309D5567D819}" type="datetimeFigureOut">
               <a:rPr lang="en-US" smtClean="0"/>
-              <a:t>7/12/2020</a:t>
+              <a:t>7/13/2020</a:t>
             </a:fld>
             <a:endParaRPr lang="en-US"/>
           </a:p>
@@ -11383,7 +11381,7 @@
           <a:p>
             <a:fld id="{87C83D96-EC60-44E9-8CB1-309D5567D819}" type="datetimeFigureOut">
               <a:rPr lang="en-US" smtClean="0"/>
-              <a:t>7/12/2020</a:t>
+              <a:t>7/13/2020</a:t>
             </a:fld>
             <a:endParaRPr lang="en-US"/>
           </a:p>
@@ -11524,7 +11522,7 @@
           <a:p>
             <a:fld id="{87C83D96-EC60-44E9-8CB1-309D5567D819}" type="datetimeFigureOut">
               <a:rPr lang="en-US" smtClean="0"/>
-              <a:t>7/12/2020</a:t>
+              <a:t>7/13/2020</a:t>
             </a:fld>
             <a:endParaRPr lang="en-US"/>
           </a:p>
@@ -11637,7 +11635,7 @@
           <a:p>
             <a:fld id="{87C83D96-EC60-44E9-8CB1-309D5567D819}" type="datetimeFigureOut">
               <a:rPr lang="en-US" smtClean="0"/>
-              <a:t>7/12/2020</a:t>
+              <a:t>7/13/2020</a:t>
             </a:fld>
             <a:endParaRPr lang="en-US"/>
           </a:p>
@@ -11948,7 +11946,7 @@
           <a:p>
             <a:fld id="{87C83D96-EC60-44E9-8CB1-309D5567D819}" type="datetimeFigureOut">
               <a:rPr lang="en-US" smtClean="0"/>
-              <a:t>7/12/2020</a:t>
+              <a:t>7/13/2020</a:t>
             </a:fld>
             <a:endParaRPr lang="en-US"/>
           </a:p>
@@ -12236,7 +12234,7 @@
           <a:p>
             <a:fld id="{87C83D96-EC60-44E9-8CB1-309D5567D819}" type="datetimeFigureOut">
               <a:rPr lang="en-US" smtClean="0"/>
-              <a:t>7/12/2020</a:t>
+              <a:t>7/13/2020</a:t>
             </a:fld>
             <a:endParaRPr lang="en-US"/>
           </a:p>
@@ -12477,7 +12475,7 @@
           <a:p>
             <a:fld id="{87C83D96-EC60-44E9-8CB1-309D5567D819}" type="datetimeFigureOut">
               <a:rPr lang="en-US" smtClean="0"/>
-              <a:t>7/12/2020</a:t>
+              <a:t>7/13/2020</a:t>
             </a:fld>
             <a:endParaRPr lang="en-US"/>
           </a:p>
@@ -14160,1942 +14158,6 @@
       </p:grpSpPr>
       <p:sp>
         <p:nvSpPr>
-          <p:cNvPr id="16" name="Down Arrow 7">
-            <a:extLst>
-              <a:ext uri="{FF2B5EF4-FFF2-40B4-BE49-F238E27FC236}">
-                <a16:creationId xmlns:a16="http://schemas.microsoft.com/office/drawing/2014/main" id="{D4771268-CB57-404A-9271-370EB28F6090}"/>
-              </a:ext>
-              <a:ext uri="{C183D7F6-B498-43B3-948B-1728B52AA6E4}">
-                <adec:decorative xmlns:adec="http://schemas.microsoft.com/office/drawing/2017/decorative" val="1"/>
-              </a:ext>
-            </a:extLst>
-          </p:cNvPr>
-          <p:cNvSpPr>
-            <a:spLocks noGrp="1" noRot="1" noChangeAspect="1" noMove="1" noResize="1" noEditPoints="1" noAdjustHandles="1" noChangeArrowheads="1" noChangeShapeType="1" noTextEdit="1"/>
-          </p:cNvSpPr>
-          <p:nvPr>
-            <p:extLst>
-              <p:ext uri="{386F3935-93C4-4BCD-93E2-E3B085C9AB24}">
-                <p16:designElem xmlns:p16="http://schemas.microsoft.com/office/powerpoint/2015/main" val="1"/>
-              </p:ext>
-            </p:extLst>
-          </p:nvPr>
-        </p:nvSpPr>
-        <p:spPr>
-          <a:xfrm rot="16200000">
-            <a:off x="800100" y="1491343"/>
-            <a:ext cx="3333749" cy="3499103"/>
-          </a:xfrm>
-          <a:prstGeom prst="downArrow">
-            <a:avLst>
-              <a:gd name="adj1" fmla="val 100000"/>
-              <a:gd name="adj2" fmla="val 15788"/>
-            </a:avLst>
-          </a:prstGeom>
-          <a:solidFill>
-            <a:srgbClr val="404040"/>
-          </a:solidFill>
-          <a:ln w="53975">
-            <a:noFill/>
-          </a:ln>
-        </p:spPr>
-        <p:style>
-          <a:lnRef idx="2">
-            <a:schemeClr val="accent1">
-              <a:shade val="50000"/>
-            </a:schemeClr>
-          </a:lnRef>
-          <a:fillRef idx="1">
-            <a:schemeClr val="accent1"/>
-          </a:fillRef>
-          <a:effectRef idx="0">
-            <a:schemeClr val="accent1"/>
-          </a:effectRef>
-          <a:fontRef idx="minor">
-            <a:schemeClr val="lt1"/>
-          </a:fontRef>
-        </p:style>
-        <p:txBody>
-          <a:bodyPr rtlCol="0" anchor="ctr"/>
-          <a:lstStyle/>
-          <a:p>
-            <a:pPr algn="ctr"/>
-            <a:endParaRPr lang="en-US"/>
-          </a:p>
-        </p:txBody>
-      </p:sp>
-      <p:sp>
-        <p:nvSpPr>
-          <p:cNvPr id="2" name="Title 1">
-            <a:extLst>
-              <a:ext uri="{FF2B5EF4-FFF2-40B4-BE49-F238E27FC236}">
-                <a16:creationId xmlns:a16="http://schemas.microsoft.com/office/drawing/2014/main" id="{4B25956D-A7DE-4AA2-9F30-C5B34BC999B7}"/>
-              </a:ext>
-            </a:extLst>
-          </p:cNvPr>
-          <p:cNvSpPr>
-            <a:spLocks noGrp="1"/>
-          </p:cNvSpPr>
-          <p:nvPr>
-            <p:ph type="title"/>
-          </p:nvPr>
-        </p:nvSpPr>
-        <p:spPr>
-          <a:xfrm>
-            <a:off x="1028700" y="1967266"/>
-            <a:ext cx="2628900" cy="2547257"/>
-          </a:xfrm>
-          <a:noFill/>
-        </p:spPr>
-        <p:txBody>
-          <a:bodyPr vert="horz" lIns="91440" tIns="45720" rIns="91440" bIns="45720" rtlCol="0" anchor="ctr">
-            <a:normAutofit/>
-          </a:bodyPr>
-          <a:lstStyle/>
-          <a:p>
-            <a:pPr algn="ctr"/>
-            <a:r>
-              <a:rPr lang="en-US" sz="3600" kern="1200">
-                <a:solidFill>
-                  <a:srgbClr val="FFFFFF"/>
-                </a:solidFill>
-                <a:latin typeface="+mj-lt"/>
-                <a:ea typeface="+mj-ea"/>
-                <a:cs typeface="+mj-cs"/>
-              </a:rPr>
-              <a:t>Work Done</a:t>
-            </a:r>
-          </a:p>
-        </p:txBody>
-      </p:sp>
-      <p:graphicFrame>
-        <p:nvGraphicFramePr>
-          <p:cNvPr id="3" name="Table 2">
-            <a:extLst>
-              <a:ext uri="{FF2B5EF4-FFF2-40B4-BE49-F238E27FC236}">
-                <a16:creationId xmlns:a16="http://schemas.microsoft.com/office/drawing/2014/main" id="{FF612872-B633-4E2F-AFEA-BEFAA747CB1F}"/>
-              </a:ext>
-            </a:extLst>
-          </p:cNvPr>
-          <p:cNvGraphicFramePr>
-            <a:graphicFrameLocks noGrp="1"/>
-          </p:cNvGraphicFramePr>
-          <p:nvPr>
-            <p:extLst>
-              <p:ext uri="{D42A27DB-BD31-4B8C-83A1-F6EECF244321}">
-                <p14:modId xmlns:p14="http://schemas.microsoft.com/office/powerpoint/2010/main" val="3265416903"/>
-              </p:ext>
-            </p:extLst>
-          </p:nvPr>
-        </p:nvGraphicFramePr>
-        <p:xfrm>
-          <a:off x="4777316" y="897391"/>
-          <a:ext cx="6780701" cy="5060890"/>
-        </p:xfrm>
-        <a:graphic>
-          <a:graphicData uri="http://schemas.openxmlformats.org/drawingml/2006/table">
-            <a:tbl>
-              <a:tblPr firstRow="1" bandRow="1">
-                <a:noFill/>
-                <a:tableStyleId>{F5AB1C69-6EDB-4FF4-983F-18BD219EF322}</a:tableStyleId>
-              </a:tblPr>
-              <a:tblGrid>
-                <a:gridCol w="3424299">
-                  <a:extLst>
-                    <a:ext uri="{9D8B030D-6E8A-4147-A177-3AD203B41FA5}">
-                      <a16:colId xmlns:a16="http://schemas.microsoft.com/office/drawing/2014/main" val="3541785003"/>
-                    </a:ext>
-                  </a:extLst>
-                </a:gridCol>
-                <a:gridCol w="3356402">
-                  <a:extLst>
-                    <a:ext uri="{9D8B030D-6E8A-4147-A177-3AD203B41FA5}">
-                      <a16:colId xmlns:a16="http://schemas.microsoft.com/office/drawing/2014/main" val="3523677521"/>
-                    </a:ext>
-                  </a:extLst>
-                </a:gridCol>
-              </a:tblGrid>
-              <a:tr h="682215">
-                <a:tc>
-                  <a:txBody>
-                    <a:bodyPr/>
-                    <a:lstStyle/>
-                    <a:p>
-                      <a:pPr marL="12700" marR="635" indent="-6350" algn="l">
-                        <a:lnSpc>
-                          <a:spcPct val="107000"/>
-                        </a:lnSpc>
-                        <a:spcBef>
-                          <a:spcPts val="0"/>
-                        </a:spcBef>
-                        <a:spcAft>
-                          <a:spcPts val="890"/>
-                        </a:spcAft>
-                      </a:pPr>
-                      <a:r>
-                        <a:rPr lang="en-US" sz="2000" b="0" u="none" kern="0" cap="all" spc="150" dirty="0">
-                          <a:solidFill>
-                            <a:schemeClr val="lt1"/>
-                          </a:solidFill>
-                          <a:effectLst/>
-                          <a:uFill>
-                            <a:solidFill>
-                              <a:srgbClr val="000000"/>
-                            </a:solidFill>
-                          </a:uFill>
-                        </a:rPr>
-                        <a:t>Work</a:t>
-                      </a:r>
-                      <a:endParaRPr lang="en-US" sz="2000" b="0" u="none" kern="0" cap="all" spc="150" dirty="0">
-                        <a:solidFill>
-                          <a:schemeClr val="lt1"/>
-                        </a:solidFill>
-                        <a:effectLst/>
-                        <a:uFill>
-                          <a:solidFill>
-                            <a:srgbClr val="000000"/>
-                          </a:solidFill>
-                        </a:uFill>
-                        <a:latin typeface="Calibri" panose="020F0502020204030204" pitchFamily="34" charset="0"/>
-                        <a:ea typeface="Times New Roman" panose="02020603050405020304" pitchFamily="18" charset="0"/>
-                        <a:cs typeface="Times New Roman" panose="02020603050405020304" pitchFamily="18" charset="0"/>
-                      </a:endParaRPr>
-                    </a:p>
-                  </a:txBody>
-                  <a:tcPr marL="167510" marR="167510" marT="167510" marB="167510">
-                    <a:lnL w="12700" cmpd="sng">
-                      <a:noFill/>
-                    </a:lnL>
-                    <a:lnR w="12700" cmpd="sng">
-                      <a:noFill/>
-                    </a:lnR>
-                    <a:lnT w="12700" cmpd="sng">
-                      <a:noFill/>
-                    </a:lnT>
-                    <a:lnB w="38100" cmpd="sng">
-                      <a:noFill/>
-                    </a:lnB>
-                    <a:solidFill>
-                      <a:srgbClr val="505356"/>
-                    </a:solidFill>
-                  </a:tcPr>
-                </a:tc>
-                <a:tc>
-                  <a:txBody>
-                    <a:bodyPr/>
-                    <a:lstStyle/>
-                    <a:p>
-                      <a:pPr marL="12700" marR="635" indent="-6350" algn="l">
-                        <a:lnSpc>
-                          <a:spcPct val="107000"/>
-                        </a:lnSpc>
-                        <a:spcBef>
-                          <a:spcPts val="0"/>
-                        </a:spcBef>
-                        <a:spcAft>
-                          <a:spcPts val="890"/>
-                        </a:spcAft>
-                      </a:pPr>
-                      <a:r>
-                        <a:rPr lang="en-US" sz="2000" b="0" u="none" kern="0" cap="all" spc="150" dirty="0">
-                          <a:solidFill>
-                            <a:schemeClr val="lt1"/>
-                          </a:solidFill>
-                          <a:effectLst/>
-                          <a:uFill>
-                            <a:solidFill>
-                              <a:srgbClr val="000000"/>
-                            </a:solidFill>
-                          </a:uFill>
-                        </a:rPr>
-                        <a:t>Status</a:t>
-                      </a:r>
-                      <a:endParaRPr lang="en-US" sz="2000" b="0" u="none" kern="0" cap="all" spc="150" dirty="0">
-                        <a:solidFill>
-                          <a:schemeClr val="lt1"/>
-                        </a:solidFill>
-                        <a:effectLst/>
-                        <a:uFill>
-                          <a:solidFill>
-                            <a:srgbClr val="000000"/>
-                          </a:solidFill>
-                        </a:uFill>
-                        <a:latin typeface="Calibri" panose="020F0502020204030204" pitchFamily="34" charset="0"/>
-                        <a:ea typeface="Times New Roman" panose="02020603050405020304" pitchFamily="18" charset="0"/>
-                        <a:cs typeface="Times New Roman" panose="02020603050405020304" pitchFamily="18" charset="0"/>
-                      </a:endParaRPr>
-                    </a:p>
-                  </a:txBody>
-                  <a:tcPr marL="167510" marR="167510" marT="167510" marB="167510">
-                    <a:lnL w="12700" cmpd="sng">
-                      <a:noFill/>
-                    </a:lnL>
-                    <a:lnR w="12700" cmpd="sng">
-                      <a:noFill/>
-                    </a:lnR>
-                    <a:lnT w="12700" cmpd="sng">
-                      <a:noFill/>
-                    </a:lnT>
-                    <a:lnB w="38100" cmpd="sng">
-                      <a:noFill/>
-                    </a:lnB>
-                    <a:solidFill>
-                      <a:srgbClr val="505356"/>
-                    </a:solidFill>
-                  </a:tcPr>
-                </a:tc>
-                <a:extLst>
-                  <a:ext uri="{0D108BD9-81ED-4DB2-BD59-A6C34878D82A}">
-                    <a16:rowId xmlns:a16="http://schemas.microsoft.com/office/drawing/2014/main" val="3223726851"/>
-                  </a:ext>
-                </a:extLst>
-              </a:tr>
-              <a:tr h="625525">
-                <a:tc>
-                  <a:txBody>
-                    <a:bodyPr/>
-                    <a:lstStyle/>
-                    <a:p>
-                      <a:pPr marL="12700" marR="635" indent="-6350" algn="l">
-                        <a:lnSpc>
-                          <a:spcPct val="107000"/>
-                        </a:lnSpc>
-                        <a:spcBef>
-                          <a:spcPts val="0"/>
-                        </a:spcBef>
-                        <a:spcAft>
-                          <a:spcPts val="890"/>
-                        </a:spcAft>
-                      </a:pPr>
-                      <a:r>
-                        <a:rPr lang="en-US" sz="1600" u="none" strike="noStrike" kern="0" cap="none" spc="0">
-                          <a:solidFill>
-                            <a:schemeClr val="tx1"/>
-                          </a:solidFill>
-                          <a:effectLst/>
-                          <a:uFill>
-                            <a:solidFill>
-                              <a:srgbClr val="000000"/>
-                            </a:solidFill>
-                          </a:uFill>
-                        </a:rPr>
-                        <a:t>NLP engine</a:t>
-                      </a:r>
-                      <a:endParaRPr lang="en-US" sz="1600" b="1" u="sng" kern="0" cap="none" spc="0">
-                        <a:solidFill>
-                          <a:schemeClr val="tx1"/>
-                        </a:solidFill>
-                        <a:effectLst/>
-                        <a:uFill>
-                          <a:solidFill>
-                            <a:srgbClr val="000000"/>
-                          </a:solidFill>
-                        </a:uFill>
-                        <a:latin typeface="Calibri" panose="020F0502020204030204" pitchFamily="34" charset="0"/>
-                        <a:ea typeface="Times New Roman" panose="02020603050405020304" pitchFamily="18" charset="0"/>
-                        <a:cs typeface="Times New Roman" panose="02020603050405020304" pitchFamily="18" charset="0"/>
-                      </a:endParaRPr>
-                    </a:p>
-                  </a:txBody>
-                  <a:tcPr marL="167510" marR="167510" marT="167510" marB="167510">
-                    <a:lnL w="12700" cmpd="sng">
-                      <a:noFill/>
-                      <a:prstDash val="solid"/>
-                    </a:lnL>
-                    <a:lnR w="12700" cmpd="sng">
-                      <a:noFill/>
-                      <a:prstDash val="solid"/>
-                    </a:lnR>
-                    <a:lnT w="38100" cmpd="sng">
-                      <a:noFill/>
-                    </a:lnT>
-                    <a:lnB w="12700" cmpd="sng">
-                      <a:noFill/>
-                      <a:prstDash val="solid"/>
-                    </a:lnB>
-                    <a:noFill/>
-                  </a:tcPr>
-                </a:tc>
-                <a:tc>
-                  <a:txBody>
-                    <a:bodyPr/>
-                    <a:lstStyle/>
-                    <a:p>
-                      <a:pPr marL="12700" marR="635" indent="-6350" algn="l">
-                        <a:lnSpc>
-                          <a:spcPct val="107000"/>
-                        </a:lnSpc>
-                        <a:spcBef>
-                          <a:spcPts val="0"/>
-                        </a:spcBef>
-                        <a:spcAft>
-                          <a:spcPts val="890"/>
-                        </a:spcAft>
-                      </a:pPr>
-                      <a:r>
-                        <a:rPr lang="en-US" sz="1600" u="none" strike="noStrike" kern="0" cap="none" spc="0">
-                          <a:solidFill>
-                            <a:schemeClr val="tx1"/>
-                          </a:solidFill>
-                          <a:effectLst/>
-                          <a:uFill>
-                            <a:solidFill>
-                              <a:srgbClr val="000000"/>
-                            </a:solidFill>
-                          </a:uFill>
-                        </a:rPr>
-                        <a:t>✔</a:t>
-                      </a:r>
-                      <a:endParaRPr lang="en-US" sz="1600" b="1" u="sng" kern="0" cap="none" spc="0">
-                        <a:solidFill>
-                          <a:schemeClr val="tx1"/>
-                        </a:solidFill>
-                        <a:effectLst/>
-                        <a:uFill>
-                          <a:solidFill>
-                            <a:srgbClr val="000000"/>
-                          </a:solidFill>
-                        </a:uFill>
-                        <a:latin typeface="Calibri" panose="020F0502020204030204" pitchFamily="34" charset="0"/>
-                        <a:ea typeface="Times New Roman" panose="02020603050405020304" pitchFamily="18" charset="0"/>
-                        <a:cs typeface="Times New Roman" panose="02020603050405020304" pitchFamily="18" charset="0"/>
-                      </a:endParaRPr>
-                    </a:p>
-                  </a:txBody>
-                  <a:tcPr marL="167510" marR="167510" marT="167510" marB="167510">
-                    <a:lnL w="12700" cmpd="sng">
-                      <a:noFill/>
-                      <a:prstDash val="solid"/>
-                    </a:lnL>
-                    <a:lnR w="12700" cmpd="sng">
-                      <a:noFill/>
-                      <a:prstDash val="solid"/>
-                    </a:lnR>
-                    <a:lnT w="38100" cmpd="sng">
-                      <a:noFill/>
-                    </a:lnT>
-                    <a:lnB w="12700" cmpd="sng">
-                      <a:noFill/>
-                      <a:prstDash val="solid"/>
-                    </a:lnB>
-                    <a:noFill/>
-                  </a:tcPr>
-                </a:tc>
-                <a:extLst>
-                  <a:ext uri="{0D108BD9-81ED-4DB2-BD59-A6C34878D82A}">
-                    <a16:rowId xmlns:a16="http://schemas.microsoft.com/office/drawing/2014/main" val="3211002844"/>
-                  </a:ext>
-                </a:extLst>
-              </a:tr>
-              <a:tr h="625525">
-                <a:tc>
-                  <a:txBody>
-                    <a:bodyPr/>
-                    <a:lstStyle/>
-                    <a:p>
-                      <a:pPr marL="12700" marR="635" indent="-6350" algn="l">
-                        <a:lnSpc>
-                          <a:spcPct val="107000"/>
-                        </a:lnSpc>
-                        <a:spcBef>
-                          <a:spcPts val="0"/>
-                        </a:spcBef>
-                        <a:spcAft>
-                          <a:spcPts val="890"/>
-                        </a:spcAft>
-                      </a:pPr>
-                      <a:r>
-                        <a:rPr lang="en-US" sz="1600" u="none" strike="noStrike" kern="0" cap="none" spc="0">
-                          <a:solidFill>
-                            <a:schemeClr val="tx1"/>
-                          </a:solidFill>
-                          <a:effectLst/>
-                          <a:uFill>
-                            <a:solidFill>
-                              <a:srgbClr val="000000"/>
-                            </a:solidFill>
-                          </a:uFill>
-                        </a:rPr>
-                        <a:t>NLP Feedback System</a:t>
-                      </a:r>
-                      <a:endParaRPr lang="en-US" sz="1600" b="1" u="sng" kern="0" cap="none" spc="0">
-                        <a:solidFill>
-                          <a:schemeClr val="tx1"/>
-                        </a:solidFill>
-                        <a:effectLst/>
-                        <a:uFill>
-                          <a:solidFill>
-                            <a:srgbClr val="000000"/>
-                          </a:solidFill>
-                        </a:uFill>
-                        <a:latin typeface="Calibri" panose="020F0502020204030204" pitchFamily="34" charset="0"/>
-                        <a:ea typeface="Times New Roman" panose="02020603050405020304" pitchFamily="18" charset="0"/>
-                        <a:cs typeface="Times New Roman" panose="02020603050405020304" pitchFamily="18" charset="0"/>
-                      </a:endParaRPr>
-                    </a:p>
-                  </a:txBody>
-                  <a:tcPr marL="167510" marR="167510" marT="167510" marB="167510">
-                    <a:lnL w="12700" cmpd="sng">
-                      <a:noFill/>
-                      <a:prstDash val="solid"/>
-                    </a:lnL>
-                    <a:lnR w="12700" cmpd="sng">
-                      <a:noFill/>
-                      <a:prstDash val="solid"/>
-                    </a:lnR>
-                    <a:lnT w="12700" cmpd="sng">
-                      <a:noFill/>
-                      <a:prstDash val="solid"/>
-                    </a:lnT>
-                    <a:lnB w="12700" cmpd="sng">
-                      <a:noFill/>
-                      <a:prstDash val="solid"/>
-                    </a:lnB>
-                    <a:solidFill>
-                      <a:srgbClr val="000000">
-                        <a:alpha val="7843"/>
-                      </a:srgbClr>
-                    </a:solidFill>
-                  </a:tcPr>
-                </a:tc>
-                <a:tc>
-                  <a:txBody>
-                    <a:bodyPr/>
-                    <a:lstStyle/>
-                    <a:p>
-                      <a:pPr marL="12700" marR="635" indent="-6350" algn="l">
-                        <a:lnSpc>
-                          <a:spcPct val="107000"/>
-                        </a:lnSpc>
-                        <a:spcBef>
-                          <a:spcPts val="0"/>
-                        </a:spcBef>
-                        <a:spcAft>
-                          <a:spcPts val="890"/>
-                        </a:spcAft>
-                      </a:pPr>
-                      <a:r>
-                        <a:rPr lang="en-US" sz="1600" u="none" strike="noStrike" kern="0" cap="none" spc="0">
-                          <a:solidFill>
-                            <a:schemeClr val="tx1"/>
-                          </a:solidFill>
-                          <a:effectLst/>
-                          <a:uFill>
-                            <a:solidFill>
-                              <a:srgbClr val="000000"/>
-                            </a:solidFill>
-                          </a:uFill>
-                        </a:rPr>
-                        <a:t>✔</a:t>
-                      </a:r>
-                      <a:endParaRPr lang="en-US" sz="1600" b="1" u="sng" kern="0" cap="none" spc="0">
-                        <a:solidFill>
-                          <a:schemeClr val="tx1"/>
-                        </a:solidFill>
-                        <a:effectLst/>
-                        <a:uFill>
-                          <a:solidFill>
-                            <a:srgbClr val="000000"/>
-                          </a:solidFill>
-                        </a:uFill>
-                        <a:latin typeface="Calibri" panose="020F0502020204030204" pitchFamily="34" charset="0"/>
-                        <a:ea typeface="Times New Roman" panose="02020603050405020304" pitchFamily="18" charset="0"/>
-                        <a:cs typeface="Times New Roman" panose="02020603050405020304" pitchFamily="18" charset="0"/>
-                      </a:endParaRPr>
-                    </a:p>
-                  </a:txBody>
-                  <a:tcPr marL="167510" marR="167510" marT="167510" marB="167510">
-                    <a:lnL w="12700" cmpd="sng">
-                      <a:noFill/>
-                      <a:prstDash val="solid"/>
-                    </a:lnL>
-                    <a:lnR w="12700" cmpd="sng">
-                      <a:noFill/>
-                      <a:prstDash val="solid"/>
-                    </a:lnR>
-                    <a:lnT w="12700" cmpd="sng">
-                      <a:noFill/>
-                      <a:prstDash val="solid"/>
-                    </a:lnT>
-                    <a:lnB w="12700" cmpd="sng">
-                      <a:noFill/>
-                      <a:prstDash val="solid"/>
-                    </a:lnB>
-                    <a:solidFill>
-                      <a:srgbClr val="000000">
-                        <a:alpha val="7843"/>
-                      </a:srgbClr>
-                    </a:solidFill>
-                  </a:tcPr>
-                </a:tc>
-                <a:extLst>
-                  <a:ext uri="{0D108BD9-81ED-4DB2-BD59-A6C34878D82A}">
-                    <a16:rowId xmlns:a16="http://schemas.microsoft.com/office/drawing/2014/main" val="2957986143"/>
-                  </a:ext>
-                </a:extLst>
-              </a:tr>
-              <a:tr h="625525">
-                <a:tc>
-                  <a:txBody>
-                    <a:bodyPr/>
-                    <a:lstStyle/>
-                    <a:p>
-                      <a:pPr marL="12700" marR="635" indent="-6350" algn="l">
-                        <a:lnSpc>
-                          <a:spcPct val="107000"/>
-                        </a:lnSpc>
-                        <a:spcBef>
-                          <a:spcPts val="0"/>
-                        </a:spcBef>
-                        <a:spcAft>
-                          <a:spcPts val="890"/>
-                        </a:spcAft>
-                      </a:pPr>
-                      <a:r>
-                        <a:rPr lang="en-US" sz="1600" u="none" strike="noStrike" kern="0" cap="none" spc="0">
-                          <a:solidFill>
-                            <a:schemeClr val="tx1"/>
-                          </a:solidFill>
-                          <a:effectLst/>
-                          <a:uFill>
-                            <a:solidFill>
-                              <a:srgbClr val="000000"/>
-                            </a:solidFill>
-                          </a:uFill>
-                        </a:rPr>
-                        <a:t>Web Panels</a:t>
-                      </a:r>
-                      <a:endParaRPr lang="en-US" sz="1600" b="1" u="sng" kern="0" cap="none" spc="0">
-                        <a:solidFill>
-                          <a:schemeClr val="tx1"/>
-                        </a:solidFill>
-                        <a:effectLst/>
-                        <a:uFill>
-                          <a:solidFill>
-                            <a:srgbClr val="000000"/>
-                          </a:solidFill>
-                        </a:uFill>
-                        <a:latin typeface="Calibri" panose="020F0502020204030204" pitchFamily="34" charset="0"/>
-                        <a:ea typeface="Times New Roman" panose="02020603050405020304" pitchFamily="18" charset="0"/>
-                        <a:cs typeface="Times New Roman" panose="02020603050405020304" pitchFamily="18" charset="0"/>
-                      </a:endParaRPr>
-                    </a:p>
-                  </a:txBody>
-                  <a:tcPr marL="167510" marR="167510" marT="167510" marB="167510">
-                    <a:lnL w="12700" cmpd="sng">
-                      <a:noFill/>
-                      <a:prstDash val="solid"/>
-                    </a:lnL>
-                    <a:lnR w="12700" cmpd="sng">
-                      <a:noFill/>
-                      <a:prstDash val="solid"/>
-                    </a:lnR>
-                    <a:lnT w="12700" cmpd="sng">
-                      <a:noFill/>
-                      <a:prstDash val="solid"/>
-                    </a:lnT>
-                    <a:lnB w="12700" cmpd="sng">
-                      <a:noFill/>
-                      <a:prstDash val="solid"/>
-                    </a:lnB>
-                    <a:noFill/>
-                  </a:tcPr>
-                </a:tc>
-                <a:tc>
-                  <a:txBody>
-                    <a:bodyPr/>
-                    <a:lstStyle/>
-                    <a:p>
-                      <a:pPr marL="12700" marR="635" indent="-6350" algn="l">
-                        <a:lnSpc>
-                          <a:spcPct val="107000"/>
-                        </a:lnSpc>
-                        <a:spcBef>
-                          <a:spcPts val="0"/>
-                        </a:spcBef>
-                        <a:spcAft>
-                          <a:spcPts val="890"/>
-                        </a:spcAft>
-                      </a:pPr>
-                      <a:r>
-                        <a:rPr lang="en-US" sz="1600" u="none" strike="noStrike" kern="0" cap="none" spc="0">
-                          <a:solidFill>
-                            <a:schemeClr val="tx1"/>
-                          </a:solidFill>
-                          <a:effectLst/>
-                          <a:uFill>
-                            <a:solidFill>
-                              <a:srgbClr val="000000"/>
-                            </a:solidFill>
-                          </a:uFill>
-                        </a:rPr>
-                        <a:t>✔</a:t>
-                      </a:r>
-                      <a:endParaRPr lang="en-US" sz="1600" b="1" u="sng" kern="0" cap="none" spc="0">
-                        <a:solidFill>
-                          <a:schemeClr val="tx1"/>
-                        </a:solidFill>
-                        <a:effectLst/>
-                        <a:uFill>
-                          <a:solidFill>
-                            <a:srgbClr val="000000"/>
-                          </a:solidFill>
-                        </a:uFill>
-                        <a:latin typeface="Calibri" panose="020F0502020204030204" pitchFamily="34" charset="0"/>
-                        <a:ea typeface="Times New Roman" panose="02020603050405020304" pitchFamily="18" charset="0"/>
-                        <a:cs typeface="Times New Roman" panose="02020603050405020304" pitchFamily="18" charset="0"/>
-                      </a:endParaRPr>
-                    </a:p>
-                  </a:txBody>
-                  <a:tcPr marL="167510" marR="167510" marT="167510" marB="167510">
-                    <a:lnL w="12700" cmpd="sng">
-                      <a:noFill/>
-                      <a:prstDash val="solid"/>
-                    </a:lnL>
-                    <a:lnR w="12700" cmpd="sng">
-                      <a:noFill/>
-                      <a:prstDash val="solid"/>
-                    </a:lnR>
-                    <a:lnT w="12700" cmpd="sng">
-                      <a:noFill/>
-                      <a:prstDash val="solid"/>
-                    </a:lnT>
-                    <a:lnB w="12700" cmpd="sng">
-                      <a:noFill/>
-                      <a:prstDash val="solid"/>
-                    </a:lnB>
-                    <a:noFill/>
-                  </a:tcPr>
-                </a:tc>
-                <a:extLst>
-                  <a:ext uri="{0D108BD9-81ED-4DB2-BD59-A6C34878D82A}">
-                    <a16:rowId xmlns:a16="http://schemas.microsoft.com/office/drawing/2014/main" val="971853667"/>
-                  </a:ext>
-                </a:extLst>
-              </a:tr>
-              <a:tr h="625525">
-                <a:tc>
-                  <a:txBody>
-                    <a:bodyPr/>
-                    <a:lstStyle/>
-                    <a:p>
-                      <a:pPr marL="12700" marR="635" indent="-6350" algn="l">
-                        <a:lnSpc>
-                          <a:spcPct val="107000"/>
-                        </a:lnSpc>
-                        <a:spcBef>
-                          <a:spcPts val="0"/>
-                        </a:spcBef>
-                        <a:spcAft>
-                          <a:spcPts val="890"/>
-                        </a:spcAft>
-                      </a:pPr>
-                      <a:r>
-                        <a:rPr lang="en-US" sz="1600" u="none" strike="noStrike" kern="0" cap="none" spc="0">
-                          <a:solidFill>
-                            <a:schemeClr val="tx1"/>
-                          </a:solidFill>
-                          <a:effectLst/>
-                          <a:uFill>
-                            <a:solidFill>
-                              <a:srgbClr val="000000"/>
-                            </a:solidFill>
-                          </a:uFill>
-                        </a:rPr>
-                        <a:t>Mobile Applications</a:t>
-                      </a:r>
-                      <a:endParaRPr lang="en-US" sz="1600" b="1" u="sng" kern="0" cap="none" spc="0">
-                        <a:solidFill>
-                          <a:schemeClr val="tx1"/>
-                        </a:solidFill>
-                        <a:effectLst/>
-                        <a:uFill>
-                          <a:solidFill>
-                            <a:srgbClr val="000000"/>
-                          </a:solidFill>
-                        </a:uFill>
-                        <a:latin typeface="Calibri" panose="020F0502020204030204" pitchFamily="34" charset="0"/>
-                        <a:ea typeface="Times New Roman" panose="02020603050405020304" pitchFamily="18" charset="0"/>
-                        <a:cs typeface="Times New Roman" panose="02020603050405020304" pitchFamily="18" charset="0"/>
-                      </a:endParaRPr>
-                    </a:p>
-                  </a:txBody>
-                  <a:tcPr marL="167510" marR="167510" marT="167510" marB="167510">
-                    <a:lnL w="12700" cmpd="sng">
-                      <a:noFill/>
-                      <a:prstDash val="solid"/>
-                    </a:lnL>
-                    <a:lnR w="12700" cmpd="sng">
-                      <a:noFill/>
-                      <a:prstDash val="solid"/>
-                    </a:lnR>
-                    <a:lnT w="12700" cmpd="sng">
-                      <a:noFill/>
-                      <a:prstDash val="solid"/>
-                    </a:lnT>
-                    <a:lnB w="12700" cmpd="sng">
-                      <a:noFill/>
-                      <a:prstDash val="solid"/>
-                    </a:lnB>
-                    <a:solidFill>
-                      <a:srgbClr val="000000">
-                        <a:alpha val="7843"/>
-                      </a:srgbClr>
-                    </a:solidFill>
-                  </a:tcPr>
-                </a:tc>
-                <a:tc>
-                  <a:txBody>
-                    <a:bodyPr/>
-                    <a:lstStyle/>
-                    <a:p>
-                      <a:pPr marL="12700" marR="635" indent="-6350" algn="l">
-                        <a:lnSpc>
-                          <a:spcPct val="107000"/>
-                        </a:lnSpc>
-                        <a:spcBef>
-                          <a:spcPts val="0"/>
-                        </a:spcBef>
-                        <a:spcAft>
-                          <a:spcPts val="890"/>
-                        </a:spcAft>
-                      </a:pPr>
-                      <a:r>
-                        <a:rPr lang="en-US" sz="1600" u="none" strike="noStrike" kern="0" cap="none" spc="0">
-                          <a:solidFill>
-                            <a:schemeClr val="tx1"/>
-                          </a:solidFill>
-                          <a:effectLst/>
-                          <a:uFill>
-                            <a:solidFill>
-                              <a:srgbClr val="000000"/>
-                            </a:solidFill>
-                          </a:uFill>
-                        </a:rPr>
-                        <a:t>✔</a:t>
-                      </a:r>
-                      <a:endParaRPr lang="en-US" sz="1600" b="1" u="sng" kern="0" cap="none" spc="0">
-                        <a:solidFill>
-                          <a:schemeClr val="tx1"/>
-                        </a:solidFill>
-                        <a:effectLst/>
-                        <a:uFill>
-                          <a:solidFill>
-                            <a:srgbClr val="000000"/>
-                          </a:solidFill>
-                        </a:uFill>
-                        <a:latin typeface="Calibri" panose="020F0502020204030204" pitchFamily="34" charset="0"/>
-                        <a:ea typeface="Times New Roman" panose="02020603050405020304" pitchFamily="18" charset="0"/>
-                        <a:cs typeface="Times New Roman" panose="02020603050405020304" pitchFamily="18" charset="0"/>
-                      </a:endParaRPr>
-                    </a:p>
-                  </a:txBody>
-                  <a:tcPr marL="167510" marR="167510" marT="167510" marB="167510">
-                    <a:lnL w="12700" cmpd="sng">
-                      <a:noFill/>
-                      <a:prstDash val="solid"/>
-                    </a:lnL>
-                    <a:lnR w="12700" cmpd="sng">
-                      <a:noFill/>
-                      <a:prstDash val="solid"/>
-                    </a:lnR>
-                    <a:lnT w="12700" cmpd="sng">
-                      <a:noFill/>
-                      <a:prstDash val="solid"/>
-                    </a:lnT>
-                    <a:lnB w="12700" cmpd="sng">
-                      <a:noFill/>
-                      <a:prstDash val="solid"/>
-                    </a:lnB>
-                    <a:solidFill>
-                      <a:srgbClr val="000000">
-                        <a:alpha val="7843"/>
-                      </a:srgbClr>
-                    </a:solidFill>
-                  </a:tcPr>
-                </a:tc>
-                <a:extLst>
-                  <a:ext uri="{0D108BD9-81ED-4DB2-BD59-A6C34878D82A}">
-                    <a16:rowId xmlns:a16="http://schemas.microsoft.com/office/drawing/2014/main" val="1051066082"/>
-                  </a:ext>
-                </a:extLst>
-              </a:tr>
-              <a:tr h="625525">
-                <a:tc>
-                  <a:txBody>
-                    <a:bodyPr/>
-                    <a:lstStyle/>
-                    <a:p>
-                      <a:pPr marL="12700" marR="635" indent="-6350" algn="l">
-                        <a:lnSpc>
-                          <a:spcPct val="107000"/>
-                        </a:lnSpc>
-                        <a:spcBef>
-                          <a:spcPts val="0"/>
-                        </a:spcBef>
-                        <a:spcAft>
-                          <a:spcPts val="890"/>
-                        </a:spcAft>
-                      </a:pPr>
-                      <a:r>
-                        <a:rPr lang="en-US" sz="1600" u="none" strike="noStrike" kern="0" cap="none" spc="0">
-                          <a:solidFill>
-                            <a:schemeClr val="tx1"/>
-                          </a:solidFill>
-                          <a:effectLst/>
-                          <a:uFill>
-                            <a:solidFill>
-                              <a:srgbClr val="000000"/>
-                            </a:solidFill>
-                          </a:uFill>
-                        </a:rPr>
-                        <a:t>Social Media bots</a:t>
-                      </a:r>
-                      <a:endParaRPr lang="en-US" sz="1600" b="1" u="sng" kern="0" cap="none" spc="0">
-                        <a:solidFill>
-                          <a:schemeClr val="tx1"/>
-                        </a:solidFill>
-                        <a:effectLst/>
-                        <a:uFill>
-                          <a:solidFill>
-                            <a:srgbClr val="000000"/>
-                          </a:solidFill>
-                        </a:uFill>
-                        <a:latin typeface="Calibri" panose="020F0502020204030204" pitchFamily="34" charset="0"/>
-                        <a:ea typeface="Times New Roman" panose="02020603050405020304" pitchFamily="18" charset="0"/>
-                        <a:cs typeface="Times New Roman" panose="02020603050405020304" pitchFamily="18" charset="0"/>
-                      </a:endParaRPr>
-                    </a:p>
-                  </a:txBody>
-                  <a:tcPr marL="167510" marR="167510" marT="167510" marB="167510">
-                    <a:lnL w="12700" cmpd="sng">
-                      <a:noFill/>
-                      <a:prstDash val="solid"/>
-                    </a:lnL>
-                    <a:lnR w="12700" cmpd="sng">
-                      <a:noFill/>
-                      <a:prstDash val="solid"/>
-                    </a:lnR>
-                    <a:lnT w="12700" cmpd="sng">
-                      <a:noFill/>
-                      <a:prstDash val="solid"/>
-                    </a:lnT>
-                    <a:lnB w="12700" cmpd="sng">
-                      <a:noFill/>
-                      <a:prstDash val="solid"/>
-                    </a:lnB>
-                    <a:noFill/>
-                  </a:tcPr>
-                </a:tc>
-                <a:tc>
-                  <a:txBody>
-                    <a:bodyPr/>
-                    <a:lstStyle/>
-                    <a:p>
-                      <a:pPr marL="12700" marR="635" indent="-6350" algn="l">
-                        <a:lnSpc>
-                          <a:spcPct val="107000"/>
-                        </a:lnSpc>
-                        <a:spcBef>
-                          <a:spcPts val="0"/>
-                        </a:spcBef>
-                        <a:spcAft>
-                          <a:spcPts val="890"/>
-                        </a:spcAft>
-                      </a:pPr>
-                      <a:r>
-                        <a:rPr lang="en-US" sz="1600" u="none" strike="noStrike" kern="0" cap="none" spc="0">
-                          <a:solidFill>
-                            <a:schemeClr val="tx1"/>
-                          </a:solidFill>
-                          <a:effectLst/>
-                          <a:uFill>
-                            <a:solidFill>
-                              <a:srgbClr val="000000"/>
-                            </a:solidFill>
-                          </a:uFill>
-                        </a:rPr>
-                        <a:t>✔</a:t>
-                      </a:r>
-                      <a:endParaRPr lang="en-US" sz="1600" b="1" u="sng" kern="0" cap="none" spc="0">
-                        <a:solidFill>
-                          <a:schemeClr val="tx1"/>
-                        </a:solidFill>
-                        <a:effectLst/>
-                        <a:uFill>
-                          <a:solidFill>
-                            <a:srgbClr val="000000"/>
-                          </a:solidFill>
-                        </a:uFill>
-                        <a:latin typeface="Calibri" panose="020F0502020204030204" pitchFamily="34" charset="0"/>
-                        <a:ea typeface="Times New Roman" panose="02020603050405020304" pitchFamily="18" charset="0"/>
-                        <a:cs typeface="Times New Roman" panose="02020603050405020304" pitchFamily="18" charset="0"/>
-                      </a:endParaRPr>
-                    </a:p>
-                  </a:txBody>
-                  <a:tcPr marL="167510" marR="167510" marT="167510" marB="167510">
-                    <a:lnL w="12700" cmpd="sng">
-                      <a:noFill/>
-                      <a:prstDash val="solid"/>
-                    </a:lnL>
-                    <a:lnR w="12700" cmpd="sng">
-                      <a:noFill/>
-                      <a:prstDash val="solid"/>
-                    </a:lnR>
-                    <a:lnT w="12700" cmpd="sng">
-                      <a:noFill/>
-                      <a:prstDash val="solid"/>
-                    </a:lnT>
-                    <a:lnB w="12700" cmpd="sng">
-                      <a:noFill/>
-                      <a:prstDash val="solid"/>
-                    </a:lnB>
-                    <a:noFill/>
-                  </a:tcPr>
-                </a:tc>
-                <a:extLst>
-                  <a:ext uri="{0D108BD9-81ED-4DB2-BD59-A6C34878D82A}">
-                    <a16:rowId xmlns:a16="http://schemas.microsoft.com/office/drawing/2014/main" val="493948663"/>
-                  </a:ext>
-                </a:extLst>
-              </a:tr>
-              <a:tr h="625525">
-                <a:tc>
-                  <a:txBody>
-                    <a:bodyPr/>
-                    <a:lstStyle/>
-                    <a:p>
-                      <a:pPr marL="12700" marR="635" indent="-6350" algn="l">
-                        <a:lnSpc>
-                          <a:spcPct val="107000"/>
-                        </a:lnSpc>
-                        <a:spcBef>
-                          <a:spcPts val="0"/>
-                        </a:spcBef>
-                        <a:spcAft>
-                          <a:spcPts val="890"/>
-                        </a:spcAft>
-                      </a:pPr>
-                      <a:r>
-                        <a:rPr lang="en-US" sz="1600" u="none" strike="noStrike" kern="0" cap="none" spc="0" dirty="0">
-                          <a:solidFill>
-                            <a:schemeClr val="tx1"/>
-                          </a:solidFill>
-                          <a:effectLst/>
-                          <a:uFill>
-                            <a:solidFill>
-                              <a:srgbClr val="000000"/>
-                            </a:solidFill>
-                          </a:uFill>
-                        </a:rPr>
-                        <a:t>Macro Analysis Engine</a:t>
-                      </a:r>
-                      <a:endParaRPr lang="en-US" sz="1600" b="1" u="sng" kern="0" cap="none" spc="0" dirty="0">
-                        <a:solidFill>
-                          <a:schemeClr val="tx1"/>
-                        </a:solidFill>
-                        <a:effectLst/>
-                        <a:uFill>
-                          <a:solidFill>
-                            <a:srgbClr val="000000"/>
-                          </a:solidFill>
-                        </a:uFill>
-                        <a:latin typeface="Calibri" panose="020F0502020204030204" pitchFamily="34" charset="0"/>
-                        <a:ea typeface="Times New Roman" panose="02020603050405020304" pitchFamily="18" charset="0"/>
-                        <a:cs typeface="Times New Roman" panose="02020603050405020304" pitchFamily="18" charset="0"/>
-                      </a:endParaRPr>
-                    </a:p>
-                  </a:txBody>
-                  <a:tcPr marL="167510" marR="167510" marT="167510" marB="167510">
-                    <a:lnL w="12700" cmpd="sng">
-                      <a:noFill/>
-                      <a:prstDash val="solid"/>
-                    </a:lnL>
-                    <a:lnR w="12700" cmpd="sng">
-                      <a:noFill/>
-                      <a:prstDash val="solid"/>
-                    </a:lnR>
-                    <a:lnT w="12700" cmpd="sng">
-                      <a:noFill/>
-                      <a:prstDash val="solid"/>
-                    </a:lnT>
-                    <a:lnB w="12700" cmpd="sng">
-                      <a:noFill/>
-                      <a:prstDash val="solid"/>
-                    </a:lnB>
-                    <a:solidFill>
-                      <a:srgbClr val="000000">
-                        <a:alpha val="7843"/>
-                      </a:srgbClr>
-                    </a:solidFill>
-                  </a:tcPr>
-                </a:tc>
-                <a:tc>
-                  <a:txBody>
-                    <a:bodyPr/>
-                    <a:lstStyle/>
-                    <a:p>
-                      <a:pPr marL="12700" marR="635" indent="-6350" algn="l">
-                        <a:lnSpc>
-                          <a:spcPct val="107000"/>
-                        </a:lnSpc>
-                        <a:spcBef>
-                          <a:spcPts val="0"/>
-                        </a:spcBef>
-                        <a:spcAft>
-                          <a:spcPts val="890"/>
-                        </a:spcAft>
-                      </a:pPr>
-                      <a:r>
-                        <a:rPr lang="en-US" sz="1600" u="none" strike="noStrike" kern="0" cap="none" spc="0">
-                          <a:solidFill>
-                            <a:schemeClr val="tx1"/>
-                          </a:solidFill>
-                          <a:effectLst/>
-                          <a:uFill>
-                            <a:solidFill>
-                              <a:srgbClr val="000000"/>
-                            </a:solidFill>
-                          </a:uFill>
-                        </a:rPr>
-                        <a:t>❌</a:t>
-                      </a:r>
-                      <a:endParaRPr lang="en-US" sz="1600" b="1" u="sng" kern="0" cap="none" spc="0">
-                        <a:solidFill>
-                          <a:schemeClr val="tx1"/>
-                        </a:solidFill>
-                        <a:effectLst/>
-                        <a:uFill>
-                          <a:solidFill>
-                            <a:srgbClr val="000000"/>
-                          </a:solidFill>
-                        </a:uFill>
-                        <a:latin typeface="Calibri" panose="020F0502020204030204" pitchFamily="34" charset="0"/>
-                        <a:ea typeface="Times New Roman" panose="02020603050405020304" pitchFamily="18" charset="0"/>
-                        <a:cs typeface="Times New Roman" panose="02020603050405020304" pitchFamily="18" charset="0"/>
-                      </a:endParaRPr>
-                    </a:p>
-                  </a:txBody>
-                  <a:tcPr marL="167510" marR="167510" marT="167510" marB="167510">
-                    <a:lnL w="12700" cmpd="sng">
-                      <a:noFill/>
-                      <a:prstDash val="solid"/>
-                    </a:lnL>
-                    <a:lnR w="12700" cmpd="sng">
-                      <a:noFill/>
-                      <a:prstDash val="solid"/>
-                    </a:lnR>
-                    <a:lnT w="12700" cmpd="sng">
-                      <a:noFill/>
-                      <a:prstDash val="solid"/>
-                    </a:lnT>
-                    <a:lnB w="12700" cmpd="sng">
-                      <a:noFill/>
-                      <a:prstDash val="solid"/>
-                    </a:lnB>
-                    <a:solidFill>
-                      <a:srgbClr val="000000">
-                        <a:alpha val="7843"/>
-                      </a:srgbClr>
-                    </a:solidFill>
-                  </a:tcPr>
-                </a:tc>
-                <a:extLst>
-                  <a:ext uri="{0D108BD9-81ED-4DB2-BD59-A6C34878D82A}">
-                    <a16:rowId xmlns:a16="http://schemas.microsoft.com/office/drawing/2014/main" val="1483217172"/>
-                  </a:ext>
-                </a:extLst>
-              </a:tr>
-              <a:tr h="625525">
-                <a:tc>
-                  <a:txBody>
-                    <a:bodyPr/>
-                    <a:lstStyle/>
-                    <a:p>
-                      <a:pPr marL="12700" marR="635" indent="-6350" algn="l">
-                        <a:lnSpc>
-                          <a:spcPct val="107000"/>
-                        </a:lnSpc>
-                        <a:spcBef>
-                          <a:spcPts val="0"/>
-                        </a:spcBef>
-                        <a:spcAft>
-                          <a:spcPts val="890"/>
-                        </a:spcAft>
-                      </a:pPr>
-                      <a:r>
-                        <a:rPr lang="en-US" sz="1600" u="none" strike="noStrike" kern="0" cap="none" spc="0">
-                          <a:solidFill>
-                            <a:schemeClr val="tx1"/>
-                          </a:solidFill>
-                          <a:effectLst/>
-                          <a:uFill>
-                            <a:solidFill>
-                              <a:srgbClr val="000000"/>
-                            </a:solidFill>
-                          </a:uFill>
-                        </a:rPr>
-                        <a:t>E-Governance</a:t>
-                      </a:r>
-                      <a:endParaRPr lang="en-US" sz="1600" b="1" u="sng" kern="0" cap="none" spc="0">
-                        <a:solidFill>
-                          <a:schemeClr val="tx1"/>
-                        </a:solidFill>
-                        <a:effectLst/>
-                        <a:uFill>
-                          <a:solidFill>
-                            <a:srgbClr val="000000"/>
-                          </a:solidFill>
-                        </a:uFill>
-                        <a:latin typeface="Calibri" panose="020F0502020204030204" pitchFamily="34" charset="0"/>
-                        <a:ea typeface="Times New Roman" panose="02020603050405020304" pitchFamily="18" charset="0"/>
-                        <a:cs typeface="Times New Roman" panose="02020603050405020304" pitchFamily="18" charset="0"/>
-                      </a:endParaRPr>
-                    </a:p>
-                  </a:txBody>
-                  <a:tcPr marL="167510" marR="167510" marT="167510" marB="167510">
-                    <a:lnL w="12700" cmpd="sng">
-                      <a:noFill/>
-                      <a:prstDash val="solid"/>
-                    </a:lnL>
-                    <a:lnR w="12700" cmpd="sng">
-                      <a:noFill/>
-                      <a:prstDash val="solid"/>
-                    </a:lnR>
-                    <a:lnT w="12700" cmpd="sng">
-                      <a:noFill/>
-                      <a:prstDash val="solid"/>
-                    </a:lnT>
-                    <a:lnB w="12700" cmpd="sng">
-                      <a:noFill/>
-                      <a:prstDash val="solid"/>
-                    </a:lnB>
-                    <a:noFill/>
-                  </a:tcPr>
-                </a:tc>
-                <a:tc>
-                  <a:txBody>
-                    <a:bodyPr/>
-                    <a:lstStyle/>
-                    <a:p>
-                      <a:pPr marL="12700" marR="635" indent="-6350" algn="l">
-                        <a:lnSpc>
-                          <a:spcPct val="107000"/>
-                        </a:lnSpc>
-                        <a:spcBef>
-                          <a:spcPts val="0"/>
-                        </a:spcBef>
-                        <a:spcAft>
-                          <a:spcPts val="890"/>
-                        </a:spcAft>
-                      </a:pPr>
-                      <a:r>
-                        <a:rPr lang="en-US" sz="1600" u="none" strike="noStrike" kern="0" cap="none" spc="0" dirty="0">
-                          <a:solidFill>
-                            <a:schemeClr val="tx1"/>
-                          </a:solidFill>
-                          <a:effectLst/>
-                          <a:uFill>
-                            <a:solidFill>
-                              <a:srgbClr val="000000"/>
-                            </a:solidFill>
-                          </a:uFill>
-                        </a:rPr>
-                        <a:t>✔</a:t>
-                      </a:r>
-                      <a:endParaRPr lang="en-US" sz="1600" b="1" u="sng" kern="0" cap="none" spc="0" dirty="0">
-                        <a:solidFill>
-                          <a:schemeClr val="tx1"/>
-                        </a:solidFill>
-                        <a:effectLst/>
-                        <a:uFill>
-                          <a:solidFill>
-                            <a:srgbClr val="000000"/>
-                          </a:solidFill>
-                        </a:uFill>
-                        <a:latin typeface="Calibri" panose="020F0502020204030204" pitchFamily="34" charset="0"/>
-                        <a:ea typeface="Times New Roman" panose="02020603050405020304" pitchFamily="18" charset="0"/>
-                        <a:cs typeface="Times New Roman" panose="02020603050405020304" pitchFamily="18" charset="0"/>
-                      </a:endParaRPr>
-                    </a:p>
-                  </a:txBody>
-                  <a:tcPr marL="167510" marR="167510" marT="167510" marB="167510">
-                    <a:lnL w="12700" cmpd="sng">
-                      <a:noFill/>
-                      <a:prstDash val="solid"/>
-                    </a:lnL>
-                    <a:lnR w="12700" cmpd="sng">
-                      <a:noFill/>
-                      <a:prstDash val="solid"/>
-                    </a:lnR>
-                    <a:lnT w="12700" cmpd="sng">
-                      <a:noFill/>
-                      <a:prstDash val="solid"/>
-                    </a:lnT>
-                    <a:lnB w="12700" cmpd="sng">
-                      <a:noFill/>
-                      <a:prstDash val="solid"/>
-                    </a:lnB>
-                    <a:noFill/>
-                  </a:tcPr>
-                </a:tc>
-                <a:extLst>
-                  <a:ext uri="{0D108BD9-81ED-4DB2-BD59-A6C34878D82A}">
-                    <a16:rowId xmlns:a16="http://schemas.microsoft.com/office/drawing/2014/main" val="284125668"/>
-                  </a:ext>
-                </a:extLst>
-              </a:tr>
-            </a:tbl>
-          </a:graphicData>
-        </a:graphic>
-      </p:graphicFrame>
-    </p:spTree>
-    <p:extLst>
-      <p:ext uri="{BB962C8B-B14F-4D97-AF65-F5344CB8AC3E}">
-        <p14:creationId xmlns:p14="http://schemas.microsoft.com/office/powerpoint/2010/main" val="1925781366"/>
-      </p:ext>
-    </p:extLst>
-  </p:cSld>
-  <p:clrMapOvr>
-    <a:masterClrMapping/>
-  </p:clrMapOvr>
-</p:sld>
-</file>
-
-<file path=ppt/slides/slide12.xml><?xml version="1.0" encoding="utf-8"?>
-<p:sld xmlns:a="http://schemas.openxmlformats.org/drawingml/2006/main" xmlns:r="http://schemas.openxmlformats.org/officeDocument/2006/relationships" xmlns:p="http://schemas.openxmlformats.org/presentationml/2006/main">
-  <p:cSld>
-    <p:bg>
-      <p:bgPr>
-        <a:solidFill>
-          <a:schemeClr val="bg1"/>
-        </a:solidFill>
-        <a:effectLst/>
-      </p:bgPr>
-    </p:bg>
-    <p:spTree>
-      <p:nvGrpSpPr>
-        <p:cNvPr id="1" name=""/>
-        <p:cNvGrpSpPr/>
-        <p:nvPr/>
-      </p:nvGrpSpPr>
-      <p:grpSpPr>
-        <a:xfrm>
-          <a:off x="0" y="0"/>
-          <a:ext cx="0" cy="0"/>
-          <a:chOff x="0" y="0"/>
-          <a:chExt cx="0" cy="0"/>
-        </a:xfrm>
-      </p:grpSpPr>
-      <p:sp>
-        <p:nvSpPr>
-          <p:cNvPr id="16" name="Down Arrow 7">
-            <a:extLst>
-              <a:ext uri="{FF2B5EF4-FFF2-40B4-BE49-F238E27FC236}">
-                <a16:creationId xmlns:a16="http://schemas.microsoft.com/office/drawing/2014/main" id="{D4771268-CB57-404A-9271-370EB28F6090}"/>
-              </a:ext>
-              <a:ext uri="{C183D7F6-B498-43B3-948B-1728B52AA6E4}">
-                <adec:decorative xmlns:adec="http://schemas.microsoft.com/office/drawing/2017/decorative" val="1"/>
-              </a:ext>
-            </a:extLst>
-          </p:cNvPr>
-          <p:cNvSpPr>
-            <a:spLocks noGrp="1" noRot="1" noChangeAspect="1" noMove="1" noResize="1" noEditPoints="1" noAdjustHandles="1" noChangeArrowheads="1" noChangeShapeType="1" noTextEdit="1"/>
-          </p:cNvSpPr>
-          <p:nvPr>
-            <p:extLst>
-              <p:ext uri="{386F3935-93C4-4BCD-93E2-E3B085C9AB24}">
-                <p16:designElem xmlns:p16="http://schemas.microsoft.com/office/powerpoint/2015/main" val="1"/>
-              </p:ext>
-            </p:extLst>
-          </p:nvPr>
-        </p:nvSpPr>
-        <p:spPr>
-          <a:xfrm rot="16200000">
-            <a:off x="800100" y="1491343"/>
-            <a:ext cx="3333749" cy="3499103"/>
-          </a:xfrm>
-          <a:prstGeom prst="downArrow">
-            <a:avLst>
-              <a:gd name="adj1" fmla="val 100000"/>
-              <a:gd name="adj2" fmla="val 15788"/>
-            </a:avLst>
-          </a:prstGeom>
-          <a:solidFill>
-            <a:srgbClr val="404040"/>
-          </a:solidFill>
-          <a:ln w="53975">
-            <a:noFill/>
-          </a:ln>
-        </p:spPr>
-        <p:style>
-          <a:lnRef idx="2">
-            <a:schemeClr val="accent1">
-              <a:shade val="50000"/>
-            </a:schemeClr>
-          </a:lnRef>
-          <a:fillRef idx="1">
-            <a:schemeClr val="accent1"/>
-          </a:fillRef>
-          <a:effectRef idx="0">
-            <a:schemeClr val="accent1"/>
-          </a:effectRef>
-          <a:fontRef idx="minor">
-            <a:schemeClr val="lt1"/>
-          </a:fontRef>
-        </p:style>
-        <p:txBody>
-          <a:bodyPr rtlCol="0" anchor="ctr"/>
-          <a:lstStyle/>
-          <a:p>
-            <a:pPr algn="ctr"/>
-            <a:endParaRPr lang="en-US"/>
-          </a:p>
-        </p:txBody>
-      </p:sp>
-      <p:sp>
-        <p:nvSpPr>
-          <p:cNvPr id="2" name="Title 1">
-            <a:extLst>
-              <a:ext uri="{FF2B5EF4-FFF2-40B4-BE49-F238E27FC236}">
-                <a16:creationId xmlns:a16="http://schemas.microsoft.com/office/drawing/2014/main" id="{4B25956D-A7DE-4AA2-9F30-C5B34BC999B7}"/>
-              </a:ext>
-            </a:extLst>
-          </p:cNvPr>
-          <p:cNvSpPr>
-            <a:spLocks noGrp="1"/>
-          </p:cNvSpPr>
-          <p:nvPr>
-            <p:ph type="title"/>
-          </p:nvPr>
-        </p:nvSpPr>
-        <p:spPr>
-          <a:xfrm>
-            <a:off x="1028700" y="1967266"/>
-            <a:ext cx="2628900" cy="2547257"/>
-          </a:xfrm>
-          <a:noFill/>
-        </p:spPr>
-        <p:txBody>
-          <a:bodyPr vert="horz" lIns="91440" tIns="45720" rIns="91440" bIns="45720" rtlCol="0" anchor="ctr">
-            <a:normAutofit/>
-          </a:bodyPr>
-          <a:lstStyle/>
-          <a:p>
-            <a:pPr algn="ctr"/>
-            <a:r>
-              <a:rPr lang="en-US" sz="3600" kern="1200">
-                <a:solidFill>
-                  <a:srgbClr val="FFFFFF"/>
-                </a:solidFill>
-                <a:latin typeface="+mj-lt"/>
-                <a:ea typeface="+mj-ea"/>
-                <a:cs typeface="+mj-cs"/>
-              </a:rPr>
-              <a:t>Work Done</a:t>
-            </a:r>
-          </a:p>
-        </p:txBody>
-      </p:sp>
-      <p:graphicFrame>
-        <p:nvGraphicFramePr>
-          <p:cNvPr id="3" name="Table 2">
-            <a:extLst>
-              <a:ext uri="{FF2B5EF4-FFF2-40B4-BE49-F238E27FC236}">
-                <a16:creationId xmlns:a16="http://schemas.microsoft.com/office/drawing/2014/main" id="{FF612872-B633-4E2F-AFEA-BEFAA747CB1F}"/>
-              </a:ext>
-            </a:extLst>
-          </p:cNvPr>
-          <p:cNvGraphicFramePr>
-            <a:graphicFrameLocks noGrp="1"/>
-          </p:cNvGraphicFramePr>
-          <p:nvPr>
-            <p:extLst>
-              <p:ext uri="{D42A27DB-BD31-4B8C-83A1-F6EECF244321}">
-                <p14:modId xmlns:p14="http://schemas.microsoft.com/office/powerpoint/2010/main" val="3369805961"/>
-              </p:ext>
-            </p:extLst>
-          </p:nvPr>
-        </p:nvGraphicFramePr>
-        <p:xfrm>
-          <a:off x="4693877" y="2274261"/>
-          <a:ext cx="6780701" cy="1933265"/>
-        </p:xfrm>
-        <a:graphic>
-          <a:graphicData uri="http://schemas.openxmlformats.org/drawingml/2006/table">
-            <a:tbl>
-              <a:tblPr firstRow="1" bandRow="1">
-                <a:noFill/>
-                <a:tableStyleId>{F5AB1C69-6EDB-4FF4-983F-18BD219EF322}</a:tableStyleId>
-              </a:tblPr>
-              <a:tblGrid>
-                <a:gridCol w="3424299">
-                  <a:extLst>
-                    <a:ext uri="{9D8B030D-6E8A-4147-A177-3AD203B41FA5}">
-                      <a16:colId xmlns:a16="http://schemas.microsoft.com/office/drawing/2014/main" val="3541785003"/>
-                    </a:ext>
-                  </a:extLst>
-                </a:gridCol>
-                <a:gridCol w="3356402">
-                  <a:extLst>
-                    <a:ext uri="{9D8B030D-6E8A-4147-A177-3AD203B41FA5}">
-                      <a16:colId xmlns:a16="http://schemas.microsoft.com/office/drawing/2014/main" val="3523677521"/>
-                    </a:ext>
-                  </a:extLst>
-                </a:gridCol>
-              </a:tblGrid>
-              <a:tr h="682215">
-                <a:tc>
-                  <a:txBody>
-                    <a:bodyPr/>
-                    <a:lstStyle/>
-                    <a:p>
-                      <a:pPr marL="12700" marR="635" indent="-6350" algn="l">
-                        <a:lnSpc>
-                          <a:spcPct val="107000"/>
-                        </a:lnSpc>
-                        <a:spcBef>
-                          <a:spcPts val="0"/>
-                        </a:spcBef>
-                        <a:spcAft>
-                          <a:spcPts val="890"/>
-                        </a:spcAft>
-                      </a:pPr>
-                      <a:r>
-                        <a:rPr lang="en-US" sz="2000" b="0" u="none" kern="0" cap="all" spc="150" dirty="0">
-                          <a:solidFill>
-                            <a:schemeClr val="lt1"/>
-                          </a:solidFill>
-                          <a:effectLst/>
-                          <a:uFill>
-                            <a:solidFill>
-                              <a:srgbClr val="000000"/>
-                            </a:solidFill>
-                          </a:uFill>
-                        </a:rPr>
-                        <a:t>Work Pending</a:t>
-                      </a:r>
-                      <a:endParaRPr lang="en-US" sz="2000" b="0" u="none" kern="0" cap="all" spc="150" dirty="0">
-                        <a:solidFill>
-                          <a:schemeClr val="lt1"/>
-                        </a:solidFill>
-                        <a:effectLst/>
-                        <a:uFill>
-                          <a:solidFill>
-                            <a:srgbClr val="000000"/>
-                          </a:solidFill>
-                        </a:uFill>
-                        <a:latin typeface="Calibri" panose="020F0502020204030204" pitchFamily="34" charset="0"/>
-                        <a:ea typeface="Times New Roman" panose="02020603050405020304" pitchFamily="18" charset="0"/>
-                        <a:cs typeface="Times New Roman" panose="02020603050405020304" pitchFamily="18" charset="0"/>
-                      </a:endParaRPr>
-                    </a:p>
-                  </a:txBody>
-                  <a:tcPr marL="167510" marR="167510" marT="167510" marB="167510">
-                    <a:lnL w="12700" cmpd="sng">
-                      <a:noFill/>
-                    </a:lnL>
-                    <a:lnR w="12700" cmpd="sng">
-                      <a:noFill/>
-                    </a:lnR>
-                    <a:lnT w="12700" cmpd="sng">
-                      <a:noFill/>
-                    </a:lnT>
-                    <a:lnB w="38100" cmpd="sng">
-                      <a:noFill/>
-                    </a:lnB>
-                    <a:solidFill>
-                      <a:srgbClr val="505356"/>
-                    </a:solidFill>
-                  </a:tcPr>
-                </a:tc>
-                <a:tc>
-                  <a:txBody>
-                    <a:bodyPr/>
-                    <a:lstStyle/>
-                    <a:p>
-                      <a:pPr marL="12700" marR="635" indent="-6350" algn="l">
-                        <a:lnSpc>
-                          <a:spcPct val="107000"/>
-                        </a:lnSpc>
-                        <a:spcBef>
-                          <a:spcPts val="0"/>
-                        </a:spcBef>
-                        <a:spcAft>
-                          <a:spcPts val="890"/>
-                        </a:spcAft>
-                      </a:pPr>
-                      <a:r>
-                        <a:rPr lang="en-US" sz="2000" b="0" u="none" kern="0" cap="all" spc="150" dirty="0">
-                          <a:solidFill>
-                            <a:schemeClr val="lt1"/>
-                          </a:solidFill>
-                          <a:effectLst/>
-                          <a:uFill>
-                            <a:solidFill>
-                              <a:srgbClr val="000000"/>
-                            </a:solidFill>
-                          </a:uFill>
-                        </a:rPr>
-                        <a:t>Weeks</a:t>
-                      </a:r>
-                      <a:endParaRPr lang="en-US" sz="2000" b="0" u="none" kern="0" cap="all" spc="150" dirty="0">
-                        <a:solidFill>
-                          <a:schemeClr val="lt1"/>
-                        </a:solidFill>
-                        <a:effectLst/>
-                        <a:uFill>
-                          <a:solidFill>
-                            <a:srgbClr val="000000"/>
-                          </a:solidFill>
-                        </a:uFill>
-                        <a:latin typeface="Calibri" panose="020F0502020204030204" pitchFamily="34" charset="0"/>
-                        <a:ea typeface="Times New Roman" panose="02020603050405020304" pitchFamily="18" charset="0"/>
-                        <a:cs typeface="Times New Roman" panose="02020603050405020304" pitchFamily="18" charset="0"/>
-                      </a:endParaRPr>
-                    </a:p>
-                  </a:txBody>
-                  <a:tcPr marL="167510" marR="167510" marT="167510" marB="167510">
-                    <a:lnL w="12700" cmpd="sng">
-                      <a:noFill/>
-                    </a:lnL>
-                    <a:lnR w="12700" cmpd="sng">
-                      <a:noFill/>
-                    </a:lnR>
-                    <a:lnT w="12700" cmpd="sng">
-                      <a:noFill/>
-                    </a:lnT>
-                    <a:lnB w="38100" cmpd="sng">
-                      <a:noFill/>
-                    </a:lnB>
-                    <a:solidFill>
-                      <a:srgbClr val="505356"/>
-                    </a:solidFill>
-                  </a:tcPr>
-                </a:tc>
-                <a:extLst>
-                  <a:ext uri="{0D108BD9-81ED-4DB2-BD59-A6C34878D82A}">
-                    <a16:rowId xmlns:a16="http://schemas.microsoft.com/office/drawing/2014/main" val="3223726851"/>
-                  </a:ext>
-                </a:extLst>
-              </a:tr>
-              <a:tr h="625525">
-                <a:tc>
-                  <a:txBody>
-                    <a:bodyPr/>
-                    <a:lstStyle/>
-                    <a:p>
-                      <a:pPr marL="12700" marR="635" indent="-6350" algn="l">
-                        <a:lnSpc>
-                          <a:spcPct val="107000"/>
-                        </a:lnSpc>
-                        <a:spcBef>
-                          <a:spcPts val="0"/>
-                        </a:spcBef>
-                        <a:spcAft>
-                          <a:spcPts val="890"/>
-                        </a:spcAft>
-                      </a:pPr>
-                      <a:r>
-                        <a:rPr lang="en-US" sz="1600" u="none" strike="noStrike" kern="0" cap="none" spc="0" dirty="0">
-                          <a:solidFill>
-                            <a:schemeClr val="tx1"/>
-                          </a:solidFill>
-                          <a:effectLst/>
-                          <a:uFill>
-                            <a:solidFill>
-                              <a:srgbClr val="000000"/>
-                            </a:solidFill>
-                          </a:uFill>
-                        </a:rPr>
-                        <a:t>Macro Analysis Engine</a:t>
-                      </a:r>
-                      <a:endParaRPr lang="en-US" sz="1600" b="1" u="sng" kern="0" cap="none" spc="0" dirty="0">
-                        <a:solidFill>
-                          <a:schemeClr val="tx1"/>
-                        </a:solidFill>
-                        <a:effectLst/>
-                        <a:uFill>
-                          <a:solidFill>
-                            <a:srgbClr val="000000"/>
-                          </a:solidFill>
-                        </a:uFill>
-                        <a:latin typeface="Calibri" panose="020F0502020204030204" pitchFamily="34" charset="0"/>
-                        <a:ea typeface="Times New Roman" panose="02020603050405020304" pitchFamily="18" charset="0"/>
-                        <a:cs typeface="Times New Roman" panose="02020603050405020304" pitchFamily="18" charset="0"/>
-                      </a:endParaRPr>
-                    </a:p>
-                  </a:txBody>
-                  <a:tcPr marL="167510" marR="167510" marT="167510" marB="167510">
-                    <a:lnL w="12700" cmpd="sng">
-                      <a:noFill/>
-                      <a:prstDash val="solid"/>
-                    </a:lnL>
-                    <a:lnR w="12700" cmpd="sng">
-                      <a:noFill/>
-                      <a:prstDash val="solid"/>
-                    </a:lnR>
-                    <a:lnT w="38100" cmpd="sng">
-                      <a:noFill/>
-                    </a:lnT>
-                    <a:lnB w="12700" cmpd="sng">
-                      <a:noFill/>
-                      <a:prstDash val="solid"/>
-                    </a:lnB>
-                    <a:noFill/>
-                  </a:tcPr>
-                </a:tc>
-                <a:tc>
-                  <a:txBody>
-                    <a:bodyPr/>
-                    <a:lstStyle/>
-                    <a:p>
-                      <a:pPr marL="12700" marR="635" indent="-6350" algn="l">
-                        <a:lnSpc>
-                          <a:spcPct val="107000"/>
-                        </a:lnSpc>
-                        <a:spcBef>
-                          <a:spcPts val="0"/>
-                        </a:spcBef>
-                        <a:spcAft>
-                          <a:spcPts val="890"/>
-                        </a:spcAft>
-                      </a:pPr>
-                      <a:r>
-                        <a:rPr lang="en-US" sz="1600" u="none" strike="noStrike" kern="0" cap="none" spc="0" dirty="0">
-                          <a:solidFill>
-                            <a:schemeClr val="tx1"/>
-                          </a:solidFill>
-                          <a:effectLst/>
-                          <a:uFill>
-                            <a:solidFill>
-                              <a:srgbClr val="000000"/>
-                            </a:solidFill>
-                          </a:uFill>
-                        </a:rPr>
-                        <a:t>1.5 weeks</a:t>
-                      </a:r>
-                      <a:endParaRPr lang="en-US" sz="1600" b="1" u="sng" kern="0" cap="none" spc="0" dirty="0">
-                        <a:solidFill>
-                          <a:schemeClr val="tx1"/>
-                        </a:solidFill>
-                        <a:effectLst/>
-                        <a:uFill>
-                          <a:solidFill>
-                            <a:srgbClr val="000000"/>
-                          </a:solidFill>
-                        </a:uFill>
-                        <a:latin typeface="Calibri" panose="020F0502020204030204" pitchFamily="34" charset="0"/>
-                        <a:ea typeface="Times New Roman" panose="02020603050405020304" pitchFamily="18" charset="0"/>
-                        <a:cs typeface="Times New Roman" panose="02020603050405020304" pitchFamily="18" charset="0"/>
-                      </a:endParaRPr>
-                    </a:p>
-                  </a:txBody>
-                  <a:tcPr marL="167510" marR="167510" marT="167510" marB="167510">
-                    <a:lnL w="12700" cmpd="sng">
-                      <a:noFill/>
-                      <a:prstDash val="solid"/>
-                    </a:lnL>
-                    <a:lnR w="12700" cmpd="sng">
-                      <a:noFill/>
-                      <a:prstDash val="solid"/>
-                    </a:lnR>
-                    <a:lnT w="38100" cmpd="sng">
-                      <a:noFill/>
-                    </a:lnT>
-                    <a:lnB w="12700" cmpd="sng">
-                      <a:noFill/>
-                      <a:prstDash val="solid"/>
-                    </a:lnB>
-                    <a:noFill/>
-                  </a:tcPr>
-                </a:tc>
-                <a:extLst>
-                  <a:ext uri="{0D108BD9-81ED-4DB2-BD59-A6C34878D82A}">
-                    <a16:rowId xmlns:a16="http://schemas.microsoft.com/office/drawing/2014/main" val="3211002844"/>
-                  </a:ext>
-                </a:extLst>
-              </a:tr>
-              <a:tr h="625525">
-                <a:tc>
-                  <a:txBody>
-                    <a:bodyPr/>
-                    <a:lstStyle/>
-                    <a:p>
-                      <a:pPr marL="12700" marR="635" indent="-6350" algn="l">
-                        <a:lnSpc>
-                          <a:spcPct val="107000"/>
-                        </a:lnSpc>
-                        <a:spcBef>
-                          <a:spcPts val="0"/>
-                        </a:spcBef>
-                        <a:spcAft>
-                          <a:spcPts val="890"/>
-                        </a:spcAft>
-                      </a:pPr>
-                      <a:r>
-                        <a:rPr lang="en-US" sz="1600" u="none" strike="noStrike" kern="0" cap="none" spc="0" dirty="0">
-                          <a:solidFill>
-                            <a:schemeClr val="tx1"/>
-                          </a:solidFill>
-                          <a:effectLst/>
-                          <a:uFill>
-                            <a:solidFill>
-                              <a:srgbClr val="000000"/>
-                            </a:solidFill>
-                          </a:uFill>
-                          <a:latin typeface="+mn-lt"/>
-                          <a:ea typeface="+mn-ea"/>
-                          <a:cs typeface="+mn-cs"/>
-                        </a:rPr>
-                        <a:t>Human Classifier</a:t>
-                      </a:r>
-                    </a:p>
-                  </a:txBody>
-                  <a:tcPr marL="167510" marR="167510" marT="167510" marB="167510">
-                    <a:lnL w="12700" cmpd="sng">
-                      <a:noFill/>
-                      <a:prstDash val="solid"/>
-                    </a:lnL>
-                    <a:lnR w="12700" cmpd="sng">
-                      <a:noFill/>
-                      <a:prstDash val="solid"/>
-                    </a:lnR>
-                    <a:lnT w="12700" cmpd="sng">
-                      <a:noFill/>
-                      <a:prstDash val="solid"/>
-                    </a:lnT>
-                    <a:lnB w="12700" cmpd="sng">
-                      <a:noFill/>
-                      <a:prstDash val="solid"/>
-                    </a:lnB>
-                    <a:solidFill>
-                      <a:srgbClr val="000000">
-                        <a:alpha val="7843"/>
-                      </a:srgbClr>
-                    </a:solidFill>
-                  </a:tcPr>
-                </a:tc>
-                <a:tc>
-                  <a:txBody>
-                    <a:bodyPr/>
-                    <a:lstStyle/>
-                    <a:p>
-                      <a:pPr marL="12700" marR="635" indent="-6350" algn="l">
-                        <a:lnSpc>
-                          <a:spcPct val="107000"/>
-                        </a:lnSpc>
-                        <a:spcBef>
-                          <a:spcPts val="0"/>
-                        </a:spcBef>
-                        <a:spcAft>
-                          <a:spcPts val="890"/>
-                        </a:spcAft>
-                      </a:pPr>
-                      <a:r>
-                        <a:rPr lang="en-US" sz="1600" u="none" strike="noStrike" kern="0" cap="none" spc="0" dirty="0">
-                          <a:solidFill>
-                            <a:schemeClr val="tx1"/>
-                          </a:solidFill>
-                          <a:effectLst/>
-                          <a:uFill>
-                            <a:solidFill>
-                              <a:srgbClr val="000000"/>
-                            </a:solidFill>
-                          </a:uFill>
-                        </a:rPr>
-                        <a:t>0.5 weeks</a:t>
-                      </a:r>
-                      <a:endParaRPr lang="en-US" sz="1600" b="1" u="sng" kern="0" cap="none" spc="0" dirty="0">
-                        <a:solidFill>
-                          <a:schemeClr val="tx1"/>
-                        </a:solidFill>
-                        <a:effectLst/>
-                        <a:uFill>
-                          <a:solidFill>
-                            <a:srgbClr val="000000"/>
-                          </a:solidFill>
-                        </a:uFill>
-                        <a:latin typeface="Calibri" panose="020F0502020204030204" pitchFamily="34" charset="0"/>
-                        <a:ea typeface="Times New Roman" panose="02020603050405020304" pitchFamily="18" charset="0"/>
-                        <a:cs typeface="Times New Roman" panose="02020603050405020304" pitchFamily="18" charset="0"/>
-                      </a:endParaRPr>
-                    </a:p>
-                  </a:txBody>
-                  <a:tcPr marL="167510" marR="167510" marT="167510" marB="167510">
-                    <a:lnL w="12700" cmpd="sng">
-                      <a:noFill/>
-                      <a:prstDash val="solid"/>
-                    </a:lnL>
-                    <a:lnR w="12700" cmpd="sng">
-                      <a:noFill/>
-                      <a:prstDash val="solid"/>
-                    </a:lnR>
-                    <a:lnT w="12700" cmpd="sng">
-                      <a:noFill/>
-                      <a:prstDash val="solid"/>
-                    </a:lnT>
-                    <a:lnB w="12700" cmpd="sng">
-                      <a:noFill/>
-                      <a:prstDash val="solid"/>
-                    </a:lnB>
-                    <a:solidFill>
-                      <a:srgbClr val="000000">
-                        <a:alpha val="7843"/>
-                      </a:srgbClr>
-                    </a:solidFill>
-                  </a:tcPr>
-                </a:tc>
-                <a:extLst>
-                  <a:ext uri="{0D108BD9-81ED-4DB2-BD59-A6C34878D82A}">
-                    <a16:rowId xmlns:a16="http://schemas.microsoft.com/office/drawing/2014/main" val="2957986143"/>
-                  </a:ext>
-                </a:extLst>
-              </a:tr>
-            </a:tbl>
-          </a:graphicData>
-        </a:graphic>
-      </p:graphicFrame>
-    </p:spTree>
-    <p:extLst>
-      <p:ext uri="{BB962C8B-B14F-4D97-AF65-F5344CB8AC3E}">
-        <p14:creationId xmlns:p14="http://schemas.microsoft.com/office/powerpoint/2010/main" val="1811834077"/>
-      </p:ext>
-    </p:extLst>
-  </p:cSld>
-  <p:clrMapOvr>
-    <a:masterClrMapping/>
-  </p:clrMapOvr>
-</p:sld>
-</file>
-
-<file path=ppt/slides/slide13.xml><?xml version="1.0" encoding="utf-8"?>
-<p:sld xmlns:a="http://schemas.openxmlformats.org/drawingml/2006/main" xmlns:r="http://schemas.openxmlformats.org/officeDocument/2006/relationships" xmlns:p="http://schemas.openxmlformats.org/presentationml/2006/main">
-  <p:cSld>
-    <p:bg>
-      <p:bgPr>
-        <a:solidFill>
-          <a:schemeClr val="bg1"/>
-        </a:solidFill>
-        <a:effectLst/>
-      </p:bgPr>
-    </p:bg>
-    <p:spTree>
-      <p:nvGrpSpPr>
-        <p:cNvPr id="1" name=""/>
-        <p:cNvGrpSpPr/>
-        <p:nvPr/>
-      </p:nvGrpSpPr>
-      <p:grpSpPr>
-        <a:xfrm>
-          <a:off x="0" y="0"/>
-          <a:ext cx="0" cy="0"/>
-          <a:chOff x="0" y="0"/>
-          <a:chExt cx="0" cy="0"/>
-        </a:xfrm>
-      </p:grpSpPr>
-      <p:sp>
-        <p:nvSpPr>
           <p:cNvPr id="9" name="Down Arrow 7">
             <a:extLst>
               <a:ext uri="{FF2B5EF4-FFF2-40B4-BE49-F238E27FC236}">
@@ -16385,7 +14447,7 @@
 </p:sld>
 </file>
 
-<file path=ppt/slides/slide14.xml><?xml version="1.0" encoding="utf-8"?>
+<file path=ppt/slides/slide12.xml><?xml version="1.0" encoding="utf-8"?>
 <p:sld xmlns:a="http://schemas.openxmlformats.org/drawingml/2006/main" xmlns:r="http://schemas.openxmlformats.org/officeDocument/2006/relationships" xmlns:p="http://schemas.openxmlformats.org/presentationml/2006/main">
   <p:cSld>
     <p:bg>
